--- a/Защита проекта.pptx
+++ b/Защита проекта.pptx
@@ -52,7 +52,7 @@
     <p:sldId id="274" r:id="rId47"/>
   </p:sldIdLst>
   <p:sldSz cx="9144000" cy="6858000"/>
-  <p:notesSz cx="6858000" cy="9144000"/>
+  <p:notesSz cx="7559675" cy="10691813"/>
 </p:presentation>
 </file>
 
@@ -87,7 +87,7 @@
         <p:txBody>
           <a:bodyPr/>
           <a:p>
-            <a:fld id="{84E3A991-B1C6-4C8B-861A-7ECF33BCDAAF}" type="slidenum">
+            <a:fld id="{CC277DF2-629B-43A9-ABB9-0A38CD399A88}" type="slidenum">
               <a:t>&lt;#&gt;</a:t>
             </a:fld>
           </a:p>
@@ -117,7 +117,7 @@
       </p:grpSpPr>
       <p:sp>
         <p:nvSpPr>
-          <p:cNvPr id="28" name="PlaceHolder 1"/>
+          <p:cNvPr id="26" name="PlaceHolder 1"/>
           <p:cNvSpPr>
             <a:spLocks noGrp="1"/>
           </p:cNvSpPr>
@@ -127,8 +127,8 @@
         </p:nvSpPr>
         <p:spPr>
           <a:xfrm>
-            <a:off x="500400" y="441000"/>
-            <a:ext cx="8520120" cy="1305720"/>
+            <a:off x="457200" y="221040"/>
+            <a:ext cx="8229240" cy="1250280"/>
           </a:xfrm>
           <a:prstGeom prst="rect">
             <a:avLst/>
@@ -143,10 +143,10 @@
             <a:noAutofit/>
           </a:bodyPr>
           <a:p>
-            <a:pPr indent="0">
+            <a:pPr indent="0" algn="ctr">
               <a:buNone/>
             </a:pPr>
-            <a:endParaRPr b="0" lang="ru-RU" sz="1400" spc="-1" strike="noStrike">
+            <a:endParaRPr b="0" lang="ru-RU" sz="4400" spc="-1" strike="noStrike">
               <a:solidFill>
                 <a:srgbClr val="000000"/>
               </a:solidFill>
@@ -157,7 +157,7 @@
       </p:sp>
       <p:sp>
         <p:nvSpPr>
-          <p:cNvPr id="29" name="PlaceHolder 2"/>
+          <p:cNvPr id="27" name="PlaceHolder 2"/>
           <p:cNvSpPr>
             <a:spLocks noGrp="1"/>
           </p:cNvSpPr>
@@ -189,7 +189,7 @@
               </a:spcBef>
               <a:buNone/>
             </a:pPr>
-            <a:endParaRPr b="0" lang="ru-RU" sz="1400" spc="-1" strike="noStrike">
+            <a:endParaRPr b="0" lang="ru-RU" sz="3200" spc="-1" strike="noStrike">
               <a:solidFill>
                 <a:srgbClr val="000000"/>
               </a:solidFill>
@@ -200,7 +200,7 @@
       </p:sp>
       <p:sp>
         <p:nvSpPr>
-          <p:cNvPr id="30" name="PlaceHolder 3"/>
+          <p:cNvPr id="28" name="PlaceHolder 3"/>
           <p:cNvSpPr>
             <a:spLocks noGrp="1"/>
           </p:cNvSpPr>
@@ -232,7 +232,7 @@
               </a:spcBef>
               <a:buNone/>
             </a:pPr>
-            <a:endParaRPr b="0" lang="ru-RU" sz="1400" spc="-1" strike="noStrike">
+            <a:endParaRPr b="0" lang="ru-RU" sz="3200" spc="-1" strike="noStrike">
               <a:solidFill>
                 <a:srgbClr val="000000"/>
               </a:solidFill>
@@ -255,7 +255,7 @@
         <p:txBody>
           <a:bodyPr/>
           <a:p>
-            <a:fld id="{CB818FFA-D041-4388-9490-FA8208E7A4FF}" type="slidenum">
+            <a:fld id="{AEAA31F3-9047-40F4-BBC1-F0CE8DAE8AEC}" type="slidenum">
               <a:t>&lt;#&gt;</a:t>
             </a:fld>
           </a:p>
@@ -285,7 +285,7 @@
       </p:grpSpPr>
       <p:sp>
         <p:nvSpPr>
-          <p:cNvPr id="34" name="PlaceHolder 1"/>
+          <p:cNvPr id="32" name="PlaceHolder 1"/>
           <p:cNvSpPr>
             <a:spLocks noGrp="1"/>
           </p:cNvSpPr>
@@ -295,8 +295,8 @@
         </p:nvSpPr>
         <p:spPr>
           <a:xfrm>
-            <a:off x="500400" y="441000"/>
-            <a:ext cx="8520120" cy="1305720"/>
+            <a:off x="457200" y="221040"/>
+            <a:ext cx="8229240" cy="1250280"/>
           </a:xfrm>
           <a:prstGeom prst="rect">
             <a:avLst/>
@@ -311,10 +311,10 @@
             <a:noAutofit/>
           </a:bodyPr>
           <a:p>
-            <a:pPr indent="0">
+            <a:pPr indent="0" algn="ctr">
               <a:buNone/>
             </a:pPr>
-            <a:endParaRPr b="0" lang="ru-RU" sz="1400" spc="-1" strike="noStrike">
+            <a:endParaRPr b="0" lang="ru-RU" sz="4400" spc="-1" strike="noStrike">
               <a:solidFill>
                 <a:srgbClr val="000000"/>
               </a:solidFill>
@@ -337,7 +337,7 @@
         <p:txBody>
           <a:bodyPr/>
           <a:p>
-            <a:fld id="{3BDA67BC-37F8-4E4C-934F-31969CE7B135}" type="slidenum">
+            <a:fld id="{124A33DF-FBF8-4FC7-AF9D-BD9BD3F7641C}" type="slidenum">
               <a:t>&lt;#&gt;</a:t>
             </a:fld>
           </a:p>
@@ -379,7 +379,7 @@
         <p:txBody>
           <a:bodyPr/>
           <a:p>
-            <a:fld id="{D58A825E-8235-4B3A-895F-DD34A28EBAB2}" type="slidenum">
+            <a:fld id="{E18343EA-4976-43D7-87F3-CC27B2B5B6D2}" type="slidenum">
               <a:t>&lt;#&gt;</a:t>
             </a:fld>
           </a:p>
@@ -443,7 +443,7 @@
         <p:txBody>
           <a:bodyPr/>
           <a:p>
-            <a:fld id="{1077154A-9910-4466-B0E2-AB691DF66602}" type="slidenum">
+            <a:fld id="{5326923D-A649-42FD-8454-7006807A47AB}" type="slidenum">
               <a:t>&lt;#&gt;</a:t>
             </a:fld>
           </a:p>
@@ -605,7 +605,7 @@
       </p:grpSpPr>
       <p:sp>
         <p:nvSpPr>
-          <p:cNvPr id="56" name="PlaceHolder 1"/>
+          <p:cNvPr id="47" name="PlaceHolder 1"/>
           <p:cNvSpPr>
             <a:spLocks noGrp="1"/>
           </p:cNvSpPr>
@@ -615,8 +615,8 @@
         </p:nvSpPr>
         <p:spPr>
           <a:xfrm>
-            <a:off x="500400" y="441000"/>
-            <a:ext cx="8520120" cy="1305720"/>
+            <a:off x="457200" y="221040"/>
+            <a:ext cx="8229240" cy="1250280"/>
           </a:xfrm>
           <a:prstGeom prst="rect">
             <a:avLst/>
@@ -631,10 +631,10 @@
             <a:noAutofit/>
           </a:bodyPr>
           <a:p>
-            <a:pPr indent="0">
+            <a:pPr indent="0" algn="ctr">
               <a:buNone/>
             </a:pPr>
-            <a:endParaRPr b="0" lang="ru-RU" sz="1400" spc="-1" strike="noStrike">
+            <a:endParaRPr b="0" lang="ru-RU" sz="4400" spc="-1" strike="noStrike">
               <a:solidFill>
                 <a:srgbClr val="000000"/>
               </a:solidFill>
@@ -645,7 +645,7 @@
       </p:sp>
       <p:sp>
         <p:nvSpPr>
-          <p:cNvPr id="57" name="PlaceHolder 2"/>
+          <p:cNvPr id="48" name="PlaceHolder 2"/>
           <p:cNvSpPr>
             <a:spLocks noGrp="1"/>
           </p:cNvSpPr>
@@ -719,7 +719,7 @@
         <p:txBody>
           <a:bodyPr/>
           <a:p>
-            <a:fld id="{D33C3FBC-FC50-4AA0-B57D-A354FE86484F}" type="slidenum">
+            <a:fld id="{36F08836-84ED-43D2-962A-C92F57AA0C15}" type="slidenum">
               <a:t>&lt;#&gt;</a:t>
             </a:fld>
           </a:p>
@@ -749,7 +749,7 @@
       </p:grpSpPr>
       <p:sp>
         <p:nvSpPr>
-          <p:cNvPr id="63" name="PlaceHolder 1"/>
+          <p:cNvPr id="53" name="PlaceHolder 1"/>
           <p:cNvSpPr>
             <a:spLocks noGrp="1"/>
           </p:cNvSpPr>
@@ -759,8 +759,8 @@
         </p:nvSpPr>
         <p:spPr>
           <a:xfrm>
-            <a:off x="500400" y="441000"/>
-            <a:ext cx="8520120" cy="1305720"/>
+            <a:off x="457200" y="221040"/>
+            <a:ext cx="8229240" cy="1250280"/>
           </a:xfrm>
           <a:prstGeom prst="rect">
             <a:avLst/>
@@ -775,10 +775,10 @@
             <a:noAutofit/>
           </a:bodyPr>
           <a:p>
-            <a:pPr indent="0">
+            <a:pPr indent="0" algn="ctr">
               <a:buNone/>
             </a:pPr>
-            <a:endParaRPr b="0" lang="ru-RU" sz="1400" spc="-1" strike="noStrike">
+            <a:endParaRPr b="0" lang="ru-RU" sz="4400" spc="-1" strike="noStrike">
               <a:solidFill>
                 <a:srgbClr val="000000"/>
               </a:solidFill>
@@ -789,7 +789,7 @@
       </p:sp>
       <p:sp>
         <p:nvSpPr>
-          <p:cNvPr id="64" name="PlaceHolder 2"/>
+          <p:cNvPr id="54" name="PlaceHolder 2"/>
           <p:cNvSpPr>
             <a:spLocks noGrp="1"/>
           </p:cNvSpPr>
@@ -821,7 +821,7 @@
               </a:spcBef>
               <a:buNone/>
             </a:pPr>
-            <a:endParaRPr b="0" lang="ru-RU" sz="1400" spc="-1" strike="noStrike">
+            <a:endParaRPr b="0" lang="ru-RU" sz="3200" spc="-1" strike="noStrike">
               <a:solidFill>
                 <a:srgbClr val="000000"/>
               </a:solidFill>
@@ -844,7 +844,7 @@
         <p:txBody>
           <a:bodyPr/>
           <a:p>
-            <a:fld id="{8003E30B-7857-4EBE-BAA1-2C3103BD312D}" type="slidenum">
+            <a:fld id="{4ACFF2E4-9709-4A2A-BE0E-03BF409A4912}" type="slidenum">
               <a:t>&lt;#&gt;</a:t>
             </a:fld>
           </a:p>
@@ -874,7 +874,7 @@
       </p:grpSpPr>
       <p:sp>
         <p:nvSpPr>
-          <p:cNvPr id="67" name="PlaceHolder 1"/>
+          <p:cNvPr id="59" name="PlaceHolder 1"/>
           <p:cNvSpPr>
             <a:spLocks noGrp="1"/>
           </p:cNvSpPr>
@@ -884,8 +884,8 @@
         </p:nvSpPr>
         <p:spPr>
           <a:xfrm>
-            <a:off x="500400" y="441000"/>
-            <a:ext cx="8520120" cy="1305720"/>
+            <a:off x="457200" y="221040"/>
+            <a:ext cx="8229240" cy="1250280"/>
           </a:xfrm>
           <a:prstGeom prst="rect">
             <a:avLst/>
@@ -900,10 +900,10 @@
             <a:noAutofit/>
           </a:bodyPr>
           <a:p>
-            <a:pPr indent="0">
+            <a:pPr indent="0" algn="ctr">
               <a:buNone/>
             </a:pPr>
-            <a:endParaRPr b="0" lang="ru-RU" sz="1400" spc="-1" strike="noStrike">
+            <a:endParaRPr b="0" lang="ru-RU" sz="4400" spc="-1" strike="noStrike">
               <a:solidFill>
                 <a:srgbClr val="000000"/>
               </a:solidFill>
@@ -914,7 +914,7 @@
       </p:sp>
       <p:sp>
         <p:nvSpPr>
-          <p:cNvPr id="68" name="PlaceHolder 2"/>
+          <p:cNvPr id="60" name="PlaceHolder 2"/>
           <p:cNvSpPr>
             <a:spLocks noGrp="1"/>
           </p:cNvSpPr>
@@ -946,7 +946,7 @@
               </a:spcBef>
               <a:buNone/>
             </a:pPr>
-            <a:endParaRPr b="0" lang="ru-RU" sz="1400" spc="-1" strike="noStrike">
+            <a:endParaRPr b="0" lang="ru-RU" sz="3200" spc="-1" strike="noStrike">
               <a:solidFill>
                 <a:srgbClr val="000000"/>
               </a:solidFill>
@@ -957,7 +957,7 @@
       </p:sp>
       <p:sp>
         <p:nvSpPr>
-          <p:cNvPr id="69" name="PlaceHolder 3"/>
+          <p:cNvPr id="61" name="PlaceHolder 3"/>
           <p:cNvSpPr>
             <a:spLocks noGrp="1"/>
           </p:cNvSpPr>
@@ -989,7 +989,7 @@
               </a:spcBef>
               <a:buNone/>
             </a:pPr>
-            <a:endParaRPr b="0" lang="ru-RU" sz="1400" spc="-1" strike="noStrike">
+            <a:endParaRPr b="0" lang="ru-RU" sz="3200" spc="-1" strike="noStrike">
               <a:solidFill>
                 <a:srgbClr val="000000"/>
               </a:solidFill>
@@ -1012,7 +1012,7 @@
         <p:txBody>
           <a:bodyPr/>
           <a:p>
-            <a:fld id="{134FA611-EE53-41A8-A6FE-116155DA5382}" type="slidenum">
+            <a:fld id="{888B3132-2A6B-4FBD-83D4-F5457C2A28C4}" type="slidenum">
               <a:t>&lt;#&gt;</a:t>
             </a:fld>
           </a:p>
@@ -1054,7 +1054,7 @@
         <p:txBody>
           <a:bodyPr/>
           <a:p>
-            <a:fld id="{BC3614C8-906D-4A60-A5EB-7DC93495EF71}" type="slidenum">
+            <a:fld id="{AAE17244-7EC1-4307-B5A4-505780DE623D}" type="slidenum">
               <a:t>&lt;#&gt;</a:t>
             </a:fld>
           </a:p>
@@ -1118,7 +1118,7 @@
         <p:txBody>
           <a:bodyPr/>
           <a:p>
-            <a:fld id="{2BA57863-0980-429D-AAF7-B4A650390466}" type="slidenum">
+            <a:fld id="{816193DE-6161-4A84-B9FF-627E36FB8D19}" type="slidenum">
               <a:t>&lt;#&gt;</a:t>
             </a:fld>
           </a:p>
@@ -1160,7 +1160,7 @@
         <p:txBody>
           <a:bodyPr/>
           <a:p>
-            <a:fld id="{F36A9377-49DC-4F86-B7BA-EA9F388768A1}" type="slidenum">
+            <a:fld id="{EAA4AB46-EA31-4A5D-A3E6-BB7C5528A58F}" type="slidenum">
               <a:t>&lt;#&gt;</a:t>
             </a:fld>
           </a:p>
@@ -1278,7 +1278,7 @@
       </p:grpSpPr>
       <p:sp>
         <p:nvSpPr>
-          <p:cNvPr id="15" name="PlaceHolder 1"/>
+          <p:cNvPr id="12" name="PlaceHolder 1"/>
           <p:cNvSpPr>
             <a:spLocks noGrp="1"/>
           </p:cNvSpPr>
@@ -1288,8 +1288,8 @@
         </p:nvSpPr>
         <p:spPr>
           <a:xfrm>
-            <a:off x="500400" y="441000"/>
-            <a:ext cx="8520120" cy="1305720"/>
+            <a:off x="457200" y="221040"/>
+            <a:ext cx="8229240" cy="1250280"/>
           </a:xfrm>
           <a:prstGeom prst="rect">
             <a:avLst/>
@@ -1304,10 +1304,10 @@
             <a:noAutofit/>
           </a:bodyPr>
           <a:p>
-            <a:pPr indent="0">
+            <a:pPr indent="0" algn="ctr">
               <a:buNone/>
             </a:pPr>
-            <a:endParaRPr b="0" lang="ru-RU" sz="1400" spc="-1" strike="noStrike">
+            <a:endParaRPr b="0" lang="ru-RU" sz="4400" spc="-1" strike="noStrike">
               <a:solidFill>
                 <a:srgbClr val="000000"/>
               </a:solidFill>
@@ -1318,7 +1318,7 @@
       </p:sp>
       <p:sp>
         <p:nvSpPr>
-          <p:cNvPr id="16" name="PlaceHolder 2"/>
+          <p:cNvPr id="13" name="PlaceHolder 2"/>
           <p:cNvSpPr>
             <a:spLocks noGrp="1"/>
           </p:cNvSpPr>
@@ -1392,7 +1392,7 @@
         <p:txBody>
           <a:bodyPr/>
           <a:p>
-            <a:fld id="{A9AC8E0E-03FB-48C7-B4F2-95711AC1BF60}" type="slidenum">
+            <a:fld id="{5F38F13F-A7A9-4E7E-8CEC-465AEA71BCED}" type="slidenum">
               <a:t>&lt;#&gt;</a:t>
             </a:fld>
           </a:p>
@@ -1422,7 +1422,7 @@
       </p:grpSpPr>
       <p:sp>
         <p:nvSpPr>
-          <p:cNvPr id="23" name="PlaceHolder 1"/>
+          <p:cNvPr id="20" name="PlaceHolder 1"/>
           <p:cNvSpPr>
             <a:spLocks noGrp="1"/>
           </p:cNvSpPr>
@@ -1432,8 +1432,8 @@
         </p:nvSpPr>
         <p:spPr>
           <a:xfrm>
-            <a:off x="500400" y="441000"/>
-            <a:ext cx="8520120" cy="1305720"/>
+            <a:off x="457200" y="221040"/>
+            <a:ext cx="8229240" cy="1250280"/>
           </a:xfrm>
           <a:prstGeom prst="rect">
             <a:avLst/>
@@ -1448,10 +1448,10 @@
             <a:noAutofit/>
           </a:bodyPr>
           <a:p>
-            <a:pPr indent="0">
+            <a:pPr indent="0" algn="ctr">
               <a:buNone/>
             </a:pPr>
-            <a:endParaRPr b="0" lang="ru-RU" sz="1400" spc="-1" strike="noStrike">
+            <a:endParaRPr b="0" lang="ru-RU" sz="4400" spc="-1" strike="noStrike">
               <a:solidFill>
                 <a:srgbClr val="000000"/>
               </a:solidFill>
@@ -1462,7 +1462,7 @@
       </p:sp>
       <p:sp>
         <p:nvSpPr>
-          <p:cNvPr id="24" name="PlaceHolder 2"/>
+          <p:cNvPr id="21" name="PlaceHolder 2"/>
           <p:cNvSpPr>
             <a:spLocks noGrp="1"/>
           </p:cNvSpPr>
@@ -1494,7 +1494,7 @@
               </a:spcBef>
               <a:buNone/>
             </a:pPr>
-            <a:endParaRPr b="0" lang="ru-RU" sz="1400" spc="-1" strike="noStrike">
+            <a:endParaRPr b="0" lang="ru-RU" sz="3200" spc="-1" strike="noStrike">
               <a:solidFill>
                 <a:srgbClr val="000000"/>
               </a:solidFill>
@@ -1517,7 +1517,7 @@
         <p:txBody>
           <a:bodyPr/>
           <a:p>
-            <a:fld id="{902A62FD-F155-40EC-B22E-EBBCC18B41E8}" type="slidenum">
+            <a:fld id="{8E2816FF-98EF-4EF6-8FC5-187C70BFB97F}" type="slidenum">
               <a:t>&lt;#&gt;</a:t>
             </a:fld>
           </a:p>
@@ -1566,7 +1566,7 @@
         <p:spPr>
           <a:xfrm>
             <a:off x="8472600" y="6217560"/>
-            <a:ext cx="548280" cy="524520"/>
+            <a:ext cx="547920" cy="524160"/>
           </a:xfrm>
           <a:prstGeom prst="rect">
             <a:avLst/>
@@ -1578,7 +1578,7 @@
         </p:spPr>
         <p:txBody>
           <a:bodyPr lIns="91440" rIns="91440" tIns="91440" bIns="91440" anchor="ctr">
-            <a:normAutofit/>
+            <a:noAutofit/>
           </a:bodyPr>
           <a:lstStyle>
             <a:lvl1pPr indent="0" algn="r">
@@ -1608,7 +1608,7 @@
                 <a:tab algn="l" pos="0"/>
               </a:tabLst>
             </a:pPr>
-            <a:fld id="{3C3F7732-AD04-4742-BE65-EDA1B1A6C56F}" type="slidenum">
+            <a:fld id="{0C790D30-C3E4-48A2-ABBE-6707C9A27B4A}" type="slidenum">
               <a:rPr b="0" lang="ru" sz="1000" spc="-1" strike="noStrike">
                 <a:solidFill>
                   <a:schemeClr val="dk2"/>
@@ -1616,7 +1616,7 @@
                 <a:latin typeface="Arial"/>
                 <a:ea typeface="Arial"/>
               </a:rPr>
-              <a:t>&lt;номер&gt;</a:t>
+              <a:t>10</a:t>
             </a:fld>
             <a:endParaRPr b="0" lang="ru-RU" sz="1000" spc="-1" strike="noStrike">
               <a:solidFill>
@@ -1663,7 +1663,506 @@
       </p:grpSpPr>
       <p:sp>
         <p:nvSpPr>
-          <p:cNvPr id="25" name="PlaceHolder 1"/>
+          <p:cNvPr id="22" name="PlaceHolder 1"/>
+          <p:cNvSpPr>
+            <a:spLocks noGrp="1"/>
+          </p:cNvSpPr>
+          <p:nvPr>
+            <p:ph type="title"/>
+          </p:nvPr>
+        </p:nvSpPr>
+        <p:spPr>
+          <a:xfrm>
+            <a:off x="500400" y="441000"/>
+            <a:ext cx="8519760" cy="1305360"/>
+          </a:xfrm>
+          <a:prstGeom prst="rect">
+            <a:avLst/>
+          </a:prstGeom>
+          <a:noFill/>
+          <a:ln w="0">
+            <a:noFill/>
+          </a:ln>
+        </p:spPr>
+        <p:txBody>
+          <a:bodyPr lIns="0" rIns="0" tIns="0" bIns="0" anchor="ctr">
+            <a:noAutofit/>
+          </a:bodyPr>
+          <a:p>
+            <a:pPr indent="0">
+              <a:buNone/>
+            </a:pPr>
+            <a:r>
+              <a:rPr b="0" lang="ru-RU" sz="1800" spc="-1" strike="noStrike">
+                <a:solidFill>
+                  <a:srgbClr val="000000"/>
+                </a:solidFill>
+                <a:latin typeface="Arial"/>
+              </a:rPr>
+              <a:t>Для правки текста заглавия щёлкните мышью</a:t>
+            </a:r>
+            <a:endParaRPr b="0" lang="ru-RU" sz="1800" spc="-1" strike="noStrike">
+              <a:solidFill>
+                <a:srgbClr val="000000"/>
+              </a:solidFill>
+              <a:latin typeface="Arial"/>
+            </a:endParaRPr>
+          </a:p>
+        </p:txBody>
+      </p:sp>
+      <p:sp>
+        <p:nvSpPr>
+          <p:cNvPr id="23" name="PlaceHolder 2"/>
+          <p:cNvSpPr>
+            <a:spLocks noGrp="1"/>
+          </p:cNvSpPr>
+          <p:nvPr>
+            <p:ph type="body"/>
+          </p:nvPr>
+        </p:nvSpPr>
+        <p:spPr>
+          <a:xfrm>
+            <a:off x="457200" y="1604520"/>
+            <a:ext cx="4015440" cy="3976920"/>
+          </a:xfrm>
+          <a:prstGeom prst="rect">
+            <a:avLst/>
+          </a:prstGeom>
+          <a:noFill/>
+          <a:ln w="0">
+            <a:noFill/>
+          </a:ln>
+        </p:spPr>
+        <p:txBody>
+          <a:bodyPr lIns="0" rIns="0" tIns="0" bIns="0" anchor="t">
+            <a:normAutofit fontScale="93333" lnSpcReduction="10000"/>
+          </a:bodyPr>
+          <a:p>
+            <a:pPr marL="432000" indent="-324000">
+              <a:spcBef>
+                <a:spcPts val="1417"/>
+              </a:spcBef>
+              <a:buClr>
+                <a:srgbClr val="000000"/>
+              </a:buClr>
+              <a:buSzPct val="45000"/>
+              <a:buFont typeface="Wingdings" charset="2"/>
+              <a:buChar char=""/>
+            </a:pPr>
+            <a:r>
+              <a:rPr b="0" lang="ru-RU" sz="1800" spc="-1" strike="noStrike">
+                <a:solidFill>
+                  <a:srgbClr val="000000"/>
+                </a:solidFill>
+                <a:latin typeface="Arial"/>
+              </a:rPr>
+              <a:t>Для правки структуры щёлкните мышью</a:t>
+            </a:r>
+            <a:endParaRPr b="0" lang="ru-RU" sz="1800" spc="-1" strike="noStrike">
+              <a:solidFill>
+                <a:srgbClr val="000000"/>
+              </a:solidFill>
+              <a:latin typeface="Arial"/>
+            </a:endParaRPr>
+          </a:p>
+          <a:p>
+            <a:pPr lvl="1" marL="864000" indent="-324000">
+              <a:spcBef>
+                <a:spcPts val="1134"/>
+              </a:spcBef>
+              <a:buClr>
+                <a:srgbClr val="000000"/>
+              </a:buClr>
+              <a:buSzPct val="75000"/>
+              <a:buFont typeface="Symbol" charset="2"/>
+              <a:buChar char=""/>
+            </a:pPr>
+            <a:r>
+              <a:rPr b="0" lang="ru-RU" sz="1800" spc="-1" strike="noStrike">
+                <a:solidFill>
+                  <a:srgbClr val="000000"/>
+                </a:solidFill>
+                <a:latin typeface="Arial"/>
+              </a:rPr>
+              <a:t>Второй уровень структуры</a:t>
+            </a:r>
+            <a:endParaRPr b="0" lang="ru-RU" sz="1800" spc="-1" strike="noStrike">
+              <a:solidFill>
+                <a:srgbClr val="000000"/>
+              </a:solidFill>
+              <a:latin typeface="Arial"/>
+            </a:endParaRPr>
+          </a:p>
+          <a:p>
+            <a:pPr lvl="2" marL="1296000" indent="-288000">
+              <a:spcBef>
+                <a:spcPts val="850"/>
+              </a:spcBef>
+              <a:buClr>
+                <a:srgbClr val="000000"/>
+              </a:buClr>
+              <a:buSzPct val="45000"/>
+              <a:buFont typeface="Wingdings" charset="2"/>
+              <a:buChar char=""/>
+            </a:pPr>
+            <a:r>
+              <a:rPr b="0" lang="ru-RU" sz="1800" spc="-1" strike="noStrike">
+                <a:solidFill>
+                  <a:srgbClr val="000000"/>
+                </a:solidFill>
+                <a:latin typeface="Arial"/>
+              </a:rPr>
+              <a:t>Третий уровень структуры</a:t>
+            </a:r>
+            <a:endParaRPr b="0" lang="ru-RU" sz="1800" spc="-1" strike="noStrike">
+              <a:solidFill>
+                <a:srgbClr val="000000"/>
+              </a:solidFill>
+              <a:latin typeface="Arial"/>
+            </a:endParaRPr>
+          </a:p>
+          <a:p>
+            <a:pPr lvl="3" marL="1728000" indent="-216000">
+              <a:spcBef>
+                <a:spcPts val="567"/>
+              </a:spcBef>
+              <a:buClr>
+                <a:srgbClr val="000000"/>
+              </a:buClr>
+              <a:buSzPct val="75000"/>
+              <a:buFont typeface="Symbol" charset="2"/>
+              <a:buChar char=""/>
+            </a:pPr>
+            <a:r>
+              <a:rPr b="0" lang="ru-RU" sz="1800" spc="-1" strike="noStrike">
+                <a:solidFill>
+                  <a:srgbClr val="000000"/>
+                </a:solidFill>
+                <a:latin typeface="Arial"/>
+              </a:rPr>
+              <a:t>Четвёртый уровень структуры</a:t>
+            </a:r>
+            <a:endParaRPr b="0" lang="ru-RU" sz="1800" spc="-1" strike="noStrike">
+              <a:solidFill>
+                <a:srgbClr val="000000"/>
+              </a:solidFill>
+              <a:latin typeface="Arial"/>
+            </a:endParaRPr>
+          </a:p>
+          <a:p>
+            <a:pPr lvl="4" marL="2160000" indent="-216000">
+              <a:spcBef>
+                <a:spcPts val="283"/>
+              </a:spcBef>
+              <a:buClr>
+                <a:srgbClr val="000000"/>
+              </a:buClr>
+              <a:buSzPct val="45000"/>
+              <a:buFont typeface="Wingdings" charset="2"/>
+              <a:buChar char=""/>
+            </a:pPr>
+            <a:r>
+              <a:rPr b="0" lang="ru-RU" sz="1800" spc="-1" strike="noStrike">
+                <a:solidFill>
+                  <a:srgbClr val="000000"/>
+                </a:solidFill>
+                <a:latin typeface="Arial"/>
+              </a:rPr>
+              <a:t>Пятый уровень структуры</a:t>
+            </a:r>
+            <a:endParaRPr b="0" lang="ru-RU" sz="1800" spc="-1" strike="noStrike">
+              <a:solidFill>
+                <a:srgbClr val="000000"/>
+              </a:solidFill>
+              <a:latin typeface="Arial"/>
+            </a:endParaRPr>
+          </a:p>
+          <a:p>
+            <a:pPr lvl="5" marL="2592000" indent="-216000">
+              <a:spcBef>
+                <a:spcPts val="283"/>
+              </a:spcBef>
+              <a:buClr>
+                <a:srgbClr val="000000"/>
+              </a:buClr>
+              <a:buSzPct val="45000"/>
+              <a:buFont typeface="Wingdings" charset="2"/>
+              <a:buChar char=""/>
+            </a:pPr>
+            <a:r>
+              <a:rPr b="0" lang="ru-RU" sz="1800" spc="-1" strike="noStrike">
+                <a:solidFill>
+                  <a:srgbClr val="000000"/>
+                </a:solidFill>
+                <a:latin typeface="Arial"/>
+              </a:rPr>
+              <a:t>Шестой уровень структуры</a:t>
+            </a:r>
+            <a:endParaRPr b="0" lang="ru-RU" sz="1800" spc="-1" strike="noStrike">
+              <a:solidFill>
+                <a:srgbClr val="000000"/>
+              </a:solidFill>
+              <a:latin typeface="Arial"/>
+            </a:endParaRPr>
+          </a:p>
+          <a:p>
+            <a:pPr lvl="6" marL="3024000" indent="-216000">
+              <a:spcBef>
+                <a:spcPts val="283"/>
+              </a:spcBef>
+              <a:buClr>
+                <a:srgbClr val="000000"/>
+              </a:buClr>
+              <a:buSzPct val="45000"/>
+              <a:buFont typeface="Wingdings" charset="2"/>
+              <a:buChar char=""/>
+            </a:pPr>
+            <a:r>
+              <a:rPr b="0" lang="ru-RU" sz="1800" spc="-1" strike="noStrike">
+                <a:solidFill>
+                  <a:srgbClr val="000000"/>
+                </a:solidFill>
+                <a:latin typeface="Arial"/>
+              </a:rPr>
+              <a:t>Седьмой уровень структуры</a:t>
+            </a:r>
+            <a:endParaRPr b="0" lang="ru-RU" sz="1800" spc="-1" strike="noStrike">
+              <a:solidFill>
+                <a:srgbClr val="000000"/>
+              </a:solidFill>
+              <a:latin typeface="Arial"/>
+            </a:endParaRPr>
+          </a:p>
+        </p:txBody>
+      </p:sp>
+      <p:sp>
+        <p:nvSpPr>
+          <p:cNvPr id="24" name="PlaceHolder 3"/>
+          <p:cNvSpPr>
+            <a:spLocks noGrp="1"/>
+          </p:cNvSpPr>
+          <p:nvPr>
+            <p:ph type="body"/>
+          </p:nvPr>
+        </p:nvSpPr>
+        <p:spPr>
+          <a:xfrm>
+            <a:off x="4674240" y="1604520"/>
+            <a:ext cx="4015440" cy="3976920"/>
+          </a:xfrm>
+          <a:prstGeom prst="rect">
+            <a:avLst/>
+          </a:prstGeom>
+          <a:noFill/>
+          <a:ln w="0">
+            <a:noFill/>
+          </a:ln>
+        </p:spPr>
+        <p:txBody>
+          <a:bodyPr lIns="0" rIns="0" tIns="0" bIns="0" anchor="t">
+            <a:normAutofit fontScale="93333" lnSpcReduction="10000"/>
+          </a:bodyPr>
+          <a:p>
+            <a:pPr marL="432000" indent="-324000">
+              <a:spcBef>
+                <a:spcPts val="1417"/>
+              </a:spcBef>
+              <a:buClr>
+                <a:srgbClr val="000000"/>
+              </a:buClr>
+              <a:buSzPct val="45000"/>
+              <a:buFont typeface="Wingdings" charset="2"/>
+              <a:buChar char=""/>
+            </a:pPr>
+            <a:r>
+              <a:rPr b="0" lang="ru-RU" sz="1800" spc="-1" strike="noStrike">
+                <a:solidFill>
+                  <a:srgbClr val="000000"/>
+                </a:solidFill>
+                <a:latin typeface="Arial"/>
+              </a:rPr>
+              <a:t>Для правки структуры щёлкните мышью</a:t>
+            </a:r>
+            <a:endParaRPr b="0" lang="ru-RU" sz="1800" spc="-1" strike="noStrike">
+              <a:solidFill>
+                <a:srgbClr val="000000"/>
+              </a:solidFill>
+              <a:latin typeface="Arial"/>
+            </a:endParaRPr>
+          </a:p>
+          <a:p>
+            <a:pPr lvl="1" marL="864000" indent="-324000">
+              <a:spcBef>
+                <a:spcPts val="1134"/>
+              </a:spcBef>
+              <a:buClr>
+                <a:srgbClr val="000000"/>
+              </a:buClr>
+              <a:buSzPct val="75000"/>
+              <a:buFont typeface="Symbol" charset="2"/>
+              <a:buChar char=""/>
+            </a:pPr>
+            <a:r>
+              <a:rPr b="0" lang="ru-RU" sz="1800" spc="-1" strike="noStrike">
+                <a:solidFill>
+                  <a:srgbClr val="000000"/>
+                </a:solidFill>
+                <a:latin typeface="Arial"/>
+              </a:rPr>
+              <a:t>Второй уровень структуры</a:t>
+            </a:r>
+            <a:endParaRPr b="0" lang="ru-RU" sz="1800" spc="-1" strike="noStrike">
+              <a:solidFill>
+                <a:srgbClr val="000000"/>
+              </a:solidFill>
+              <a:latin typeface="Arial"/>
+            </a:endParaRPr>
+          </a:p>
+          <a:p>
+            <a:pPr lvl="2" marL="1296000" indent="-288000">
+              <a:spcBef>
+                <a:spcPts val="850"/>
+              </a:spcBef>
+              <a:buClr>
+                <a:srgbClr val="000000"/>
+              </a:buClr>
+              <a:buSzPct val="45000"/>
+              <a:buFont typeface="Wingdings" charset="2"/>
+              <a:buChar char=""/>
+            </a:pPr>
+            <a:r>
+              <a:rPr b="0" lang="ru-RU" sz="1800" spc="-1" strike="noStrike">
+                <a:solidFill>
+                  <a:srgbClr val="000000"/>
+                </a:solidFill>
+                <a:latin typeface="Arial"/>
+              </a:rPr>
+              <a:t>Третий уровень структуры</a:t>
+            </a:r>
+            <a:endParaRPr b="0" lang="ru-RU" sz="1800" spc="-1" strike="noStrike">
+              <a:solidFill>
+                <a:srgbClr val="000000"/>
+              </a:solidFill>
+              <a:latin typeface="Arial"/>
+            </a:endParaRPr>
+          </a:p>
+          <a:p>
+            <a:pPr lvl="3" marL="1728000" indent="-216000">
+              <a:spcBef>
+                <a:spcPts val="567"/>
+              </a:spcBef>
+              <a:buClr>
+                <a:srgbClr val="000000"/>
+              </a:buClr>
+              <a:buSzPct val="75000"/>
+              <a:buFont typeface="Symbol" charset="2"/>
+              <a:buChar char=""/>
+            </a:pPr>
+            <a:r>
+              <a:rPr b="0" lang="ru-RU" sz="1800" spc="-1" strike="noStrike">
+                <a:solidFill>
+                  <a:srgbClr val="000000"/>
+                </a:solidFill>
+                <a:latin typeface="Arial"/>
+              </a:rPr>
+              <a:t>Четвёртый уровень структуры</a:t>
+            </a:r>
+            <a:endParaRPr b="0" lang="ru-RU" sz="1800" spc="-1" strike="noStrike">
+              <a:solidFill>
+                <a:srgbClr val="000000"/>
+              </a:solidFill>
+              <a:latin typeface="Arial"/>
+            </a:endParaRPr>
+          </a:p>
+          <a:p>
+            <a:pPr lvl="4" marL="2160000" indent="-216000">
+              <a:spcBef>
+                <a:spcPts val="283"/>
+              </a:spcBef>
+              <a:buClr>
+                <a:srgbClr val="000000"/>
+              </a:buClr>
+              <a:buSzPct val="45000"/>
+              <a:buFont typeface="Wingdings" charset="2"/>
+              <a:buChar char=""/>
+            </a:pPr>
+            <a:r>
+              <a:rPr b="0" lang="ru-RU" sz="1800" spc="-1" strike="noStrike">
+                <a:solidFill>
+                  <a:srgbClr val="000000"/>
+                </a:solidFill>
+                <a:latin typeface="Arial"/>
+              </a:rPr>
+              <a:t>Пятый уровень структуры</a:t>
+            </a:r>
+            <a:endParaRPr b="0" lang="ru-RU" sz="1800" spc="-1" strike="noStrike">
+              <a:solidFill>
+                <a:srgbClr val="000000"/>
+              </a:solidFill>
+              <a:latin typeface="Arial"/>
+            </a:endParaRPr>
+          </a:p>
+          <a:p>
+            <a:pPr lvl="5" marL="2592000" indent="-216000">
+              <a:spcBef>
+                <a:spcPts val="283"/>
+              </a:spcBef>
+              <a:buClr>
+                <a:srgbClr val="000000"/>
+              </a:buClr>
+              <a:buSzPct val="45000"/>
+              <a:buFont typeface="Wingdings" charset="2"/>
+              <a:buChar char=""/>
+            </a:pPr>
+            <a:r>
+              <a:rPr b="0" lang="ru-RU" sz="1800" spc="-1" strike="noStrike">
+                <a:solidFill>
+                  <a:srgbClr val="000000"/>
+                </a:solidFill>
+                <a:latin typeface="Arial"/>
+              </a:rPr>
+              <a:t>Шестой уровень структуры</a:t>
+            </a:r>
+            <a:endParaRPr b="0" lang="ru-RU" sz="1800" spc="-1" strike="noStrike">
+              <a:solidFill>
+                <a:srgbClr val="000000"/>
+              </a:solidFill>
+              <a:latin typeface="Arial"/>
+            </a:endParaRPr>
+          </a:p>
+          <a:p>
+            <a:pPr lvl="6" marL="3024000" indent="-216000">
+              <a:spcBef>
+                <a:spcPts val="283"/>
+              </a:spcBef>
+              <a:buClr>
+                <a:srgbClr val="000000"/>
+              </a:buClr>
+              <a:buSzPct val="45000"/>
+              <a:buFont typeface="Wingdings" charset="2"/>
+              <a:buChar char=""/>
+            </a:pPr>
+            <a:r>
+              <a:rPr b="0" lang="ru-RU" sz="1800" spc="-1" strike="noStrike">
+                <a:solidFill>
+                  <a:srgbClr val="000000"/>
+                </a:solidFill>
+                <a:latin typeface="Arial"/>
+              </a:rPr>
+              <a:t>Седьмой уровень структуры</a:t>
+            </a:r>
+            <a:endParaRPr b="0" lang="ru-RU" sz="1800" spc="-1" strike="noStrike">
+              <a:solidFill>
+                <a:srgbClr val="000000"/>
+              </a:solidFill>
+              <a:latin typeface="Arial"/>
+            </a:endParaRPr>
+          </a:p>
+        </p:txBody>
+      </p:sp>
+      <p:sp>
+        <p:nvSpPr>
+          <p:cNvPr id="25" name="PlaceHolder 4"/>
           <p:cNvSpPr>
             <a:spLocks noGrp="1"/>
           </p:cNvSpPr>
@@ -1674,7 +2173,7 @@
         <p:spPr>
           <a:xfrm>
             <a:off x="8472600" y="6217560"/>
-            <a:ext cx="548280" cy="524520"/>
+            <a:ext cx="547920" cy="524160"/>
           </a:xfrm>
           <a:prstGeom prst="rect">
             <a:avLst/>
@@ -1686,7 +2185,7 @@
         </p:spPr>
         <p:txBody>
           <a:bodyPr lIns="91440" rIns="91440" tIns="91440" bIns="91440" anchor="ctr">
-            <a:normAutofit/>
+            <a:noAutofit/>
           </a:bodyPr>
           <a:lstStyle>
             <a:lvl1pPr indent="0" algn="r">
@@ -1716,7 +2215,7 @@
                 <a:tab algn="l" pos="0"/>
               </a:tabLst>
             </a:pPr>
-            <a:fld id="{9F69C6E8-3D0A-43B2-9C86-EA505CAD3ABB}" type="slidenum">
+            <a:fld id="{7E029B95-C48D-48C1-9F28-1A171FFA8040}" type="slidenum">
               <a:rPr b="0" lang="ru" sz="1000" spc="-1" strike="noStrike">
                 <a:solidFill>
                   <a:schemeClr val="dk2"/>
@@ -1731,280 +2230,6 @@
                 <a:srgbClr val="000000"/>
               </a:solidFill>
               <a:latin typeface="Times New Roman"/>
-            </a:endParaRPr>
-          </a:p>
-        </p:txBody>
-      </p:sp>
-      <p:sp>
-        <p:nvSpPr>
-          <p:cNvPr id="26" name="PlaceHolder 2"/>
-          <p:cNvSpPr>
-            <a:spLocks noGrp="1"/>
-          </p:cNvSpPr>
-          <p:nvPr>
-            <p:ph type="title"/>
-          </p:nvPr>
-        </p:nvSpPr>
-        <p:spPr>
-          <a:xfrm>
-            <a:off x="500400" y="1095120"/>
-            <a:ext cx="8520120" cy="2644560"/>
-          </a:xfrm>
-          <a:prstGeom prst="rect">
-            <a:avLst/>
-          </a:prstGeom>
-          <a:noFill/>
-          <a:ln w="0">
-            <a:noFill/>
-          </a:ln>
-        </p:spPr>
-        <p:txBody>
-          <a:bodyPr lIns="91440" rIns="91440" tIns="91440" bIns="91440" anchor="t">
-            <a:noAutofit/>
-          </a:bodyPr>
-          <a:p>
-            <a:pPr indent="0">
-              <a:buNone/>
-            </a:pPr>
-            <a:r>
-              <a:rPr b="0" lang="ru-RU" sz="3700" spc="-1" strike="noStrike">
-                <a:solidFill>
-                  <a:srgbClr val="000000"/>
-                </a:solidFill>
-                <a:latin typeface="Arial"/>
-              </a:rPr>
-              <a:t>Для правки текста заглавия щёлкните мышью</a:t>
-            </a:r>
-            <a:endParaRPr b="0" lang="ru-RU" sz="3700" spc="-1" strike="noStrike">
-              <a:solidFill>
-                <a:srgbClr val="000000"/>
-              </a:solidFill>
-              <a:latin typeface="Arial"/>
-            </a:endParaRPr>
-          </a:p>
-        </p:txBody>
-      </p:sp>
-      <p:sp>
-        <p:nvSpPr>
-          <p:cNvPr id="27" name="PlaceHolder 3"/>
-          <p:cNvSpPr>
-            <a:spLocks noGrp="1"/>
-          </p:cNvSpPr>
-          <p:nvPr>
-            <p:ph type="body"/>
-          </p:nvPr>
-        </p:nvSpPr>
-        <p:spPr>
-          <a:xfrm>
-            <a:off x="457200" y="1604520"/>
-            <a:ext cx="8229240" cy="3977280"/>
-          </a:xfrm>
-          <a:prstGeom prst="rect">
-            <a:avLst/>
-          </a:prstGeom>
-          <a:noFill/>
-          <a:ln w="0">
-            <a:noFill/>
-          </a:ln>
-        </p:spPr>
-        <p:txBody>
-          <a:bodyPr lIns="0" rIns="0" tIns="0" bIns="0" anchor="t">
-            <a:normAutofit/>
-          </a:bodyPr>
-          <a:p>
-            <a:pPr marL="432000" indent="-324000">
-              <a:spcBef>
-                <a:spcPts val="1417"/>
-              </a:spcBef>
-              <a:buClr>
-                <a:srgbClr val="000000"/>
-              </a:buClr>
-              <a:buSzPct val="45000"/>
-              <a:buFont typeface="Wingdings" charset="2"/>
-              <a:buChar char=""/>
-            </a:pPr>
-            <a:r>
-              <a:rPr b="0" lang="ru-RU" sz="1400" spc="-1" strike="noStrike">
-                <a:solidFill>
-                  <a:srgbClr val="000000"/>
-                </a:solidFill>
-                <a:latin typeface="Arial"/>
-              </a:rPr>
-              <a:t>Для правки структуры щёлкните мышью</a:t>
-            </a:r>
-            <a:endParaRPr b="0" lang="ru-RU" sz="1400" spc="-1" strike="noStrike">
-              <a:solidFill>
-                <a:srgbClr val="000000"/>
-              </a:solidFill>
-              <a:latin typeface="Arial"/>
-            </a:endParaRPr>
-          </a:p>
-          <a:p>
-            <a:pPr lvl="1" marL="864000" indent="-324000">
-              <a:spcBef>
-                <a:spcPts val="1134"/>
-              </a:spcBef>
-              <a:buClr>
-                <a:srgbClr val="000000"/>
-              </a:buClr>
-              <a:buSzPct val="75000"/>
-              <a:buFont typeface="Symbol" charset="2"/>
-              <a:buChar char=""/>
-            </a:pPr>
-            <a:r>
-              <a:rPr b="0" lang="ru-RU" sz="1400" spc="-1" strike="noStrike">
-                <a:solidFill>
-                  <a:srgbClr val="000000"/>
-                </a:solidFill>
-                <a:latin typeface="Arial"/>
-              </a:rPr>
-              <a:t>Второй уровень структуры</a:t>
-            </a:r>
-            <a:endParaRPr b="0" lang="ru-RU" sz="1400" spc="-1" strike="noStrike">
-              <a:solidFill>
-                <a:srgbClr val="000000"/>
-              </a:solidFill>
-              <a:latin typeface="Arial"/>
-            </a:endParaRPr>
-          </a:p>
-          <a:p>
-            <a:pPr lvl="2" marL="1296000" indent="-288000">
-              <a:spcBef>
-                <a:spcPts val="850"/>
-              </a:spcBef>
-              <a:buClr>
-                <a:srgbClr val="000000"/>
-              </a:buClr>
-              <a:buSzPct val="45000"/>
-              <a:buFont typeface="Wingdings" charset="2"/>
-              <a:buChar char=""/>
-            </a:pPr>
-            <a:r>
-              <a:rPr b="0" lang="ru-RU" sz="1400" spc="-1" strike="noStrike">
-                <a:solidFill>
-                  <a:srgbClr val="000000"/>
-                </a:solidFill>
-                <a:latin typeface="Arial"/>
-              </a:rPr>
-              <a:t>Третий уровень структуры</a:t>
-            </a:r>
-            <a:endParaRPr b="0" lang="ru-RU" sz="1400" spc="-1" strike="noStrike">
-              <a:solidFill>
-                <a:srgbClr val="000000"/>
-              </a:solidFill>
-              <a:latin typeface="Arial"/>
-            </a:endParaRPr>
-          </a:p>
-          <a:p>
-            <a:pPr lvl="3" marL="1728000" indent="-216000">
-              <a:spcBef>
-                <a:spcPts val="567"/>
-              </a:spcBef>
-              <a:buClr>
-                <a:srgbClr val="000000"/>
-              </a:buClr>
-              <a:buSzPct val="75000"/>
-              <a:buFont typeface="Symbol" charset="2"/>
-              <a:buChar char=""/>
-            </a:pPr>
-            <a:r>
-              <a:rPr b="0" lang="ru-RU" sz="1400" spc="-1" strike="noStrike">
-                <a:solidFill>
-                  <a:srgbClr val="000000"/>
-                </a:solidFill>
-                <a:latin typeface="Arial"/>
-              </a:rPr>
-              <a:t>Четвёртый уровень структуры</a:t>
-            </a:r>
-            <a:endParaRPr b="0" lang="ru-RU" sz="1400" spc="-1" strike="noStrike">
-              <a:solidFill>
-                <a:srgbClr val="000000"/>
-              </a:solidFill>
-              <a:latin typeface="Arial"/>
-            </a:endParaRPr>
-          </a:p>
-          <a:p>
-            <a:pPr lvl="4" marL="2160000" indent="-216000">
-              <a:spcBef>
-                <a:spcPts val="283"/>
-              </a:spcBef>
-              <a:buClr>
-                <a:srgbClr val="000000"/>
-              </a:buClr>
-              <a:buSzPct val="45000"/>
-              <a:buFont typeface="Wingdings" charset="2"/>
-              <a:buChar char=""/>
-            </a:pPr>
-            <a:r>
-              <a:rPr b="0" lang="ru-RU" sz="2000" spc="-1" strike="noStrike">
-                <a:solidFill>
-                  <a:srgbClr val="000000"/>
-                </a:solidFill>
-                <a:latin typeface="Arial"/>
-              </a:rPr>
-              <a:t>Пятый уровень структуры</a:t>
-            </a:r>
-            <a:endParaRPr b="0" lang="ru-RU" sz="2000" spc="-1" strike="noStrike">
-              <a:solidFill>
-                <a:srgbClr val="000000"/>
-              </a:solidFill>
-              <a:latin typeface="Arial"/>
-            </a:endParaRPr>
-          </a:p>
-          <a:p>
-            <a:pPr lvl="5" marL="2592000" indent="-216000">
-              <a:spcBef>
-                <a:spcPts val="283"/>
-              </a:spcBef>
-              <a:buClr>
-                <a:srgbClr val="000000"/>
-              </a:buClr>
-              <a:buSzPct val="45000"/>
-              <a:buFont typeface="Wingdings" charset="2"/>
-              <a:buChar char=""/>
-            </a:pPr>
-            <a:r>
-              <a:rPr b="0" lang="ru-RU" sz="2000" spc="-1" strike="noStrike">
-                <a:solidFill>
-                  <a:srgbClr val="000000"/>
-                </a:solidFill>
-                <a:latin typeface="Arial"/>
-              </a:rPr>
-              <a:t>Шестой уровень структуры</a:t>
-            </a:r>
-            <a:endParaRPr b="0" lang="ru-RU" sz="2000" spc="-1" strike="noStrike">
-              <a:solidFill>
-                <a:srgbClr val="000000"/>
-              </a:solidFill>
-              <a:latin typeface="Arial"/>
-            </a:endParaRPr>
-          </a:p>
-          <a:p>
-            <a:pPr lvl="6" marL="3024000" indent="-216000">
-              <a:spcBef>
-                <a:spcPts val="283"/>
-              </a:spcBef>
-              <a:buClr>
-                <a:srgbClr val="000000"/>
-              </a:buClr>
-              <a:buSzPct val="45000"/>
-              <a:buFont typeface="Wingdings" charset="2"/>
-              <a:buChar char=""/>
-            </a:pPr>
-            <a:r>
-              <a:rPr b="0" lang="ru-RU" sz="2000" spc="-1" strike="noStrike">
-                <a:solidFill>
-                  <a:srgbClr val="000000"/>
-                </a:solidFill>
-                <a:latin typeface="Arial"/>
-              </a:rPr>
-              <a:t>Седьмой уровень структуры</a:t>
-            </a:r>
-            <a:endParaRPr b="0" lang="ru-RU" sz="2000" spc="-1" strike="noStrike">
-              <a:solidFill>
-                <a:srgbClr val="000000"/>
-              </a:solidFill>
-              <a:latin typeface="Arial"/>
             </a:endParaRPr>
           </a:p>
         </p:txBody>
@@ -2045,7 +2270,56 @@
       </p:grpSpPr>
       <p:sp>
         <p:nvSpPr>
-          <p:cNvPr id="31" name="PlaceHolder 1"/>
+          <p:cNvPr id="29" name="PlaceHolder 1"/>
+          <p:cNvSpPr>
+            <a:spLocks noGrp="1"/>
+          </p:cNvSpPr>
+          <p:nvPr>
+            <p:ph type="title"/>
+          </p:nvPr>
+        </p:nvSpPr>
+        <p:spPr>
+          <a:xfrm>
+            <a:off x="500400" y="441000"/>
+            <a:ext cx="8519760" cy="1305360"/>
+          </a:xfrm>
+          <a:prstGeom prst="rect">
+            <a:avLst/>
+          </a:prstGeom>
+          <a:noFill/>
+          <a:ln w="0">
+            <a:noFill/>
+          </a:ln>
+        </p:spPr>
+        <p:txBody>
+          <a:bodyPr lIns="0" rIns="0" tIns="0" bIns="0" anchor="ctr">
+            <a:noAutofit/>
+          </a:bodyPr>
+          <a:p>
+            <a:pPr indent="0">
+              <a:buNone/>
+            </a:pPr>
+            <a:r>
+              <a:rPr b="0" lang="ru-RU" sz="1800" spc="-1" strike="noStrike">
+                <a:solidFill>
+                  <a:srgbClr val="000000"/>
+                </a:solidFill>
+                <a:latin typeface="Arial"/>
+              </a:rPr>
+              <a:t>Для правки текста заглавия щёлкните мышью</a:t>
+            </a:r>
+            <a:endParaRPr b="0" lang="ru-RU" sz="1800" spc="-1" strike="noStrike">
+              <a:solidFill>
+                <a:srgbClr val="000000"/>
+              </a:solidFill>
+              <a:latin typeface="Arial"/>
+            </a:endParaRPr>
+          </a:p>
+        </p:txBody>
+      </p:sp>
+      <p:sp>
+        <p:nvSpPr>
+          <p:cNvPr id="30" name="PlaceHolder 2"/>
           <p:cNvSpPr>
             <a:spLocks noGrp="1"/>
           </p:cNvSpPr>
@@ -2056,7 +2330,7 @@
         <p:spPr>
           <a:xfrm>
             <a:off x="8472600" y="6217560"/>
-            <a:ext cx="548280" cy="524520"/>
+            <a:ext cx="547920" cy="524160"/>
           </a:xfrm>
           <a:prstGeom prst="rect">
             <a:avLst/>
@@ -2068,7 +2342,7 @@
         </p:spPr>
         <p:txBody>
           <a:bodyPr lIns="91440" rIns="91440" tIns="91440" bIns="91440" anchor="ctr">
-            <a:normAutofit/>
+            <a:noAutofit/>
           </a:bodyPr>
           <a:lstStyle>
             <a:lvl1pPr indent="0" algn="r">
@@ -2098,7 +2372,7 @@
                 <a:tab algn="l" pos="0"/>
               </a:tabLst>
             </a:pPr>
-            <a:fld id="{283B705C-DECC-477C-9B2C-420836A4F4F3}" type="slidenum">
+            <a:fld id="{64CE067E-EA2E-456D-B1DE-3F5E3A785719}" type="slidenum">
               <a:rPr b="0" lang="ru" sz="1000" spc="-1" strike="noStrike">
                 <a:solidFill>
                   <a:schemeClr val="dk2"/>
@@ -2119,56 +2393,7 @@
       </p:sp>
       <p:sp>
         <p:nvSpPr>
-          <p:cNvPr id="32" name="PlaceHolder 2"/>
-          <p:cNvSpPr>
-            <a:spLocks noGrp="1"/>
-          </p:cNvSpPr>
-          <p:nvPr>
-            <p:ph type="title"/>
-          </p:nvPr>
-        </p:nvSpPr>
-        <p:spPr>
-          <a:xfrm>
-            <a:off x="500400" y="441000"/>
-            <a:ext cx="8520120" cy="1305720"/>
-          </a:xfrm>
-          <a:prstGeom prst="rect">
-            <a:avLst/>
-          </a:prstGeom>
-          <a:noFill/>
-          <a:ln w="0">
-            <a:noFill/>
-          </a:ln>
-        </p:spPr>
-        <p:txBody>
-          <a:bodyPr lIns="91440" rIns="91440" tIns="91440" bIns="91440" anchor="t">
-            <a:noAutofit/>
-          </a:bodyPr>
-          <a:p>
-            <a:pPr indent="0">
-              <a:buNone/>
-            </a:pPr>
-            <a:r>
-              <a:rPr b="0" lang="ru-RU" sz="3400" spc="-1" strike="noStrike">
-                <a:solidFill>
-                  <a:srgbClr val="000000"/>
-                </a:solidFill>
-                <a:latin typeface="Arial"/>
-              </a:rPr>
-              <a:t>Для правки текста заглавия щёлкните мышью</a:t>
-            </a:r>
-            <a:endParaRPr b="0" lang="ru-RU" sz="3400" spc="-1" strike="noStrike">
-              <a:solidFill>
-                <a:srgbClr val="000000"/>
-              </a:solidFill>
-              <a:latin typeface="Arial"/>
-            </a:endParaRPr>
-          </a:p>
-        </p:txBody>
-      </p:sp>
-      <p:sp>
-        <p:nvSpPr>
-          <p:cNvPr id="33" name="PlaceHolder 3"/>
+          <p:cNvPr id="31" name="PlaceHolder 3"/>
           <p:cNvSpPr>
             <a:spLocks noGrp="1"/>
           </p:cNvSpPr>
@@ -2178,8 +2403,8 @@
         </p:nvSpPr>
         <p:spPr>
           <a:xfrm>
-            <a:off x="1359000" y="1737720"/>
-            <a:ext cx="4505400" cy="7198920"/>
+            <a:off x="457200" y="1604520"/>
+            <a:ext cx="8229240" cy="3977280"/>
           </a:xfrm>
           <a:prstGeom prst="rect">
             <a:avLst/>
@@ -2190,13 +2415,69 @@
           </a:ln>
         </p:spPr>
         <p:txBody>
-          <a:bodyPr lIns="91440" rIns="91440" tIns="91440" bIns="91440" anchor="t">
-            <a:noAutofit/>
+          <a:bodyPr lIns="0" rIns="0" tIns="0" bIns="0" anchor="t">
+            <a:normAutofit/>
           </a:bodyPr>
           <a:p>
             <a:pPr marL="432000" indent="-324000">
               <a:spcBef>
                 <a:spcPts val="1417"/>
+              </a:spcBef>
+              <a:buClr>
+                <a:srgbClr val="000000"/>
+              </a:buClr>
+              <a:buSzPct val="45000"/>
+              <a:buFont typeface="Wingdings" charset="2"/>
+              <a:buChar char=""/>
+            </a:pPr>
+            <a:r>
+              <a:rPr b="0" lang="ru-RU" sz="3200" spc="-1" strike="noStrike">
+                <a:solidFill>
+                  <a:srgbClr val="000000"/>
+                </a:solidFill>
+                <a:latin typeface="Arial"/>
+              </a:rPr>
+              <a:t>Для правки структуры щёлкните мышью</a:t>
+            </a:r>
+            <a:endParaRPr b="0" lang="ru-RU" sz="3200" spc="-1" strike="noStrike">
+              <a:solidFill>
+                <a:srgbClr val="000000"/>
+              </a:solidFill>
+              <a:latin typeface="Arial"/>
+            </a:endParaRPr>
+          </a:p>
+          <a:p>
+            <a:pPr lvl="1" marL="864000" indent="-324000">
+              <a:spcBef>
+                <a:spcPts val="1134"/>
+              </a:spcBef>
+              <a:buClr>
+                <a:srgbClr val="000000"/>
+              </a:buClr>
+              <a:buSzPct val="75000"/>
+              <a:buFont typeface="Symbol" charset="2"/>
+              <a:buChar char=""/>
+            </a:pPr>
+            <a:r>
+              <a:rPr b="0" lang="ru-RU" sz="2800" spc="-1" strike="noStrike">
+                <a:solidFill>
+                  <a:srgbClr val="000000"/>
+                </a:solidFill>
+                <a:latin typeface="Arial"/>
+              </a:rPr>
+              <a:t>Второй уровень структуры</a:t>
+            </a:r>
+            <a:endParaRPr b="0" lang="ru-RU" sz="2800" spc="-1" strike="noStrike">
+              <a:solidFill>
+                <a:srgbClr val="000000"/>
+              </a:solidFill>
+              <a:latin typeface="Arial"/>
+            </a:endParaRPr>
+          </a:p>
+          <a:p>
+            <a:pPr lvl="2" marL="1296000" indent="-288000">
+              <a:spcBef>
+                <a:spcPts val="850"/>
               </a:spcBef>
               <a:buClr>
                 <a:srgbClr val="000000"/>
@@ -2212,18 +2493,37 @@
                 </a:solidFill>
                 <a:latin typeface="Arial"/>
               </a:rPr>
-              <a:t>Для правки структуры </a:t>
+              <a:t>Третий уровень структуры</a:t>
             </a:r>
+            <a:endParaRPr b="0" lang="ru-RU" sz="2400" spc="-1" strike="noStrike">
+              <a:solidFill>
+                <a:srgbClr val="000000"/>
+              </a:solidFill>
+              <a:latin typeface="Arial"/>
+            </a:endParaRPr>
+          </a:p>
+          <a:p>
+            <a:pPr lvl="3" marL="1728000" indent="-216000">
+              <a:spcBef>
+                <a:spcPts val="567"/>
+              </a:spcBef>
+              <a:buClr>
+                <a:srgbClr val="000000"/>
+              </a:buClr>
+              <a:buSzPct val="75000"/>
+              <a:buFont typeface="Symbol" charset="2"/>
+              <a:buChar char=""/>
+            </a:pPr>
             <a:r>
-              <a:rPr b="0" lang="ru-RU" sz="2400" spc="-1" strike="noStrike">
+              <a:rPr b="0" lang="ru-RU" sz="2000" spc="-1" strike="noStrike">
                 <a:solidFill>
                   <a:srgbClr val="000000"/>
                 </a:solidFill>
                 <a:latin typeface="Arial"/>
               </a:rPr>
-              <a:t>щёлкните мышью</a:t>
+              <a:t>Четвёртый уровень структуры</a:t>
             </a:r>
-            <a:endParaRPr b="0" lang="ru-RU" sz="2400" spc="-1" strike="noStrike">
+            <a:endParaRPr b="0" lang="ru-RU" sz="2000" spc="-1" strike="noStrike">
               <a:solidFill>
                 <a:srgbClr val="000000"/>
               </a:solidFill>
@@ -2231,36 +2531,55 @@
             </a:endParaRPr>
           </a:p>
           <a:p>
-            <a:pPr lvl="1" marL="864000" indent="-324000">
+            <a:pPr lvl="4" marL="2160000" indent="-216000">
               <a:spcBef>
-                <a:spcPts val="1134"/>
+                <a:spcPts val="283"/>
               </a:spcBef>
               <a:buClr>
                 <a:srgbClr val="000000"/>
               </a:buClr>
-              <a:buSzPct val="75000"/>
-              <a:buFont typeface="Symbol" charset="2"/>
-              <a:buChar char=""/>
+              <a:buSzPct val="45000"/>
+              <a:buFont typeface="Wingdings" charset="2"/>
+              <a:buChar char=""/>
             </a:pPr>
             <a:r>
-              <a:rPr b="0" lang="ru-RU" sz="2400" spc="-1" strike="noStrike">
+              <a:rPr b="0" lang="ru-RU" sz="2000" spc="-1" strike="noStrike">
                 <a:solidFill>
                   <a:srgbClr val="000000"/>
                 </a:solidFill>
                 <a:latin typeface="Arial"/>
               </a:rPr>
-              <a:t>Второй уровень </a:t>
+              <a:t>Пятый уровень структуры</a:t>
             </a:r>
+            <a:endParaRPr b="0" lang="ru-RU" sz="2000" spc="-1" strike="noStrike">
+              <a:solidFill>
+                <a:srgbClr val="000000"/>
+              </a:solidFill>
+              <a:latin typeface="Arial"/>
+            </a:endParaRPr>
+          </a:p>
+          <a:p>
+            <a:pPr lvl="5" marL="2592000" indent="-216000">
+              <a:spcBef>
+                <a:spcPts val="283"/>
+              </a:spcBef>
+              <a:buClr>
+                <a:srgbClr val="000000"/>
+              </a:buClr>
+              <a:buSzPct val="45000"/>
+              <a:buFont typeface="Wingdings" charset="2"/>
+              <a:buChar char=""/>
+            </a:pPr>
             <a:r>
-              <a:rPr b="0" lang="ru-RU" sz="2400" spc="-1" strike="noStrike">
+              <a:rPr b="0" lang="ru-RU" sz="2000" spc="-1" strike="noStrike">
                 <a:solidFill>
                   <a:srgbClr val="000000"/>
                 </a:solidFill>
                 <a:latin typeface="Arial"/>
               </a:rPr>
-              <a:t>структуры</a:t>
+              <a:t>Шестой уровень структуры</a:t>
             </a:r>
-            <a:endParaRPr b="0" lang="ru-RU" sz="2400" spc="-1" strike="noStrike">
+            <a:endParaRPr b="0" lang="ru-RU" sz="2000" spc="-1" strike="noStrike">
               <a:solidFill>
                 <a:srgbClr val="000000"/>
               </a:solidFill>
@@ -2268,9 +2587,9 @@
             </a:endParaRPr>
           </a:p>
           <a:p>
-            <a:pPr lvl="2" marL="1296000" indent="-288000">
+            <a:pPr lvl="6" marL="3024000" indent="-216000">
               <a:spcBef>
-                <a:spcPts val="850"/>
+                <a:spcPts val="283"/>
               </a:spcBef>
               <a:buClr>
                 <a:srgbClr val="000000"/>
@@ -2280,244 +2599,15 @@
               <a:buChar char=""/>
             </a:pPr>
             <a:r>
-              <a:rPr b="0" lang="ru-RU" sz="2400" spc="-1" strike="noStrike">
+              <a:rPr b="0" lang="ru-RU" sz="2000" spc="-1" strike="noStrike">
                 <a:solidFill>
                   <a:srgbClr val="000000"/>
                 </a:solidFill>
                 <a:latin typeface="Arial"/>
               </a:rPr>
-              <a:t>Третий уровень </a:t>
+              <a:t>Седьмой уровень структуры</a:t>
             </a:r>
-            <a:r>
-              <a:rPr b="0" lang="ru-RU" sz="2400" spc="-1" strike="noStrike">
-                <a:solidFill>
-                  <a:srgbClr val="000000"/>
-                </a:solidFill>
-                <a:latin typeface="Arial"/>
-              </a:rPr>
-              <a:t>структуры</a:t>
-            </a:r>
-            <a:endParaRPr b="0" lang="ru-RU" sz="2400" spc="-1" strike="noStrike">
-              <a:solidFill>
-                <a:srgbClr val="000000"/>
-              </a:solidFill>
-              <a:latin typeface="Arial"/>
-            </a:endParaRPr>
-          </a:p>
-          <a:p>
-            <a:pPr lvl="3" marL="1728000" indent="-216000">
-              <a:spcBef>
-                <a:spcPts val="567"/>
-              </a:spcBef>
-              <a:buClr>
-                <a:srgbClr val="000000"/>
-              </a:buClr>
-              <a:buSzPct val="75000"/>
-              <a:buFont typeface="Symbol" charset="2"/>
-              <a:buChar char=""/>
-            </a:pPr>
-            <a:r>
-              <a:rPr b="0" lang="ru-RU" sz="2400" spc="-1" strike="noStrike">
-                <a:solidFill>
-                  <a:srgbClr val="000000"/>
-                </a:solidFill>
-                <a:latin typeface="Arial"/>
-              </a:rPr>
-              <a:t>Четвёртый </a:t>
-            </a:r>
-            <a:r>
-              <a:rPr b="0" lang="ru-RU" sz="2400" spc="-1" strike="noStrike">
-                <a:solidFill>
-                  <a:srgbClr val="000000"/>
-                </a:solidFill>
-                <a:latin typeface="Arial"/>
-              </a:rPr>
-              <a:t>уровень </a:t>
-            </a:r>
-            <a:r>
-              <a:rPr b="0" lang="ru-RU" sz="2400" spc="-1" strike="noStrike">
-                <a:solidFill>
-                  <a:srgbClr val="000000"/>
-                </a:solidFill>
-                <a:latin typeface="Arial"/>
-              </a:rPr>
-              <a:t>структуры</a:t>
-            </a:r>
-            <a:endParaRPr b="0" lang="ru-RU" sz="2400" spc="-1" strike="noStrike">
-              <a:solidFill>
-                <a:srgbClr val="000000"/>
-              </a:solidFill>
-              <a:latin typeface="Arial"/>
-            </a:endParaRPr>
-          </a:p>
-          <a:p>
-            <a:pPr lvl="4" marL="2160000" indent="-216000">
-              <a:spcBef>
-                <a:spcPts val="283"/>
-              </a:spcBef>
-              <a:buClr>
-                <a:srgbClr val="000000"/>
-              </a:buClr>
-              <a:buSzPct val="45000"/>
-              <a:buFont typeface="Wingdings" charset="2"/>
-              <a:buChar char=""/>
-            </a:pPr>
-            <a:r>
-              <a:rPr b="0" lang="ru-RU" sz="2400" spc="-1" strike="noStrike">
-                <a:solidFill>
-                  <a:srgbClr val="000000"/>
-                </a:solidFill>
-                <a:latin typeface="Arial"/>
-              </a:rPr>
-              <a:t>Пятый </a:t>
-            </a:r>
-            <a:r>
-              <a:rPr b="0" lang="ru-RU" sz="2400" spc="-1" strike="noStrike">
-                <a:solidFill>
-                  <a:srgbClr val="000000"/>
-                </a:solidFill>
-                <a:latin typeface="Arial"/>
-              </a:rPr>
-              <a:t>уровень </a:t>
-            </a:r>
-            <a:r>
-              <a:rPr b="0" lang="ru-RU" sz="2400" spc="-1" strike="noStrike">
-                <a:solidFill>
-                  <a:srgbClr val="000000"/>
-                </a:solidFill>
-                <a:latin typeface="Arial"/>
-              </a:rPr>
-              <a:t>структуры</a:t>
-            </a:r>
-            <a:endParaRPr b="0" lang="ru-RU" sz="2400" spc="-1" strike="noStrike">
-              <a:solidFill>
-                <a:srgbClr val="000000"/>
-              </a:solidFill>
-              <a:latin typeface="Arial"/>
-            </a:endParaRPr>
-          </a:p>
-          <a:p>
-            <a:pPr lvl="5" marL="2592000" indent="-216000">
-              <a:spcBef>
-                <a:spcPts val="283"/>
-              </a:spcBef>
-              <a:buClr>
-                <a:srgbClr val="000000"/>
-              </a:buClr>
-              <a:buSzPct val="45000"/>
-              <a:buFont typeface="Wingdings" charset="2"/>
-              <a:buChar char=""/>
-            </a:pPr>
-            <a:r>
-              <a:rPr b="0" lang="ru-RU" sz="2400" spc="-1" strike="noStrike">
-                <a:solidFill>
-                  <a:srgbClr val="000000"/>
-                </a:solidFill>
-                <a:latin typeface="Arial"/>
-              </a:rPr>
-              <a:t>Шестой </a:t>
-            </a:r>
-            <a:r>
-              <a:rPr b="0" lang="ru-RU" sz="2400" spc="-1" strike="noStrike">
-                <a:solidFill>
-                  <a:srgbClr val="000000"/>
-                </a:solidFill>
-                <a:latin typeface="Arial"/>
-              </a:rPr>
-              <a:t>уровень </a:t>
-            </a:r>
-            <a:r>
-              <a:rPr b="0" lang="ru-RU" sz="2400" spc="-1" strike="noStrike">
-                <a:solidFill>
-                  <a:srgbClr val="000000"/>
-                </a:solidFill>
-                <a:latin typeface="Arial"/>
-              </a:rPr>
-              <a:t>структур</a:t>
-            </a:r>
-            <a:r>
-              <a:rPr b="0" lang="ru-RU" sz="2400" spc="-1" strike="noStrike">
-                <a:solidFill>
-                  <a:srgbClr val="000000"/>
-                </a:solidFill>
-                <a:latin typeface="Arial"/>
-              </a:rPr>
-              <a:t>ы</a:t>
-            </a:r>
-            <a:endParaRPr b="0" lang="ru-RU" sz="2400" spc="-1" strike="noStrike">
-              <a:solidFill>
-                <a:srgbClr val="000000"/>
-              </a:solidFill>
-              <a:latin typeface="Arial"/>
-            </a:endParaRPr>
-          </a:p>
-          <a:p>
-            <a:pPr lvl="6" marL="3024000" indent="-216000">
-              <a:spcBef>
-                <a:spcPts val="283"/>
-              </a:spcBef>
-              <a:buClr>
-                <a:srgbClr val="000000"/>
-              </a:buClr>
-              <a:buSzPct val="45000"/>
-              <a:buFont typeface="Wingdings" charset="2"/>
-              <a:buChar char=""/>
-            </a:pPr>
-            <a:r>
-              <a:rPr b="0" lang="ru-RU" sz="2400" spc="-1" strike="noStrike">
-                <a:solidFill>
-                  <a:srgbClr val="000000"/>
-                </a:solidFill>
-                <a:latin typeface="Arial"/>
-              </a:rPr>
-              <a:t>Седь</a:t>
-            </a:r>
-            <a:r>
-              <a:rPr b="0" lang="ru-RU" sz="2400" spc="-1" strike="noStrike">
-                <a:solidFill>
-                  <a:srgbClr val="000000"/>
-                </a:solidFill>
-                <a:latin typeface="Arial"/>
-              </a:rPr>
-              <a:t>мой </a:t>
-            </a:r>
-            <a:r>
-              <a:rPr b="0" lang="ru-RU" sz="2400" spc="-1" strike="noStrike">
-                <a:solidFill>
-                  <a:srgbClr val="000000"/>
-                </a:solidFill>
-                <a:latin typeface="Arial"/>
-              </a:rPr>
-              <a:t>уров</a:t>
-            </a:r>
-            <a:r>
-              <a:rPr b="0" lang="ru-RU" sz="2400" spc="-1" strike="noStrike">
-                <a:solidFill>
-                  <a:srgbClr val="000000"/>
-                </a:solidFill>
-                <a:latin typeface="Arial"/>
-              </a:rPr>
-              <a:t>ень </a:t>
-            </a:r>
-            <a:r>
-              <a:rPr b="0" lang="ru-RU" sz="2400" spc="-1" strike="noStrike">
-                <a:solidFill>
-                  <a:srgbClr val="000000"/>
-                </a:solidFill>
-                <a:latin typeface="Arial"/>
-              </a:rPr>
-              <a:t>струк</a:t>
-            </a:r>
-            <a:r>
-              <a:rPr b="0" lang="ru-RU" sz="2400" spc="-1" strike="noStrike">
-                <a:solidFill>
-                  <a:srgbClr val="000000"/>
-                </a:solidFill>
-                <a:latin typeface="Arial"/>
-              </a:rPr>
-              <a:t>туры</a:t>
-            </a:r>
-            <a:endParaRPr b="0" lang="ru-RU" sz="2400" spc="-1" strike="noStrike">
+            <a:endParaRPr b="0" lang="ru-RU" sz="2000" spc="-1" strike="noStrike">
               <a:solidFill>
                 <a:srgbClr val="000000"/>
               </a:solidFill>
@@ -2560,9 +2650,32 @@
           <a:chExt cx="0" cy="0"/>
         </a:xfrm>
       </p:grpSpPr>
+      <p:pic>
+        <p:nvPicPr>
+          <p:cNvPr id="33" name="Google Shape;33;p7" descr=""/>
+          <p:cNvPicPr/>
+          <p:nvPr/>
+        </p:nvPicPr>
+        <p:blipFill>
+          <a:blip r:embed="rId3"/>
+          <a:stretch/>
+        </p:blipFill>
+        <p:spPr>
+          <a:xfrm>
+            <a:off x="0" y="0"/>
+            <a:ext cx="9143280" cy="6857280"/>
+          </a:xfrm>
+          <a:prstGeom prst="rect">
+            <a:avLst/>
+          </a:prstGeom>
+          <a:ln w="0">
+            <a:noFill/>
+          </a:ln>
+        </p:spPr>
+      </p:pic>
       <p:sp>
         <p:nvSpPr>
-          <p:cNvPr id="35" name="PlaceHolder 1"/>
+          <p:cNvPr id="34" name="PlaceHolder 1"/>
           <p:cNvSpPr>
             <a:spLocks noGrp="1"/>
           </p:cNvSpPr>
@@ -2573,7 +2686,7 @@
         <p:spPr>
           <a:xfrm>
             <a:off x="8472600" y="6217560"/>
-            <a:ext cx="548280" cy="524520"/>
+            <a:ext cx="547920" cy="524160"/>
           </a:xfrm>
           <a:prstGeom prst="rect">
             <a:avLst/>
@@ -2585,7 +2698,7 @@
         </p:spPr>
         <p:txBody>
           <a:bodyPr lIns="91440" rIns="91440" tIns="91440" bIns="91440" anchor="ctr">
-            <a:normAutofit/>
+            <a:noAutofit/>
           </a:bodyPr>
           <a:lstStyle>
             <a:lvl1pPr indent="0" algn="r">
@@ -2615,7 +2728,7 @@
                 <a:tab algn="l" pos="0"/>
               </a:tabLst>
             </a:pPr>
-            <a:fld id="{41716A33-5D4D-4E9F-B162-538564B9CDC4}" type="slidenum">
+            <a:fld id="{3BBA4013-37E3-4E9F-B6A5-520D95A92A12}" type="slidenum">
               <a:rPr b="0" lang="ru" sz="1000" spc="-1" strike="noStrike">
                 <a:solidFill>
                   <a:schemeClr val="dk2"/>
@@ -2634,32 +2747,9 @@
           </a:p>
         </p:txBody>
       </p:sp>
-      <p:pic>
-        <p:nvPicPr>
-          <p:cNvPr id="36" name="Google Shape;33;p7" descr=""/>
-          <p:cNvPicPr/>
-          <p:nvPr/>
-        </p:nvPicPr>
-        <p:blipFill>
-          <a:blip r:embed="rId3"/>
-          <a:stretch/>
-        </p:blipFill>
-        <p:spPr>
-          <a:xfrm>
-            <a:off x="0" y="0"/>
-            <a:ext cx="9143640" cy="6857640"/>
-          </a:xfrm>
-          <a:prstGeom prst="rect">
-            <a:avLst/>
-          </a:prstGeom>
-          <a:ln w="0">
-            <a:noFill/>
-          </a:ln>
-        </p:spPr>
-      </p:pic>
       <p:sp>
         <p:nvSpPr>
-          <p:cNvPr id="37" name="PlaceHolder 2"/>
+          <p:cNvPr id="35" name="PlaceHolder 2"/>
           <p:cNvSpPr>
             <a:spLocks noGrp="1"/>
           </p:cNvSpPr>
@@ -2669,8 +2759,8 @@
         </p:nvSpPr>
         <p:spPr>
           <a:xfrm>
-            <a:off x="956160" y="528480"/>
-            <a:ext cx="7695360" cy="5454000"/>
+            <a:off x="457200" y="273600"/>
+            <a:ext cx="8229240" cy="1144800"/>
           </a:xfrm>
           <a:prstGeom prst="rect">
             <a:avLst/>
@@ -2681,15 +2771,15 @@
           </a:ln>
         </p:spPr>
         <p:txBody>
-          <a:bodyPr lIns="91440" rIns="91440" tIns="91440" bIns="91440" anchor="ctr">
+          <a:bodyPr lIns="0" rIns="0" tIns="0" bIns="0" anchor="ctr">
             <a:noAutofit/>
           </a:bodyPr>
           <a:p>
-            <a:pPr indent="0">
+            <a:pPr indent="0" algn="ctr">
               <a:buNone/>
             </a:pPr>
             <a:r>
-              <a:rPr b="0" lang="ru-RU" sz="4900" spc="-1" strike="noStrike">
+              <a:rPr b="0" lang="ru-RU" sz="4400" spc="-1" strike="noStrike">
                 <a:solidFill>
                   <a:srgbClr val="000000"/>
                 </a:solidFill>
@@ -2697,7 +2787,7 @@
               </a:rPr>
               <a:t>Для правки текста заглавия щёлкните мышью</a:t>
             </a:r>
-            <a:endParaRPr b="0" lang="ru-RU" sz="4900" spc="-1" strike="noStrike">
+            <a:endParaRPr b="0" lang="ru-RU" sz="4400" spc="-1" strike="noStrike">
               <a:solidFill>
                 <a:srgbClr val="000000"/>
               </a:solidFill>
@@ -2708,7 +2798,7 @@
       </p:sp>
       <p:sp>
         <p:nvSpPr>
-          <p:cNvPr id="38" name="PlaceHolder 3"/>
+          <p:cNvPr id="36" name="PlaceHolder 3"/>
           <p:cNvSpPr>
             <a:spLocks noGrp="1"/>
           </p:cNvSpPr>
@@ -2746,7 +2836,7 @@
               <a:buChar char=""/>
             </a:pPr>
             <a:r>
-              <a:rPr b="0" lang="ru-RU" sz="1400" spc="-1" strike="noStrike">
+              <a:rPr b="0" lang="ru-RU" sz="3200" spc="-1" strike="noStrike">
                 <a:solidFill>
                   <a:srgbClr val="000000"/>
                 </a:solidFill>
@@ -2754,7 +2844,7 @@
               </a:rPr>
               <a:t>Для правки структуры щёлкните мышью</a:t>
             </a:r>
-            <a:endParaRPr b="0" lang="ru-RU" sz="1400" spc="-1" strike="noStrike">
+            <a:endParaRPr b="0" lang="ru-RU" sz="3200" spc="-1" strike="noStrike">
               <a:solidFill>
                 <a:srgbClr val="000000"/>
               </a:solidFill>
@@ -2774,7 +2864,7 @@
               <a:buChar char=""/>
             </a:pPr>
             <a:r>
-              <a:rPr b="0" lang="ru-RU" sz="1400" spc="-1" strike="noStrike">
+              <a:rPr b="0" lang="ru-RU" sz="2800" spc="-1" strike="noStrike">
                 <a:solidFill>
                   <a:srgbClr val="000000"/>
                 </a:solidFill>
@@ -2782,7 +2872,7 @@
               </a:rPr>
               <a:t>Второй уровень структуры</a:t>
             </a:r>
-            <a:endParaRPr b="0" lang="ru-RU" sz="1400" spc="-1" strike="noStrike">
+            <a:endParaRPr b="0" lang="ru-RU" sz="2800" spc="-1" strike="noStrike">
               <a:solidFill>
                 <a:srgbClr val="000000"/>
               </a:solidFill>
@@ -2802,7 +2892,7 @@
               <a:buChar char=""/>
             </a:pPr>
             <a:r>
-              <a:rPr b="0" lang="ru-RU" sz="1400" spc="-1" strike="noStrike">
+              <a:rPr b="0" lang="ru-RU" sz="2400" spc="-1" strike="noStrike">
                 <a:solidFill>
                   <a:srgbClr val="000000"/>
                 </a:solidFill>
@@ -2810,7 +2900,7 @@
               </a:rPr>
               <a:t>Третий уровень структуры</a:t>
             </a:r>
-            <a:endParaRPr b="0" lang="ru-RU" sz="1400" spc="-1" strike="noStrike">
+            <a:endParaRPr b="0" lang="ru-RU" sz="2400" spc="-1" strike="noStrike">
               <a:solidFill>
                 <a:srgbClr val="000000"/>
               </a:solidFill>
@@ -2830,7 +2920,7 @@
               <a:buChar char=""/>
             </a:pPr>
             <a:r>
-              <a:rPr b="0" lang="ru-RU" sz="1400" spc="-1" strike="noStrike">
+              <a:rPr b="0" lang="ru-RU" sz="2000" spc="-1" strike="noStrike">
                 <a:solidFill>
                   <a:srgbClr val="000000"/>
                 </a:solidFill>
@@ -2838,7 +2928,7 @@
               </a:rPr>
               <a:t>Четвёртый уровень структуры</a:t>
             </a:r>
-            <a:endParaRPr b="0" lang="ru-RU" sz="1400" spc="-1" strike="noStrike">
+            <a:endParaRPr b="0" lang="ru-RU" sz="2000" spc="-1" strike="noStrike">
               <a:solidFill>
                 <a:srgbClr val="000000"/>
               </a:solidFill>
@@ -2965,55 +3055,6 @@
           <a:chExt cx="0" cy="0"/>
         </a:xfrm>
       </p:grpSpPr>
-      <p:sp>
-        <p:nvSpPr>
-          <p:cNvPr id="39" name="PlaceHolder 1"/>
-          <p:cNvSpPr>
-            <a:spLocks noGrp="1"/>
-          </p:cNvSpPr>
-          <p:nvPr>
-            <p:ph type="title"/>
-          </p:nvPr>
-        </p:nvSpPr>
-        <p:spPr>
-          <a:xfrm>
-            <a:off x="500400" y="441000"/>
-            <a:ext cx="8520120" cy="1305720"/>
-          </a:xfrm>
-          <a:prstGeom prst="rect">
-            <a:avLst/>
-          </a:prstGeom>
-          <a:noFill/>
-          <a:ln w="0">
-            <a:noFill/>
-          </a:ln>
-        </p:spPr>
-        <p:txBody>
-          <a:bodyPr lIns="91440" rIns="91440" tIns="91440" bIns="91440" anchor="t">
-            <a:noAutofit/>
-          </a:bodyPr>
-          <a:p>
-            <a:pPr indent="0">
-              <a:buNone/>
-            </a:pPr>
-            <a:r>
-              <a:rPr b="0" lang="ru-RU" sz="3400" spc="-1" strike="noStrike">
-                <a:solidFill>
-                  <a:srgbClr val="000000"/>
-                </a:solidFill>
-                <a:latin typeface="Arial"/>
-              </a:rPr>
-              <a:t>Для правки текста заглавия щёлкните мышью</a:t>
-            </a:r>
-            <a:endParaRPr b="0" lang="ru-RU" sz="3400" spc="-1" strike="noStrike">
-              <a:solidFill>
-                <a:srgbClr val="000000"/>
-              </a:solidFill>
-              <a:latin typeface="Arial"/>
-            </a:endParaRPr>
-          </a:p>
-        </p:txBody>
-      </p:sp>
     </p:spTree>
   </p:cSld>
   <p:clrMap bg1="lt1" bg2="lt2" tx1="dk1" tx2="dk2" accent1="accent1" accent2="accent2" accent3="accent3" accent4="accent4" accent5="accent5" accent6="accent6" hlink="hlink" folHlink="folHlink"/>
@@ -3050,14 +3091,14 @@
       </p:grpSpPr>
       <p:sp>
         <p:nvSpPr>
-          <p:cNvPr id="40" name="Google Shape;40;p9"/>
+          <p:cNvPr id="37" name="Google Shape;40;p9"/>
           <p:cNvSpPr/>
           <p:nvPr/>
         </p:nvSpPr>
         <p:spPr>
           <a:xfrm>
             <a:off x="4572000" y="0"/>
-            <a:ext cx="4571640" cy="6857640"/>
+            <a:ext cx="4571280" cy="6857280"/>
           </a:xfrm>
           <a:prstGeom prst="rect">
             <a:avLst/>
@@ -3076,7 +3117,7 @@
           <a:fontRef idx="minor"/>
         </p:style>
         <p:txBody>
-          <a:bodyPr tIns="91440" bIns="91440" anchor="ctr">
+          <a:bodyPr lIns="90000" rIns="90000" tIns="91440" bIns="91440" anchor="ctr">
             <a:noAutofit/>
           </a:bodyPr>
           <a:p>
@@ -3099,281 +3140,7 @@
       </p:sp>
       <p:sp>
         <p:nvSpPr>
-          <p:cNvPr id="41" name="PlaceHolder 1"/>
-          <p:cNvSpPr>
-            <a:spLocks noGrp="1"/>
-          </p:cNvSpPr>
-          <p:nvPr>
-            <p:ph type="title"/>
-          </p:nvPr>
-        </p:nvSpPr>
-        <p:spPr>
-          <a:xfrm>
-            <a:off x="609120" y="1627920"/>
-            <a:ext cx="4044960" cy="1976040"/>
-          </a:xfrm>
-          <a:prstGeom prst="rect">
-            <a:avLst/>
-          </a:prstGeom>
-          <a:noFill/>
-          <a:ln w="0">
-            <a:noFill/>
-          </a:ln>
-        </p:spPr>
-        <p:txBody>
-          <a:bodyPr lIns="91440" rIns="91440" tIns="91440" bIns="91440" anchor="b">
-            <a:noAutofit/>
-          </a:bodyPr>
-          <a:p>
-            <a:pPr indent="0">
-              <a:buNone/>
-            </a:pPr>
-            <a:r>
-              <a:rPr b="0" lang="ru-RU" sz="3200" spc="-1" strike="noStrike">
-                <a:solidFill>
-                  <a:srgbClr val="000000"/>
-                </a:solidFill>
-                <a:latin typeface="Arial"/>
-              </a:rPr>
-              <a:t>Для правки текста заглавия щёлкните мышью</a:t>
-            </a:r>
-            <a:endParaRPr b="0" lang="ru-RU" sz="3200" spc="-1" strike="noStrike">
-              <a:solidFill>
-                <a:srgbClr val="000000"/>
-              </a:solidFill>
-              <a:latin typeface="Arial"/>
-            </a:endParaRPr>
-          </a:p>
-        </p:txBody>
-      </p:sp>
-      <p:sp>
-        <p:nvSpPr>
-          <p:cNvPr id="42" name="PlaceHolder 2"/>
-          <p:cNvSpPr>
-            <a:spLocks noGrp="1"/>
-          </p:cNvSpPr>
-          <p:nvPr>
-            <p:ph type="body"/>
-          </p:nvPr>
-        </p:nvSpPr>
-        <p:spPr>
-          <a:xfrm>
-            <a:off x="4939560" y="965520"/>
-            <a:ext cx="3836520" cy="4926600"/>
-          </a:xfrm>
-          <a:prstGeom prst="rect">
-            <a:avLst/>
-          </a:prstGeom>
-          <a:noFill/>
-          <a:ln w="0">
-            <a:noFill/>
-          </a:ln>
-        </p:spPr>
-        <p:txBody>
-          <a:bodyPr lIns="91440" rIns="91440" tIns="91440" bIns="91440" anchor="ctr">
-            <a:normAutofit fontScale="93486" lnSpcReduction="10000"/>
-          </a:bodyPr>
-          <a:p>
-            <a:pPr marL="432000" indent="-324000">
-              <a:spcBef>
-                <a:spcPts val="1417"/>
-              </a:spcBef>
-              <a:buClr>
-                <a:srgbClr val="000000"/>
-              </a:buClr>
-              <a:buSzPct val="45000"/>
-              <a:buFont typeface="Wingdings" charset="2"/>
-              <a:buChar char=""/>
-            </a:pPr>
-            <a:r>
-              <a:rPr b="0" lang="ru-RU" sz="1700" spc="-1" strike="noStrike">
-                <a:solidFill>
-                  <a:srgbClr val="000000"/>
-                </a:solidFill>
-                <a:latin typeface="Arial"/>
-              </a:rPr>
-              <a:t>Для правки структуры щёлкните мышью</a:t>
-            </a:r>
-            <a:endParaRPr b="0" lang="ru-RU" sz="1700" spc="-1" strike="noStrike">
-              <a:solidFill>
-                <a:srgbClr val="000000"/>
-              </a:solidFill>
-              <a:latin typeface="Arial"/>
-            </a:endParaRPr>
-          </a:p>
-          <a:p>
-            <a:pPr lvl="1" marL="864000" indent="-324000">
-              <a:spcBef>
-                <a:spcPts val="1134"/>
-              </a:spcBef>
-              <a:buClr>
-                <a:srgbClr val="000000"/>
-              </a:buClr>
-              <a:buSzPct val="75000"/>
-              <a:buFont typeface="Symbol" charset="2"/>
-              <a:buChar char=""/>
-            </a:pPr>
-            <a:r>
-              <a:rPr b="0" lang="ru-RU" sz="1700" spc="-1" strike="noStrike">
-                <a:solidFill>
-                  <a:srgbClr val="000000"/>
-                </a:solidFill>
-                <a:latin typeface="Arial"/>
-              </a:rPr>
-              <a:t>Второй уровень структуры</a:t>
-            </a:r>
-            <a:endParaRPr b="0" lang="ru-RU" sz="1700" spc="-1" strike="noStrike">
-              <a:solidFill>
-                <a:srgbClr val="000000"/>
-              </a:solidFill>
-              <a:latin typeface="Arial"/>
-            </a:endParaRPr>
-          </a:p>
-          <a:p>
-            <a:pPr lvl="2" marL="1296000" indent="-288000">
-              <a:spcBef>
-                <a:spcPts val="850"/>
-              </a:spcBef>
-              <a:buClr>
-                <a:srgbClr val="000000"/>
-              </a:buClr>
-              <a:buSzPct val="45000"/>
-              <a:buFont typeface="Wingdings" charset="2"/>
-              <a:buChar char=""/>
-            </a:pPr>
-            <a:r>
-              <a:rPr b="0" lang="ru-RU" sz="1700" spc="-1" strike="noStrike">
-                <a:solidFill>
-                  <a:srgbClr val="000000"/>
-                </a:solidFill>
-                <a:latin typeface="Arial"/>
-              </a:rPr>
-              <a:t>Третий уровень структуры</a:t>
-            </a:r>
-            <a:endParaRPr b="0" lang="ru-RU" sz="1700" spc="-1" strike="noStrike">
-              <a:solidFill>
-                <a:srgbClr val="000000"/>
-              </a:solidFill>
-              <a:latin typeface="Arial"/>
-            </a:endParaRPr>
-          </a:p>
-          <a:p>
-            <a:pPr lvl="3" marL="1728000" indent="-216000">
-              <a:spcBef>
-                <a:spcPts val="567"/>
-              </a:spcBef>
-              <a:buClr>
-                <a:srgbClr val="000000"/>
-              </a:buClr>
-              <a:buSzPct val="75000"/>
-              <a:buFont typeface="Symbol" charset="2"/>
-              <a:buChar char=""/>
-            </a:pPr>
-            <a:r>
-              <a:rPr b="0" lang="ru-RU" sz="1700" spc="-1" strike="noStrike">
-                <a:solidFill>
-                  <a:srgbClr val="000000"/>
-                </a:solidFill>
-                <a:latin typeface="Arial"/>
-              </a:rPr>
-              <a:t>Четвёртый уровень структуры</a:t>
-            </a:r>
-            <a:endParaRPr b="0" lang="ru-RU" sz="1700" spc="-1" strike="noStrike">
-              <a:solidFill>
-                <a:srgbClr val="000000"/>
-              </a:solidFill>
-              <a:latin typeface="Arial"/>
-            </a:endParaRPr>
-          </a:p>
-          <a:p>
-            <a:pPr lvl="4" marL="2160000" indent="-216000">
-              <a:spcBef>
-                <a:spcPts val="283"/>
-              </a:spcBef>
-              <a:buClr>
-                <a:srgbClr val="000000"/>
-              </a:buClr>
-              <a:buSzPct val="45000"/>
-              <a:buFont typeface="Wingdings" charset="2"/>
-              <a:buChar char=""/>
-            </a:pPr>
-            <a:r>
-              <a:rPr b="0" lang="ru-RU" sz="1700" spc="-1" strike="noStrike">
-                <a:solidFill>
-                  <a:srgbClr val="000000"/>
-                </a:solidFill>
-                <a:latin typeface="Arial"/>
-              </a:rPr>
-              <a:t>Пятый уровень структуры</a:t>
-            </a:r>
-            <a:endParaRPr b="0" lang="ru-RU" sz="1700" spc="-1" strike="noStrike">
-              <a:solidFill>
-                <a:srgbClr val="000000"/>
-              </a:solidFill>
-              <a:latin typeface="Arial"/>
-            </a:endParaRPr>
-          </a:p>
-          <a:p>
-            <a:pPr lvl="5" marL="2592000" indent="-216000">
-              <a:spcBef>
-                <a:spcPts val="283"/>
-              </a:spcBef>
-              <a:buClr>
-                <a:srgbClr val="000000"/>
-              </a:buClr>
-              <a:buSzPct val="45000"/>
-              <a:buFont typeface="Wingdings" charset="2"/>
-              <a:buChar char=""/>
-            </a:pPr>
-            <a:r>
-              <a:rPr b="0" lang="ru-RU" sz="1700" spc="-1" strike="noStrike">
-                <a:solidFill>
-                  <a:srgbClr val="000000"/>
-                </a:solidFill>
-                <a:latin typeface="Arial"/>
-              </a:rPr>
-              <a:t>Шестой уровень структуры</a:t>
-            </a:r>
-            <a:endParaRPr b="0" lang="ru-RU" sz="1700" spc="-1" strike="noStrike">
-              <a:solidFill>
-                <a:srgbClr val="000000"/>
-              </a:solidFill>
-              <a:latin typeface="Arial"/>
-            </a:endParaRPr>
-          </a:p>
-          <a:p>
-            <a:pPr lvl="6" marL="3024000" indent="-216000">
-              <a:spcBef>
-                <a:spcPts val="283"/>
-              </a:spcBef>
-              <a:buClr>
-                <a:srgbClr val="000000"/>
-              </a:buClr>
-              <a:buSzPct val="45000"/>
-              <a:buFont typeface="Wingdings" charset="2"/>
-              <a:buChar char=""/>
-            </a:pPr>
-            <a:r>
-              <a:rPr b="0" lang="ru-RU" sz="1700" spc="-1" strike="noStrike">
-                <a:solidFill>
-                  <a:srgbClr val="000000"/>
-                </a:solidFill>
-                <a:latin typeface="Arial"/>
-              </a:rPr>
-              <a:t>Седьмой уровень структуры</a:t>
-            </a:r>
-            <a:endParaRPr b="0" lang="ru-RU" sz="1700" spc="-1" strike="noStrike">
-              <a:solidFill>
-                <a:srgbClr val="000000"/>
-              </a:solidFill>
-              <a:latin typeface="Arial"/>
-            </a:endParaRPr>
-          </a:p>
-        </p:txBody>
-      </p:sp>
-      <p:sp>
-        <p:nvSpPr>
-          <p:cNvPr id="43" name="PlaceHolder 3"/>
+          <p:cNvPr id="38" name="PlaceHolder 1"/>
           <p:cNvSpPr>
             <a:spLocks noGrp="1"/>
           </p:cNvSpPr>
@@ -3384,7 +3151,7 @@
         <p:spPr>
           <a:xfrm>
             <a:off x="8472600" y="6217560"/>
-            <a:ext cx="548280" cy="524520"/>
+            <a:ext cx="547920" cy="524160"/>
           </a:xfrm>
           <a:prstGeom prst="rect">
             <a:avLst/>
@@ -3396,7 +3163,7 @@
         </p:spPr>
         <p:txBody>
           <a:bodyPr lIns="91440" rIns="91440" tIns="91440" bIns="91440" anchor="ctr">
-            <a:normAutofit/>
+            <a:noAutofit/>
           </a:bodyPr>
           <a:lstStyle>
             <a:lvl1pPr indent="0" algn="r">
@@ -3426,7 +3193,7 @@
                 <a:tab algn="l" pos="0"/>
               </a:tabLst>
             </a:pPr>
-            <a:fld id="{3A8420A7-D5F2-42E6-8833-B5C95127242F}" type="slidenum">
+            <a:fld id="{AE74E01B-C2E7-4385-8B33-42F31ACB224E}" type="slidenum">
               <a:rPr b="0" lang="ru" sz="1000" spc="-1" strike="noStrike">
                 <a:solidFill>
                   <a:schemeClr val="dk2"/>
@@ -3481,7 +3248,7 @@
       </p:grpSpPr>
       <p:sp>
         <p:nvSpPr>
-          <p:cNvPr id="44" name="PlaceHolder 1"/>
+          <p:cNvPr id="39" name="PlaceHolder 1"/>
           <p:cNvSpPr>
             <a:spLocks noGrp="1"/>
           </p:cNvSpPr>
@@ -3491,8 +3258,8 @@
         </p:nvSpPr>
         <p:spPr>
           <a:xfrm>
-            <a:off x="500400" y="441000"/>
-            <a:ext cx="8520120" cy="1305720"/>
+            <a:off x="457200" y="273600"/>
+            <a:ext cx="8229240" cy="1144800"/>
           </a:xfrm>
           <a:prstGeom prst="rect">
             <a:avLst/>
@@ -3503,15 +3270,15 @@
           </a:ln>
         </p:spPr>
         <p:txBody>
-          <a:bodyPr lIns="91440" rIns="91440" tIns="91440" bIns="91440" anchor="t">
+          <a:bodyPr lIns="0" rIns="0" tIns="0" bIns="0" anchor="ctr">
             <a:noAutofit/>
           </a:bodyPr>
           <a:p>
-            <a:pPr indent="0">
+            <a:pPr indent="0" algn="ctr">
               <a:buNone/>
             </a:pPr>
             <a:r>
-              <a:rPr b="0" lang="ru-RU" sz="3400" spc="-1" strike="noStrike">
+              <a:rPr b="0" lang="ru-RU" sz="4400" spc="-1" strike="noStrike">
                 <a:solidFill>
                   <a:srgbClr val="000000"/>
                 </a:solidFill>
@@ -3519,7 +3286,7 @@
               </a:rPr>
               <a:t>Для правки текста заглавия щёлкните мышью</a:t>
             </a:r>
-            <a:endParaRPr b="0" lang="ru-RU" sz="3400" spc="-1" strike="noStrike">
+            <a:endParaRPr b="0" lang="ru-RU" sz="4400" spc="-1" strike="noStrike">
               <a:solidFill>
                 <a:srgbClr val="000000"/>
               </a:solidFill>
@@ -3530,7 +3297,7 @@
       </p:sp>
       <p:sp>
         <p:nvSpPr>
-          <p:cNvPr id="45" name="PlaceHolder 2"/>
+          <p:cNvPr id="40" name="PlaceHolder 2"/>
           <p:cNvSpPr>
             <a:spLocks noGrp="1"/>
           </p:cNvSpPr>
@@ -3568,7 +3335,7 @@
               <a:buChar char=""/>
             </a:pPr>
             <a:r>
-              <a:rPr b="0" lang="ru-RU" sz="1400" spc="-1" strike="noStrike">
+              <a:rPr b="0" lang="ru-RU" sz="3200" spc="-1" strike="noStrike">
                 <a:solidFill>
                   <a:srgbClr val="000000"/>
                 </a:solidFill>
@@ -3576,7 +3343,7 @@
               </a:rPr>
               <a:t>Для правки структуры щёлкните мышью</a:t>
             </a:r>
-            <a:endParaRPr b="0" lang="ru-RU" sz="1400" spc="-1" strike="noStrike">
+            <a:endParaRPr b="0" lang="ru-RU" sz="3200" spc="-1" strike="noStrike">
               <a:solidFill>
                 <a:srgbClr val="000000"/>
               </a:solidFill>
@@ -3596,7 +3363,7 @@
               <a:buChar char=""/>
             </a:pPr>
             <a:r>
-              <a:rPr b="0" lang="ru-RU" sz="1400" spc="-1" strike="noStrike">
+              <a:rPr b="0" lang="ru-RU" sz="2800" spc="-1" strike="noStrike">
                 <a:solidFill>
                   <a:srgbClr val="000000"/>
                 </a:solidFill>
@@ -3604,7 +3371,7 @@
               </a:rPr>
               <a:t>Второй уровень структуры</a:t>
             </a:r>
-            <a:endParaRPr b="0" lang="ru-RU" sz="1400" spc="-1" strike="noStrike">
+            <a:endParaRPr b="0" lang="ru-RU" sz="2800" spc="-1" strike="noStrike">
               <a:solidFill>
                 <a:srgbClr val="000000"/>
               </a:solidFill>
@@ -3624,7 +3391,7 @@
               <a:buChar char=""/>
             </a:pPr>
             <a:r>
-              <a:rPr b="0" lang="ru-RU" sz="1400" spc="-1" strike="noStrike">
+              <a:rPr b="0" lang="ru-RU" sz="2400" spc="-1" strike="noStrike">
                 <a:solidFill>
                   <a:srgbClr val="000000"/>
                 </a:solidFill>
@@ -3632,7 +3399,7 @@
               </a:rPr>
               <a:t>Третий уровень структуры</a:t>
             </a:r>
-            <a:endParaRPr b="0" lang="ru-RU" sz="1400" spc="-1" strike="noStrike">
+            <a:endParaRPr b="0" lang="ru-RU" sz="2400" spc="-1" strike="noStrike">
               <a:solidFill>
                 <a:srgbClr val="000000"/>
               </a:solidFill>
@@ -3652,7 +3419,7 @@
               <a:buChar char=""/>
             </a:pPr>
             <a:r>
-              <a:rPr b="0" lang="ru-RU" sz="1400" spc="-1" strike="noStrike">
+              <a:rPr b="0" lang="ru-RU" sz="2000" spc="-1" strike="noStrike">
                 <a:solidFill>
                   <a:srgbClr val="000000"/>
                 </a:solidFill>
@@ -3660,7 +3427,7 @@
               </a:rPr>
               <a:t>Четвёртый уровень структуры</a:t>
             </a:r>
-            <a:endParaRPr b="0" lang="ru-RU" sz="1400" spc="-1" strike="noStrike">
+            <a:endParaRPr b="0" lang="ru-RU" sz="2000" spc="-1" strike="noStrike">
               <a:solidFill>
                 <a:srgbClr val="000000"/>
               </a:solidFill>
@@ -3789,63 +3556,14 @@
       </p:grpSpPr>
       <p:sp>
         <p:nvSpPr>
-          <p:cNvPr id="46" name="PlaceHolder 1"/>
-          <p:cNvSpPr>
-            <a:spLocks noGrp="1"/>
-          </p:cNvSpPr>
-          <p:nvPr>
-            <p:ph type="title"/>
-          </p:nvPr>
-        </p:nvSpPr>
-        <p:spPr>
-          <a:xfrm>
-            <a:off x="500400" y="441000"/>
-            <a:ext cx="8520120" cy="1305720"/>
-          </a:xfrm>
-          <a:prstGeom prst="rect">
-            <a:avLst/>
-          </a:prstGeom>
-          <a:noFill/>
-          <a:ln w="0">
-            <a:noFill/>
-          </a:ln>
-        </p:spPr>
-        <p:txBody>
-          <a:bodyPr lIns="91440" rIns="91440" tIns="91440" bIns="91440" anchor="t">
-            <a:noAutofit/>
-          </a:bodyPr>
-          <a:p>
-            <a:pPr indent="0">
-              <a:buNone/>
-            </a:pPr>
-            <a:r>
-              <a:rPr b="0" lang="ru-RU" sz="3400" spc="-1" strike="noStrike">
-                <a:solidFill>
-                  <a:srgbClr val="000000"/>
-                </a:solidFill>
-                <a:latin typeface="Arial"/>
-              </a:rPr>
-              <a:t>Для правки текста заглавия щёлкните мышью</a:t>
-            </a:r>
-            <a:endParaRPr b="0" lang="ru-RU" sz="3400" spc="-1" strike="noStrike">
-              <a:solidFill>
-                <a:srgbClr val="000000"/>
-              </a:solidFill>
-              <a:latin typeface="Arial"/>
-            </a:endParaRPr>
-          </a:p>
-        </p:txBody>
-      </p:sp>
-      <p:sp>
-        <p:nvSpPr>
-          <p:cNvPr id="47" name="Google Shape;109;p26"/>
+          <p:cNvPr id="41" name="Google Shape;109;p26"/>
           <p:cNvSpPr/>
           <p:nvPr/>
         </p:nvSpPr>
         <p:spPr>
           <a:xfrm>
             <a:off x="606240" y="1616760"/>
-            <a:ext cx="7938360" cy="4752720"/>
+            <a:ext cx="7938000" cy="4752360"/>
           </a:xfrm>
           <a:prstGeom prst="rect">
             <a:avLst/>
@@ -3864,7 +3582,7 @@
           <a:fontRef idx="minor"/>
         </p:style>
         <p:txBody>
-          <a:bodyPr tIns="91440" bIns="91440" anchor="ctr">
+          <a:bodyPr lIns="90000" rIns="90000" tIns="91440" bIns="91440" anchor="ctr">
             <a:noAutofit/>
           </a:bodyPr>
           <a:p>
@@ -3921,63 +3639,14 @@
       </p:grpSpPr>
       <p:sp>
         <p:nvSpPr>
-          <p:cNvPr id="48" name="PlaceHolder 1"/>
-          <p:cNvSpPr>
-            <a:spLocks noGrp="1"/>
-          </p:cNvSpPr>
-          <p:nvPr>
-            <p:ph type="title"/>
-          </p:nvPr>
-        </p:nvSpPr>
-        <p:spPr>
-          <a:xfrm>
-            <a:off x="500400" y="441000"/>
-            <a:ext cx="8520120" cy="1305720"/>
-          </a:xfrm>
-          <a:prstGeom prst="rect">
-            <a:avLst/>
-          </a:prstGeom>
-          <a:noFill/>
-          <a:ln w="0">
-            <a:noFill/>
-          </a:ln>
-        </p:spPr>
-        <p:txBody>
-          <a:bodyPr lIns="91440" rIns="91440" tIns="91440" bIns="91440" anchor="t">
-            <a:noAutofit/>
-          </a:bodyPr>
-          <a:p>
-            <a:pPr indent="0">
-              <a:buNone/>
-            </a:pPr>
-            <a:r>
-              <a:rPr b="0" lang="ru-RU" sz="3400" spc="-1" strike="noStrike">
-                <a:solidFill>
-                  <a:srgbClr val="000000"/>
-                </a:solidFill>
-                <a:latin typeface="Arial"/>
-              </a:rPr>
-              <a:t>Для правки текста заглавия щёлкните мышью</a:t>
-            </a:r>
-            <a:endParaRPr b="0" lang="ru-RU" sz="3400" spc="-1" strike="noStrike">
-              <a:solidFill>
-                <a:srgbClr val="000000"/>
-              </a:solidFill>
-              <a:latin typeface="Arial"/>
-            </a:endParaRPr>
-          </a:p>
-        </p:txBody>
-      </p:sp>
-      <p:sp>
-        <p:nvSpPr>
-          <p:cNvPr id="49" name="Google Shape;113;p27"/>
+          <p:cNvPr id="42" name="Google Shape;113;p27"/>
           <p:cNvSpPr/>
           <p:nvPr/>
         </p:nvSpPr>
         <p:spPr>
           <a:xfrm>
             <a:off x="606240" y="1616760"/>
-            <a:ext cx="7938360" cy="4752720"/>
+            <a:ext cx="7938000" cy="4752360"/>
           </a:xfrm>
           <a:prstGeom prst="rect">
             <a:avLst/>
@@ -3996,7 +3665,7 @@
           <a:fontRef idx="minor"/>
         </p:style>
         <p:txBody>
-          <a:bodyPr tIns="91440" bIns="91440" anchor="ctr">
+          <a:bodyPr lIns="90000" rIns="90000" tIns="91440" bIns="91440" anchor="ctr">
             <a:noAutofit/>
           </a:bodyPr>
           <a:p>
@@ -4053,63 +3722,14 @@
       </p:grpSpPr>
       <p:sp>
         <p:nvSpPr>
-          <p:cNvPr id="50" name="PlaceHolder 1"/>
-          <p:cNvSpPr>
-            <a:spLocks noGrp="1"/>
-          </p:cNvSpPr>
-          <p:nvPr>
-            <p:ph type="title"/>
-          </p:nvPr>
-        </p:nvSpPr>
-        <p:spPr>
-          <a:xfrm>
-            <a:off x="500400" y="441000"/>
-            <a:ext cx="8520120" cy="1305720"/>
-          </a:xfrm>
-          <a:prstGeom prst="rect">
-            <a:avLst/>
-          </a:prstGeom>
-          <a:noFill/>
-          <a:ln w="0">
-            <a:noFill/>
-          </a:ln>
-        </p:spPr>
-        <p:txBody>
-          <a:bodyPr lIns="91440" rIns="91440" tIns="91440" bIns="91440" anchor="t">
-            <a:noAutofit/>
-          </a:bodyPr>
-          <a:p>
-            <a:pPr indent="0">
-              <a:buNone/>
-            </a:pPr>
-            <a:r>
-              <a:rPr b="0" lang="ru-RU" sz="3400" spc="-1" strike="noStrike">
-                <a:solidFill>
-                  <a:srgbClr val="000000"/>
-                </a:solidFill>
-                <a:latin typeface="Arial"/>
-              </a:rPr>
-              <a:t>Для правки текста заглавия щёлкните мышью</a:t>
-            </a:r>
-            <a:endParaRPr b="0" lang="ru-RU" sz="3400" spc="-1" strike="noStrike">
-              <a:solidFill>
-                <a:srgbClr val="000000"/>
-              </a:solidFill>
-              <a:latin typeface="Arial"/>
-            </a:endParaRPr>
-          </a:p>
-        </p:txBody>
-      </p:sp>
-      <p:sp>
-        <p:nvSpPr>
-          <p:cNvPr id="51" name="Google Shape;118;p28"/>
+          <p:cNvPr id="43" name="Google Shape;118;p28"/>
           <p:cNvSpPr/>
           <p:nvPr/>
         </p:nvSpPr>
         <p:spPr>
           <a:xfrm>
             <a:off x="606240" y="2859120"/>
-            <a:ext cx="7938360" cy="3285720"/>
+            <a:ext cx="7938000" cy="3285360"/>
           </a:xfrm>
           <a:prstGeom prst="rect">
             <a:avLst/>
@@ -4128,7 +3748,7 @@
           <a:fontRef idx="minor"/>
         </p:style>
         <p:txBody>
-          <a:bodyPr tIns="91440" bIns="91440" anchor="ctr">
+          <a:bodyPr lIns="90000" rIns="90000" tIns="91440" bIns="91440" anchor="ctr">
             <a:noAutofit/>
           </a:bodyPr>
           <a:p>
@@ -4185,63 +3805,14 @@
       </p:grpSpPr>
       <p:sp>
         <p:nvSpPr>
-          <p:cNvPr id="52" name="PlaceHolder 1"/>
-          <p:cNvSpPr>
-            <a:spLocks noGrp="1"/>
-          </p:cNvSpPr>
-          <p:nvPr>
-            <p:ph type="title"/>
-          </p:nvPr>
-        </p:nvSpPr>
-        <p:spPr>
-          <a:xfrm>
-            <a:off x="500400" y="441000"/>
-            <a:ext cx="8520120" cy="1305720"/>
-          </a:xfrm>
-          <a:prstGeom prst="rect">
-            <a:avLst/>
-          </a:prstGeom>
-          <a:noFill/>
-          <a:ln w="0">
-            <a:noFill/>
-          </a:ln>
-        </p:spPr>
-        <p:txBody>
-          <a:bodyPr lIns="91440" rIns="91440" tIns="91440" bIns="91440" anchor="t">
-            <a:noAutofit/>
-          </a:bodyPr>
-          <a:p>
-            <a:pPr indent="0">
-              <a:buNone/>
-            </a:pPr>
-            <a:r>
-              <a:rPr b="0" lang="ru-RU" sz="3400" spc="-1" strike="noStrike">
-                <a:solidFill>
-                  <a:srgbClr val="000000"/>
-                </a:solidFill>
-                <a:latin typeface="Arial"/>
-              </a:rPr>
-              <a:t>Для правки текста заглавия щёлкните мышью</a:t>
-            </a:r>
-            <a:endParaRPr b="0" lang="ru-RU" sz="3400" spc="-1" strike="noStrike">
-              <a:solidFill>
-                <a:srgbClr val="000000"/>
-              </a:solidFill>
-              <a:latin typeface="Arial"/>
-            </a:endParaRPr>
-          </a:p>
-        </p:txBody>
-      </p:sp>
-      <p:sp>
-        <p:nvSpPr>
-          <p:cNvPr id="53" name="Google Shape;122;p29"/>
+          <p:cNvPr id="44" name="Google Shape;122;p29"/>
           <p:cNvSpPr/>
           <p:nvPr/>
         </p:nvSpPr>
         <p:spPr>
           <a:xfrm>
             <a:off x="362160" y="1616760"/>
-            <a:ext cx="4748400" cy="4752720"/>
+            <a:ext cx="4748040" cy="4752360"/>
           </a:xfrm>
           <a:prstGeom prst="rect">
             <a:avLst/>
@@ -4260,7 +3831,7 @@
           <a:fontRef idx="minor"/>
         </p:style>
         <p:txBody>
-          <a:bodyPr tIns="91440" bIns="91440" anchor="ctr">
+          <a:bodyPr lIns="90000" rIns="90000" tIns="91440" bIns="91440" anchor="ctr">
             <a:noAutofit/>
           </a:bodyPr>
           <a:p>
@@ -4327,8 +3898,8 @@
         </p:nvSpPr>
         <p:spPr>
           <a:xfrm>
-            <a:off x="500400" y="441000"/>
-            <a:ext cx="8520120" cy="1305720"/>
+            <a:off x="457200" y="273600"/>
+            <a:ext cx="8229240" cy="1144800"/>
           </a:xfrm>
           <a:prstGeom prst="rect">
             <a:avLst/>
@@ -4339,15 +3910,15 @@
           </a:ln>
         </p:spPr>
         <p:txBody>
-          <a:bodyPr lIns="91440" rIns="91440" tIns="91440" bIns="91440" anchor="t">
+          <a:bodyPr lIns="0" rIns="0" tIns="0" bIns="0" anchor="ctr">
             <a:noAutofit/>
           </a:bodyPr>
           <a:p>
-            <a:pPr indent="0">
+            <a:pPr indent="0" algn="ctr">
               <a:buNone/>
             </a:pPr>
             <a:r>
-              <a:rPr b="0" lang="ru-RU" sz="3400" spc="-1" strike="noStrike">
+              <a:rPr b="0" lang="ru-RU" sz="4400" spc="-1" strike="noStrike">
                 <a:solidFill>
                   <a:srgbClr val="000000"/>
                 </a:solidFill>
@@ -4355,7 +3926,7 @@
               </a:rPr>
               <a:t>Для правки текста заглавия щёлкните мышью</a:t>
             </a:r>
-            <a:endParaRPr b="0" lang="ru-RU" sz="3400" spc="-1" strike="noStrike">
+            <a:endParaRPr b="0" lang="ru-RU" sz="4400" spc="-1" strike="noStrike">
               <a:solidFill>
                 <a:srgbClr val="000000"/>
               </a:solidFill>
@@ -4404,7 +3975,7 @@
               <a:buChar char=""/>
             </a:pPr>
             <a:r>
-              <a:rPr b="0" lang="ru-RU" sz="1400" spc="-1" strike="noStrike">
+              <a:rPr b="0" lang="ru-RU" sz="3200" spc="-1" strike="noStrike">
                 <a:solidFill>
                   <a:srgbClr val="000000"/>
                 </a:solidFill>
@@ -4412,7 +3983,7 @@
               </a:rPr>
               <a:t>Для правки структуры щёлкните мышью</a:t>
             </a:r>
-            <a:endParaRPr b="0" lang="ru-RU" sz="1400" spc="-1" strike="noStrike">
+            <a:endParaRPr b="0" lang="ru-RU" sz="3200" spc="-1" strike="noStrike">
               <a:solidFill>
                 <a:srgbClr val="000000"/>
               </a:solidFill>
@@ -4432,7 +4003,7 @@
               <a:buChar char=""/>
             </a:pPr>
             <a:r>
-              <a:rPr b="0" lang="ru-RU" sz="1400" spc="-1" strike="noStrike">
+              <a:rPr b="0" lang="ru-RU" sz="2800" spc="-1" strike="noStrike">
                 <a:solidFill>
                   <a:srgbClr val="000000"/>
                 </a:solidFill>
@@ -4440,7 +4011,7 @@
               </a:rPr>
               <a:t>Второй уровень структуры</a:t>
             </a:r>
-            <a:endParaRPr b="0" lang="ru-RU" sz="1400" spc="-1" strike="noStrike">
+            <a:endParaRPr b="0" lang="ru-RU" sz="2800" spc="-1" strike="noStrike">
               <a:solidFill>
                 <a:srgbClr val="000000"/>
               </a:solidFill>
@@ -4460,7 +4031,7 @@
               <a:buChar char=""/>
             </a:pPr>
             <a:r>
-              <a:rPr b="0" lang="ru-RU" sz="1400" spc="-1" strike="noStrike">
+              <a:rPr b="0" lang="ru-RU" sz="2400" spc="-1" strike="noStrike">
                 <a:solidFill>
                   <a:srgbClr val="000000"/>
                 </a:solidFill>
@@ -4468,7 +4039,7 @@
               </a:rPr>
               <a:t>Третий уровень структуры</a:t>
             </a:r>
-            <a:endParaRPr b="0" lang="ru-RU" sz="1400" spc="-1" strike="noStrike">
+            <a:endParaRPr b="0" lang="ru-RU" sz="2400" spc="-1" strike="noStrike">
               <a:solidFill>
                 <a:srgbClr val="000000"/>
               </a:solidFill>
@@ -4488,7 +4059,7 @@
               <a:buChar char=""/>
             </a:pPr>
             <a:r>
-              <a:rPr b="0" lang="ru-RU" sz="1400" spc="-1" strike="noStrike">
+              <a:rPr b="0" lang="ru-RU" sz="2000" spc="-1" strike="noStrike">
                 <a:solidFill>
                   <a:srgbClr val="000000"/>
                 </a:solidFill>
@@ -4496,7 +4067,7 @@
               </a:rPr>
               <a:t>Четвёртый уровень структуры</a:t>
             </a:r>
-            <a:endParaRPr b="0" lang="ru-RU" sz="1400" spc="-1" strike="noStrike">
+            <a:endParaRPr b="0" lang="ru-RU" sz="2000" spc="-1" strike="noStrike">
               <a:solidFill>
                 <a:srgbClr val="000000"/>
               </a:solidFill>
@@ -4625,7 +4196,7 @@
       </p:grpSpPr>
       <p:pic>
         <p:nvPicPr>
-          <p:cNvPr id="54" name="Google Shape;72;p17" descr=""/>
+          <p:cNvPr id="45" name="Google Shape;72;p17" descr=""/>
           <p:cNvPicPr/>
           <p:nvPr/>
         </p:nvPicPr>
@@ -4636,7 +4207,7 @@
         <p:spPr>
           <a:xfrm>
             <a:off x="-18000" y="-13320"/>
-            <a:ext cx="9179640" cy="6884640"/>
+            <a:ext cx="9179280" cy="6884280"/>
           </a:xfrm>
           <a:prstGeom prst="rect">
             <a:avLst/>
@@ -4648,7 +4219,7 @@
       </p:pic>
       <p:sp>
         <p:nvSpPr>
-          <p:cNvPr id="55" name="PlaceHolder 1"/>
+          <p:cNvPr id="46" name="PlaceHolder 1"/>
           <p:cNvSpPr>
             <a:spLocks noGrp="1"/>
           </p:cNvSpPr>
@@ -4658,8 +4229,8 @@
         </p:nvSpPr>
         <p:spPr>
           <a:xfrm>
-            <a:off x="792360" y="2562120"/>
-            <a:ext cx="8182800" cy="2918160"/>
+            <a:off x="500400" y="441000"/>
+            <a:ext cx="8519760" cy="1305360"/>
           </a:xfrm>
           <a:prstGeom prst="rect">
             <a:avLst/>
@@ -4670,7 +4241,7 @@
           </a:ln>
         </p:spPr>
         <p:txBody>
-          <a:bodyPr lIns="91440" rIns="91440" tIns="91440" bIns="91440" anchor="t">
+          <a:bodyPr lIns="0" rIns="0" tIns="0" bIns="0" anchor="ctr">
             <a:noAutofit/>
           </a:bodyPr>
           <a:p>
@@ -4678,7 +4249,7 @@
               <a:buNone/>
             </a:pPr>
             <a:r>
-              <a:rPr b="0" lang="ru-RU" sz="6600" spc="-1" strike="noStrike">
+              <a:rPr b="0" lang="ru-RU" sz="1800" spc="-1" strike="noStrike">
                 <a:solidFill>
                   <a:srgbClr val="000000"/>
                 </a:solidFill>
@@ -4686,7 +4257,7 @@
               </a:rPr>
               <a:t>Для правки текста заглавия щёлкните мышью</a:t>
             </a:r>
-            <a:endParaRPr b="0" lang="ru-RU" sz="6600" spc="-1" strike="noStrike">
+            <a:endParaRPr b="0" lang="ru-RU" sz="1800" spc="-1" strike="noStrike">
               <a:solidFill>
                 <a:srgbClr val="000000"/>
               </a:solidFill>
@@ -4731,56 +4302,7 @@
       </p:grpSpPr>
       <p:sp>
         <p:nvSpPr>
-          <p:cNvPr id="58" name="PlaceHolder 1"/>
-          <p:cNvSpPr>
-            <a:spLocks noGrp="1"/>
-          </p:cNvSpPr>
-          <p:nvPr>
-            <p:ph type="title"/>
-          </p:nvPr>
-        </p:nvSpPr>
-        <p:spPr>
-          <a:xfrm>
-            <a:off x="500400" y="2485440"/>
-            <a:ext cx="7935120" cy="1122120"/>
-          </a:xfrm>
-          <a:prstGeom prst="rect">
-            <a:avLst/>
-          </a:prstGeom>
-          <a:noFill/>
-          <a:ln w="0">
-            <a:noFill/>
-          </a:ln>
-        </p:spPr>
-        <p:txBody>
-          <a:bodyPr lIns="91440" rIns="91440" tIns="91440" bIns="91440" anchor="ctr">
-            <a:noAutofit/>
-          </a:bodyPr>
-          <a:p>
-            <a:pPr indent="0">
-              <a:buNone/>
-            </a:pPr>
-            <a:r>
-              <a:rPr b="0" lang="ru-RU" sz="3900" spc="-1" strike="noStrike">
-                <a:solidFill>
-                  <a:srgbClr val="000000"/>
-                </a:solidFill>
-                <a:latin typeface="Arial"/>
-              </a:rPr>
-              <a:t>Для правки текста заглавия щёлкните мышью</a:t>
-            </a:r>
-            <a:endParaRPr b="0" lang="ru-RU" sz="3900" spc="-1" strike="noStrike">
-              <a:solidFill>
-                <a:srgbClr val="000000"/>
-              </a:solidFill>
-              <a:latin typeface="Arial"/>
-            </a:endParaRPr>
-          </a:p>
-        </p:txBody>
-      </p:sp>
-      <p:sp>
-        <p:nvSpPr>
-          <p:cNvPr id="59" name="PlaceHolder 2"/>
+          <p:cNvPr id="49" name="PlaceHolder 1"/>
           <p:cNvSpPr>
             <a:spLocks noGrp="1"/>
           </p:cNvSpPr>
@@ -4791,7 +4313,7 @@
         <p:spPr>
           <a:xfrm>
             <a:off x="8472600" y="6217560"/>
-            <a:ext cx="548280" cy="524520"/>
+            <a:ext cx="547920" cy="524160"/>
           </a:xfrm>
           <a:prstGeom prst="rect">
             <a:avLst/>
@@ -4803,7 +4325,7 @@
         </p:spPr>
         <p:txBody>
           <a:bodyPr lIns="91440" rIns="91440" tIns="91440" bIns="91440" anchor="ctr">
-            <a:normAutofit/>
+            <a:noAutofit/>
           </a:bodyPr>
           <a:lstStyle>
             <a:lvl1pPr indent="0" algn="r">
@@ -4833,7 +4355,7 @@
                 <a:tab algn="l" pos="0"/>
               </a:tabLst>
             </a:pPr>
-            <a:fld id="{8020EEED-021E-43ED-8B4E-F5C7F7A01E6F}" type="slidenum">
+            <a:fld id="{4849C0AE-42C8-4AB6-AD08-647C9DC9B0FC}" type="slidenum">
               <a:rPr b="0" lang="ru" sz="1000" spc="-1" strike="noStrike">
                 <a:solidFill>
                   <a:schemeClr val="dk2"/>
@@ -4888,7 +4410,7 @@
       </p:grpSpPr>
       <p:sp>
         <p:nvSpPr>
-          <p:cNvPr id="60" name="PlaceHolder 1"/>
+          <p:cNvPr id="50" name="PlaceHolder 1"/>
           <p:cNvSpPr>
             <a:spLocks noGrp="1"/>
           </p:cNvSpPr>
@@ -4899,7 +4421,7 @@
         <p:spPr>
           <a:xfrm>
             <a:off x="500400" y="441000"/>
-            <a:ext cx="8520120" cy="1305720"/>
+            <a:ext cx="8519760" cy="1305360"/>
           </a:xfrm>
           <a:prstGeom prst="rect">
             <a:avLst/>
@@ -4910,7 +4432,7 @@
           </a:ln>
         </p:spPr>
         <p:txBody>
-          <a:bodyPr lIns="91440" rIns="91440" tIns="91440" bIns="91440" anchor="t">
+          <a:bodyPr lIns="0" rIns="0" tIns="0" bIns="0" anchor="ctr">
             <a:noAutofit/>
           </a:bodyPr>
           <a:p>
@@ -4918,7 +4440,7 @@
               <a:buNone/>
             </a:pPr>
             <a:r>
-              <a:rPr b="0" lang="ru-RU" sz="3400" spc="-1" strike="noStrike">
+              <a:rPr b="0" lang="ru-RU" sz="1800" spc="-1" strike="noStrike">
                 <a:solidFill>
                   <a:srgbClr val="000000"/>
                 </a:solidFill>
@@ -4926,7 +4448,7 @@
               </a:rPr>
               <a:t>Для правки текста заглавия щёлкните мышью</a:t>
             </a:r>
-            <a:endParaRPr b="0" lang="ru-RU" sz="3400" spc="-1" strike="noStrike">
+            <a:endParaRPr b="0" lang="ru-RU" sz="1800" spc="-1" strike="noStrike">
               <a:solidFill>
                 <a:srgbClr val="000000"/>
               </a:solidFill>
@@ -4937,7 +4459,7 @@
       </p:sp>
       <p:sp>
         <p:nvSpPr>
-          <p:cNvPr id="61" name="PlaceHolder 2"/>
+          <p:cNvPr id="51" name="PlaceHolder 2"/>
           <p:cNvSpPr>
             <a:spLocks noGrp="1"/>
           </p:cNvSpPr>
@@ -4947,8 +4469,8 @@
         </p:nvSpPr>
         <p:spPr>
           <a:xfrm>
-            <a:off x="500400" y="1901880"/>
-            <a:ext cx="8520120" cy="4554720"/>
+            <a:off x="457200" y="1604520"/>
+            <a:ext cx="8228880" cy="3976920"/>
           </a:xfrm>
           <a:prstGeom prst="rect">
             <a:avLst/>
@@ -4959,7 +4481,7 @@
           </a:ln>
         </p:spPr>
         <p:txBody>
-          <a:bodyPr lIns="91440" rIns="91440" tIns="91440" bIns="91440" anchor="t">
+          <a:bodyPr lIns="0" rIns="0" tIns="0" bIns="0" anchor="t">
             <a:normAutofit/>
           </a:bodyPr>
           <a:p>
@@ -4975,7 +4497,7 @@
               <a:buChar char=""/>
             </a:pPr>
             <a:r>
-              <a:rPr b="0" lang="ru-RU" sz="1700" spc="-1" strike="noStrike">
+              <a:rPr b="0" lang="ru-RU" sz="1800" spc="-1" strike="noStrike">
                 <a:solidFill>
                   <a:srgbClr val="000000"/>
                 </a:solidFill>
@@ -4983,7 +4505,7 @@
               </a:rPr>
               <a:t>Для правки структуры щёлкните мышью</a:t>
             </a:r>
-            <a:endParaRPr b="0" lang="ru-RU" sz="1700" spc="-1" strike="noStrike">
+            <a:endParaRPr b="0" lang="ru-RU" sz="1800" spc="-1" strike="noStrike">
               <a:solidFill>
                 <a:srgbClr val="000000"/>
               </a:solidFill>
@@ -5003,7 +4525,7 @@
               <a:buChar char=""/>
             </a:pPr>
             <a:r>
-              <a:rPr b="0" lang="ru-RU" sz="1700" spc="-1" strike="noStrike">
+              <a:rPr b="0" lang="ru-RU" sz="1800" spc="-1" strike="noStrike">
                 <a:solidFill>
                   <a:srgbClr val="000000"/>
                 </a:solidFill>
@@ -5011,7 +4533,7 @@
               </a:rPr>
               <a:t>Второй уровень структуры</a:t>
             </a:r>
-            <a:endParaRPr b="0" lang="ru-RU" sz="1700" spc="-1" strike="noStrike">
+            <a:endParaRPr b="0" lang="ru-RU" sz="1800" spc="-1" strike="noStrike">
               <a:solidFill>
                 <a:srgbClr val="000000"/>
               </a:solidFill>
@@ -5031,7 +4553,7 @@
               <a:buChar char=""/>
             </a:pPr>
             <a:r>
-              <a:rPr b="0" lang="ru-RU" sz="1700" spc="-1" strike="noStrike">
+              <a:rPr b="0" lang="ru-RU" sz="1800" spc="-1" strike="noStrike">
                 <a:solidFill>
                   <a:srgbClr val="000000"/>
                 </a:solidFill>
@@ -5039,7 +4561,7 @@
               </a:rPr>
               <a:t>Третий уровень структуры</a:t>
             </a:r>
-            <a:endParaRPr b="0" lang="ru-RU" sz="1700" spc="-1" strike="noStrike">
+            <a:endParaRPr b="0" lang="ru-RU" sz="1800" spc="-1" strike="noStrike">
               <a:solidFill>
                 <a:srgbClr val="000000"/>
               </a:solidFill>
@@ -5059,7 +4581,7 @@
               <a:buChar char=""/>
             </a:pPr>
             <a:r>
-              <a:rPr b="0" lang="ru-RU" sz="1700" spc="-1" strike="noStrike">
+              <a:rPr b="0" lang="ru-RU" sz="1800" spc="-1" strike="noStrike">
                 <a:solidFill>
                   <a:srgbClr val="000000"/>
                 </a:solidFill>
@@ -5067,7 +4589,7 @@
               </a:rPr>
               <a:t>Четвёртый уровень структуры</a:t>
             </a:r>
-            <a:endParaRPr b="0" lang="ru-RU" sz="1700" spc="-1" strike="noStrike">
+            <a:endParaRPr b="0" lang="ru-RU" sz="1800" spc="-1" strike="noStrike">
               <a:solidFill>
                 <a:srgbClr val="000000"/>
               </a:solidFill>
@@ -5087,7 +4609,7 @@
               <a:buChar char=""/>
             </a:pPr>
             <a:r>
-              <a:rPr b="0" lang="ru-RU" sz="1700" spc="-1" strike="noStrike">
+              <a:rPr b="0" lang="ru-RU" sz="1800" spc="-1" strike="noStrike">
                 <a:solidFill>
                   <a:srgbClr val="000000"/>
                 </a:solidFill>
@@ -5095,7 +4617,7 @@
               </a:rPr>
               <a:t>Пятый уровень структуры</a:t>
             </a:r>
-            <a:endParaRPr b="0" lang="ru-RU" sz="1700" spc="-1" strike="noStrike">
+            <a:endParaRPr b="0" lang="ru-RU" sz="1800" spc="-1" strike="noStrike">
               <a:solidFill>
                 <a:srgbClr val="000000"/>
               </a:solidFill>
@@ -5115,7 +4637,7 @@
               <a:buChar char=""/>
             </a:pPr>
             <a:r>
-              <a:rPr b="0" lang="ru-RU" sz="1700" spc="-1" strike="noStrike">
+              <a:rPr b="0" lang="ru-RU" sz="1800" spc="-1" strike="noStrike">
                 <a:solidFill>
                   <a:srgbClr val="000000"/>
                 </a:solidFill>
@@ -5123,7 +4645,7 @@
               </a:rPr>
               <a:t>Шестой уровень структуры</a:t>
             </a:r>
-            <a:endParaRPr b="0" lang="ru-RU" sz="1700" spc="-1" strike="noStrike">
+            <a:endParaRPr b="0" lang="ru-RU" sz="1800" spc="-1" strike="noStrike">
               <a:solidFill>
                 <a:srgbClr val="000000"/>
               </a:solidFill>
@@ -5143,7 +4665,7 @@
               <a:buChar char=""/>
             </a:pPr>
             <a:r>
-              <a:rPr b="0" lang="ru-RU" sz="1700" spc="-1" strike="noStrike">
+              <a:rPr b="0" lang="ru-RU" sz="1800" spc="-1" strike="noStrike">
                 <a:solidFill>
                   <a:srgbClr val="000000"/>
                 </a:solidFill>
@@ -5151,7 +4673,7 @@
               </a:rPr>
               <a:t>Седьмой уровень структуры</a:t>
             </a:r>
-            <a:endParaRPr b="0" lang="ru-RU" sz="1700" spc="-1" strike="noStrike">
+            <a:endParaRPr b="0" lang="ru-RU" sz="1800" spc="-1" strike="noStrike">
               <a:solidFill>
                 <a:srgbClr val="000000"/>
               </a:solidFill>
@@ -5162,7 +4684,7 @@
       </p:sp>
       <p:sp>
         <p:nvSpPr>
-          <p:cNvPr id="62" name="PlaceHolder 3"/>
+          <p:cNvPr id="52" name="PlaceHolder 3"/>
           <p:cNvSpPr>
             <a:spLocks noGrp="1"/>
           </p:cNvSpPr>
@@ -5173,7 +4695,7 @@
         <p:spPr>
           <a:xfrm>
             <a:off x="8472600" y="6217560"/>
-            <a:ext cx="548280" cy="524520"/>
+            <a:ext cx="547920" cy="524160"/>
           </a:xfrm>
           <a:prstGeom prst="rect">
             <a:avLst/>
@@ -5185,7 +4707,7 @@
         </p:spPr>
         <p:txBody>
           <a:bodyPr lIns="91440" rIns="91440" tIns="91440" bIns="91440" anchor="ctr">
-            <a:normAutofit/>
+            <a:noAutofit/>
           </a:bodyPr>
           <a:lstStyle>
             <a:lvl1pPr indent="0" algn="r">
@@ -5215,7 +4737,7 @@
                 <a:tab algn="l" pos="0"/>
               </a:tabLst>
             </a:pPr>
-            <a:fld id="{1C4105E2-C145-46A8-B6E0-56AAD52DB3F0}" type="slidenum">
+            <a:fld id="{55927C89-ABDD-4FD2-9672-3ED9DD9BFB28}" type="slidenum">
               <a:rPr b="0" lang="ru" sz="1000" spc="-1" strike="noStrike">
                 <a:solidFill>
                   <a:schemeClr val="dk2"/>
@@ -5270,7 +4792,506 @@
       </p:grpSpPr>
       <p:sp>
         <p:nvSpPr>
-          <p:cNvPr id="65" name="PlaceHolder 1"/>
+          <p:cNvPr id="55" name="PlaceHolder 1"/>
+          <p:cNvSpPr>
+            <a:spLocks noGrp="1"/>
+          </p:cNvSpPr>
+          <p:nvPr>
+            <p:ph type="title"/>
+          </p:nvPr>
+        </p:nvSpPr>
+        <p:spPr>
+          <a:xfrm>
+            <a:off x="500400" y="441000"/>
+            <a:ext cx="8519760" cy="1305360"/>
+          </a:xfrm>
+          <a:prstGeom prst="rect">
+            <a:avLst/>
+          </a:prstGeom>
+          <a:noFill/>
+          <a:ln w="0">
+            <a:noFill/>
+          </a:ln>
+        </p:spPr>
+        <p:txBody>
+          <a:bodyPr lIns="0" rIns="0" tIns="0" bIns="0" anchor="ctr">
+            <a:noAutofit/>
+          </a:bodyPr>
+          <a:p>
+            <a:pPr indent="0">
+              <a:buNone/>
+            </a:pPr>
+            <a:r>
+              <a:rPr b="0" lang="ru-RU" sz="1800" spc="-1" strike="noStrike">
+                <a:solidFill>
+                  <a:srgbClr val="000000"/>
+                </a:solidFill>
+                <a:latin typeface="Arial"/>
+              </a:rPr>
+              <a:t>Для правки текста заглавия щёлкните мышью</a:t>
+            </a:r>
+            <a:endParaRPr b="0" lang="ru-RU" sz="1800" spc="-1" strike="noStrike">
+              <a:solidFill>
+                <a:srgbClr val="000000"/>
+              </a:solidFill>
+              <a:latin typeface="Arial"/>
+            </a:endParaRPr>
+          </a:p>
+        </p:txBody>
+      </p:sp>
+      <p:sp>
+        <p:nvSpPr>
+          <p:cNvPr id="56" name="PlaceHolder 2"/>
+          <p:cNvSpPr>
+            <a:spLocks noGrp="1"/>
+          </p:cNvSpPr>
+          <p:nvPr>
+            <p:ph type="body"/>
+          </p:nvPr>
+        </p:nvSpPr>
+        <p:spPr>
+          <a:xfrm>
+            <a:off x="457200" y="1604520"/>
+            <a:ext cx="4015440" cy="3976920"/>
+          </a:xfrm>
+          <a:prstGeom prst="rect">
+            <a:avLst/>
+          </a:prstGeom>
+          <a:noFill/>
+          <a:ln w="0">
+            <a:noFill/>
+          </a:ln>
+        </p:spPr>
+        <p:txBody>
+          <a:bodyPr lIns="0" rIns="0" tIns="0" bIns="0" anchor="t">
+            <a:normAutofit fontScale="93333" lnSpcReduction="10000"/>
+          </a:bodyPr>
+          <a:p>
+            <a:pPr marL="432000" indent="-324000">
+              <a:spcBef>
+                <a:spcPts val="1417"/>
+              </a:spcBef>
+              <a:buClr>
+                <a:srgbClr val="000000"/>
+              </a:buClr>
+              <a:buSzPct val="45000"/>
+              <a:buFont typeface="Wingdings" charset="2"/>
+              <a:buChar char=""/>
+            </a:pPr>
+            <a:r>
+              <a:rPr b="0" lang="ru-RU" sz="1800" spc="-1" strike="noStrike">
+                <a:solidFill>
+                  <a:srgbClr val="000000"/>
+                </a:solidFill>
+                <a:latin typeface="Arial"/>
+              </a:rPr>
+              <a:t>Для правки структуры щёлкните мышью</a:t>
+            </a:r>
+            <a:endParaRPr b="0" lang="ru-RU" sz="1800" spc="-1" strike="noStrike">
+              <a:solidFill>
+                <a:srgbClr val="000000"/>
+              </a:solidFill>
+              <a:latin typeface="Arial"/>
+            </a:endParaRPr>
+          </a:p>
+          <a:p>
+            <a:pPr lvl="1" marL="864000" indent="-324000">
+              <a:spcBef>
+                <a:spcPts val="1134"/>
+              </a:spcBef>
+              <a:buClr>
+                <a:srgbClr val="000000"/>
+              </a:buClr>
+              <a:buSzPct val="75000"/>
+              <a:buFont typeface="Symbol" charset="2"/>
+              <a:buChar char=""/>
+            </a:pPr>
+            <a:r>
+              <a:rPr b="0" lang="ru-RU" sz="1800" spc="-1" strike="noStrike">
+                <a:solidFill>
+                  <a:srgbClr val="000000"/>
+                </a:solidFill>
+                <a:latin typeface="Arial"/>
+              </a:rPr>
+              <a:t>Второй уровень структуры</a:t>
+            </a:r>
+            <a:endParaRPr b="0" lang="ru-RU" sz="1800" spc="-1" strike="noStrike">
+              <a:solidFill>
+                <a:srgbClr val="000000"/>
+              </a:solidFill>
+              <a:latin typeface="Arial"/>
+            </a:endParaRPr>
+          </a:p>
+          <a:p>
+            <a:pPr lvl="2" marL="1296000" indent="-288000">
+              <a:spcBef>
+                <a:spcPts val="850"/>
+              </a:spcBef>
+              <a:buClr>
+                <a:srgbClr val="000000"/>
+              </a:buClr>
+              <a:buSzPct val="45000"/>
+              <a:buFont typeface="Wingdings" charset="2"/>
+              <a:buChar char=""/>
+            </a:pPr>
+            <a:r>
+              <a:rPr b="0" lang="ru-RU" sz="1800" spc="-1" strike="noStrike">
+                <a:solidFill>
+                  <a:srgbClr val="000000"/>
+                </a:solidFill>
+                <a:latin typeface="Arial"/>
+              </a:rPr>
+              <a:t>Третий уровень структуры</a:t>
+            </a:r>
+            <a:endParaRPr b="0" lang="ru-RU" sz="1800" spc="-1" strike="noStrike">
+              <a:solidFill>
+                <a:srgbClr val="000000"/>
+              </a:solidFill>
+              <a:latin typeface="Arial"/>
+            </a:endParaRPr>
+          </a:p>
+          <a:p>
+            <a:pPr lvl="3" marL="1728000" indent="-216000">
+              <a:spcBef>
+                <a:spcPts val="567"/>
+              </a:spcBef>
+              <a:buClr>
+                <a:srgbClr val="000000"/>
+              </a:buClr>
+              <a:buSzPct val="75000"/>
+              <a:buFont typeface="Symbol" charset="2"/>
+              <a:buChar char=""/>
+            </a:pPr>
+            <a:r>
+              <a:rPr b="0" lang="ru-RU" sz="1800" spc="-1" strike="noStrike">
+                <a:solidFill>
+                  <a:srgbClr val="000000"/>
+                </a:solidFill>
+                <a:latin typeface="Arial"/>
+              </a:rPr>
+              <a:t>Четвёртый уровень структуры</a:t>
+            </a:r>
+            <a:endParaRPr b="0" lang="ru-RU" sz="1800" spc="-1" strike="noStrike">
+              <a:solidFill>
+                <a:srgbClr val="000000"/>
+              </a:solidFill>
+              <a:latin typeface="Arial"/>
+            </a:endParaRPr>
+          </a:p>
+          <a:p>
+            <a:pPr lvl="4" marL="2160000" indent="-216000">
+              <a:spcBef>
+                <a:spcPts val="283"/>
+              </a:spcBef>
+              <a:buClr>
+                <a:srgbClr val="000000"/>
+              </a:buClr>
+              <a:buSzPct val="45000"/>
+              <a:buFont typeface="Wingdings" charset="2"/>
+              <a:buChar char=""/>
+            </a:pPr>
+            <a:r>
+              <a:rPr b="0" lang="ru-RU" sz="1800" spc="-1" strike="noStrike">
+                <a:solidFill>
+                  <a:srgbClr val="000000"/>
+                </a:solidFill>
+                <a:latin typeface="Arial"/>
+              </a:rPr>
+              <a:t>Пятый уровень структуры</a:t>
+            </a:r>
+            <a:endParaRPr b="0" lang="ru-RU" sz="1800" spc="-1" strike="noStrike">
+              <a:solidFill>
+                <a:srgbClr val="000000"/>
+              </a:solidFill>
+              <a:latin typeface="Arial"/>
+            </a:endParaRPr>
+          </a:p>
+          <a:p>
+            <a:pPr lvl="5" marL="2592000" indent="-216000">
+              <a:spcBef>
+                <a:spcPts val="283"/>
+              </a:spcBef>
+              <a:buClr>
+                <a:srgbClr val="000000"/>
+              </a:buClr>
+              <a:buSzPct val="45000"/>
+              <a:buFont typeface="Wingdings" charset="2"/>
+              <a:buChar char=""/>
+            </a:pPr>
+            <a:r>
+              <a:rPr b="0" lang="ru-RU" sz="1800" spc="-1" strike="noStrike">
+                <a:solidFill>
+                  <a:srgbClr val="000000"/>
+                </a:solidFill>
+                <a:latin typeface="Arial"/>
+              </a:rPr>
+              <a:t>Шестой уровень структуры</a:t>
+            </a:r>
+            <a:endParaRPr b="0" lang="ru-RU" sz="1800" spc="-1" strike="noStrike">
+              <a:solidFill>
+                <a:srgbClr val="000000"/>
+              </a:solidFill>
+              <a:latin typeface="Arial"/>
+            </a:endParaRPr>
+          </a:p>
+          <a:p>
+            <a:pPr lvl="6" marL="3024000" indent="-216000">
+              <a:spcBef>
+                <a:spcPts val="283"/>
+              </a:spcBef>
+              <a:buClr>
+                <a:srgbClr val="000000"/>
+              </a:buClr>
+              <a:buSzPct val="45000"/>
+              <a:buFont typeface="Wingdings" charset="2"/>
+              <a:buChar char=""/>
+            </a:pPr>
+            <a:r>
+              <a:rPr b="0" lang="ru-RU" sz="1800" spc="-1" strike="noStrike">
+                <a:solidFill>
+                  <a:srgbClr val="000000"/>
+                </a:solidFill>
+                <a:latin typeface="Arial"/>
+              </a:rPr>
+              <a:t>Седьмой уровень структуры</a:t>
+            </a:r>
+            <a:endParaRPr b="0" lang="ru-RU" sz="1800" spc="-1" strike="noStrike">
+              <a:solidFill>
+                <a:srgbClr val="000000"/>
+              </a:solidFill>
+              <a:latin typeface="Arial"/>
+            </a:endParaRPr>
+          </a:p>
+        </p:txBody>
+      </p:sp>
+      <p:sp>
+        <p:nvSpPr>
+          <p:cNvPr id="57" name="PlaceHolder 3"/>
+          <p:cNvSpPr>
+            <a:spLocks noGrp="1"/>
+          </p:cNvSpPr>
+          <p:nvPr>
+            <p:ph type="body"/>
+          </p:nvPr>
+        </p:nvSpPr>
+        <p:spPr>
+          <a:xfrm>
+            <a:off x="4674240" y="1604520"/>
+            <a:ext cx="4015440" cy="3976920"/>
+          </a:xfrm>
+          <a:prstGeom prst="rect">
+            <a:avLst/>
+          </a:prstGeom>
+          <a:noFill/>
+          <a:ln w="0">
+            <a:noFill/>
+          </a:ln>
+        </p:spPr>
+        <p:txBody>
+          <a:bodyPr lIns="0" rIns="0" tIns="0" bIns="0" anchor="t">
+            <a:normAutofit fontScale="93333" lnSpcReduction="10000"/>
+          </a:bodyPr>
+          <a:p>
+            <a:pPr marL="432000" indent="-324000">
+              <a:spcBef>
+                <a:spcPts val="1417"/>
+              </a:spcBef>
+              <a:buClr>
+                <a:srgbClr val="000000"/>
+              </a:buClr>
+              <a:buSzPct val="45000"/>
+              <a:buFont typeface="Wingdings" charset="2"/>
+              <a:buChar char=""/>
+            </a:pPr>
+            <a:r>
+              <a:rPr b="0" lang="ru-RU" sz="1800" spc="-1" strike="noStrike">
+                <a:solidFill>
+                  <a:srgbClr val="000000"/>
+                </a:solidFill>
+                <a:latin typeface="Arial"/>
+              </a:rPr>
+              <a:t>Для правки структуры щёлкните мышью</a:t>
+            </a:r>
+            <a:endParaRPr b="0" lang="ru-RU" sz="1800" spc="-1" strike="noStrike">
+              <a:solidFill>
+                <a:srgbClr val="000000"/>
+              </a:solidFill>
+              <a:latin typeface="Arial"/>
+            </a:endParaRPr>
+          </a:p>
+          <a:p>
+            <a:pPr lvl="1" marL="864000" indent="-324000">
+              <a:spcBef>
+                <a:spcPts val="1134"/>
+              </a:spcBef>
+              <a:buClr>
+                <a:srgbClr val="000000"/>
+              </a:buClr>
+              <a:buSzPct val="75000"/>
+              <a:buFont typeface="Symbol" charset="2"/>
+              <a:buChar char=""/>
+            </a:pPr>
+            <a:r>
+              <a:rPr b="0" lang="ru-RU" sz="1800" spc="-1" strike="noStrike">
+                <a:solidFill>
+                  <a:srgbClr val="000000"/>
+                </a:solidFill>
+                <a:latin typeface="Arial"/>
+              </a:rPr>
+              <a:t>Второй уровень структуры</a:t>
+            </a:r>
+            <a:endParaRPr b="0" lang="ru-RU" sz="1800" spc="-1" strike="noStrike">
+              <a:solidFill>
+                <a:srgbClr val="000000"/>
+              </a:solidFill>
+              <a:latin typeface="Arial"/>
+            </a:endParaRPr>
+          </a:p>
+          <a:p>
+            <a:pPr lvl="2" marL="1296000" indent="-288000">
+              <a:spcBef>
+                <a:spcPts val="850"/>
+              </a:spcBef>
+              <a:buClr>
+                <a:srgbClr val="000000"/>
+              </a:buClr>
+              <a:buSzPct val="45000"/>
+              <a:buFont typeface="Wingdings" charset="2"/>
+              <a:buChar char=""/>
+            </a:pPr>
+            <a:r>
+              <a:rPr b="0" lang="ru-RU" sz="1800" spc="-1" strike="noStrike">
+                <a:solidFill>
+                  <a:srgbClr val="000000"/>
+                </a:solidFill>
+                <a:latin typeface="Arial"/>
+              </a:rPr>
+              <a:t>Третий уровень структуры</a:t>
+            </a:r>
+            <a:endParaRPr b="0" lang="ru-RU" sz="1800" spc="-1" strike="noStrike">
+              <a:solidFill>
+                <a:srgbClr val="000000"/>
+              </a:solidFill>
+              <a:latin typeface="Arial"/>
+            </a:endParaRPr>
+          </a:p>
+          <a:p>
+            <a:pPr lvl="3" marL="1728000" indent="-216000">
+              <a:spcBef>
+                <a:spcPts val="567"/>
+              </a:spcBef>
+              <a:buClr>
+                <a:srgbClr val="000000"/>
+              </a:buClr>
+              <a:buSzPct val="75000"/>
+              <a:buFont typeface="Symbol" charset="2"/>
+              <a:buChar char=""/>
+            </a:pPr>
+            <a:r>
+              <a:rPr b="0" lang="ru-RU" sz="1800" spc="-1" strike="noStrike">
+                <a:solidFill>
+                  <a:srgbClr val="000000"/>
+                </a:solidFill>
+                <a:latin typeface="Arial"/>
+              </a:rPr>
+              <a:t>Четвёртый уровень структуры</a:t>
+            </a:r>
+            <a:endParaRPr b="0" lang="ru-RU" sz="1800" spc="-1" strike="noStrike">
+              <a:solidFill>
+                <a:srgbClr val="000000"/>
+              </a:solidFill>
+              <a:latin typeface="Arial"/>
+            </a:endParaRPr>
+          </a:p>
+          <a:p>
+            <a:pPr lvl="4" marL="2160000" indent="-216000">
+              <a:spcBef>
+                <a:spcPts val="283"/>
+              </a:spcBef>
+              <a:buClr>
+                <a:srgbClr val="000000"/>
+              </a:buClr>
+              <a:buSzPct val="45000"/>
+              <a:buFont typeface="Wingdings" charset="2"/>
+              <a:buChar char=""/>
+            </a:pPr>
+            <a:r>
+              <a:rPr b="0" lang="ru-RU" sz="1800" spc="-1" strike="noStrike">
+                <a:solidFill>
+                  <a:srgbClr val="000000"/>
+                </a:solidFill>
+                <a:latin typeface="Arial"/>
+              </a:rPr>
+              <a:t>Пятый уровень структуры</a:t>
+            </a:r>
+            <a:endParaRPr b="0" lang="ru-RU" sz="1800" spc="-1" strike="noStrike">
+              <a:solidFill>
+                <a:srgbClr val="000000"/>
+              </a:solidFill>
+              <a:latin typeface="Arial"/>
+            </a:endParaRPr>
+          </a:p>
+          <a:p>
+            <a:pPr lvl="5" marL="2592000" indent="-216000">
+              <a:spcBef>
+                <a:spcPts val="283"/>
+              </a:spcBef>
+              <a:buClr>
+                <a:srgbClr val="000000"/>
+              </a:buClr>
+              <a:buSzPct val="45000"/>
+              <a:buFont typeface="Wingdings" charset="2"/>
+              <a:buChar char=""/>
+            </a:pPr>
+            <a:r>
+              <a:rPr b="0" lang="ru-RU" sz="1800" spc="-1" strike="noStrike">
+                <a:solidFill>
+                  <a:srgbClr val="000000"/>
+                </a:solidFill>
+                <a:latin typeface="Arial"/>
+              </a:rPr>
+              <a:t>Шестой уровень структуры</a:t>
+            </a:r>
+            <a:endParaRPr b="0" lang="ru-RU" sz="1800" spc="-1" strike="noStrike">
+              <a:solidFill>
+                <a:srgbClr val="000000"/>
+              </a:solidFill>
+              <a:latin typeface="Arial"/>
+            </a:endParaRPr>
+          </a:p>
+          <a:p>
+            <a:pPr lvl="6" marL="3024000" indent="-216000">
+              <a:spcBef>
+                <a:spcPts val="283"/>
+              </a:spcBef>
+              <a:buClr>
+                <a:srgbClr val="000000"/>
+              </a:buClr>
+              <a:buSzPct val="45000"/>
+              <a:buFont typeface="Wingdings" charset="2"/>
+              <a:buChar char=""/>
+            </a:pPr>
+            <a:r>
+              <a:rPr b="0" lang="ru-RU" sz="1800" spc="-1" strike="noStrike">
+                <a:solidFill>
+                  <a:srgbClr val="000000"/>
+                </a:solidFill>
+                <a:latin typeface="Arial"/>
+              </a:rPr>
+              <a:t>Седьмой уровень структуры</a:t>
+            </a:r>
+            <a:endParaRPr b="0" lang="ru-RU" sz="1800" spc="-1" strike="noStrike">
+              <a:solidFill>
+                <a:srgbClr val="000000"/>
+              </a:solidFill>
+              <a:latin typeface="Arial"/>
+            </a:endParaRPr>
+          </a:p>
+        </p:txBody>
+      </p:sp>
+      <p:sp>
+        <p:nvSpPr>
+          <p:cNvPr id="58" name="PlaceHolder 4"/>
           <p:cNvSpPr>
             <a:spLocks noGrp="1"/>
           </p:cNvSpPr>
@@ -5281,7 +5302,7 @@
         <p:spPr>
           <a:xfrm>
             <a:off x="8472600" y="6217560"/>
-            <a:ext cx="548280" cy="524520"/>
+            <a:ext cx="547920" cy="524160"/>
           </a:xfrm>
           <a:prstGeom prst="rect">
             <a:avLst/>
@@ -5293,7 +5314,7 @@
         </p:spPr>
         <p:txBody>
           <a:bodyPr lIns="91440" rIns="91440" tIns="91440" bIns="91440" anchor="ctr">
-            <a:normAutofit/>
+            <a:noAutofit/>
           </a:bodyPr>
           <a:lstStyle>
             <a:lvl1pPr indent="0" algn="r">
@@ -5323,7 +5344,7 @@
                 <a:tab algn="l" pos="0"/>
               </a:tabLst>
             </a:pPr>
-            <a:fld id="{26DFBF3B-3C10-4D9B-A03A-8E581B33042C}" type="slidenum">
+            <a:fld id="{0D934A7E-CE0F-4B2A-BFA5-D896876C9F8F}" type="slidenum">
               <a:rPr b="0" lang="ru" sz="1000" spc="-1" strike="noStrike">
                 <a:solidFill>
                   <a:schemeClr val="dk2"/>
@@ -5338,64 +5359,6 @@
                 <a:srgbClr val="000000"/>
               </a:solidFill>
               <a:latin typeface="Times New Roman"/>
-            </a:endParaRPr>
-          </a:p>
-        </p:txBody>
-      </p:sp>
-      <p:sp>
-        <p:nvSpPr>
-          <p:cNvPr id="66" name="PlaceHolder 2"/>
-          <p:cNvSpPr>
-            <a:spLocks noGrp="1"/>
-          </p:cNvSpPr>
-          <p:nvPr>
-            <p:ph type="title"/>
-          </p:nvPr>
-        </p:nvSpPr>
-        <p:spPr>
-          <a:xfrm>
-            <a:off x="500400" y="1095120"/>
-            <a:ext cx="8520120" cy="2644560"/>
-          </a:xfrm>
-          <a:prstGeom prst="rect">
-            <a:avLst/>
-          </a:prstGeom>
-          <a:noFill/>
-          <a:ln w="0">
-            <a:noFill/>
-          </a:ln>
-        </p:spPr>
-        <p:txBody>
-          <a:bodyPr lIns="91440" rIns="91440" tIns="91440" bIns="91440" anchor="t">
-            <a:noAutofit/>
-          </a:bodyPr>
-          <a:p>
-            <a:pPr indent="0">
-              <a:buNone/>
-            </a:pPr>
-            <a:r>
-              <a:rPr b="0" lang="ru-RU" sz="3700" spc="-1" strike="noStrike">
-                <a:solidFill>
-                  <a:srgbClr val="000000"/>
-                </a:solidFill>
-                <a:latin typeface="Arial"/>
-              </a:rPr>
-              <a:t>Для правки текста заглавия щёлкните </a:t>
-            </a:r>
-            <a:r>
-              <a:rPr b="0" lang="ru-RU" sz="3700" spc="-1" strike="noStrike">
-                <a:solidFill>
-                  <a:srgbClr val="000000"/>
-                </a:solidFill>
-                <a:latin typeface="Arial"/>
-              </a:rPr>
-              <a:t>мышью</a:t>
-            </a:r>
-            <a:endParaRPr b="0" lang="ru-RU" sz="3700" spc="-1" strike="noStrike">
-              <a:solidFill>
-                <a:srgbClr val="000000"/>
-              </a:solidFill>
-              <a:latin typeface="Arial"/>
             </a:endParaRPr>
           </a:p>
         </p:txBody>
@@ -5434,9 +5397,32 @@
           <a:chExt cx="0" cy="0"/>
         </a:xfrm>
       </p:grpSpPr>
+      <p:pic>
+        <p:nvPicPr>
+          <p:cNvPr id="62" name="Google Shape;91;p21" descr=""/>
+          <p:cNvPicPr/>
+          <p:nvPr/>
+        </p:nvPicPr>
+        <p:blipFill>
+          <a:blip r:embed="rId3"/>
+          <a:stretch/>
+        </p:blipFill>
+        <p:spPr>
+          <a:xfrm>
+            <a:off x="0" y="0"/>
+            <a:ext cx="9143280" cy="6857280"/>
+          </a:xfrm>
+          <a:prstGeom prst="rect">
+            <a:avLst/>
+          </a:prstGeom>
+          <a:ln w="0">
+            <a:noFill/>
+          </a:ln>
+        </p:spPr>
+      </p:pic>
       <p:sp>
         <p:nvSpPr>
-          <p:cNvPr id="70" name="PlaceHolder 1"/>
+          <p:cNvPr id="63" name="PlaceHolder 1"/>
           <p:cNvSpPr>
             <a:spLocks noGrp="1"/>
           </p:cNvSpPr>
@@ -5447,7 +5433,7 @@
         <p:spPr>
           <a:xfrm>
             <a:off x="8472600" y="6217560"/>
-            <a:ext cx="548280" cy="524520"/>
+            <a:ext cx="547920" cy="524160"/>
           </a:xfrm>
           <a:prstGeom prst="rect">
             <a:avLst/>
@@ -5459,7 +5445,7 @@
         </p:spPr>
         <p:txBody>
           <a:bodyPr lIns="91440" rIns="91440" tIns="91440" bIns="91440" anchor="ctr">
-            <a:normAutofit/>
+            <a:noAutofit/>
           </a:bodyPr>
           <a:lstStyle>
             <a:lvl1pPr indent="0" algn="r">
@@ -5489,7 +5475,7 @@
                 <a:tab algn="l" pos="0"/>
               </a:tabLst>
             </a:pPr>
-            <a:fld id="{AB99DFCD-DD08-4EFC-98BD-603FA87A7385}" type="slidenum">
+            <a:fld id="{C88D7920-28D1-47D0-A170-12E82626D2A1}" type="slidenum">
               <a:rPr b="0" lang="ru" sz="1000" spc="-1" strike="noStrike">
                 <a:solidFill>
                   <a:schemeClr val="dk2"/>
@@ -5504,78 +5490,6 @@
                 <a:srgbClr val="000000"/>
               </a:solidFill>
               <a:latin typeface="Times New Roman"/>
-            </a:endParaRPr>
-          </a:p>
-        </p:txBody>
-      </p:sp>
-      <p:pic>
-        <p:nvPicPr>
-          <p:cNvPr id="71" name="Google Shape;91;p21" descr=""/>
-          <p:cNvPicPr/>
-          <p:nvPr/>
-        </p:nvPicPr>
-        <p:blipFill>
-          <a:blip r:embed="rId3"/>
-          <a:stretch/>
-        </p:blipFill>
-        <p:spPr>
-          <a:xfrm>
-            <a:off x="0" y="0"/>
-            <a:ext cx="9143640" cy="6857640"/>
-          </a:xfrm>
-          <a:prstGeom prst="rect">
-            <a:avLst/>
-          </a:prstGeom>
-          <a:ln w="0">
-            <a:noFill/>
-          </a:ln>
-        </p:spPr>
-      </p:pic>
-      <p:sp>
-        <p:nvSpPr>
-          <p:cNvPr id="72" name="PlaceHolder 2"/>
-          <p:cNvSpPr>
-            <a:spLocks noGrp="1"/>
-          </p:cNvSpPr>
-          <p:nvPr>
-            <p:ph type="title"/>
-          </p:nvPr>
-        </p:nvSpPr>
-        <p:spPr>
-          <a:xfrm>
-            <a:off x="956160" y="528480"/>
-            <a:ext cx="7705800" cy="5454000"/>
-          </a:xfrm>
-          <a:prstGeom prst="rect">
-            <a:avLst/>
-          </a:prstGeom>
-          <a:noFill/>
-          <a:ln w="0">
-            <a:noFill/>
-          </a:ln>
-        </p:spPr>
-        <p:txBody>
-          <a:bodyPr lIns="91440" rIns="91440" tIns="91440" bIns="91440" anchor="ctr">
-            <a:noAutofit/>
-          </a:bodyPr>
-          <a:p>
-            <a:pPr indent="0">
-              <a:buNone/>
-            </a:pPr>
-            <a:r>
-              <a:rPr b="0" lang="ru-RU" sz="4900" spc="-1" strike="noStrike">
-                <a:solidFill>
-                  <a:srgbClr val="000000"/>
-                </a:solidFill>
-                <a:latin typeface="Arial"/>
-              </a:rPr>
-              <a:t>Для правки текста заглавия щёлкните мышью</a:t>
-            </a:r>
-            <a:endParaRPr b="0" lang="ru-RU" sz="4900" spc="-1" strike="noStrike">
-              <a:solidFill>
-                <a:srgbClr val="000000"/>
-              </a:solidFill>
-              <a:latin typeface="Arial"/>
             </a:endParaRPr>
           </a:p>
         </p:txBody>
@@ -5614,91 +5528,6 @@
           <a:chExt cx="0" cy="0"/>
         </a:xfrm>
       </p:grpSpPr>
-      <p:sp>
-        <p:nvSpPr>
-          <p:cNvPr id="73" name="PlaceHolder 1"/>
-          <p:cNvSpPr>
-            <a:spLocks noGrp="1"/>
-          </p:cNvSpPr>
-          <p:nvPr>
-            <p:ph type="title"/>
-          </p:nvPr>
-        </p:nvSpPr>
-        <p:spPr>
-          <a:xfrm>
-            <a:off x="500400" y="441000"/>
-            <a:ext cx="8520120" cy="1305720"/>
-          </a:xfrm>
-          <a:prstGeom prst="rect">
-            <a:avLst/>
-          </a:prstGeom>
-          <a:noFill/>
-          <a:ln w="0">
-            <a:noFill/>
-          </a:ln>
-        </p:spPr>
-        <p:txBody>
-          <a:bodyPr lIns="91440" rIns="91440" tIns="91440" bIns="91440" anchor="t">
-            <a:noAutofit/>
-          </a:bodyPr>
-          <a:p>
-            <a:pPr indent="0">
-              <a:buNone/>
-            </a:pPr>
-            <a:r>
-              <a:rPr b="0" lang="ru-RU" sz="3400" spc="-1" strike="noStrike">
-                <a:solidFill>
-                  <a:srgbClr val="000000"/>
-                </a:solidFill>
-                <a:latin typeface="Arial"/>
-              </a:rPr>
-              <a:t>Для правки </a:t>
-            </a:r>
-            <a:r>
-              <a:rPr b="0" lang="ru-RU" sz="3400" spc="-1" strike="noStrike">
-                <a:solidFill>
-                  <a:srgbClr val="000000"/>
-                </a:solidFill>
-                <a:latin typeface="Arial"/>
-              </a:rPr>
-              <a:t>текста </a:t>
-            </a:r>
-            <a:r>
-              <a:rPr b="0" lang="ru-RU" sz="3400" spc="-1" strike="noStrike">
-                <a:solidFill>
-                  <a:srgbClr val="000000"/>
-                </a:solidFill>
-                <a:latin typeface="Arial"/>
-              </a:rPr>
-              <a:t>заглавия </a:t>
-            </a:r>
-            <a:r>
-              <a:rPr b="0" lang="ru-RU" sz="3400" spc="-1" strike="noStrike">
-                <a:solidFill>
-                  <a:srgbClr val="000000"/>
-                </a:solidFill>
-                <a:latin typeface="Arial"/>
-              </a:rPr>
-              <a:t>щёлкните </a:t>
-            </a:r>
-            <a:r>
-              <a:rPr b="0" lang="ru-RU" sz="3400" spc="-1" strike="noStrike">
-                <a:solidFill>
-                  <a:srgbClr val="000000"/>
-                </a:solidFill>
-                <a:latin typeface="Arial"/>
-              </a:rPr>
-              <a:t>мышью</a:t>
-            </a:r>
-            <a:endParaRPr b="0" lang="ru-RU" sz="3400" spc="-1" strike="noStrike">
-              <a:solidFill>
-                <a:srgbClr val="000000"/>
-              </a:solidFill>
-              <a:latin typeface="Arial"/>
-            </a:endParaRPr>
-          </a:p>
-        </p:txBody>
-      </p:sp>
     </p:spTree>
   </p:cSld>
   <p:clrMap bg1="lt1" bg2="lt2" tx1="dk1" tx2="dk2" accent1="accent1" accent2="accent2" accent3="accent3" accent4="accent4" accent5="accent5" accent6="accent6" hlink="hlink" folHlink="folHlink"/>
@@ -5735,14 +5564,14 @@
       </p:grpSpPr>
       <p:sp>
         <p:nvSpPr>
-          <p:cNvPr id="74" name="Google Shape;98;p23"/>
+          <p:cNvPr id="64" name="Google Shape;98;p23"/>
           <p:cNvSpPr/>
           <p:nvPr/>
         </p:nvSpPr>
         <p:spPr>
           <a:xfrm>
             <a:off x="4572000" y="0"/>
-            <a:ext cx="4571640" cy="6857640"/>
+            <a:ext cx="4571280" cy="6857280"/>
           </a:xfrm>
           <a:prstGeom prst="rect">
             <a:avLst/>
@@ -5761,7 +5590,7 @@
           <a:fontRef idx="minor"/>
         </p:style>
         <p:txBody>
-          <a:bodyPr tIns="91440" bIns="91440" anchor="ctr">
+          <a:bodyPr lIns="90000" rIns="90000" tIns="91440" bIns="91440" anchor="ctr">
             <a:noAutofit/>
           </a:bodyPr>
           <a:p>
@@ -5784,281 +5613,7 @@
       </p:sp>
       <p:sp>
         <p:nvSpPr>
-          <p:cNvPr id="75" name="PlaceHolder 1"/>
-          <p:cNvSpPr>
-            <a:spLocks noGrp="1"/>
-          </p:cNvSpPr>
-          <p:nvPr>
-            <p:ph type="title"/>
-          </p:nvPr>
-        </p:nvSpPr>
-        <p:spPr>
-          <a:xfrm>
-            <a:off x="609120" y="1627920"/>
-            <a:ext cx="4044960" cy="1976040"/>
-          </a:xfrm>
-          <a:prstGeom prst="rect">
-            <a:avLst/>
-          </a:prstGeom>
-          <a:noFill/>
-          <a:ln w="0">
-            <a:noFill/>
-          </a:ln>
-        </p:spPr>
-        <p:txBody>
-          <a:bodyPr lIns="91440" rIns="91440" tIns="91440" bIns="91440" anchor="b">
-            <a:noAutofit/>
-          </a:bodyPr>
-          <a:p>
-            <a:pPr indent="0">
-              <a:buNone/>
-            </a:pPr>
-            <a:r>
-              <a:rPr b="0" lang="ru-RU" sz="3200" spc="-1" strike="noStrike">
-                <a:solidFill>
-                  <a:srgbClr val="000000"/>
-                </a:solidFill>
-                <a:latin typeface="Arial"/>
-              </a:rPr>
-              <a:t>Для правки текста заглавия щёлкните мышью</a:t>
-            </a:r>
-            <a:endParaRPr b="0" lang="ru-RU" sz="3200" spc="-1" strike="noStrike">
-              <a:solidFill>
-                <a:srgbClr val="000000"/>
-              </a:solidFill>
-              <a:latin typeface="Arial"/>
-            </a:endParaRPr>
-          </a:p>
-        </p:txBody>
-      </p:sp>
-      <p:sp>
-        <p:nvSpPr>
-          <p:cNvPr id="76" name="PlaceHolder 2"/>
-          <p:cNvSpPr>
-            <a:spLocks noGrp="1"/>
-          </p:cNvSpPr>
-          <p:nvPr>
-            <p:ph type="body"/>
-          </p:nvPr>
-        </p:nvSpPr>
-        <p:spPr>
-          <a:xfrm>
-            <a:off x="4939560" y="965520"/>
-            <a:ext cx="3836520" cy="4926600"/>
-          </a:xfrm>
-          <a:prstGeom prst="rect">
-            <a:avLst/>
-          </a:prstGeom>
-          <a:noFill/>
-          <a:ln w="0">
-            <a:noFill/>
-          </a:ln>
-        </p:spPr>
-        <p:txBody>
-          <a:bodyPr lIns="91440" rIns="91440" tIns="91440" bIns="91440" anchor="ctr">
-            <a:normAutofit fontScale="93486" lnSpcReduction="10000"/>
-          </a:bodyPr>
-          <a:p>
-            <a:pPr marL="432000" indent="-324000">
-              <a:spcBef>
-                <a:spcPts val="1417"/>
-              </a:spcBef>
-              <a:buClr>
-                <a:srgbClr val="000000"/>
-              </a:buClr>
-              <a:buSzPct val="45000"/>
-              <a:buFont typeface="Wingdings" charset="2"/>
-              <a:buChar char=""/>
-            </a:pPr>
-            <a:r>
-              <a:rPr b="0" lang="ru-RU" sz="1700" spc="-1" strike="noStrike">
-                <a:solidFill>
-                  <a:srgbClr val="000000"/>
-                </a:solidFill>
-                <a:latin typeface="Arial"/>
-              </a:rPr>
-              <a:t>Для правки структуры щёлкните мышью</a:t>
-            </a:r>
-            <a:endParaRPr b="0" lang="ru-RU" sz="1700" spc="-1" strike="noStrike">
-              <a:solidFill>
-                <a:srgbClr val="000000"/>
-              </a:solidFill>
-              <a:latin typeface="Arial"/>
-            </a:endParaRPr>
-          </a:p>
-          <a:p>
-            <a:pPr lvl="1" marL="864000" indent="-324000">
-              <a:spcBef>
-                <a:spcPts val="1134"/>
-              </a:spcBef>
-              <a:buClr>
-                <a:srgbClr val="000000"/>
-              </a:buClr>
-              <a:buSzPct val="75000"/>
-              <a:buFont typeface="Symbol" charset="2"/>
-              <a:buChar char=""/>
-            </a:pPr>
-            <a:r>
-              <a:rPr b="0" lang="ru-RU" sz="1700" spc="-1" strike="noStrike">
-                <a:solidFill>
-                  <a:srgbClr val="000000"/>
-                </a:solidFill>
-                <a:latin typeface="Arial"/>
-              </a:rPr>
-              <a:t>Второй уровень структуры</a:t>
-            </a:r>
-            <a:endParaRPr b="0" lang="ru-RU" sz="1700" spc="-1" strike="noStrike">
-              <a:solidFill>
-                <a:srgbClr val="000000"/>
-              </a:solidFill>
-              <a:latin typeface="Arial"/>
-            </a:endParaRPr>
-          </a:p>
-          <a:p>
-            <a:pPr lvl="2" marL="1296000" indent="-288000">
-              <a:spcBef>
-                <a:spcPts val="850"/>
-              </a:spcBef>
-              <a:buClr>
-                <a:srgbClr val="000000"/>
-              </a:buClr>
-              <a:buSzPct val="45000"/>
-              <a:buFont typeface="Wingdings" charset="2"/>
-              <a:buChar char=""/>
-            </a:pPr>
-            <a:r>
-              <a:rPr b="0" lang="ru-RU" sz="1700" spc="-1" strike="noStrike">
-                <a:solidFill>
-                  <a:srgbClr val="000000"/>
-                </a:solidFill>
-                <a:latin typeface="Arial"/>
-              </a:rPr>
-              <a:t>Третий уровень структуры</a:t>
-            </a:r>
-            <a:endParaRPr b="0" lang="ru-RU" sz="1700" spc="-1" strike="noStrike">
-              <a:solidFill>
-                <a:srgbClr val="000000"/>
-              </a:solidFill>
-              <a:latin typeface="Arial"/>
-            </a:endParaRPr>
-          </a:p>
-          <a:p>
-            <a:pPr lvl="3" marL="1728000" indent="-216000">
-              <a:spcBef>
-                <a:spcPts val="567"/>
-              </a:spcBef>
-              <a:buClr>
-                <a:srgbClr val="000000"/>
-              </a:buClr>
-              <a:buSzPct val="75000"/>
-              <a:buFont typeface="Symbol" charset="2"/>
-              <a:buChar char=""/>
-            </a:pPr>
-            <a:r>
-              <a:rPr b="0" lang="ru-RU" sz="1700" spc="-1" strike="noStrike">
-                <a:solidFill>
-                  <a:srgbClr val="000000"/>
-                </a:solidFill>
-                <a:latin typeface="Arial"/>
-              </a:rPr>
-              <a:t>Четвёртый уровень структуры</a:t>
-            </a:r>
-            <a:endParaRPr b="0" lang="ru-RU" sz="1700" spc="-1" strike="noStrike">
-              <a:solidFill>
-                <a:srgbClr val="000000"/>
-              </a:solidFill>
-              <a:latin typeface="Arial"/>
-            </a:endParaRPr>
-          </a:p>
-          <a:p>
-            <a:pPr lvl="4" marL="2160000" indent="-216000">
-              <a:spcBef>
-                <a:spcPts val="283"/>
-              </a:spcBef>
-              <a:buClr>
-                <a:srgbClr val="000000"/>
-              </a:buClr>
-              <a:buSzPct val="45000"/>
-              <a:buFont typeface="Wingdings" charset="2"/>
-              <a:buChar char=""/>
-            </a:pPr>
-            <a:r>
-              <a:rPr b="0" lang="ru-RU" sz="1700" spc="-1" strike="noStrike">
-                <a:solidFill>
-                  <a:srgbClr val="000000"/>
-                </a:solidFill>
-                <a:latin typeface="Arial"/>
-              </a:rPr>
-              <a:t>Пятый уровень структуры</a:t>
-            </a:r>
-            <a:endParaRPr b="0" lang="ru-RU" sz="1700" spc="-1" strike="noStrike">
-              <a:solidFill>
-                <a:srgbClr val="000000"/>
-              </a:solidFill>
-              <a:latin typeface="Arial"/>
-            </a:endParaRPr>
-          </a:p>
-          <a:p>
-            <a:pPr lvl="5" marL="2592000" indent="-216000">
-              <a:spcBef>
-                <a:spcPts val="283"/>
-              </a:spcBef>
-              <a:buClr>
-                <a:srgbClr val="000000"/>
-              </a:buClr>
-              <a:buSzPct val="45000"/>
-              <a:buFont typeface="Wingdings" charset="2"/>
-              <a:buChar char=""/>
-            </a:pPr>
-            <a:r>
-              <a:rPr b="0" lang="ru-RU" sz="1700" spc="-1" strike="noStrike">
-                <a:solidFill>
-                  <a:srgbClr val="000000"/>
-                </a:solidFill>
-                <a:latin typeface="Arial"/>
-              </a:rPr>
-              <a:t>Шестой уровень структуры</a:t>
-            </a:r>
-            <a:endParaRPr b="0" lang="ru-RU" sz="1700" spc="-1" strike="noStrike">
-              <a:solidFill>
-                <a:srgbClr val="000000"/>
-              </a:solidFill>
-              <a:latin typeface="Arial"/>
-            </a:endParaRPr>
-          </a:p>
-          <a:p>
-            <a:pPr lvl="6" marL="3024000" indent="-216000">
-              <a:spcBef>
-                <a:spcPts val="283"/>
-              </a:spcBef>
-              <a:buClr>
-                <a:srgbClr val="000000"/>
-              </a:buClr>
-              <a:buSzPct val="45000"/>
-              <a:buFont typeface="Wingdings" charset="2"/>
-              <a:buChar char=""/>
-            </a:pPr>
-            <a:r>
-              <a:rPr b="0" lang="ru-RU" sz="1700" spc="-1" strike="noStrike">
-                <a:solidFill>
-                  <a:srgbClr val="000000"/>
-                </a:solidFill>
-                <a:latin typeface="Arial"/>
-              </a:rPr>
-              <a:t>Седьмой уровень структуры</a:t>
-            </a:r>
-            <a:endParaRPr b="0" lang="ru-RU" sz="1700" spc="-1" strike="noStrike">
-              <a:solidFill>
-                <a:srgbClr val="000000"/>
-              </a:solidFill>
-              <a:latin typeface="Arial"/>
-            </a:endParaRPr>
-          </a:p>
-        </p:txBody>
-      </p:sp>
-      <p:sp>
-        <p:nvSpPr>
-          <p:cNvPr id="77" name="PlaceHolder 3"/>
+          <p:cNvPr id="65" name="PlaceHolder 1"/>
           <p:cNvSpPr>
             <a:spLocks noGrp="1"/>
           </p:cNvSpPr>
@@ -6069,7 +5624,7 @@
         <p:spPr>
           <a:xfrm>
             <a:off x="8472600" y="6217560"/>
-            <a:ext cx="548280" cy="524520"/>
+            <a:ext cx="547920" cy="524160"/>
           </a:xfrm>
           <a:prstGeom prst="rect">
             <a:avLst/>
@@ -6081,7 +5636,7 @@
         </p:spPr>
         <p:txBody>
           <a:bodyPr lIns="91440" rIns="91440" tIns="91440" bIns="91440" anchor="ctr">
-            <a:normAutofit/>
+            <a:noAutofit/>
           </a:bodyPr>
           <a:lstStyle>
             <a:lvl1pPr indent="0" algn="r">
@@ -6111,7 +5666,7 @@
                 <a:tab algn="l" pos="0"/>
               </a:tabLst>
             </a:pPr>
-            <a:fld id="{F1366BB0-B693-43C1-80CE-15218645BAEF}" type="slidenum">
+            <a:fld id="{ECEF73FD-A8A4-43D7-8DC4-ACD9A6DCFC33}" type="slidenum">
               <a:rPr b="0" lang="ru" sz="1000" spc="-1" strike="noStrike">
                 <a:solidFill>
                   <a:schemeClr val="dk2"/>
@@ -6166,7 +5721,7 @@
       </p:grpSpPr>
       <p:sp>
         <p:nvSpPr>
-          <p:cNvPr id="78" name="PlaceHolder 1"/>
+          <p:cNvPr id="66" name="PlaceHolder 1"/>
           <p:cNvSpPr>
             <a:spLocks noGrp="1"/>
           </p:cNvSpPr>
@@ -6177,7 +5732,7 @@
         <p:spPr>
           <a:xfrm>
             <a:off x="8472600" y="6217560"/>
-            <a:ext cx="548280" cy="524520"/>
+            <a:ext cx="547920" cy="524160"/>
           </a:xfrm>
           <a:prstGeom prst="rect">
             <a:avLst/>
@@ -6189,7 +5744,7 @@
         </p:spPr>
         <p:txBody>
           <a:bodyPr lIns="91440" rIns="91440" tIns="91440" bIns="91440" anchor="ctr">
-            <a:normAutofit/>
+            <a:noAutofit/>
           </a:bodyPr>
           <a:lstStyle>
             <a:lvl1pPr indent="0" algn="r">
@@ -6219,7 +5774,7 @@
                 <a:tab algn="l" pos="0"/>
               </a:tabLst>
             </a:pPr>
-            <a:fld id="{3D06F11E-2C85-4BD5-9A01-01F31E856742}" type="slidenum">
+            <a:fld id="{180D7847-31B1-4235-9291-312A451D0A95}" type="slidenum">
               <a:rPr b="0" lang="ru" sz="1000" spc="-1" strike="noStrike">
                 <a:solidFill>
                   <a:schemeClr val="dk2"/>
@@ -6274,7 +5829,56 @@
       </p:grpSpPr>
       <p:sp>
         <p:nvSpPr>
-          <p:cNvPr id="3" name="PlaceHolder 1"/>
+          <p:cNvPr id="3" name="Google Shape;51;p12"/>
+          <p:cNvSpPr/>
+          <p:nvPr/>
+        </p:nvSpPr>
+        <p:spPr>
+          <a:xfrm>
+            <a:off x="606240" y="1616760"/>
+            <a:ext cx="7938000" cy="4752360"/>
+          </a:xfrm>
+          <a:prstGeom prst="rect">
+            <a:avLst/>
+          </a:prstGeom>
+          <a:solidFill>
+            <a:srgbClr val="fbfbfe"/>
+          </a:solidFill>
+          <a:ln w="0">
+            <a:noFill/>
+          </a:ln>
+        </p:spPr>
+        <p:style>
+          <a:lnRef idx="0"/>
+          <a:fillRef idx="0"/>
+          <a:effectRef idx="0"/>
+          <a:fontRef idx="minor"/>
+        </p:style>
+        <p:txBody>
+          <a:bodyPr lIns="90000" rIns="90000" tIns="91440" bIns="91440" anchor="ctr">
+            <a:noAutofit/>
+          </a:bodyPr>
+          <a:p>
+            <a:pPr>
+              <a:lnSpc>
+                <a:spcPct val="100000"/>
+              </a:lnSpc>
+              <a:tabLst>
+                <a:tab algn="l" pos="0"/>
+              </a:tabLst>
+            </a:pPr>
+            <a:endParaRPr b="0" lang="ru-RU" sz="1400" spc="-1" strike="noStrike">
+              <a:solidFill>
+                <a:srgbClr val="000000"/>
+              </a:solidFill>
+              <a:latin typeface="Arial"/>
+            </a:endParaRPr>
+          </a:p>
+        </p:txBody>
+      </p:sp>
+      <p:sp>
+        <p:nvSpPr>
+          <p:cNvPr id="4" name="PlaceHolder 1"/>
           <p:cNvSpPr>
             <a:spLocks noGrp="1"/>
           </p:cNvSpPr>
@@ -6284,8 +5888,8 @@
         </p:nvSpPr>
         <p:spPr>
           <a:xfrm>
-            <a:off x="500400" y="441000"/>
-            <a:ext cx="8520120" cy="1305720"/>
+            <a:off x="457200" y="273600"/>
+            <a:ext cx="8229240" cy="1144800"/>
           </a:xfrm>
           <a:prstGeom prst="rect">
             <a:avLst/>
@@ -6296,15 +5900,15 @@
           </a:ln>
         </p:spPr>
         <p:txBody>
-          <a:bodyPr lIns="91440" rIns="91440" tIns="91440" bIns="91440" anchor="t">
+          <a:bodyPr lIns="0" rIns="0" tIns="0" bIns="0" anchor="ctr">
             <a:noAutofit/>
           </a:bodyPr>
           <a:p>
-            <a:pPr indent="0">
+            <a:pPr indent="0" algn="ctr">
               <a:buNone/>
             </a:pPr>
             <a:r>
-              <a:rPr b="0" lang="ru-RU" sz="3400" spc="-1" strike="noStrike">
+              <a:rPr b="0" lang="ru-RU" sz="4400" spc="-1" strike="noStrike">
                 <a:solidFill>
                   <a:srgbClr val="000000"/>
                 </a:solidFill>
@@ -6312,56 +5916,7 @@
               </a:rPr>
               <a:t>Для правки текста заглавия щёлкните мышью</a:t>
             </a:r>
-            <a:endParaRPr b="0" lang="ru-RU" sz="3400" spc="-1" strike="noStrike">
-              <a:solidFill>
-                <a:srgbClr val="000000"/>
-              </a:solidFill>
-              <a:latin typeface="Arial"/>
-            </a:endParaRPr>
-          </a:p>
-        </p:txBody>
-      </p:sp>
-      <p:sp>
-        <p:nvSpPr>
-          <p:cNvPr id="4" name="Google Shape;51;p12"/>
-          <p:cNvSpPr/>
-          <p:nvPr/>
-        </p:nvSpPr>
-        <p:spPr>
-          <a:xfrm>
-            <a:off x="606240" y="1616760"/>
-            <a:ext cx="7938360" cy="4752720"/>
-          </a:xfrm>
-          <a:prstGeom prst="rect">
-            <a:avLst/>
-          </a:prstGeom>
-          <a:solidFill>
-            <a:srgbClr val="fbfbfe"/>
-          </a:solidFill>
-          <a:ln w="0">
-            <a:noFill/>
-          </a:ln>
-        </p:spPr>
-        <p:style>
-          <a:lnRef idx="0"/>
-          <a:fillRef idx="0"/>
-          <a:effectRef idx="0"/>
-          <a:fontRef idx="minor"/>
-        </p:style>
-        <p:txBody>
-          <a:bodyPr tIns="91440" bIns="91440" anchor="ctr">
-            <a:noAutofit/>
-          </a:bodyPr>
-          <a:p>
-            <a:pPr>
-              <a:lnSpc>
-                <a:spcPct val="100000"/>
-              </a:lnSpc>
-              <a:tabLst>
-                <a:tab algn="l" pos="0"/>
-              </a:tabLst>
-            </a:pPr>
-            <a:endParaRPr b="0" lang="ru-RU" sz="1400" spc="-1" strike="noStrike">
+            <a:endParaRPr b="0" lang="ru-RU" sz="4400" spc="-1" strike="noStrike">
               <a:solidFill>
                 <a:srgbClr val="000000"/>
               </a:solidFill>
@@ -6410,7 +5965,7 @@
               <a:buChar char=""/>
             </a:pPr>
             <a:r>
-              <a:rPr b="0" lang="ru-RU" sz="1400" spc="-1" strike="noStrike">
+              <a:rPr b="0" lang="ru-RU" sz="3200" spc="-1" strike="noStrike">
                 <a:solidFill>
                   <a:srgbClr val="000000"/>
                 </a:solidFill>
@@ -6418,7 +5973,7 @@
               </a:rPr>
               <a:t>Для правки структуры щёлкните мышью</a:t>
             </a:r>
-            <a:endParaRPr b="0" lang="ru-RU" sz="1400" spc="-1" strike="noStrike">
+            <a:endParaRPr b="0" lang="ru-RU" sz="3200" spc="-1" strike="noStrike">
               <a:solidFill>
                 <a:srgbClr val="000000"/>
               </a:solidFill>
@@ -6438,7 +5993,7 @@
               <a:buChar char=""/>
             </a:pPr>
             <a:r>
-              <a:rPr b="0" lang="ru-RU" sz="1400" spc="-1" strike="noStrike">
+              <a:rPr b="0" lang="ru-RU" sz="2800" spc="-1" strike="noStrike">
                 <a:solidFill>
                   <a:srgbClr val="000000"/>
                 </a:solidFill>
@@ -6446,7 +6001,7 @@
               </a:rPr>
               <a:t>Второй уровень структуры</a:t>
             </a:r>
-            <a:endParaRPr b="0" lang="ru-RU" sz="1400" spc="-1" strike="noStrike">
+            <a:endParaRPr b="0" lang="ru-RU" sz="2800" spc="-1" strike="noStrike">
               <a:solidFill>
                 <a:srgbClr val="000000"/>
               </a:solidFill>
@@ -6466,7 +6021,7 @@
               <a:buChar char=""/>
             </a:pPr>
             <a:r>
-              <a:rPr b="0" lang="ru-RU" sz="1400" spc="-1" strike="noStrike">
+              <a:rPr b="0" lang="ru-RU" sz="2400" spc="-1" strike="noStrike">
                 <a:solidFill>
                   <a:srgbClr val="000000"/>
                 </a:solidFill>
@@ -6474,7 +6029,7 @@
               </a:rPr>
               <a:t>Третий уровень структуры</a:t>
             </a:r>
-            <a:endParaRPr b="0" lang="ru-RU" sz="1400" spc="-1" strike="noStrike">
+            <a:endParaRPr b="0" lang="ru-RU" sz="2400" spc="-1" strike="noStrike">
               <a:solidFill>
                 <a:srgbClr val="000000"/>
               </a:solidFill>
@@ -6494,7 +6049,7 @@
               <a:buChar char=""/>
             </a:pPr>
             <a:r>
-              <a:rPr b="0" lang="ru-RU" sz="1400" spc="-1" strike="noStrike">
+              <a:rPr b="0" lang="ru-RU" sz="2000" spc="-1" strike="noStrike">
                 <a:solidFill>
                   <a:srgbClr val="000000"/>
                 </a:solidFill>
@@ -6502,7 +6057,7 @@
               </a:rPr>
               <a:t>Четвёртый уровень структуры</a:t>
             </a:r>
-            <a:endParaRPr b="0" lang="ru-RU" sz="1400" spc="-1" strike="noStrike">
+            <a:endParaRPr b="0" lang="ru-RU" sz="2000" spc="-1" strike="noStrike">
               <a:solidFill>
                 <a:srgbClr val="000000"/>
               </a:solidFill>
@@ -6631,63 +6186,14 @@
       </p:grpSpPr>
       <p:sp>
         <p:nvSpPr>
-          <p:cNvPr id="6" name="PlaceHolder 1"/>
-          <p:cNvSpPr>
-            <a:spLocks noGrp="1"/>
-          </p:cNvSpPr>
-          <p:nvPr>
-            <p:ph type="title"/>
-          </p:nvPr>
-        </p:nvSpPr>
-        <p:spPr>
-          <a:xfrm>
-            <a:off x="500400" y="441000"/>
-            <a:ext cx="8520120" cy="1305720"/>
-          </a:xfrm>
-          <a:prstGeom prst="rect">
-            <a:avLst/>
-          </a:prstGeom>
-          <a:noFill/>
-          <a:ln w="0">
-            <a:noFill/>
-          </a:ln>
-        </p:spPr>
-        <p:txBody>
-          <a:bodyPr lIns="91440" rIns="91440" tIns="91440" bIns="91440" anchor="t">
-            <a:noAutofit/>
-          </a:bodyPr>
-          <a:p>
-            <a:pPr indent="0">
-              <a:buNone/>
-            </a:pPr>
-            <a:r>
-              <a:rPr b="0" lang="ru-RU" sz="3400" spc="-1" strike="noStrike">
-                <a:solidFill>
-                  <a:srgbClr val="000000"/>
-                </a:solidFill>
-                <a:latin typeface="Arial"/>
-              </a:rPr>
-              <a:t>Для правки текста заглавия щёлкните мышью</a:t>
-            </a:r>
-            <a:endParaRPr b="0" lang="ru-RU" sz="3400" spc="-1" strike="noStrike">
-              <a:solidFill>
-                <a:srgbClr val="000000"/>
-              </a:solidFill>
-              <a:latin typeface="Arial"/>
-            </a:endParaRPr>
-          </a:p>
-        </p:txBody>
-      </p:sp>
-      <p:sp>
-        <p:nvSpPr>
-          <p:cNvPr id="7" name="Google Shape;55;p13"/>
+          <p:cNvPr id="6" name="Google Shape;55;p13"/>
           <p:cNvSpPr/>
           <p:nvPr/>
         </p:nvSpPr>
         <p:spPr>
           <a:xfrm>
             <a:off x="606240" y="1616760"/>
-            <a:ext cx="7938360" cy="4752720"/>
+            <a:ext cx="7938000" cy="4752360"/>
           </a:xfrm>
           <a:prstGeom prst="rect">
             <a:avLst/>
@@ -6706,7 +6212,7 @@
           <a:fontRef idx="minor"/>
         </p:style>
         <p:txBody>
-          <a:bodyPr tIns="91440" bIns="91440" anchor="ctr">
+          <a:bodyPr lIns="90000" rIns="90000" tIns="91440" bIns="91440" anchor="ctr">
             <a:noAutofit/>
           </a:bodyPr>
           <a:p>
@@ -6763,63 +6269,14 @@
       </p:grpSpPr>
       <p:sp>
         <p:nvSpPr>
-          <p:cNvPr id="8" name="PlaceHolder 1"/>
-          <p:cNvSpPr>
-            <a:spLocks noGrp="1"/>
-          </p:cNvSpPr>
-          <p:nvPr>
-            <p:ph type="title"/>
-          </p:nvPr>
-        </p:nvSpPr>
-        <p:spPr>
-          <a:xfrm>
-            <a:off x="500400" y="441000"/>
-            <a:ext cx="8520120" cy="1305720"/>
-          </a:xfrm>
-          <a:prstGeom prst="rect">
-            <a:avLst/>
-          </a:prstGeom>
-          <a:noFill/>
-          <a:ln w="0">
-            <a:noFill/>
-          </a:ln>
-        </p:spPr>
-        <p:txBody>
-          <a:bodyPr lIns="91440" rIns="91440" tIns="91440" bIns="91440" anchor="t">
-            <a:noAutofit/>
-          </a:bodyPr>
-          <a:p>
-            <a:pPr indent="0">
-              <a:buNone/>
-            </a:pPr>
-            <a:r>
-              <a:rPr b="0" lang="ru-RU" sz="3400" spc="-1" strike="noStrike">
-                <a:solidFill>
-                  <a:srgbClr val="000000"/>
-                </a:solidFill>
-                <a:latin typeface="Arial"/>
-              </a:rPr>
-              <a:t>Для правки текста заглавия щёлкните мышью</a:t>
-            </a:r>
-            <a:endParaRPr b="0" lang="ru-RU" sz="3400" spc="-1" strike="noStrike">
-              <a:solidFill>
-                <a:srgbClr val="000000"/>
-              </a:solidFill>
-              <a:latin typeface="Arial"/>
-            </a:endParaRPr>
-          </a:p>
-        </p:txBody>
-      </p:sp>
-      <p:sp>
-        <p:nvSpPr>
-          <p:cNvPr id="9" name="Google Shape;59;p14"/>
+          <p:cNvPr id="7" name="Google Shape;59;p14"/>
           <p:cNvSpPr/>
           <p:nvPr/>
         </p:nvSpPr>
         <p:spPr>
           <a:xfrm>
             <a:off x="606240" y="2859120"/>
-            <a:ext cx="7938360" cy="3285720"/>
+            <a:ext cx="7938000" cy="3285360"/>
           </a:xfrm>
           <a:prstGeom prst="rect">
             <a:avLst/>
@@ -6838,7 +6295,7 @@
           <a:fontRef idx="minor"/>
         </p:style>
         <p:txBody>
-          <a:bodyPr tIns="91440" bIns="91440" anchor="ctr">
+          <a:bodyPr lIns="90000" rIns="90000" tIns="91440" bIns="91440" anchor="ctr">
             <a:noAutofit/>
           </a:bodyPr>
           <a:p>
@@ -6895,63 +6352,14 @@
       </p:grpSpPr>
       <p:sp>
         <p:nvSpPr>
-          <p:cNvPr id="10" name="PlaceHolder 1"/>
-          <p:cNvSpPr>
-            <a:spLocks noGrp="1"/>
-          </p:cNvSpPr>
-          <p:nvPr>
-            <p:ph type="title"/>
-          </p:nvPr>
-        </p:nvSpPr>
-        <p:spPr>
-          <a:xfrm>
-            <a:off x="500400" y="441000"/>
-            <a:ext cx="8520120" cy="1305720"/>
-          </a:xfrm>
-          <a:prstGeom prst="rect">
-            <a:avLst/>
-          </a:prstGeom>
-          <a:noFill/>
-          <a:ln w="0">
-            <a:noFill/>
-          </a:ln>
-        </p:spPr>
-        <p:txBody>
-          <a:bodyPr lIns="91440" rIns="91440" tIns="91440" bIns="91440" anchor="t">
-            <a:noAutofit/>
-          </a:bodyPr>
-          <a:p>
-            <a:pPr indent="0">
-              <a:buNone/>
-            </a:pPr>
-            <a:r>
-              <a:rPr b="0" lang="ru-RU" sz="3400" spc="-1" strike="noStrike">
-                <a:solidFill>
-                  <a:srgbClr val="000000"/>
-                </a:solidFill>
-                <a:latin typeface="Arial"/>
-              </a:rPr>
-              <a:t>Для правки текста заглавия щёлкните мышью</a:t>
-            </a:r>
-            <a:endParaRPr b="0" lang="ru-RU" sz="3400" spc="-1" strike="noStrike">
-              <a:solidFill>
-                <a:srgbClr val="000000"/>
-              </a:solidFill>
-              <a:latin typeface="Arial"/>
-            </a:endParaRPr>
-          </a:p>
-        </p:txBody>
-      </p:sp>
-      <p:sp>
-        <p:nvSpPr>
-          <p:cNvPr id="11" name="Google Shape;64;p15"/>
+          <p:cNvPr id="8" name="Google Shape;64;p15"/>
           <p:cNvSpPr/>
           <p:nvPr/>
         </p:nvSpPr>
         <p:spPr>
           <a:xfrm>
             <a:off x="362160" y="1616760"/>
-            <a:ext cx="4748400" cy="4752720"/>
+            <a:ext cx="4748040" cy="4752360"/>
           </a:xfrm>
           <a:prstGeom prst="rect">
             <a:avLst/>
@@ -6970,7 +6378,7 @@
           <a:fontRef idx="minor"/>
         </p:style>
         <p:txBody>
-          <a:bodyPr tIns="91440" bIns="91440" anchor="ctr">
+          <a:bodyPr lIns="90000" rIns="90000" tIns="91440" bIns="91440" anchor="ctr">
             <a:noAutofit/>
           </a:bodyPr>
           <a:p>
@@ -7027,7 +6435,7 @@
       </p:grpSpPr>
       <p:pic>
         <p:nvPicPr>
-          <p:cNvPr id="12" name="Google Shape;10;p2" descr=""/>
+          <p:cNvPr id="9" name="Google Shape;10;p2" descr=""/>
           <p:cNvPicPr/>
           <p:nvPr/>
         </p:nvPicPr>
@@ -7038,7 +6446,7 @@
         <p:spPr>
           <a:xfrm>
             <a:off x="-18000" y="-13320"/>
-            <a:ext cx="9179640" cy="6884640"/>
+            <a:ext cx="9179280" cy="6884280"/>
           </a:xfrm>
           <a:prstGeom prst="rect">
             <a:avLst/>
@@ -7050,7 +6458,7 @@
       </p:pic>
       <p:sp>
         <p:nvSpPr>
-          <p:cNvPr id="13" name="PlaceHolder 1"/>
+          <p:cNvPr id="10" name="PlaceHolder 1"/>
           <p:cNvSpPr>
             <a:spLocks noGrp="1"/>
           </p:cNvSpPr>
@@ -7060,8 +6468,8 @@
         </p:nvSpPr>
         <p:spPr>
           <a:xfrm>
-            <a:off x="797040" y="2562120"/>
-            <a:ext cx="8398440" cy="3370320"/>
+            <a:off x="500400" y="441000"/>
+            <a:ext cx="8519760" cy="1305360"/>
           </a:xfrm>
           <a:prstGeom prst="rect">
             <a:avLst/>
@@ -7072,7 +6480,7 @@
           </a:ln>
         </p:spPr>
         <p:txBody>
-          <a:bodyPr lIns="91440" rIns="91440" tIns="91440" bIns="91440" anchor="t">
+          <a:bodyPr lIns="0" rIns="0" tIns="0" bIns="0" anchor="ctr">
             <a:noAutofit/>
           </a:bodyPr>
           <a:p>
@@ -7080,7 +6488,7 @@
               <a:buNone/>
             </a:pPr>
             <a:r>
-              <a:rPr b="0" lang="ru-RU" sz="6600" spc="-1" strike="noStrike">
+              <a:rPr b="0" lang="ru-RU" sz="1800" spc="-1" strike="noStrike">
                 <a:solidFill>
                   <a:srgbClr val="000000"/>
                 </a:solidFill>
@@ -7088,7 +6496,7 @@
               </a:rPr>
               <a:t>Для правки текста заглавия щёлкните мышью</a:t>
             </a:r>
-            <a:endParaRPr b="0" lang="ru-RU" sz="6600" spc="-1" strike="noStrike">
+            <a:endParaRPr b="0" lang="ru-RU" sz="1800" spc="-1" strike="noStrike">
               <a:solidFill>
                 <a:srgbClr val="000000"/>
               </a:solidFill>
@@ -7099,7 +6507,7 @@
       </p:sp>
       <p:sp>
         <p:nvSpPr>
-          <p:cNvPr id="14" name="PlaceHolder 2"/>
+          <p:cNvPr id="11" name="PlaceHolder 2"/>
           <p:cNvSpPr>
             <a:spLocks noGrp="1"/>
           </p:cNvSpPr>
@@ -7137,7 +6545,7 @@
               <a:buChar char=""/>
             </a:pPr>
             <a:r>
-              <a:rPr b="0" lang="ru-RU" sz="1400" spc="-1" strike="noStrike">
+              <a:rPr b="0" lang="ru-RU" sz="3200" spc="-1" strike="noStrike">
                 <a:solidFill>
                   <a:srgbClr val="000000"/>
                 </a:solidFill>
@@ -7145,7 +6553,7 @@
               </a:rPr>
               <a:t>Для правки структуры щёлкните мышью</a:t>
             </a:r>
-            <a:endParaRPr b="0" lang="ru-RU" sz="1400" spc="-1" strike="noStrike">
+            <a:endParaRPr b="0" lang="ru-RU" sz="3200" spc="-1" strike="noStrike">
               <a:solidFill>
                 <a:srgbClr val="000000"/>
               </a:solidFill>
@@ -7165,7 +6573,7 @@
               <a:buChar char=""/>
             </a:pPr>
             <a:r>
-              <a:rPr b="0" lang="ru-RU" sz="1400" spc="-1" strike="noStrike">
+              <a:rPr b="0" lang="ru-RU" sz="2800" spc="-1" strike="noStrike">
                 <a:solidFill>
                   <a:srgbClr val="000000"/>
                 </a:solidFill>
@@ -7173,7 +6581,7 @@
               </a:rPr>
               <a:t>Второй уровень структуры</a:t>
             </a:r>
-            <a:endParaRPr b="0" lang="ru-RU" sz="1400" spc="-1" strike="noStrike">
+            <a:endParaRPr b="0" lang="ru-RU" sz="2800" spc="-1" strike="noStrike">
               <a:solidFill>
                 <a:srgbClr val="000000"/>
               </a:solidFill>
@@ -7193,7 +6601,7 @@
               <a:buChar char=""/>
             </a:pPr>
             <a:r>
-              <a:rPr b="0" lang="ru-RU" sz="1400" spc="-1" strike="noStrike">
+              <a:rPr b="0" lang="ru-RU" sz="2400" spc="-1" strike="noStrike">
                 <a:solidFill>
                   <a:srgbClr val="000000"/>
                 </a:solidFill>
@@ -7201,7 +6609,7 @@
               </a:rPr>
               <a:t>Третий уровень структуры</a:t>
             </a:r>
-            <a:endParaRPr b="0" lang="ru-RU" sz="1400" spc="-1" strike="noStrike">
+            <a:endParaRPr b="0" lang="ru-RU" sz="2400" spc="-1" strike="noStrike">
               <a:solidFill>
                 <a:srgbClr val="000000"/>
               </a:solidFill>
@@ -7221,7 +6629,7 @@
               <a:buChar char=""/>
             </a:pPr>
             <a:r>
-              <a:rPr b="0" lang="ru-RU" sz="1400" spc="-1" strike="noStrike">
+              <a:rPr b="0" lang="ru-RU" sz="2000" spc="-1" strike="noStrike">
                 <a:solidFill>
                   <a:srgbClr val="000000"/>
                 </a:solidFill>
@@ -7229,7 +6637,7 @@
               </a:rPr>
               <a:t>Четвёртый уровень структуры</a:t>
             </a:r>
-            <a:endParaRPr b="0" lang="ru-RU" sz="1400" spc="-1" strike="noStrike">
+            <a:endParaRPr b="0" lang="ru-RU" sz="2000" spc="-1" strike="noStrike">
               <a:solidFill>
                 <a:srgbClr val="000000"/>
               </a:solidFill>
@@ -7358,56 +6766,7 @@
       </p:grpSpPr>
       <p:sp>
         <p:nvSpPr>
-          <p:cNvPr id="17" name="PlaceHolder 1"/>
-          <p:cNvSpPr>
-            <a:spLocks noGrp="1"/>
-          </p:cNvSpPr>
-          <p:nvPr>
-            <p:ph type="title"/>
-          </p:nvPr>
-        </p:nvSpPr>
-        <p:spPr>
-          <a:xfrm>
-            <a:off x="500400" y="2485440"/>
-            <a:ext cx="7935120" cy="1122120"/>
-          </a:xfrm>
-          <a:prstGeom prst="rect">
-            <a:avLst/>
-          </a:prstGeom>
-          <a:noFill/>
-          <a:ln w="0">
-            <a:noFill/>
-          </a:ln>
-        </p:spPr>
-        <p:txBody>
-          <a:bodyPr lIns="91440" rIns="91440" tIns="91440" bIns="91440" anchor="ctr">
-            <a:noAutofit/>
-          </a:bodyPr>
-          <a:p>
-            <a:pPr indent="0">
-              <a:buNone/>
-            </a:pPr>
-            <a:r>
-              <a:rPr b="0" lang="ru-RU" sz="3900" spc="-1" strike="noStrike">
-                <a:solidFill>
-                  <a:srgbClr val="000000"/>
-                </a:solidFill>
-                <a:latin typeface="Arial"/>
-              </a:rPr>
-              <a:t>Для правки текста заглавия щёлкните мышью</a:t>
-            </a:r>
-            <a:endParaRPr b="0" lang="ru-RU" sz="3900" spc="-1" strike="noStrike">
-              <a:solidFill>
-                <a:srgbClr val="000000"/>
-              </a:solidFill>
-              <a:latin typeface="Arial"/>
-            </a:endParaRPr>
-          </a:p>
-        </p:txBody>
-      </p:sp>
-      <p:sp>
-        <p:nvSpPr>
-          <p:cNvPr id="18" name="PlaceHolder 2"/>
+          <p:cNvPr id="14" name="PlaceHolder 1"/>
           <p:cNvSpPr>
             <a:spLocks noGrp="1"/>
           </p:cNvSpPr>
@@ -7418,7 +6777,7 @@
         <p:spPr>
           <a:xfrm>
             <a:off x="8472600" y="6217560"/>
-            <a:ext cx="548280" cy="524520"/>
+            <a:ext cx="547920" cy="524160"/>
           </a:xfrm>
           <a:prstGeom prst="rect">
             <a:avLst/>
@@ -7430,7 +6789,7 @@
         </p:spPr>
         <p:txBody>
           <a:bodyPr lIns="91440" rIns="91440" tIns="91440" bIns="91440" anchor="ctr">
-            <a:normAutofit/>
+            <a:noAutofit/>
           </a:bodyPr>
           <a:lstStyle>
             <a:lvl1pPr indent="0" algn="r">
@@ -7460,7 +6819,7 @@
                 <a:tab algn="l" pos="0"/>
               </a:tabLst>
             </a:pPr>
-            <a:fld id="{E1D8EDF7-B879-4A3E-A84C-E31C0666FB0E}" type="slidenum">
+            <a:fld id="{11CF4B91-EAFD-42B6-9455-1E3B0A14D84D}" type="slidenum">
               <a:rPr b="0" lang="ru" sz="1000" spc="-1" strike="noStrike">
                 <a:solidFill>
                   <a:schemeClr val="dk2"/>
@@ -7481,7 +6840,56 @@
       </p:sp>
       <p:sp>
         <p:nvSpPr>
-          <p:cNvPr id="19" name="PlaceHolder 3"/>
+          <p:cNvPr id="15" name="PlaceHolder 2"/>
+          <p:cNvSpPr>
+            <a:spLocks noGrp="1"/>
+          </p:cNvSpPr>
+          <p:nvPr>
+            <p:ph type="title"/>
+          </p:nvPr>
+        </p:nvSpPr>
+        <p:spPr>
+          <a:xfrm>
+            <a:off x="457200" y="273600"/>
+            <a:ext cx="8229240" cy="1144800"/>
+          </a:xfrm>
+          <a:prstGeom prst="rect">
+            <a:avLst/>
+          </a:prstGeom>
+          <a:noFill/>
+          <a:ln w="0">
+            <a:noFill/>
+          </a:ln>
+        </p:spPr>
+        <p:txBody>
+          <a:bodyPr lIns="0" rIns="0" tIns="0" bIns="0" anchor="ctr">
+            <a:noAutofit/>
+          </a:bodyPr>
+          <a:p>
+            <a:pPr indent="0" algn="ctr">
+              <a:buNone/>
+            </a:pPr>
+            <a:r>
+              <a:rPr b="0" lang="ru-RU" sz="4400" spc="-1" strike="noStrike">
+                <a:solidFill>
+                  <a:srgbClr val="000000"/>
+                </a:solidFill>
+                <a:latin typeface="Arial"/>
+              </a:rPr>
+              <a:t>Для правки текста заглавия щёлкните мышью</a:t>
+            </a:r>
+            <a:endParaRPr b="0" lang="ru-RU" sz="4400" spc="-1" strike="noStrike">
+              <a:solidFill>
+                <a:srgbClr val="000000"/>
+              </a:solidFill>
+              <a:latin typeface="Arial"/>
+            </a:endParaRPr>
+          </a:p>
+        </p:txBody>
+      </p:sp>
+      <p:sp>
+        <p:nvSpPr>
+          <p:cNvPr id="16" name="PlaceHolder 3"/>
           <p:cNvSpPr>
             <a:spLocks noGrp="1"/>
           </p:cNvSpPr>
@@ -7519,7 +6927,7 @@
               <a:buChar char=""/>
             </a:pPr>
             <a:r>
-              <a:rPr b="0" lang="ru-RU" sz="1400" spc="-1" strike="noStrike">
+              <a:rPr b="0" lang="ru-RU" sz="3200" spc="-1" strike="noStrike">
                 <a:solidFill>
                   <a:srgbClr val="000000"/>
                 </a:solidFill>
@@ -7527,7 +6935,7 @@
               </a:rPr>
               <a:t>Для правки структуры щёлкните мышью</a:t>
             </a:r>
-            <a:endParaRPr b="0" lang="ru-RU" sz="1400" spc="-1" strike="noStrike">
+            <a:endParaRPr b="0" lang="ru-RU" sz="3200" spc="-1" strike="noStrike">
               <a:solidFill>
                 <a:srgbClr val="000000"/>
               </a:solidFill>
@@ -7547,7 +6955,7 @@
               <a:buChar char=""/>
             </a:pPr>
             <a:r>
-              <a:rPr b="0" lang="ru-RU" sz="1400" spc="-1" strike="noStrike">
+              <a:rPr b="0" lang="ru-RU" sz="2800" spc="-1" strike="noStrike">
                 <a:solidFill>
                   <a:srgbClr val="000000"/>
                 </a:solidFill>
@@ -7555,7 +6963,7 @@
               </a:rPr>
               <a:t>Второй уровень структуры</a:t>
             </a:r>
-            <a:endParaRPr b="0" lang="ru-RU" sz="1400" spc="-1" strike="noStrike">
+            <a:endParaRPr b="0" lang="ru-RU" sz="2800" spc="-1" strike="noStrike">
               <a:solidFill>
                 <a:srgbClr val="000000"/>
               </a:solidFill>
@@ -7575,7 +6983,7 @@
               <a:buChar char=""/>
             </a:pPr>
             <a:r>
-              <a:rPr b="0" lang="ru-RU" sz="1400" spc="-1" strike="noStrike">
+              <a:rPr b="0" lang="ru-RU" sz="2400" spc="-1" strike="noStrike">
                 <a:solidFill>
                   <a:srgbClr val="000000"/>
                 </a:solidFill>
@@ -7583,7 +6991,7 @@
               </a:rPr>
               <a:t>Третий уровень структуры</a:t>
             </a:r>
-            <a:endParaRPr b="0" lang="ru-RU" sz="1400" spc="-1" strike="noStrike">
+            <a:endParaRPr b="0" lang="ru-RU" sz="2400" spc="-1" strike="noStrike">
               <a:solidFill>
                 <a:srgbClr val="000000"/>
               </a:solidFill>
@@ -7603,7 +7011,7 @@
               <a:buChar char=""/>
             </a:pPr>
             <a:r>
-              <a:rPr b="0" lang="ru-RU" sz="1400" spc="-1" strike="noStrike">
+              <a:rPr b="0" lang="ru-RU" sz="2000" spc="-1" strike="noStrike">
                 <a:solidFill>
                   <a:srgbClr val="000000"/>
                 </a:solidFill>
@@ -7611,7 +7019,7 @@
               </a:rPr>
               <a:t>Четвёртый уровень структуры</a:t>
             </a:r>
-            <a:endParaRPr b="0" lang="ru-RU" sz="1400" spc="-1" strike="noStrike">
+            <a:endParaRPr b="0" lang="ru-RU" sz="2000" spc="-1" strike="noStrike">
               <a:solidFill>
                 <a:srgbClr val="000000"/>
               </a:solidFill>
@@ -7740,7 +7148,7 @@
       </p:grpSpPr>
       <p:sp>
         <p:nvSpPr>
-          <p:cNvPr id="20" name="PlaceHolder 1"/>
+          <p:cNvPr id="17" name="PlaceHolder 1"/>
           <p:cNvSpPr>
             <a:spLocks noGrp="1"/>
           </p:cNvSpPr>
@@ -7751,7 +7159,7 @@
         <p:spPr>
           <a:xfrm>
             <a:off x="500400" y="441000"/>
-            <a:ext cx="8520120" cy="1305720"/>
+            <a:ext cx="8519760" cy="1305360"/>
           </a:xfrm>
           <a:prstGeom prst="rect">
             <a:avLst/>
@@ -7762,7 +7170,7 @@
           </a:ln>
         </p:spPr>
         <p:txBody>
-          <a:bodyPr lIns="91440" rIns="91440" tIns="91440" bIns="91440" anchor="t">
+          <a:bodyPr lIns="0" rIns="0" tIns="0" bIns="0" anchor="ctr">
             <a:noAutofit/>
           </a:bodyPr>
           <a:p>
@@ -7770,7 +7178,7 @@
               <a:buNone/>
             </a:pPr>
             <a:r>
-              <a:rPr b="0" lang="ru-RU" sz="3400" spc="-1" strike="noStrike">
+              <a:rPr b="0" lang="ru-RU" sz="1800" spc="-1" strike="noStrike">
                 <a:solidFill>
                   <a:srgbClr val="000000"/>
                 </a:solidFill>
@@ -7778,7 +7186,7 @@
               </a:rPr>
               <a:t>Для правки текста заглавия щёлкните мышью</a:t>
             </a:r>
-            <a:endParaRPr b="0" lang="ru-RU" sz="3400" spc="-1" strike="noStrike">
+            <a:endParaRPr b="0" lang="ru-RU" sz="1800" spc="-1" strike="noStrike">
               <a:solidFill>
                 <a:srgbClr val="000000"/>
               </a:solidFill>
@@ -7789,7 +7197,7 @@
       </p:sp>
       <p:sp>
         <p:nvSpPr>
-          <p:cNvPr id="21" name="PlaceHolder 2"/>
+          <p:cNvPr id="18" name="PlaceHolder 2"/>
           <p:cNvSpPr>
             <a:spLocks noGrp="1"/>
           </p:cNvSpPr>
@@ -7799,8 +7207,8 @@
         </p:nvSpPr>
         <p:spPr>
           <a:xfrm>
-            <a:off x="500400" y="1901880"/>
-            <a:ext cx="8520120" cy="4554720"/>
+            <a:off x="457200" y="1604520"/>
+            <a:ext cx="8228880" cy="3976920"/>
           </a:xfrm>
           <a:prstGeom prst="rect">
             <a:avLst/>
@@ -7811,7 +7219,7 @@
           </a:ln>
         </p:spPr>
         <p:txBody>
-          <a:bodyPr lIns="91440" rIns="91440" tIns="91440" bIns="91440" anchor="t">
+          <a:bodyPr lIns="0" rIns="0" tIns="0" bIns="0" anchor="t">
             <a:normAutofit/>
           </a:bodyPr>
           <a:p>
@@ -7827,7 +7235,7 @@
               <a:buChar char=""/>
             </a:pPr>
             <a:r>
-              <a:rPr b="0" lang="ru-RU" sz="1700" spc="-1" strike="noStrike">
+              <a:rPr b="0" lang="ru-RU" sz="1800" spc="-1" strike="noStrike">
                 <a:solidFill>
                   <a:srgbClr val="000000"/>
                 </a:solidFill>
@@ -7835,7 +7243,7 @@
               </a:rPr>
               <a:t>Для правки структуры щёлкните мышью</a:t>
             </a:r>
-            <a:endParaRPr b="0" lang="ru-RU" sz="1700" spc="-1" strike="noStrike">
+            <a:endParaRPr b="0" lang="ru-RU" sz="1800" spc="-1" strike="noStrike">
               <a:solidFill>
                 <a:srgbClr val="000000"/>
               </a:solidFill>
@@ -7855,7 +7263,7 @@
               <a:buChar char=""/>
             </a:pPr>
             <a:r>
-              <a:rPr b="0" lang="ru-RU" sz="1700" spc="-1" strike="noStrike">
+              <a:rPr b="0" lang="ru-RU" sz="1800" spc="-1" strike="noStrike">
                 <a:solidFill>
                   <a:srgbClr val="000000"/>
                 </a:solidFill>
@@ -7863,7 +7271,7 @@
               </a:rPr>
               <a:t>Второй уровень структуры</a:t>
             </a:r>
-            <a:endParaRPr b="0" lang="ru-RU" sz="1700" spc="-1" strike="noStrike">
+            <a:endParaRPr b="0" lang="ru-RU" sz="1800" spc="-1" strike="noStrike">
               <a:solidFill>
                 <a:srgbClr val="000000"/>
               </a:solidFill>
@@ -7883,7 +7291,7 @@
               <a:buChar char=""/>
             </a:pPr>
             <a:r>
-              <a:rPr b="0" lang="ru-RU" sz="1700" spc="-1" strike="noStrike">
+              <a:rPr b="0" lang="ru-RU" sz="1800" spc="-1" strike="noStrike">
                 <a:solidFill>
                   <a:srgbClr val="000000"/>
                 </a:solidFill>
@@ -7891,7 +7299,7 @@
               </a:rPr>
               <a:t>Третий уровень структуры</a:t>
             </a:r>
-            <a:endParaRPr b="0" lang="ru-RU" sz="1700" spc="-1" strike="noStrike">
+            <a:endParaRPr b="0" lang="ru-RU" sz="1800" spc="-1" strike="noStrike">
               <a:solidFill>
                 <a:srgbClr val="000000"/>
               </a:solidFill>
@@ -7911,7 +7319,7 @@
               <a:buChar char=""/>
             </a:pPr>
             <a:r>
-              <a:rPr b="0" lang="ru-RU" sz="1700" spc="-1" strike="noStrike">
+              <a:rPr b="0" lang="ru-RU" sz="1800" spc="-1" strike="noStrike">
                 <a:solidFill>
                   <a:srgbClr val="000000"/>
                 </a:solidFill>
@@ -7919,7 +7327,7 @@
               </a:rPr>
               <a:t>Четвёртый уровень структуры</a:t>
             </a:r>
-            <a:endParaRPr b="0" lang="ru-RU" sz="1700" spc="-1" strike="noStrike">
+            <a:endParaRPr b="0" lang="ru-RU" sz="1800" spc="-1" strike="noStrike">
               <a:solidFill>
                 <a:srgbClr val="000000"/>
               </a:solidFill>
@@ -7939,7 +7347,7 @@
               <a:buChar char=""/>
             </a:pPr>
             <a:r>
-              <a:rPr b="0" lang="ru-RU" sz="1700" spc="-1" strike="noStrike">
+              <a:rPr b="0" lang="ru-RU" sz="1800" spc="-1" strike="noStrike">
                 <a:solidFill>
                   <a:srgbClr val="000000"/>
                 </a:solidFill>
@@ -7947,7 +7355,7 @@
               </a:rPr>
               <a:t>Пятый уровень структуры</a:t>
             </a:r>
-            <a:endParaRPr b="0" lang="ru-RU" sz="1700" spc="-1" strike="noStrike">
+            <a:endParaRPr b="0" lang="ru-RU" sz="1800" spc="-1" strike="noStrike">
               <a:solidFill>
                 <a:srgbClr val="000000"/>
               </a:solidFill>
@@ -7967,7 +7375,7 @@
               <a:buChar char=""/>
             </a:pPr>
             <a:r>
-              <a:rPr b="0" lang="ru-RU" sz="1700" spc="-1" strike="noStrike">
+              <a:rPr b="0" lang="ru-RU" sz="1800" spc="-1" strike="noStrike">
                 <a:solidFill>
                   <a:srgbClr val="000000"/>
                 </a:solidFill>
@@ -7975,7 +7383,7 @@
               </a:rPr>
               <a:t>Шестой уровень структуры</a:t>
             </a:r>
-            <a:endParaRPr b="0" lang="ru-RU" sz="1700" spc="-1" strike="noStrike">
+            <a:endParaRPr b="0" lang="ru-RU" sz="1800" spc="-1" strike="noStrike">
               <a:solidFill>
                 <a:srgbClr val="000000"/>
               </a:solidFill>
@@ -7995,7 +7403,7 @@
               <a:buChar char=""/>
             </a:pPr>
             <a:r>
-              <a:rPr b="0" lang="ru-RU" sz="1700" spc="-1" strike="noStrike">
+              <a:rPr b="0" lang="ru-RU" sz="1800" spc="-1" strike="noStrike">
                 <a:solidFill>
                   <a:srgbClr val="000000"/>
                 </a:solidFill>
@@ -8003,7 +7411,7 @@
               </a:rPr>
               <a:t>Седьмой уровень структуры</a:t>
             </a:r>
-            <a:endParaRPr b="0" lang="ru-RU" sz="1700" spc="-1" strike="noStrike">
+            <a:endParaRPr b="0" lang="ru-RU" sz="1800" spc="-1" strike="noStrike">
               <a:solidFill>
                 <a:srgbClr val="000000"/>
               </a:solidFill>
@@ -8014,7 +7422,7 @@
       </p:sp>
       <p:sp>
         <p:nvSpPr>
-          <p:cNvPr id="22" name="PlaceHolder 3"/>
+          <p:cNvPr id="19" name="PlaceHolder 3"/>
           <p:cNvSpPr>
             <a:spLocks noGrp="1"/>
           </p:cNvSpPr>
@@ -8025,7 +7433,7 @@
         <p:spPr>
           <a:xfrm>
             <a:off x="8472600" y="6217560"/>
-            <a:ext cx="548280" cy="524520"/>
+            <a:ext cx="547920" cy="524160"/>
           </a:xfrm>
           <a:prstGeom prst="rect">
             <a:avLst/>
@@ -8037,7 +7445,7 @@
         </p:spPr>
         <p:txBody>
           <a:bodyPr lIns="91440" rIns="91440" tIns="91440" bIns="91440" anchor="ctr">
-            <a:normAutofit/>
+            <a:noAutofit/>
           </a:bodyPr>
           <a:lstStyle>
             <a:lvl1pPr indent="0" algn="r">
@@ -8067,7 +7475,7 @@
                 <a:tab algn="l" pos="0"/>
               </a:tabLst>
             </a:pPr>
-            <a:fld id="{0C8045F1-05F1-432F-BE46-14B206C6C275}" type="slidenum">
+            <a:fld id="{04332687-F2D3-4344-A27C-241B3DC5323D}" type="slidenum">
               <a:rPr b="0" lang="ru" sz="1000" spc="-1" strike="noStrike">
                 <a:solidFill>
                   <a:schemeClr val="dk2"/>
@@ -8114,7 +7522,7 @@
       </p:grpSpPr>
       <p:sp>
         <p:nvSpPr>
-          <p:cNvPr id="79" name="PlaceHolder 1"/>
+          <p:cNvPr id="67" name="PlaceHolder 1"/>
           <p:cNvSpPr>
             <a:spLocks noGrp="1"/>
           </p:cNvSpPr>
@@ -8125,7 +7533,7 @@
         <p:spPr>
           <a:xfrm>
             <a:off x="797040" y="5729400"/>
-            <a:ext cx="5051160" cy="1056600"/>
+            <a:ext cx="5050800" cy="1056240"/>
           </a:xfrm>
           <a:prstGeom prst="rect">
             <a:avLst/>
@@ -8169,7 +7577,7 @@
       </p:sp>
       <p:sp>
         <p:nvSpPr>
-          <p:cNvPr id="80" name="PlaceHolder 2"/>
+          <p:cNvPr id="68" name="PlaceHolder 2"/>
           <p:cNvSpPr>
             <a:spLocks noGrp="1"/>
           </p:cNvSpPr>
@@ -8180,7 +7588,7 @@
         <p:spPr>
           <a:xfrm>
             <a:off x="797040" y="2562120"/>
-            <a:ext cx="8398440" cy="3370320"/>
+            <a:ext cx="8398080" cy="3369960"/>
           </a:xfrm>
           <a:prstGeom prst="rect">
             <a:avLst/>
@@ -8272,7 +7680,7 @@
       </p:grpSpPr>
       <p:sp>
         <p:nvSpPr>
-          <p:cNvPr id="115" name="PlaceHolder 1"/>
+          <p:cNvPr id="103" name="PlaceHolder 1"/>
           <p:cNvSpPr>
             <a:spLocks noGrp="1"/>
           </p:cNvSpPr>
@@ -8283,7 +7691,7 @@
         <p:spPr>
           <a:xfrm>
             <a:off x="500400" y="441000"/>
-            <a:ext cx="8520120" cy="1305720"/>
+            <a:ext cx="8519760" cy="1305360"/>
           </a:xfrm>
           <a:prstGeom prst="rect">
             <a:avLst/>
@@ -8328,13 +7736,13 @@
       </p:sp>
       <p:graphicFrame>
         <p:nvGraphicFramePr>
-          <p:cNvPr id="116" name="Google Shape;203;p39"/>
+          <p:cNvPr id="104" name="Google Shape;203;p39"/>
           <p:cNvGraphicFramePr/>
           <p:nvPr/>
         </p:nvGraphicFramePr>
         <p:xfrm>
           <a:off x="952560" y="2058840"/>
-          <a:ext cx="7238520" cy="1434240"/>
+          <a:ext cx="7238160" cy="1162080"/>
         </p:xfrm>
         <a:graphic>
           <a:graphicData uri="http://schemas.openxmlformats.org/drawingml/2006/table">
@@ -8347,7 +7755,7 @@
               <a:tr h="380880">
                 <a:tc>
                   <a:txBody>
-                    <a:bodyPr lIns="198000" rIns="91080" tIns="91080" bIns="91080" anchor="t">
+                    <a:bodyPr lIns="198000" rIns="91080" anchor="t">
                       <a:noAutofit/>
                     </a:bodyPr>
                     <a:p>
@@ -8407,7 +7815,7 @@
                 </a:tc>
                 <a:tc>
                   <a:txBody>
-                    <a:bodyPr lIns="198000" rIns="91080" tIns="91080" bIns="91080" anchor="t">
+                    <a:bodyPr lIns="198000" rIns="91080" anchor="t">
                       <a:noAutofit/>
                     </a:bodyPr>
                     <a:p>
@@ -8451,7 +7859,7 @@
               <a:tr h="380880">
                 <a:tc>
                   <a:txBody>
-                    <a:bodyPr lIns="198000" rIns="91080" tIns="91080" bIns="91080" anchor="t">
+                    <a:bodyPr lIns="198000" rIns="91080" anchor="t">
                       <a:noAutofit/>
                     </a:bodyPr>
                     <a:p>
@@ -8511,7 +7919,7 @@
                 </a:tc>
                 <a:tc>
                   <a:txBody>
-                    <a:bodyPr lIns="198000" rIns="91080" tIns="91080" bIns="91080" anchor="t">
+                    <a:bodyPr lIns="198000" rIns="91080" anchor="t">
                       <a:noAutofit/>
                     </a:bodyPr>
                     <a:p>
@@ -8555,7 +7963,7 @@
               <a:tr h="380880">
                 <a:tc>
                   <a:txBody>
-                    <a:bodyPr lIns="198000" rIns="91080" tIns="91080" bIns="91080" anchor="t">
+                    <a:bodyPr lIns="198000" rIns="91080" anchor="t">
                       <a:noAutofit/>
                     </a:bodyPr>
                     <a:p>
@@ -8615,7 +8023,7 @@
                 </a:tc>
                 <a:tc>
                   <a:txBody>
-                    <a:bodyPr lIns="198000" rIns="91080" tIns="91080" bIns="91080" anchor="t">
+                    <a:bodyPr lIns="198000" rIns="91080" anchor="t">
                       <a:noAutofit/>
                     </a:bodyPr>
                     <a:p>
@@ -8662,14 +8070,14 @@
       </p:graphicFrame>
       <p:sp>
         <p:nvSpPr>
-          <p:cNvPr id="117" name="Google Shape;204;p39"/>
+          <p:cNvPr id="105" name="Google Shape;204;p39"/>
           <p:cNvSpPr/>
           <p:nvPr/>
         </p:nvSpPr>
         <p:spPr>
           <a:xfrm>
             <a:off x="4768560" y="4502520"/>
-            <a:ext cx="3422520" cy="1091520"/>
+            <a:ext cx="3422160" cy="1091160"/>
           </a:xfrm>
           <a:prstGeom prst="wedgeRectCallout">
             <a:avLst>
@@ -8760,7 +8168,7 @@
       </p:grpSpPr>
       <p:sp>
         <p:nvSpPr>
-          <p:cNvPr id="118" name="PlaceHolder 1"/>
+          <p:cNvPr id="106" name="PlaceHolder 1"/>
           <p:cNvSpPr>
             <a:spLocks noGrp="1"/>
           </p:cNvSpPr>
@@ -8771,7 +8179,7 @@
         <p:spPr>
           <a:xfrm>
             <a:off x="956160" y="528480"/>
-            <a:ext cx="7558920" cy="5454000"/>
+            <a:ext cx="7558560" cy="5453640"/>
           </a:xfrm>
           <a:prstGeom prst="rect">
             <a:avLst/>
@@ -8806,7 +8214,7 @@
               <a:t>Спасибо за внимание!</a:t>
             </a:r>
             <a:br>
-              <a:rPr sz="1400"/>
+              <a:rPr sz="4900"/>
             </a:br>
             <a:endParaRPr b="0" lang="ru-RU" sz="4900" spc="-1" strike="noStrike">
               <a:solidFill>
@@ -8866,7 +8274,7 @@
       </p:grpSpPr>
       <p:sp>
         <p:nvSpPr>
-          <p:cNvPr id="119" name="PlaceHolder 1"/>
+          <p:cNvPr id="107" name="PlaceHolder 1"/>
           <p:cNvSpPr>
             <a:spLocks noGrp="1"/>
           </p:cNvSpPr>
@@ -8877,7 +8285,7 @@
         <p:spPr>
           <a:xfrm>
             <a:off x="956160" y="528480"/>
-            <a:ext cx="7695360" cy="5454000"/>
+            <a:ext cx="7695000" cy="5453640"/>
           </a:xfrm>
           <a:prstGeom prst="rect">
             <a:avLst/>
@@ -8979,7 +8387,7 @@
       </p:grpSpPr>
       <p:sp>
         <p:nvSpPr>
-          <p:cNvPr id="120" name="PlaceHolder 1"/>
+          <p:cNvPr id="108" name="PlaceHolder 1"/>
           <p:cNvSpPr>
             <a:spLocks noGrp="1"/>
           </p:cNvSpPr>
@@ -8990,7 +8398,7 @@
         <p:spPr>
           <a:xfrm>
             <a:off x="500400" y="441000"/>
-            <a:ext cx="8520120" cy="1124280"/>
+            <a:ext cx="8519760" cy="1123920"/>
           </a:xfrm>
           <a:prstGeom prst="rect">
             <a:avLst/>
@@ -9035,7 +8443,7 @@
       </p:sp>
       <p:pic>
         <p:nvPicPr>
-          <p:cNvPr id="121" name="Google Shape;220;p42" descr=""/>
+          <p:cNvPr id="109" name="Google Shape;220;p42" descr=""/>
           <p:cNvPicPr/>
           <p:nvPr/>
         </p:nvPicPr>
@@ -9046,7 +8454,7 @@
         <p:spPr>
           <a:xfrm>
             <a:off x="617760" y="5161320"/>
-            <a:ext cx="827280" cy="827280"/>
+            <a:ext cx="826920" cy="826920"/>
           </a:xfrm>
           <a:prstGeom prst="rect">
             <a:avLst/>
@@ -9058,7 +8466,7 @@
       </p:pic>
       <p:pic>
         <p:nvPicPr>
-          <p:cNvPr id="122" name="Google Shape;221;p42" descr=""/>
+          <p:cNvPr id="110" name="Google Shape;221;p42" descr=""/>
           <p:cNvPicPr/>
           <p:nvPr/>
         </p:nvPicPr>
@@ -9069,7 +8477,7 @@
         <p:spPr>
           <a:xfrm>
             <a:off x="617760" y="4150800"/>
-            <a:ext cx="827280" cy="827280"/>
+            <a:ext cx="826920" cy="826920"/>
           </a:xfrm>
           <a:prstGeom prst="rect">
             <a:avLst/>
@@ -9081,7 +8489,7 @@
       </p:pic>
       <p:pic>
         <p:nvPicPr>
-          <p:cNvPr id="123" name="Google Shape;222;p42" descr=""/>
+          <p:cNvPr id="111" name="Google Shape;222;p42" descr=""/>
           <p:cNvPicPr/>
           <p:nvPr/>
         </p:nvPicPr>
@@ -9092,7 +8500,7 @@
         <p:spPr>
           <a:xfrm>
             <a:off x="617760" y="2129760"/>
-            <a:ext cx="827280" cy="827280"/>
+            <a:ext cx="826920" cy="826920"/>
           </a:xfrm>
           <a:prstGeom prst="rect">
             <a:avLst/>
@@ -9104,7 +8512,7 @@
       </p:pic>
       <p:pic>
         <p:nvPicPr>
-          <p:cNvPr id="124" name="Google Shape;223;p42" descr=""/>
+          <p:cNvPr id="112" name="Google Shape;223;p42" descr=""/>
           <p:cNvPicPr/>
           <p:nvPr/>
         </p:nvPicPr>
@@ -9115,7 +8523,7 @@
         <p:spPr>
           <a:xfrm>
             <a:off x="617760" y="3140280"/>
-            <a:ext cx="827280" cy="827280"/>
+            <a:ext cx="826920" cy="826920"/>
           </a:xfrm>
           <a:prstGeom prst="rect">
             <a:avLst/>
@@ -9127,14 +8535,14 @@
       </p:pic>
       <p:sp>
         <p:nvSpPr>
-          <p:cNvPr id="125" name="Google Shape;224;p42"/>
+          <p:cNvPr id="113" name="Google Shape;224;p42"/>
           <p:cNvSpPr/>
           <p:nvPr/>
         </p:nvSpPr>
         <p:spPr>
           <a:xfrm>
             <a:off x="544320" y="1502280"/>
-            <a:ext cx="2587680" cy="547560"/>
+            <a:ext cx="2587320" cy="547200"/>
           </a:xfrm>
           <a:prstGeom prst="rect">
             <a:avLst/>
@@ -9151,7 +8559,7 @@
           <a:fontRef idx="minor"/>
         </p:style>
         <p:txBody>
-          <a:bodyPr tIns="91440" bIns="91440" anchor="t">
+          <a:bodyPr lIns="90000" rIns="90000" tIns="91440" bIns="91440" anchor="t">
             <a:normAutofit/>
           </a:bodyPr>
           <a:p>
@@ -9184,7 +8592,7 @@
       </p:sp>
       <p:pic>
         <p:nvPicPr>
-          <p:cNvPr id="126" name="Google Shape;225;p42" descr=""/>
+          <p:cNvPr id="114" name="Google Shape;225;p42" descr=""/>
           <p:cNvPicPr/>
           <p:nvPr/>
         </p:nvPicPr>
@@ -9195,7 +8603,7 @@
         <p:spPr>
           <a:xfrm>
             <a:off x="1627200" y="5161320"/>
-            <a:ext cx="827280" cy="827280"/>
+            <a:ext cx="826920" cy="826920"/>
           </a:xfrm>
           <a:prstGeom prst="rect">
             <a:avLst/>
@@ -9207,7 +8615,7 @@
       </p:pic>
       <p:pic>
         <p:nvPicPr>
-          <p:cNvPr id="127" name="Google Shape;226;p42" descr=""/>
+          <p:cNvPr id="115" name="Google Shape;226;p42" descr=""/>
           <p:cNvPicPr/>
           <p:nvPr/>
         </p:nvPicPr>
@@ -9218,7 +8626,7 @@
         <p:spPr>
           <a:xfrm>
             <a:off x="1627200" y="4150800"/>
-            <a:ext cx="827280" cy="827280"/>
+            <a:ext cx="826920" cy="826920"/>
           </a:xfrm>
           <a:prstGeom prst="rect">
             <a:avLst/>
@@ -9230,7 +8638,7 @@
       </p:pic>
       <p:pic>
         <p:nvPicPr>
-          <p:cNvPr id="128" name="Google Shape;227;p42" descr=""/>
+          <p:cNvPr id="116" name="Google Shape;227;p42" descr=""/>
           <p:cNvPicPr/>
           <p:nvPr/>
         </p:nvPicPr>
@@ -9241,7 +8649,7 @@
         <p:spPr>
           <a:xfrm>
             <a:off x="1627200" y="2129760"/>
-            <a:ext cx="827280" cy="827280"/>
+            <a:ext cx="826920" cy="826920"/>
           </a:xfrm>
           <a:prstGeom prst="rect">
             <a:avLst/>
@@ -9253,7 +8661,7 @@
       </p:pic>
       <p:pic>
         <p:nvPicPr>
-          <p:cNvPr id="129" name="Google Shape;228;p42" descr=""/>
+          <p:cNvPr id="117" name="Google Shape;228;p42" descr=""/>
           <p:cNvPicPr/>
           <p:nvPr/>
         </p:nvPicPr>
@@ -9264,7 +8672,7 @@
         <p:spPr>
           <a:xfrm>
             <a:off x="1627200" y="3140280"/>
-            <a:ext cx="827280" cy="827280"/>
+            <a:ext cx="826920" cy="826920"/>
           </a:xfrm>
           <a:prstGeom prst="rect">
             <a:avLst/>
@@ -9276,7 +8684,7 @@
       </p:pic>
       <p:pic>
         <p:nvPicPr>
-          <p:cNvPr id="130" name="Google Shape;229;p42" descr=""/>
+          <p:cNvPr id="118" name="Google Shape;229;p42" descr=""/>
           <p:cNvPicPr/>
           <p:nvPr/>
         </p:nvPicPr>
@@ -9287,7 +8695,7 @@
         <p:spPr>
           <a:xfrm>
             <a:off x="2661840" y="2129760"/>
-            <a:ext cx="827280" cy="827280"/>
+            <a:ext cx="826920" cy="826920"/>
           </a:xfrm>
           <a:prstGeom prst="rect">
             <a:avLst/>
@@ -9299,7 +8707,7 @@
       </p:pic>
       <p:pic>
         <p:nvPicPr>
-          <p:cNvPr id="131" name="Google Shape;230;p42" descr=""/>
+          <p:cNvPr id="119" name="Google Shape;230;p42" descr=""/>
           <p:cNvPicPr/>
           <p:nvPr/>
         </p:nvPicPr>
@@ -9310,7 +8718,7 @@
         <p:spPr>
           <a:xfrm>
             <a:off x="2661840" y="3140280"/>
-            <a:ext cx="827280" cy="827280"/>
+            <a:ext cx="826920" cy="826920"/>
           </a:xfrm>
           <a:prstGeom prst="rect">
             <a:avLst/>
@@ -9322,14 +8730,14 @@
       </p:pic>
       <p:sp>
         <p:nvSpPr>
-          <p:cNvPr id="132" name="Google Shape;231;p42"/>
+          <p:cNvPr id="120" name="Google Shape;231;p42"/>
           <p:cNvSpPr/>
           <p:nvPr/>
         </p:nvSpPr>
         <p:spPr>
           <a:xfrm>
             <a:off x="4407120" y="1502280"/>
-            <a:ext cx="1579320" cy="547560"/>
+            <a:ext cx="1578960" cy="547200"/>
           </a:xfrm>
           <a:prstGeom prst="rect">
             <a:avLst/>
@@ -9346,8 +8754,8 @@
           <a:fontRef idx="minor"/>
         </p:style>
         <p:txBody>
-          <a:bodyPr tIns="91440" bIns="91440" anchor="t">
-            <a:normAutofit fontScale="87123"/>
+          <a:bodyPr lIns="90000" rIns="90000" tIns="91440" bIns="91440" anchor="t">
+            <a:normAutofit fontScale="87222"/>
           </a:bodyPr>
           <a:p>
             <a:pPr>
@@ -9379,7 +8787,7 @@
       </p:sp>
       <p:pic>
         <p:nvPicPr>
-          <p:cNvPr id="133" name="Google Shape;232;p42" descr=""/>
+          <p:cNvPr id="121" name="Google Shape;232;p42" descr=""/>
           <p:cNvPicPr/>
           <p:nvPr/>
         </p:nvPicPr>
@@ -9390,7 +8798,7 @@
         <p:spPr>
           <a:xfrm>
             <a:off x="4492440" y="5161320"/>
-            <a:ext cx="827280" cy="827280"/>
+            <a:ext cx="826920" cy="826920"/>
           </a:xfrm>
           <a:prstGeom prst="rect">
             <a:avLst/>
@@ -9402,7 +8810,7 @@
       </p:pic>
       <p:pic>
         <p:nvPicPr>
-          <p:cNvPr id="134" name="Google Shape;233;p42" descr=""/>
+          <p:cNvPr id="122" name="Google Shape;233;p42" descr=""/>
           <p:cNvPicPr/>
           <p:nvPr/>
         </p:nvPicPr>
@@ -9413,7 +8821,7 @@
         <p:spPr>
           <a:xfrm>
             <a:off x="4492440" y="4150800"/>
-            <a:ext cx="827280" cy="827280"/>
+            <a:ext cx="826920" cy="826920"/>
           </a:xfrm>
           <a:prstGeom prst="rect">
             <a:avLst/>
@@ -9425,7 +8833,7 @@
       </p:pic>
       <p:pic>
         <p:nvPicPr>
-          <p:cNvPr id="135" name="Google Shape;234;p42" descr=""/>
+          <p:cNvPr id="123" name="Google Shape;234;p42" descr=""/>
           <p:cNvPicPr/>
           <p:nvPr/>
         </p:nvPicPr>
@@ -9436,7 +8844,7 @@
         <p:spPr>
           <a:xfrm>
             <a:off x="4492440" y="2129760"/>
-            <a:ext cx="827280" cy="827280"/>
+            <a:ext cx="826920" cy="826920"/>
           </a:xfrm>
           <a:prstGeom prst="rect">
             <a:avLst/>
@@ -9448,7 +8856,7 @@
       </p:pic>
       <p:pic>
         <p:nvPicPr>
-          <p:cNvPr id="136" name="Google Shape;235;p42" descr=""/>
+          <p:cNvPr id="124" name="Google Shape;235;p42" descr=""/>
           <p:cNvPicPr/>
           <p:nvPr/>
         </p:nvPicPr>
@@ -9459,7 +8867,7 @@
         <p:spPr>
           <a:xfrm>
             <a:off x="4492440" y="3140280"/>
-            <a:ext cx="827280" cy="827280"/>
+            <a:ext cx="826920" cy="826920"/>
           </a:xfrm>
           <a:prstGeom prst="rect">
             <a:avLst/>
@@ -9471,7 +8879,7 @@
       </p:pic>
       <p:pic>
         <p:nvPicPr>
-          <p:cNvPr id="137" name="Google Shape;236;p42" descr=""/>
+          <p:cNvPr id="125" name="Google Shape;236;p42" descr=""/>
           <p:cNvPicPr/>
           <p:nvPr/>
         </p:nvPicPr>
@@ -9482,7 +8890,7 @@
         <p:spPr>
           <a:xfrm>
             <a:off x="5501880" y="4150800"/>
-            <a:ext cx="827280" cy="827280"/>
+            <a:ext cx="826920" cy="826920"/>
           </a:xfrm>
           <a:prstGeom prst="rect">
             <a:avLst/>
@@ -9494,7 +8902,7 @@
       </p:pic>
       <p:pic>
         <p:nvPicPr>
-          <p:cNvPr id="138" name="Google Shape;237;p42" descr=""/>
+          <p:cNvPr id="126" name="Google Shape;237;p42" descr=""/>
           <p:cNvPicPr/>
           <p:nvPr/>
         </p:nvPicPr>
@@ -9505,7 +8913,7 @@
         <p:spPr>
           <a:xfrm>
             <a:off x="5501880" y="2129760"/>
-            <a:ext cx="827280" cy="827280"/>
+            <a:ext cx="826920" cy="826920"/>
           </a:xfrm>
           <a:prstGeom prst="rect">
             <a:avLst/>
@@ -9517,7 +8925,7 @@
       </p:pic>
       <p:pic>
         <p:nvPicPr>
-          <p:cNvPr id="139" name="Google Shape;238;p42" descr=""/>
+          <p:cNvPr id="127" name="Google Shape;238;p42" descr=""/>
           <p:cNvPicPr/>
           <p:nvPr/>
         </p:nvPicPr>
@@ -9528,7 +8936,7 @@
         <p:spPr>
           <a:xfrm>
             <a:off x="5501880" y="3140280"/>
-            <a:ext cx="827280" cy="827280"/>
+            <a:ext cx="826920" cy="826920"/>
           </a:xfrm>
           <a:prstGeom prst="rect">
             <a:avLst/>
@@ -9540,7 +8948,7 @@
       </p:pic>
       <p:pic>
         <p:nvPicPr>
-          <p:cNvPr id="140" name="Google Shape;239;p42" descr=""/>
+          <p:cNvPr id="128" name="Google Shape;239;p42" descr=""/>
           <p:cNvPicPr/>
           <p:nvPr/>
         </p:nvPicPr>
@@ -9551,7 +8959,7 @@
         <p:spPr>
           <a:xfrm>
             <a:off x="6536520" y="4150800"/>
-            <a:ext cx="827280" cy="827280"/>
+            <a:ext cx="826920" cy="826920"/>
           </a:xfrm>
           <a:prstGeom prst="rect">
             <a:avLst/>
@@ -9563,7 +8971,7 @@
       </p:pic>
       <p:pic>
         <p:nvPicPr>
-          <p:cNvPr id="141" name="Google Shape;240;p42" descr=""/>
+          <p:cNvPr id="129" name="Google Shape;240;p42" descr=""/>
           <p:cNvPicPr/>
           <p:nvPr/>
         </p:nvPicPr>
@@ -9574,7 +8982,7 @@
         <p:spPr>
           <a:xfrm>
             <a:off x="6536520" y="2129760"/>
-            <a:ext cx="827280" cy="827280"/>
+            <a:ext cx="826920" cy="826920"/>
           </a:xfrm>
           <a:prstGeom prst="rect">
             <a:avLst/>
@@ -9586,7 +8994,7 @@
       </p:pic>
       <p:pic>
         <p:nvPicPr>
-          <p:cNvPr id="142" name="Google Shape;241;p42" descr=""/>
+          <p:cNvPr id="130" name="Google Shape;241;p42" descr=""/>
           <p:cNvPicPr/>
           <p:nvPr/>
         </p:nvPicPr>
@@ -9597,7 +9005,7 @@
         <p:spPr>
           <a:xfrm>
             <a:off x="6536520" y="3140280"/>
-            <a:ext cx="827280" cy="827280"/>
+            <a:ext cx="826920" cy="826920"/>
           </a:xfrm>
           <a:prstGeom prst="rect">
             <a:avLst/>
@@ -9609,7 +9017,7 @@
       </p:pic>
       <p:pic>
         <p:nvPicPr>
-          <p:cNvPr id="143" name="Google Shape;242;p42" descr=""/>
+          <p:cNvPr id="131" name="Google Shape;242;p42" descr=""/>
           <p:cNvPicPr/>
           <p:nvPr/>
         </p:nvPicPr>
@@ -9620,7 +9028,7 @@
         <p:spPr>
           <a:xfrm>
             <a:off x="7571160" y="4150800"/>
-            <a:ext cx="827280" cy="827280"/>
+            <a:ext cx="826920" cy="826920"/>
           </a:xfrm>
           <a:prstGeom prst="rect">
             <a:avLst/>
@@ -9632,7 +9040,7 @@
       </p:pic>
       <p:pic>
         <p:nvPicPr>
-          <p:cNvPr id="144" name="Google Shape;243;p42" descr=""/>
+          <p:cNvPr id="132" name="Google Shape;243;p42" descr=""/>
           <p:cNvPicPr/>
           <p:nvPr/>
         </p:nvPicPr>
@@ -9643,7 +9051,7 @@
         <p:spPr>
           <a:xfrm>
             <a:off x="7571160" y="2129760"/>
-            <a:ext cx="827280" cy="827280"/>
+            <a:ext cx="826920" cy="826920"/>
           </a:xfrm>
           <a:prstGeom prst="rect">
             <a:avLst/>
@@ -9655,7 +9063,7 @@
       </p:pic>
       <p:pic>
         <p:nvPicPr>
-          <p:cNvPr id="145" name="Google Shape;244;p42" descr=""/>
+          <p:cNvPr id="133" name="Google Shape;244;p42" descr=""/>
           <p:cNvPicPr/>
           <p:nvPr/>
         </p:nvPicPr>
@@ -9666,7 +9074,7 @@
         <p:spPr>
           <a:xfrm>
             <a:off x="7571160" y="3140280"/>
-            <a:ext cx="827280" cy="827280"/>
+            <a:ext cx="826920" cy="826920"/>
           </a:xfrm>
           <a:prstGeom prst="rect">
             <a:avLst/>
@@ -9678,7 +9086,7 @@
       </p:pic>
       <p:pic>
         <p:nvPicPr>
-          <p:cNvPr id="146" name="Google Shape;245;p42" descr=""/>
+          <p:cNvPr id="134" name="Google Shape;245;p42" descr=""/>
           <p:cNvPicPr/>
           <p:nvPr/>
         </p:nvPicPr>
@@ -9689,7 +9097,7 @@
         <p:spPr>
           <a:xfrm>
             <a:off x="2613960" y="4150800"/>
-            <a:ext cx="827640" cy="827640"/>
+            <a:ext cx="827280" cy="827280"/>
           </a:xfrm>
           <a:prstGeom prst="rect">
             <a:avLst/>
@@ -9701,7 +9109,7 @@
       </p:pic>
       <p:pic>
         <p:nvPicPr>
-          <p:cNvPr id="147" name="Google Shape;246;p42" descr=""/>
+          <p:cNvPr id="135" name="Google Shape;246;p42" descr=""/>
           <p:cNvPicPr/>
           <p:nvPr/>
         </p:nvPicPr>
@@ -9712,7 +9120,7 @@
         <p:spPr>
           <a:xfrm>
             <a:off x="2636640" y="5135760"/>
-            <a:ext cx="827640" cy="827640"/>
+            <a:ext cx="827280" cy="827280"/>
           </a:xfrm>
           <a:prstGeom prst="rect">
             <a:avLst/>
@@ -9724,7 +9132,7 @@
       </p:pic>
       <p:pic>
         <p:nvPicPr>
-          <p:cNvPr id="148" name="Google Shape;247;p42" descr=""/>
+          <p:cNvPr id="136" name="Google Shape;247;p42" descr=""/>
           <p:cNvPicPr/>
           <p:nvPr/>
         </p:nvPicPr>
@@ -9735,7 +9143,7 @@
         <p:spPr>
           <a:xfrm>
             <a:off x="5514480" y="5161320"/>
-            <a:ext cx="827640" cy="827640"/>
+            <a:ext cx="827280" cy="827280"/>
           </a:xfrm>
           <a:prstGeom prst="rect">
             <a:avLst/>
@@ -9747,7 +9155,7 @@
       </p:pic>
       <p:pic>
         <p:nvPicPr>
-          <p:cNvPr id="149" name="Google Shape;248;p42" descr=""/>
+          <p:cNvPr id="137" name="Google Shape;248;p42" descr=""/>
           <p:cNvPicPr/>
           <p:nvPr/>
         </p:nvPicPr>
@@ -9758,7 +9166,7 @@
         <p:spPr>
           <a:xfrm>
             <a:off x="7545600" y="5161320"/>
-            <a:ext cx="827640" cy="827640"/>
+            <a:ext cx="827280" cy="827280"/>
           </a:xfrm>
           <a:prstGeom prst="rect">
             <a:avLst/>
@@ -9770,7 +9178,7 @@
       </p:pic>
       <p:pic>
         <p:nvPicPr>
-          <p:cNvPr id="150" name="Google Shape;249;p42" descr=""/>
+          <p:cNvPr id="138" name="Google Shape;249;p42" descr=""/>
           <p:cNvPicPr/>
           <p:nvPr/>
         </p:nvPicPr>
@@ -9781,7 +9189,7 @@
         <p:spPr>
           <a:xfrm>
             <a:off x="6530040" y="5161320"/>
-            <a:ext cx="827640" cy="827640"/>
+            <a:ext cx="827280" cy="827280"/>
           </a:xfrm>
           <a:prstGeom prst="rect">
             <a:avLst/>
@@ -9793,14 +9201,14 @@
       </p:pic>
       <p:sp>
         <p:nvSpPr>
-          <p:cNvPr id="151" name="Google Shape;250;p42"/>
+          <p:cNvPr id="139" name="Google Shape;250;p42"/>
           <p:cNvSpPr/>
           <p:nvPr/>
         </p:nvSpPr>
         <p:spPr>
           <a:xfrm>
             <a:off x="6202440" y="378000"/>
-            <a:ext cx="2587680" cy="945720"/>
+            <a:ext cx="2587320" cy="945360"/>
           </a:xfrm>
           <a:prstGeom prst="wedgeRectCallout">
             <a:avLst>
@@ -9888,7 +9296,7 @@
       </p:grpSpPr>
       <p:sp>
         <p:nvSpPr>
-          <p:cNvPr id="152" name="PlaceHolder 1"/>
+          <p:cNvPr id="140" name="PlaceHolder 1"/>
           <p:cNvSpPr>
             <a:spLocks noGrp="1"/>
           </p:cNvSpPr>
@@ -9899,7 +9307,7 @@
         <p:spPr>
           <a:xfrm>
             <a:off x="500400" y="441000"/>
-            <a:ext cx="8520120" cy="1124280"/>
+            <a:ext cx="8519760" cy="1123920"/>
           </a:xfrm>
           <a:prstGeom prst="rect">
             <a:avLst/>
@@ -9944,7 +9352,7 @@
       </p:sp>
       <p:pic>
         <p:nvPicPr>
-          <p:cNvPr id="153" name="Google Shape;256;p43" descr=""/>
+          <p:cNvPr id="141" name="Google Shape;256;p43" descr=""/>
           <p:cNvPicPr/>
           <p:nvPr/>
         </p:nvPicPr>
@@ -9955,7 +9363,7 @@
         <p:spPr>
           <a:xfrm>
             <a:off x="617760" y="5161320"/>
-            <a:ext cx="827280" cy="827280"/>
+            <a:ext cx="826920" cy="826920"/>
           </a:xfrm>
           <a:prstGeom prst="rect">
             <a:avLst/>
@@ -9967,7 +9375,7 @@
       </p:pic>
       <p:pic>
         <p:nvPicPr>
-          <p:cNvPr id="154" name="Google Shape;257;p43" descr=""/>
+          <p:cNvPr id="142" name="Google Shape;257;p43" descr=""/>
           <p:cNvPicPr/>
           <p:nvPr/>
         </p:nvPicPr>
@@ -9978,7 +9386,7 @@
         <p:spPr>
           <a:xfrm>
             <a:off x="617760" y="4150800"/>
-            <a:ext cx="827280" cy="827280"/>
+            <a:ext cx="826920" cy="826920"/>
           </a:xfrm>
           <a:prstGeom prst="rect">
             <a:avLst/>
@@ -9990,7 +9398,7 @@
       </p:pic>
       <p:pic>
         <p:nvPicPr>
-          <p:cNvPr id="155" name="Google Shape;258;p43" descr=""/>
+          <p:cNvPr id="143" name="Google Shape;258;p43" descr=""/>
           <p:cNvPicPr/>
           <p:nvPr/>
         </p:nvPicPr>
@@ -10001,7 +9409,7 @@
         <p:spPr>
           <a:xfrm>
             <a:off x="617760" y="2129760"/>
-            <a:ext cx="827280" cy="827280"/>
+            <a:ext cx="826920" cy="826920"/>
           </a:xfrm>
           <a:prstGeom prst="rect">
             <a:avLst/>
@@ -10013,7 +9421,7 @@
       </p:pic>
       <p:pic>
         <p:nvPicPr>
-          <p:cNvPr id="156" name="Google Shape;259;p43" descr=""/>
+          <p:cNvPr id="144" name="Google Shape;259;p43" descr=""/>
           <p:cNvPicPr/>
           <p:nvPr/>
         </p:nvPicPr>
@@ -10024,7 +9432,7 @@
         <p:spPr>
           <a:xfrm>
             <a:off x="617760" y="3140280"/>
-            <a:ext cx="827280" cy="827280"/>
+            <a:ext cx="826920" cy="826920"/>
           </a:xfrm>
           <a:prstGeom prst="rect">
             <a:avLst/>
@@ -10036,7 +9444,7 @@
       </p:pic>
       <p:sp>
         <p:nvSpPr>
-          <p:cNvPr id="157" name="PlaceHolder 2"/>
+          <p:cNvPr id="145" name="PlaceHolder 2"/>
           <p:cNvSpPr>
             <a:spLocks noGrp="1"/>
           </p:cNvSpPr>
@@ -10047,7 +9455,7 @@
         <p:spPr>
           <a:xfrm>
             <a:off x="544320" y="1502280"/>
-            <a:ext cx="1579320" cy="547560"/>
+            <a:ext cx="1578960" cy="547200"/>
           </a:xfrm>
           <a:prstGeom prst="rect">
             <a:avLst/>
@@ -10091,7 +9499,7 @@
       </p:sp>
       <p:pic>
         <p:nvPicPr>
-          <p:cNvPr id="158" name="Google Shape;261;p43" descr=""/>
+          <p:cNvPr id="146" name="Google Shape;261;p43" descr=""/>
           <p:cNvPicPr/>
           <p:nvPr/>
         </p:nvPicPr>
@@ -10102,7 +9510,7 @@
         <p:spPr>
           <a:xfrm>
             <a:off x="1627200" y="5161320"/>
-            <a:ext cx="827280" cy="827280"/>
+            <a:ext cx="826920" cy="826920"/>
           </a:xfrm>
           <a:prstGeom prst="rect">
             <a:avLst/>
@@ -10114,7 +9522,7 @@
       </p:pic>
       <p:pic>
         <p:nvPicPr>
-          <p:cNvPr id="159" name="Google Shape;262;p43" descr=""/>
+          <p:cNvPr id="147" name="Google Shape;262;p43" descr=""/>
           <p:cNvPicPr/>
           <p:nvPr/>
         </p:nvPicPr>
@@ -10125,7 +9533,7 @@
         <p:spPr>
           <a:xfrm>
             <a:off x="1627200" y="4150800"/>
-            <a:ext cx="827280" cy="827280"/>
+            <a:ext cx="826920" cy="826920"/>
           </a:xfrm>
           <a:prstGeom prst="rect">
             <a:avLst/>
@@ -10137,7 +9545,7 @@
       </p:pic>
       <p:pic>
         <p:nvPicPr>
-          <p:cNvPr id="160" name="Google Shape;263;p43" descr=""/>
+          <p:cNvPr id="148" name="Google Shape;263;p43" descr=""/>
           <p:cNvPicPr/>
           <p:nvPr/>
         </p:nvPicPr>
@@ -10148,7 +9556,7 @@
         <p:spPr>
           <a:xfrm>
             <a:off x="1627200" y="2129760"/>
-            <a:ext cx="827280" cy="827280"/>
+            <a:ext cx="826920" cy="826920"/>
           </a:xfrm>
           <a:prstGeom prst="rect">
             <a:avLst/>
@@ -10160,7 +9568,7 @@
       </p:pic>
       <p:pic>
         <p:nvPicPr>
-          <p:cNvPr id="161" name="Google Shape;264;p43" descr=""/>
+          <p:cNvPr id="149" name="Google Shape;264;p43" descr=""/>
           <p:cNvPicPr/>
           <p:nvPr/>
         </p:nvPicPr>
@@ -10171,7 +9579,7 @@
         <p:spPr>
           <a:xfrm>
             <a:off x="1627200" y="3140280"/>
-            <a:ext cx="827280" cy="827280"/>
+            <a:ext cx="826920" cy="826920"/>
           </a:xfrm>
           <a:prstGeom prst="rect">
             <a:avLst/>
@@ -10183,7 +9591,7 @@
       </p:pic>
       <p:pic>
         <p:nvPicPr>
-          <p:cNvPr id="162" name="Google Shape;265;p43" descr=""/>
+          <p:cNvPr id="150" name="Google Shape;265;p43" descr=""/>
           <p:cNvPicPr/>
           <p:nvPr/>
         </p:nvPicPr>
@@ -10194,7 +9602,7 @@
         <p:spPr>
           <a:xfrm>
             <a:off x="2661840" y="2129760"/>
-            <a:ext cx="827280" cy="827280"/>
+            <a:ext cx="826920" cy="826920"/>
           </a:xfrm>
           <a:prstGeom prst="rect">
             <a:avLst/>
@@ -10206,7 +9614,7 @@
       </p:pic>
       <p:pic>
         <p:nvPicPr>
-          <p:cNvPr id="163" name="Google Shape;266;p43" descr=""/>
+          <p:cNvPr id="151" name="Google Shape;266;p43" descr=""/>
           <p:cNvPicPr/>
           <p:nvPr/>
         </p:nvPicPr>
@@ -10217,7 +9625,7 @@
         <p:spPr>
           <a:xfrm>
             <a:off x="2661840" y="3140280"/>
-            <a:ext cx="827280" cy="827280"/>
+            <a:ext cx="826920" cy="826920"/>
           </a:xfrm>
           <a:prstGeom prst="rect">
             <a:avLst/>
@@ -10229,7 +9637,7 @@
       </p:pic>
       <p:pic>
         <p:nvPicPr>
-          <p:cNvPr id="164" name="Google Shape;267;p43" descr=""/>
+          <p:cNvPr id="152" name="Google Shape;267;p43" descr=""/>
           <p:cNvPicPr/>
           <p:nvPr/>
         </p:nvPicPr>
@@ -10240,7 +9648,7 @@
         <p:spPr>
           <a:xfrm>
             <a:off x="5040000" y="5161680"/>
-            <a:ext cx="827280" cy="827280"/>
+            <a:ext cx="826920" cy="826920"/>
           </a:xfrm>
           <a:prstGeom prst="rect">
             <a:avLst/>
@@ -10252,7 +9660,7 @@
       </p:pic>
       <p:pic>
         <p:nvPicPr>
-          <p:cNvPr id="165" name="Google Shape;268;p43" descr=""/>
+          <p:cNvPr id="153" name="Google Shape;268;p43" descr=""/>
           <p:cNvPicPr/>
           <p:nvPr/>
         </p:nvPicPr>
@@ -10263,7 +9671,7 @@
         <p:spPr>
           <a:xfrm>
             <a:off x="5027400" y="4150800"/>
-            <a:ext cx="827280" cy="827280"/>
+            <a:ext cx="826920" cy="826920"/>
           </a:xfrm>
           <a:prstGeom prst="rect">
             <a:avLst/>
@@ -10275,7 +9683,7 @@
       </p:pic>
       <p:pic>
         <p:nvPicPr>
-          <p:cNvPr id="166" name="Google Shape;269;p43" descr=""/>
+          <p:cNvPr id="154" name="Google Shape;269;p43" descr=""/>
           <p:cNvPicPr/>
           <p:nvPr/>
         </p:nvPicPr>
@@ -10286,7 +9694,7 @@
         <p:spPr>
           <a:xfrm>
             <a:off x="5027400" y="2129760"/>
-            <a:ext cx="827280" cy="827280"/>
+            <a:ext cx="826920" cy="826920"/>
           </a:xfrm>
           <a:prstGeom prst="rect">
             <a:avLst/>
@@ -10298,7 +9706,7 @@
       </p:pic>
       <p:pic>
         <p:nvPicPr>
-          <p:cNvPr id="167" name="Google Shape;270;p43" descr=""/>
+          <p:cNvPr id="155" name="Google Shape;270;p43" descr=""/>
           <p:cNvPicPr/>
           <p:nvPr/>
         </p:nvPicPr>
@@ -10309,7 +9717,7 @@
         <p:spPr>
           <a:xfrm>
             <a:off x="5027400" y="3140280"/>
-            <a:ext cx="827280" cy="827280"/>
+            <a:ext cx="826920" cy="826920"/>
           </a:xfrm>
           <a:prstGeom prst="rect">
             <a:avLst/>
@@ -10321,7 +9729,7 @@
       </p:pic>
       <p:sp>
         <p:nvSpPr>
-          <p:cNvPr id="168" name="PlaceHolder 3"/>
+          <p:cNvPr id="156" name="PlaceHolder 3"/>
           <p:cNvSpPr>
             <a:spLocks noGrp="1"/>
           </p:cNvSpPr>
@@ -10332,7 +9740,7 @@
         <p:spPr>
           <a:xfrm>
             <a:off x="5040000" y="1502280"/>
-            <a:ext cx="2587680" cy="547560"/>
+            <a:ext cx="2587320" cy="547200"/>
           </a:xfrm>
           <a:prstGeom prst="rect">
             <a:avLst/>
@@ -10344,7 +9752,7 @@
         </p:spPr>
         <p:txBody>
           <a:bodyPr lIns="91440" rIns="91440" tIns="91440" bIns="91440" anchor="t">
-            <a:normAutofit fontScale="93486"/>
+            <a:normAutofit fontScale="93333"/>
           </a:bodyPr>
           <a:p>
             <a:pPr>
@@ -10376,7 +9784,7 @@
       </p:sp>
       <p:pic>
         <p:nvPicPr>
-          <p:cNvPr id="169" name="Google Shape;272;p43" descr=""/>
+          <p:cNvPr id="157" name="Google Shape;272;p43" descr=""/>
           <p:cNvPicPr/>
           <p:nvPr/>
         </p:nvPicPr>
@@ -10387,7 +9795,7 @@
         <p:spPr>
           <a:xfrm>
             <a:off x="5973120" y="5161680"/>
-            <a:ext cx="827280" cy="827280"/>
+            <a:ext cx="826920" cy="826920"/>
           </a:xfrm>
           <a:prstGeom prst="rect">
             <a:avLst/>
@@ -10399,7 +9807,7 @@
       </p:pic>
       <p:pic>
         <p:nvPicPr>
-          <p:cNvPr id="170" name="Google Shape;273;p43" descr=""/>
+          <p:cNvPr id="158" name="Google Shape;273;p43" descr=""/>
           <p:cNvPicPr/>
           <p:nvPr/>
         </p:nvPicPr>
@@ -10410,7 +9818,7 @@
         <p:spPr>
           <a:xfrm>
             <a:off x="5960520" y="4150800"/>
-            <a:ext cx="827280" cy="827280"/>
+            <a:ext cx="826920" cy="826920"/>
           </a:xfrm>
           <a:prstGeom prst="rect">
             <a:avLst/>
@@ -10422,7 +9830,7 @@
       </p:pic>
       <p:pic>
         <p:nvPicPr>
-          <p:cNvPr id="171" name="Google Shape;274;p43" descr=""/>
+          <p:cNvPr id="159" name="Google Shape;274;p43" descr=""/>
           <p:cNvPicPr/>
           <p:nvPr/>
         </p:nvPicPr>
@@ -10433,7 +9841,7 @@
         <p:spPr>
           <a:xfrm>
             <a:off x="5960520" y="2129760"/>
-            <a:ext cx="827280" cy="827280"/>
+            <a:ext cx="826920" cy="826920"/>
           </a:xfrm>
           <a:prstGeom prst="rect">
             <a:avLst/>
@@ -10445,7 +9853,7 @@
       </p:pic>
       <p:pic>
         <p:nvPicPr>
-          <p:cNvPr id="172" name="Google Shape;275;p43" descr=""/>
+          <p:cNvPr id="160" name="Google Shape;275;p43" descr=""/>
           <p:cNvPicPr/>
           <p:nvPr/>
         </p:nvPicPr>
@@ -10456,7 +9864,7 @@
         <p:spPr>
           <a:xfrm>
             <a:off x="5960520" y="3140280"/>
-            <a:ext cx="827280" cy="827280"/>
+            <a:ext cx="826920" cy="826920"/>
           </a:xfrm>
           <a:prstGeom prst="rect">
             <a:avLst/>
@@ -10468,7 +9876,7 @@
       </p:pic>
       <p:pic>
         <p:nvPicPr>
-          <p:cNvPr id="173" name="Google Shape;276;p43" descr=""/>
+          <p:cNvPr id="161" name="Google Shape;276;p43" descr=""/>
           <p:cNvPicPr/>
           <p:nvPr/>
         </p:nvPicPr>
@@ -10479,7 +9887,7 @@
         <p:spPr>
           <a:xfrm>
             <a:off x="6918840" y="2129760"/>
-            <a:ext cx="827280" cy="827280"/>
+            <a:ext cx="826920" cy="826920"/>
           </a:xfrm>
           <a:prstGeom prst="rect">
             <a:avLst/>
@@ -10491,7 +9899,7 @@
       </p:pic>
       <p:pic>
         <p:nvPicPr>
-          <p:cNvPr id="174" name="Google Shape;277;p43" descr=""/>
+          <p:cNvPr id="162" name="Google Shape;277;p43" descr=""/>
           <p:cNvPicPr/>
           <p:nvPr/>
         </p:nvPicPr>
@@ -10502,7 +9910,7 @@
         <p:spPr>
           <a:xfrm>
             <a:off x="6918840" y="3140280"/>
-            <a:ext cx="827280" cy="827280"/>
+            <a:ext cx="826920" cy="826920"/>
           </a:xfrm>
           <a:prstGeom prst="rect">
             <a:avLst/>
@@ -10514,7 +9922,7 @@
       </p:pic>
       <p:pic>
         <p:nvPicPr>
-          <p:cNvPr id="175" name="Google Shape;278;p43" descr=""/>
+          <p:cNvPr id="163" name="Google Shape;278;p43" descr=""/>
           <p:cNvPicPr/>
           <p:nvPr/>
         </p:nvPicPr>
@@ -10525,7 +9933,7 @@
         <p:spPr>
           <a:xfrm>
             <a:off x="6918840" y="4125240"/>
-            <a:ext cx="827640" cy="827640"/>
+            <a:ext cx="827280" cy="827280"/>
           </a:xfrm>
           <a:prstGeom prst="rect">
             <a:avLst/>
@@ -10537,7 +9945,7 @@
       </p:pic>
       <p:pic>
         <p:nvPicPr>
-          <p:cNvPr id="176" name="Google Shape;279;p43" descr=""/>
+          <p:cNvPr id="164" name="Google Shape;279;p43" descr=""/>
           <p:cNvPicPr/>
           <p:nvPr/>
         </p:nvPicPr>
@@ -10548,7 +9956,7 @@
         <p:spPr>
           <a:xfrm>
             <a:off x="6931440" y="5161320"/>
-            <a:ext cx="827640" cy="827640"/>
+            <a:ext cx="827280" cy="827280"/>
           </a:xfrm>
           <a:prstGeom prst="rect">
             <a:avLst/>
@@ -10590,7 +9998,7 @@
       </p:grpSpPr>
       <p:sp>
         <p:nvSpPr>
-          <p:cNvPr id="177" name="PlaceHolder 1"/>
+          <p:cNvPr id="165" name="PlaceHolder 1"/>
           <p:cNvSpPr>
             <a:spLocks noGrp="1"/>
           </p:cNvSpPr>
@@ -10601,7 +10009,7 @@
         <p:spPr>
           <a:xfrm>
             <a:off x="500400" y="441000"/>
-            <a:ext cx="8520120" cy="1124280"/>
+            <a:ext cx="8519760" cy="1123920"/>
           </a:xfrm>
           <a:prstGeom prst="rect">
             <a:avLst/>
@@ -10646,7 +10054,7 @@
       </p:sp>
       <p:sp>
         <p:nvSpPr>
-          <p:cNvPr id="178" name="PlaceHolder 2"/>
+          <p:cNvPr id="166" name="PlaceHolder 2"/>
           <p:cNvSpPr>
             <a:spLocks noGrp="1"/>
           </p:cNvSpPr>
@@ -10657,7 +10065,7 @@
         <p:spPr>
           <a:xfrm>
             <a:off x="4407120" y="1502280"/>
-            <a:ext cx="1579320" cy="547560"/>
+            <a:ext cx="1578960" cy="547200"/>
           </a:xfrm>
           <a:prstGeom prst="rect">
             <a:avLst/>
@@ -10702,7 +10110,7 @@
       </p:sp>
       <p:pic>
         <p:nvPicPr>
-          <p:cNvPr id="179" name="Google Shape;286;p44" descr=""/>
+          <p:cNvPr id="167" name="Google Shape;286;p44" descr=""/>
           <p:cNvPicPr/>
           <p:nvPr/>
         </p:nvPicPr>
@@ -10713,7 +10121,7 @@
         <p:spPr>
           <a:xfrm>
             <a:off x="4465440" y="5087160"/>
-            <a:ext cx="827280" cy="827280"/>
+            <a:ext cx="826920" cy="826920"/>
           </a:xfrm>
           <a:prstGeom prst="rect">
             <a:avLst/>
@@ -10725,7 +10133,7 @@
       </p:pic>
       <p:pic>
         <p:nvPicPr>
-          <p:cNvPr id="180" name="Google Shape;287;p44" descr=""/>
+          <p:cNvPr id="168" name="Google Shape;287;p44" descr=""/>
           <p:cNvPicPr/>
           <p:nvPr/>
         </p:nvPicPr>
@@ -10736,7 +10144,7 @@
         <p:spPr>
           <a:xfrm>
             <a:off x="4492440" y="4150800"/>
-            <a:ext cx="827280" cy="827280"/>
+            <a:ext cx="826920" cy="826920"/>
           </a:xfrm>
           <a:prstGeom prst="rect">
             <a:avLst/>
@@ -10748,7 +10156,7 @@
       </p:pic>
       <p:pic>
         <p:nvPicPr>
-          <p:cNvPr id="181" name="Google Shape;288;p44" descr=""/>
+          <p:cNvPr id="169" name="Google Shape;288;p44" descr=""/>
           <p:cNvPicPr/>
           <p:nvPr/>
         </p:nvPicPr>
@@ -10759,7 +10167,7 @@
         <p:spPr>
           <a:xfrm>
             <a:off x="4492440" y="2129760"/>
-            <a:ext cx="827280" cy="827280"/>
+            <a:ext cx="826920" cy="826920"/>
           </a:xfrm>
           <a:prstGeom prst="rect">
             <a:avLst/>
@@ -10771,7 +10179,7 @@
       </p:pic>
       <p:pic>
         <p:nvPicPr>
-          <p:cNvPr id="182" name="Google Shape;289;p44" descr=""/>
+          <p:cNvPr id="170" name="Google Shape;289;p44" descr=""/>
           <p:cNvPicPr/>
           <p:nvPr/>
         </p:nvPicPr>
@@ -10782,7 +10190,7 @@
         <p:spPr>
           <a:xfrm>
             <a:off x="4492440" y="3140280"/>
-            <a:ext cx="827280" cy="827280"/>
+            <a:ext cx="826920" cy="826920"/>
           </a:xfrm>
           <a:prstGeom prst="rect">
             <a:avLst/>
@@ -10794,7 +10202,7 @@
       </p:pic>
       <p:pic>
         <p:nvPicPr>
-          <p:cNvPr id="183" name="Google Shape;290;p44" descr=""/>
+          <p:cNvPr id="171" name="Google Shape;290;p44" descr=""/>
           <p:cNvPicPr/>
           <p:nvPr/>
         </p:nvPicPr>
@@ -10805,7 +10213,7 @@
         <p:spPr>
           <a:xfrm>
             <a:off x="5501160" y="5087160"/>
-            <a:ext cx="827280" cy="827280"/>
+            <a:ext cx="826920" cy="826920"/>
           </a:xfrm>
           <a:prstGeom prst="rect">
             <a:avLst/>
@@ -10817,7 +10225,7 @@
       </p:pic>
       <p:pic>
         <p:nvPicPr>
-          <p:cNvPr id="184" name="Google Shape;291;p44" descr=""/>
+          <p:cNvPr id="172" name="Google Shape;291;p44" descr=""/>
           <p:cNvPicPr/>
           <p:nvPr/>
         </p:nvPicPr>
@@ -10828,7 +10236,7 @@
         <p:spPr>
           <a:xfrm>
             <a:off x="5501880" y="4150800"/>
-            <a:ext cx="827280" cy="827280"/>
+            <a:ext cx="826920" cy="826920"/>
           </a:xfrm>
           <a:prstGeom prst="rect">
             <a:avLst/>
@@ -10840,7 +10248,7 @@
       </p:pic>
       <p:pic>
         <p:nvPicPr>
-          <p:cNvPr id="185" name="Google Shape;292;p44" descr=""/>
+          <p:cNvPr id="173" name="Google Shape;292;p44" descr=""/>
           <p:cNvPicPr/>
           <p:nvPr/>
         </p:nvPicPr>
@@ -10851,7 +10259,7 @@
         <p:spPr>
           <a:xfrm>
             <a:off x="5501880" y="2129760"/>
-            <a:ext cx="827280" cy="827280"/>
+            <a:ext cx="826920" cy="826920"/>
           </a:xfrm>
           <a:prstGeom prst="rect">
             <a:avLst/>
@@ -10863,7 +10271,7 @@
       </p:pic>
       <p:pic>
         <p:nvPicPr>
-          <p:cNvPr id="186" name="Google Shape;293;p44" descr=""/>
+          <p:cNvPr id="174" name="Google Shape;293;p44" descr=""/>
           <p:cNvPicPr/>
           <p:nvPr/>
         </p:nvPicPr>
@@ -10874,7 +10282,7 @@
         <p:spPr>
           <a:xfrm>
             <a:off x="5501880" y="3140280"/>
-            <a:ext cx="827280" cy="827280"/>
+            <a:ext cx="826920" cy="826920"/>
           </a:xfrm>
           <a:prstGeom prst="rect">
             <a:avLst/>
@@ -10886,7 +10294,7 @@
       </p:pic>
       <p:pic>
         <p:nvPicPr>
-          <p:cNvPr id="187" name="Google Shape;294;p44" descr=""/>
+          <p:cNvPr id="175" name="Google Shape;294;p44" descr=""/>
           <p:cNvPicPr/>
           <p:nvPr/>
         </p:nvPicPr>
@@ -10897,7 +10305,7 @@
         <p:spPr>
           <a:xfrm>
             <a:off x="6536160" y="5087160"/>
-            <a:ext cx="827280" cy="827280"/>
+            <a:ext cx="826920" cy="826920"/>
           </a:xfrm>
           <a:prstGeom prst="rect">
             <a:avLst/>
@@ -10909,7 +10317,7 @@
       </p:pic>
       <p:pic>
         <p:nvPicPr>
-          <p:cNvPr id="188" name="Google Shape;295;p44" descr=""/>
+          <p:cNvPr id="176" name="Google Shape;295;p44" descr=""/>
           <p:cNvPicPr/>
           <p:nvPr/>
         </p:nvPicPr>
@@ -10920,7 +10328,7 @@
         <p:spPr>
           <a:xfrm>
             <a:off x="6536520" y="4150800"/>
-            <a:ext cx="827280" cy="827280"/>
+            <a:ext cx="826920" cy="826920"/>
           </a:xfrm>
           <a:prstGeom prst="rect">
             <a:avLst/>
@@ -10932,7 +10340,7 @@
       </p:pic>
       <p:pic>
         <p:nvPicPr>
-          <p:cNvPr id="189" name="Google Shape;296;p44" descr=""/>
+          <p:cNvPr id="177" name="Google Shape;296;p44" descr=""/>
           <p:cNvPicPr/>
           <p:nvPr/>
         </p:nvPicPr>
@@ -10943,7 +10351,7 @@
         <p:spPr>
           <a:xfrm>
             <a:off x="6536520" y="2129760"/>
-            <a:ext cx="827280" cy="827280"/>
+            <a:ext cx="826920" cy="826920"/>
           </a:xfrm>
           <a:prstGeom prst="rect">
             <a:avLst/>
@@ -10955,7 +10363,7 @@
       </p:pic>
       <p:pic>
         <p:nvPicPr>
-          <p:cNvPr id="190" name="Google Shape;297;p44" descr=""/>
+          <p:cNvPr id="178" name="Google Shape;297;p44" descr=""/>
           <p:cNvPicPr/>
           <p:nvPr/>
         </p:nvPicPr>
@@ -10966,7 +10374,7 @@
         <p:spPr>
           <a:xfrm>
             <a:off x="6536520" y="3140280"/>
-            <a:ext cx="827280" cy="827280"/>
+            <a:ext cx="826920" cy="826920"/>
           </a:xfrm>
           <a:prstGeom prst="rect">
             <a:avLst/>
@@ -10978,7 +10386,7 @@
       </p:pic>
       <p:pic>
         <p:nvPicPr>
-          <p:cNvPr id="191" name="Google Shape;298;p44" descr=""/>
+          <p:cNvPr id="179" name="Google Shape;298;p44" descr=""/>
           <p:cNvPicPr/>
           <p:nvPr/>
         </p:nvPicPr>
@@ -10989,7 +10397,7 @@
         <p:spPr>
           <a:xfrm>
             <a:off x="7571160" y="4150800"/>
-            <a:ext cx="827280" cy="827280"/>
+            <a:ext cx="826920" cy="826920"/>
           </a:xfrm>
           <a:prstGeom prst="rect">
             <a:avLst/>
@@ -11001,7 +10409,7 @@
       </p:pic>
       <p:pic>
         <p:nvPicPr>
-          <p:cNvPr id="192" name="Google Shape;299;p44" descr=""/>
+          <p:cNvPr id="180" name="Google Shape;299;p44" descr=""/>
           <p:cNvPicPr/>
           <p:nvPr/>
         </p:nvPicPr>
@@ -11012,7 +10420,7 @@
         <p:spPr>
           <a:xfrm>
             <a:off x="7571160" y="2129760"/>
-            <a:ext cx="827280" cy="827280"/>
+            <a:ext cx="826920" cy="826920"/>
           </a:xfrm>
           <a:prstGeom prst="rect">
             <a:avLst/>
@@ -11024,7 +10432,7 @@
       </p:pic>
       <p:pic>
         <p:nvPicPr>
-          <p:cNvPr id="193" name="Google Shape;300;p44" descr=""/>
+          <p:cNvPr id="181" name="Google Shape;300;p44" descr=""/>
           <p:cNvPicPr/>
           <p:nvPr/>
         </p:nvPicPr>
@@ -11035,7 +10443,7 @@
         <p:spPr>
           <a:xfrm>
             <a:off x="7571160" y="3140280"/>
-            <a:ext cx="827280" cy="827280"/>
+            <a:ext cx="826920" cy="826920"/>
           </a:xfrm>
           <a:prstGeom prst="rect">
             <a:avLst/>
@@ -11047,7 +10455,7 @@
       </p:pic>
       <p:pic>
         <p:nvPicPr>
-          <p:cNvPr id="194" name="Google Shape;301;p44" descr=""/>
+          <p:cNvPr id="182" name="Google Shape;301;p44" descr=""/>
           <p:cNvPicPr/>
           <p:nvPr/>
         </p:nvPicPr>
@@ -11058,7 +10466,7 @@
         <p:spPr>
           <a:xfrm>
             <a:off x="7571160" y="5087160"/>
-            <a:ext cx="827280" cy="827280"/>
+            <a:ext cx="826920" cy="826920"/>
           </a:xfrm>
           <a:prstGeom prst="rect">
             <a:avLst/>
@@ -11070,7 +10478,7 @@
       </p:pic>
       <p:sp>
         <p:nvSpPr>
-          <p:cNvPr id="195" name="PlaceHolder 3"/>
+          <p:cNvPr id="183" name="PlaceHolder 3"/>
           <p:cNvSpPr>
             <a:spLocks noGrp="1"/>
           </p:cNvSpPr>
@@ -11081,7 +10489,7 @@
         <p:spPr>
           <a:xfrm>
             <a:off x="500400" y="1565640"/>
-            <a:ext cx="2587680" cy="547560"/>
+            <a:ext cx="2587320" cy="547200"/>
           </a:xfrm>
           <a:prstGeom prst="rect">
             <a:avLst/>
@@ -11125,7 +10533,7 @@
       </p:sp>
       <p:pic>
         <p:nvPicPr>
-          <p:cNvPr id="196" name="Google Shape;303;p44" descr=""/>
+          <p:cNvPr id="184" name="Google Shape;303;p44" descr=""/>
           <p:cNvPicPr/>
           <p:nvPr/>
         </p:nvPicPr>
@@ -11136,7 +10544,7 @@
         <p:spPr>
           <a:xfrm>
             <a:off x="568080" y="4119120"/>
-            <a:ext cx="827280" cy="827280"/>
+            <a:ext cx="826920" cy="826920"/>
           </a:xfrm>
           <a:prstGeom prst="rect">
             <a:avLst/>
@@ -11148,7 +10556,7 @@
       </p:pic>
       <p:pic>
         <p:nvPicPr>
-          <p:cNvPr id="197" name="Google Shape;304;p44" descr=""/>
+          <p:cNvPr id="185" name="Google Shape;304;p44" descr=""/>
           <p:cNvPicPr/>
           <p:nvPr/>
         </p:nvPicPr>
@@ -11159,7 +10567,7 @@
         <p:spPr>
           <a:xfrm>
             <a:off x="568080" y="2129760"/>
-            <a:ext cx="827280" cy="827280"/>
+            <a:ext cx="826920" cy="826920"/>
           </a:xfrm>
           <a:prstGeom prst="rect">
             <a:avLst/>
@@ -11171,7 +10579,7 @@
       </p:pic>
       <p:pic>
         <p:nvPicPr>
-          <p:cNvPr id="198" name="Google Shape;305;p44" descr=""/>
+          <p:cNvPr id="186" name="Google Shape;305;p44" descr=""/>
           <p:cNvPicPr/>
           <p:nvPr/>
         </p:nvPicPr>
@@ -11182,7 +10590,7 @@
         <p:spPr>
           <a:xfrm>
             <a:off x="568080" y="3127320"/>
-            <a:ext cx="827280" cy="827280"/>
+            <a:ext cx="826920" cy="826920"/>
           </a:xfrm>
           <a:prstGeom prst="rect">
             <a:avLst/>
@@ -11194,7 +10602,7 @@
       </p:pic>
       <p:pic>
         <p:nvPicPr>
-          <p:cNvPr id="199" name="Google Shape;306;p44" descr=""/>
+          <p:cNvPr id="187" name="Google Shape;306;p44" descr=""/>
           <p:cNvPicPr/>
           <p:nvPr/>
         </p:nvPicPr>
@@ -11205,7 +10613,7 @@
         <p:spPr>
           <a:xfrm>
             <a:off x="1501200" y="4119120"/>
-            <a:ext cx="827280" cy="827280"/>
+            <a:ext cx="826920" cy="826920"/>
           </a:xfrm>
           <a:prstGeom prst="rect">
             <a:avLst/>
@@ -11217,7 +10625,7 @@
       </p:pic>
       <p:pic>
         <p:nvPicPr>
-          <p:cNvPr id="200" name="Google Shape;307;p44" descr=""/>
+          <p:cNvPr id="188" name="Google Shape;307;p44" descr=""/>
           <p:cNvPicPr/>
           <p:nvPr/>
         </p:nvPicPr>
@@ -11228,7 +10636,7 @@
         <p:spPr>
           <a:xfrm>
             <a:off x="1501200" y="2129760"/>
-            <a:ext cx="827280" cy="827280"/>
+            <a:ext cx="826920" cy="826920"/>
           </a:xfrm>
           <a:prstGeom prst="rect">
             <a:avLst/>
@@ -11240,7 +10648,7 @@
       </p:pic>
       <p:pic>
         <p:nvPicPr>
-          <p:cNvPr id="201" name="Google Shape;308;p44" descr=""/>
+          <p:cNvPr id="189" name="Google Shape;308;p44" descr=""/>
           <p:cNvPicPr/>
           <p:nvPr/>
         </p:nvPicPr>
@@ -11251,7 +10659,7 @@
         <p:spPr>
           <a:xfrm>
             <a:off x="1464480" y="3127320"/>
-            <a:ext cx="827280" cy="827280"/>
+            <a:ext cx="826920" cy="826920"/>
           </a:xfrm>
           <a:prstGeom prst="rect">
             <a:avLst/>
@@ -11263,7 +10671,7 @@
       </p:pic>
       <p:pic>
         <p:nvPicPr>
-          <p:cNvPr id="202" name="Google Shape;309;p44" descr=""/>
+          <p:cNvPr id="190" name="Google Shape;309;p44" descr=""/>
           <p:cNvPicPr/>
           <p:nvPr/>
         </p:nvPicPr>
@@ -11274,7 +10682,7 @@
         <p:spPr>
           <a:xfrm>
             <a:off x="568080" y="5110560"/>
-            <a:ext cx="827280" cy="827280"/>
+            <a:ext cx="826920" cy="826920"/>
           </a:xfrm>
           <a:prstGeom prst="rect">
             <a:avLst/>
@@ -11286,7 +10694,7 @@
       </p:pic>
       <p:pic>
         <p:nvPicPr>
-          <p:cNvPr id="203" name="Google Shape;310;p44" descr=""/>
+          <p:cNvPr id="191" name="Google Shape;310;p44" descr=""/>
           <p:cNvPicPr/>
           <p:nvPr/>
         </p:nvPicPr>
@@ -11297,7 +10705,7 @@
         <p:spPr>
           <a:xfrm>
             <a:off x="2459520" y="2129760"/>
-            <a:ext cx="827280" cy="827280"/>
+            <a:ext cx="826920" cy="826920"/>
           </a:xfrm>
           <a:prstGeom prst="rect">
             <a:avLst/>
@@ -11309,7 +10717,7 @@
       </p:pic>
       <p:pic>
         <p:nvPicPr>
-          <p:cNvPr id="204" name="Google Shape;311;p44" descr=""/>
+          <p:cNvPr id="192" name="Google Shape;311;p44" descr=""/>
           <p:cNvPicPr/>
           <p:nvPr/>
         </p:nvPicPr>
@@ -11320,7 +10728,7 @@
         <p:spPr>
           <a:xfrm>
             <a:off x="1464480" y="5110560"/>
-            <a:ext cx="827280" cy="827280"/>
+            <a:ext cx="826920" cy="826920"/>
           </a:xfrm>
           <a:prstGeom prst="rect">
             <a:avLst/>
@@ -11332,7 +10740,7 @@
       </p:pic>
       <p:pic>
         <p:nvPicPr>
-          <p:cNvPr id="205" name="Google Shape;312;p44" descr=""/>
+          <p:cNvPr id="193" name="Google Shape;312;p44" descr=""/>
           <p:cNvPicPr/>
           <p:nvPr/>
         </p:nvPicPr>
@@ -11343,7 +10751,7 @@
         <p:spPr>
           <a:xfrm>
             <a:off x="2397600" y="3111840"/>
-            <a:ext cx="827640" cy="827640"/>
+            <a:ext cx="827280" cy="827280"/>
           </a:xfrm>
           <a:prstGeom prst="rect">
             <a:avLst/>
@@ -11355,7 +10763,7 @@
       </p:pic>
       <p:pic>
         <p:nvPicPr>
-          <p:cNvPr id="206" name="Google Shape;313;p44" descr=""/>
+          <p:cNvPr id="194" name="Google Shape;313;p44" descr=""/>
           <p:cNvPicPr/>
           <p:nvPr/>
         </p:nvPicPr>
@@ -11366,7 +10774,7 @@
         <p:spPr>
           <a:xfrm>
             <a:off x="2397600" y="4099320"/>
-            <a:ext cx="827640" cy="827640"/>
+            <a:ext cx="827280" cy="827280"/>
           </a:xfrm>
           <a:prstGeom prst="rect">
             <a:avLst/>
@@ -11378,7 +10786,7 @@
       </p:pic>
       <p:pic>
         <p:nvPicPr>
-          <p:cNvPr id="207" name="Google Shape;314;p44" descr=""/>
+          <p:cNvPr id="195" name="Google Shape;314;p44" descr=""/>
           <p:cNvPicPr/>
           <p:nvPr/>
         </p:nvPicPr>
@@ -11389,7 +10797,7 @@
         <p:spPr>
           <a:xfrm>
             <a:off x="2394360" y="5086800"/>
-            <a:ext cx="827640" cy="827640"/>
+            <a:ext cx="827280" cy="827280"/>
           </a:xfrm>
           <a:prstGeom prst="rect">
             <a:avLst/>
@@ -11431,7 +10839,7 @@
       </p:grpSpPr>
       <p:sp>
         <p:nvSpPr>
-          <p:cNvPr id="208" name="PlaceHolder 1"/>
+          <p:cNvPr id="196" name="PlaceHolder 1"/>
           <p:cNvSpPr>
             <a:spLocks noGrp="1"/>
           </p:cNvSpPr>
@@ -11442,7 +10850,7 @@
         <p:spPr>
           <a:xfrm>
             <a:off x="500400" y="441000"/>
-            <a:ext cx="8520120" cy="547560"/>
+            <a:ext cx="8519760" cy="547200"/>
           </a:xfrm>
           <a:prstGeom prst="rect">
             <a:avLst/>
@@ -11487,7 +10895,7 @@
       </p:sp>
       <p:sp>
         <p:nvSpPr>
-          <p:cNvPr id="209" name="PlaceHolder 2"/>
+          <p:cNvPr id="197" name="PlaceHolder 2"/>
           <p:cNvSpPr>
             <a:spLocks noGrp="1"/>
           </p:cNvSpPr>
@@ -11498,7 +10906,7 @@
         <p:spPr>
           <a:xfrm>
             <a:off x="462960" y="1556280"/>
-            <a:ext cx="2723760" cy="547560"/>
+            <a:ext cx="2723400" cy="547200"/>
           </a:xfrm>
           <a:prstGeom prst="rect">
             <a:avLst/>
@@ -11543,7 +10951,7 @@
       </p:sp>
       <p:pic>
         <p:nvPicPr>
-          <p:cNvPr id="210" name="Google Shape;321;p45" descr=""/>
+          <p:cNvPr id="198" name="Google Shape;321;p45" descr=""/>
           <p:cNvPicPr/>
           <p:nvPr/>
         </p:nvPicPr>
@@ -11554,7 +10962,7 @@
         <p:spPr>
           <a:xfrm>
             <a:off x="545040" y="4192560"/>
-            <a:ext cx="827280" cy="827280"/>
+            <a:ext cx="826920" cy="826920"/>
           </a:xfrm>
           <a:prstGeom prst="rect">
             <a:avLst/>
@@ -11566,7 +10974,7 @@
       </p:pic>
       <p:pic>
         <p:nvPicPr>
-          <p:cNvPr id="211" name="Google Shape;322;p45" descr=""/>
+          <p:cNvPr id="199" name="Google Shape;322;p45" descr=""/>
           <p:cNvPicPr/>
           <p:nvPr/>
         </p:nvPicPr>
@@ -11577,7 +10985,7 @@
         <p:spPr>
           <a:xfrm>
             <a:off x="544680" y="2187720"/>
-            <a:ext cx="827640" cy="827640"/>
+            <a:ext cx="827280" cy="827280"/>
           </a:xfrm>
           <a:prstGeom prst="rect">
             <a:avLst/>
@@ -11589,7 +10997,7 @@
       </p:pic>
       <p:pic>
         <p:nvPicPr>
-          <p:cNvPr id="212" name="Google Shape;323;p45" descr=""/>
+          <p:cNvPr id="200" name="Google Shape;323;p45" descr=""/>
           <p:cNvPicPr/>
           <p:nvPr/>
         </p:nvPicPr>
@@ -11600,7 +11008,7 @@
         <p:spPr>
           <a:xfrm>
             <a:off x="545040" y="3180240"/>
-            <a:ext cx="827280" cy="827280"/>
+            <a:ext cx="826920" cy="826920"/>
           </a:xfrm>
           <a:prstGeom prst="rect">
             <a:avLst/>
@@ -11612,7 +11020,7 @@
       </p:pic>
       <p:pic>
         <p:nvPicPr>
-          <p:cNvPr id="213" name="Google Shape;324;p45" descr=""/>
+          <p:cNvPr id="201" name="Google Shape;324;p45" descr=""/>
           <p:cNvPicPr/>
           <p:nvPr/>
         </p:nvPicPr>
@@ -11623,7 +11031,7 @@
         <p:spPr>
           <a:xfrm>
             <a:off x="544680" y="5238000"/>
-            <a:ext cx="827640" cy="827640"/>
+            <a:ext cx="827280" cy="827280"/>
           </a:xfrm>
           <a:prstGeom prst="rect">
             <a:avLst/>
@@ -11635,7 +11043,7 @@
       </p:pic>
       <p:pic>
         <p:nvPicPr>
-          <p:cNvPr id="214" name="Google Shape;325;p45" descr=""/>
+          <p:cNvPr id="202" name="Google Shape;325;p45" descr=""/>
           <p:cNvPicPr/>
           <p:nvPr/>
         </p:nvPicPr>
@@ -11646,7 +11054,7 @@
         <p:spPr>
           <a:xfrm>
             <a:off x="1513440" y="3162240"/>
-            <a:ext cx="827280" cy="827280"/>
+            <a:ext cx="826920" cy="826920"/>
           </a:xfrm>
           <a:prstGeom prst="rect">
             <a:avLst/>
@@ -11658,7 +11066,7 @@
       </p:pic>
       <p:pic>
         <p:nvPicPr>
-          <p:cNvPr id="215" name="Google Shape;326;p45" descr=""/>
+          <p:cNvPr id="203" name="Google Shape;326;p45" descr=""/>
           <p:cNvPicPr/>
           <p:nvPr/>
         </p:nvPicPr>
@@ -11669,7 +11077,7 @@
         <p:spPr>
           <a:xfrm>
             <a:off x="1513440" y="2183400"/>
-            <a:ext cx="827640" cy="827640"/>
+            <a:ext cx="827280" cy="827280"/>
           </a:xfrm>
           <a:prstGeom prst="rect">
             <a:avLst/>
@@ -11681,7 +11089,7 @@
       </p:pic>
       <p:pic>
         <p:nvPicPr>
-          <p:cNvPr id="216" name="Google Shape;327;p45" descr=""/>
+          <p:cNvPr id="204" name="Google Shape;327;p45" descr=""/>
           <p:cNvPicPr/>
           <p:nvPr/>
         </p:nvPicPr>
@@ -11692,7 +11100,7 @@
         <p:spPr>
           <a:xfrm>
             <a:off x="1513080" y="4186080"/>
-            <a:ext cx="827640" cy="827640"/>
+            <a:ext cx="827280" cy="827280"/>
           </a:xfrm>
           <a:prstGeom prst="rect">
             <a:avLst/>
@@ -11704,7 +11112,7 @@
       </p:pic>
       <p:pic>
         <p:nvPicPr>
-          <p:cNvPr id="217" name="Google Shape;328;p45" descr=""/>
+          <p:cNvPr id="205" name="Google Shape;328;p45" descr=""/>
           <p:cNvPicPr/>
           <p:nvPr/>
         </p:nvPicPr>
@@ -11715,7 +11123,7 @@
         <p:spPr>
           <a:xfrm>
             <a:off x="1513080" y="5225400"/>
-            <a:ext cx="827640" cy="827640"/>
+            <a:ext cx="827280" cy="827280"/>
           </a:xfrm>
           <a:prstGeom prst="rect">
             <a:avLst/>
@@ -11727,7 +11135,7 @@
       </p:pic>
       <p:sp>
         <p:nvSpPr>
-          <p:cNvPr id="218" name="PlaceHolder 3"/>
+          <p:cNvPr id="206" name="PlaceHolder 3"/>
           <p:cNvSpPr>
             <a:spLocks noGrp="1"/>
           </p:cNvSpPr>
@@ -11738,7 +11146,7 @@
         <p:spPr>
           <a:xfrm>
             <a:off x="462960" y="1556280"/>
-            <a:ext cx="2723760" cy="547560"/>
+            <a:ext cx="2723400" cy="547200"/>
           </a:xfrm>
           <a:prstGeom prst="rect">
             <a:avLst/>
@@ -11782,7 +11190,7 @@
       </p:sp>
       <p:sp>
         <p:nvSpPr>
-          <p:cNvPr id="219" name="PlaceHolder 4"/>
+          <p:cNvPr id="207" name="PlaceHolder 4"/>
           <p:cNvSpPr>
             <a:spLocks noGrp="1"/>
           </p:cNvSpPr>
@@ -11793,7 +11201,7 @@
         <p:spPr>
           <a:xfrm>
             <a:off x="3111120" y="1556280"/>
-            <a:ext cx="2723760" cy="547560"/>
+            <a:ext cx="2723400" cy="547200"/>
           </a:xfrm>
           <a:prstGeom prst="rect">
             <a:avLst/>
@@ -11837,7 +11245,7 @@
       </p:sp>
       <p:pic>
         <p:nvPicPr>
-          <p:cNvPr id="220" name="Google Shape;331;p45" descr=""/>
+          <p:cNvPr id="208" name="Google Shape;331;p45" descr=""/>
           <p:cNvPicPr/>
           <p:nvPr/>
         </p:nvPicPr>
@@ -11848,7 +11256,7 @@
         <p:spPr>
           <a:xfrm>
             <a:off x="7338240" y="7176960"/>
-            <a:ext cx="827280" cy="827280"/>
+            <a:ext cx="826920" cy="826920"/>
           </a:xfrm>
           <a:prstGeom prst="rect">
             <a:avLst/>
@@ -11860,7 +11268,7 @@
       </p:pic>
       <p:pic>
         <p:nvPicPr>
-          <p:cNvPr id="221" name="Google Shape;332;p45" descr=""/>
+          <p:cNvPr id="209" name="Google Shape;332;p45" descr=""/>
           <p:cNvPicPr/>
           <p:nvPr/>
         </p:nvPicPr>
@@ -11871,7 +11279,7 @@
         <p:spPr>
           <a:xfrm>
             <a:off x="3180240" y="4183920"/>
-            <a:ext cx="827280" cy="827280"/>
+            <a:ext cx="826920" cy="826920"/>
           </a:xfrm>
           <a:prstGeom prst="rect">
             <a:avLst/>
@@ -11883,7 +11291,7 @@
       </p:pic>
       <p:pic>
         <p:nvPicPr>
-          <p:cNvPr id="222" name="Google Shape;333;p45" descr=""/>
+          <p:cNvPr id="210" name="Google Shape;333;p45" descr=""/>
           <p:cNvPicPr/>
           <p:nvPr/>
         </p:nvPicPr>
@@ -11894,7 +11302,7 @@
         <p:spPr>
           <a:xfrm>
             <a:off x="4158360" y="4180680"/>
-            <a:ext cx="827280" cy="827280"/>
+            <a:ext cx="826920" cy="826920"/>
           </a:xfrm>
           <a:prstGeom prst="rect">
             <a:avLst/>
@@ -11906,7 +11314,7 @@
       </p:pic>
       <p:pic>
         <p:nvPicPr>
-          <p:cNvPr id="223" name="Google Shape;334;p45" descr=""/>
+          <p:cNvPr id="211" name="Google Shape;334;p45" descr=""/>
           <p:cNvPicPr/>
           <p:nvPr/>
         </p:nvPicPr>
@@ -11917,7 +11325,7 @@
         <p:spPr>
           <a:xfrm>
             <a:off x="5092920" y="4180680"/>
-            <a:ext cx="827280" cy="827280"/>
+            <a:ext cx="826920" cy="826920"/>
           </a:xfrm>
           <a:prstGeom prst="rect">
             <a:avLst/>
@@ -11929,7 +11337,7 @@
       </p:pic>
       <p:pic>
         <p:nvPicPr>
-          <p:cNvPr id="224" name="Google Shape;335;p45" descr=""/>
+          <p:cNvPr id="212" name="Google Shape;335;p45" descr=""/>
           <p:cNvPicPr/>
           <p:nvPr/>
         </p:nvPicPr>
@@ -11940,7 +11348,7 @@
         <p:spPr>
           <a:xfrm>
             <a:off x="8306280" y="7202520"/>
-            <a:ext cx="827280" cy="827280"/>
+            <a:ext cx="826920" cy="826920"/>
           </a:xfrm>
           <a:prstGeom prst="rect">
             <a:avLst/>
@@ -11952,7 +11360,7 @@
       </p:pic>
       <p:pic>
         <p:nvPicPr>
-          <p:cNvPr id="225" name="Google Shape;336;p45" descr=""/>
+          <p:cNvPr id="213" name="Google Shape;336;p45" descr=""/>
           <p:cNvPicPr/>
           <p:nvPr/>
         </p:nvPicPr>
@@ -11963,7 +11371,7 @@
         <p:spPr>
           <a:xfrm>
             <a:off x="4129560" y="5213880"/>
-            <a:ext cx="827280" cy="827280"/>
+            <a:ext cx="826920" cy="826920"/>
           </a:xfrm>
           <a:prstGeom prst="rect">
             <a:avLst/>
@@ -11975,7 +11383,7 @@
       </p:pic>
       <p:pic>
         <p:nvPicPr>
-          <p:cNvPr id="226" name="Google Shape;337;p45" descr=""/>
+          <p:cNvPr id="214" name="Google Shape;337;p45" descr=""/>
           <p:cNvPicPr/>
           <p:nvPr/>
         </p:nvPicPr>
@@ -11986,7 +11394,7 @@
         <p:spPr>
           <a:xfrm>
             <a:off x="3180240" y="5225400"/>
-            <a:ext cx="827280" cy="827280"/>
+            <a:ext cx="826920" cy="826920"/>
           </a:xfrm>
           <a:prstGeom prst="rect">
             <a:avLst/>
@@ -11998,7 +11406,7 @@
       </p:pic>
       <p:pic>
         <p:nvPicPr>
-          <p:cNvPr id="227" name="Google Shape;338;p45" descr=""/>
+          <p:cNvPr id="215" name="Google Shape;338;p45" descr=""/>
           <p:cNvPicPr/>
           <p:nvPr/>
         </p:nvPicPr>
@@ -12009,7 +11417,7 @@
         <p:spPr>
           <a:xfrm>
             <a:off x="5092920" y="5213880"/>
-            <a:ext cx="827640" cy="827640"/>
+            <a:ext cx="827280" cy="827280"/>
           </a:xfrm>
           <a:prstGeom prst="rect">
             <a:avLst/>
@@ -12021,7 +11429,7 @@
       </p:pic>
       <p:pic>
         <p:nvPicPr>
-          <p:cNvPr id="228" name="Google Shape;339;p45" descr=""/>
+          <p:cNvPr id="216" name="Google Shape;339;p45" descr=""/>
           <p:cNvPicPr/>
           <p:nvPr/>
         </p:nvPicPr>
@@ -12032,7 +11440,7 @@
         <p:spPr>
           <a:xfrm>
             <a:off x="4129560" y="2187720"/>
-            <a:ext cx="827640" cy="827640"/>
+            <a:ext cx="827280" cy="827280"/>
           </a:xfrm>
           <a:prstGeom prst="rect">
             <a:avLst/>
@@ -12044,7 +11452,7 @@
       </p:pic>
       <p:pic>
         <p:nvPicPr>
-          <p:cNvPr id="229" name="Google Shape;340;p45" descr=""/>
+          <p:cNvPr id="217" name="Google Shape;340;p45" descr=""/>
           <p:cNvPicPr/>
           <p:nvPr/>
         </p:nvPicPr>
@@ -12055,7 +11463,7 @@
         <p:spPr>
           <a:xfrm>
             <a:off x="3187080" y="2187720"/>
-            <a:ext cx="827640" cy="827640"/>
+            <a:ext cx="827280" cy="827280"/>
           </a:xfrm>
           <a:prstGeom prst="rect">
             <a:avLst/>
@@ -12067,7 +11475,7 @@
       </p:pic>
       <p:pic>
         <p:nvPicPr>
-          <p:cNvPr id="230" name="Google Shape;341;p45" descr=""/>
+          <p:cNvPr id="218" name="Google Shape;341;p45" descr=""/>
           <p:cNvPicPr/>
           <p:nvPr/>
         </p:nvPicPr>
@@ -12078,7 +11486,7 @@
         <p:spPr>
           <a:xfrm>
             <a:off x="6014160" y="2194560"/>
-            <a:ext cx="827640" cy="827640"/>
+            <a:ext cx="827280" cy="827280"/>
           </a:xfrm>
           <a:prstGeom prst="rect">
             <a:avLst/>
@@ -12090,7 +11498,7 @@
       </p:pic>
       <p:pic>
         <p:nvPicPr>
-          <p:cNvPr id="231" name="Google Shape;342;p45" descr=""/>
+          <p:cNvPr id="219" name="Google Shape;342;p45" descr=""/>
           <p:cNvPicPr/>
           <p:nvPr/>
         </p:nvPicPr>
@@ -12101,7 +11509,7 @@
         <p:spPr>
           <a:xfrm>
             <a:off x="5071680" y="2194560"/>
-            <a:ext cx="827640" cy="827640"/>
+            <a:ext cx="827280" cy="827280"/>
           </a:xfrm>
           <a:prstGeom prst="rect">
             <a:avLst/>
@@ -12113,7 +11521,7 @@
       </p:pic>
       <p:pic>
         <p:nvPicPr>
-          <p:cNvPr id="232" name="Google Shape;343;p45" descr=""/>
+          <p:cNvPr id="220" name="Google Shape;343;p45" descr=""/>
           <p:cNvPicPr/>
           <p:nvPr/>
         </p:nvPicPr>
@@ -12124,7 +11532,7 @@
         <p:spPr>
           <a:xfrm>
             <a:off x="6935760" y="5213520"/>
-            <a:ext cx="827640" cy="827640"/>
+            <a:ext cx="827280" cy="827280"/>
           </a:xfrm>
           <a:prstGeom prst="rect">
             <a:avLst/>
@@ -12136,7 +11544,7 @@
       </p:pic>
       <p:pic>
         <p:nvPicPr>
-          <p:cNvPr id="233" name="Google Shape;344;p45" descr=""/>
+          <p:cNvPr id="221" name="Google Shape;344;p45" descr=""/>
           <p:cNvPicPr/>
           <p:nvPr/>
         </p:nvPicPr>
@@ -12147,7 +11555,7 @@
         <p:spPr>
           <a:xfrm>
             <a:off x="6956640" y="4180320"/>
-            <a:ext cx="827640" cy="827640"/>
+            <a:ext cx="827280" cy="827280"/>
           </a:xfrm>
           <a:prstGeom prst="rect">
             <a:avLst/>
@@ -12159,7 +11567,7 @@
       </p:pic>
       <p:pic>
         <p:nvPicPr>
-          <p:cNvPr id="234" name="Google Shape;345;p45" descr=""/>
+          <p:cNvPr id="222" name="Google Shape;345;p45" descr=""/>
           <p:cNvPicPr/>
           <p:nvPr/>
         </p:nvPicPr>
@@ -12170,7 +11578,7 @@
         <p:spPr>
           <a:xfrm>
             <a:off x="6014160" y="3147120"/>
-            <a:ext cx="827640" cy="827640"/>
+            <a:ext cx="827280" cy="827280"/>
           </a:xfrm>
           <a:prstGeom prst="rect">
             <a:avLst/>
@@ -12182,7 +11590,7 @@
       </p:pic>
       <p:pic>
         <p:nvPicPr>
-          <p:cNvPr id="235" name="Google Shape;346;p45" descr=""/>
+          <p:cNvPr id="223" name="Google Shape;346;p45" descr=""/>
           <p:cNvPicPr/>
           <p:nvPr/>
         </p:nvPicPr>
@@ -12193,7 +11601,7 @@
         <p:spPr>
           <a:xfrm>
             <a:off x="6956640" y="2194560"/>
-            <a:ext cx="827640" cy="827640"/>
+            <a:ext cx="827280" cy="827280"/>
           </a:xfrm>
           <a:prstGeom prst="rect">
             <a:avLst/>
@@ -12205,7 +11613,7 @@
       </p:pic>
       <p:pic>
         <p:nvPicPr>
-          <p:cNvPr id="236" name="Google Shape;347;p45" descr=""/>
+          <p:cNvPr id="224" name="Google Shape;347;p45" descr=""/>
           <p:cNvPicPr/>
           <p:nvPr/>
         </p:nvPicPr>
@@ -12216,7 +11624,7 @@
         <p:spPr>
           <a:xfrm>
             <a:off x="3179880" y="3142080"/>
-            <a:ext cx="827640" cy="827640"/>
+            <a:ext cx="827280" cy="827280"/>
           </a:xfrm>
           <a:prstGeom prst="rect">
             <a:avLst/>
@@ -12228,7 +11636,7 @@
       </p:pic>
       <p:pic>
         <p:nvPicPr>
-          <p:cNvPr id="237" name="Google Shape;348;p45" descr=""/>
+          <p:cNvPr id="225" name="Google Shape;348;p45" descr=""/>
           <p:cNvPicPr/>
           <p:nvPr/>
         </p:nvPicPr>
@@ -12239,7 +11647,7 @@
         <p:spPr>
           <a:xfrm>
             <a:off x="5071680" y="3147120"/>
-            <a:ext cx="827640" cy="827640"/>
+            <a:ext cx="827280" cy="827280"/>
           </a:xfrm>
           <a:prstGeom prst="rect">
             <a:avLst/>
@@ -12251,7 +11659,7 @@
       </p:pic>
       <p:pic>
         <p:nvPicPr>
-          <p:cNvPr id="238" name="Google Shape;349;p45" descr=""/>
+          <p:cNvPr id="226" name="Google Shape;349;p45" descr=""/>
           <p:cNvPicPr/>
           <p:nvPr/>
         </p:nvPicPr>
@@ -12262,7 +11670,7 @@
         <p:spPr>
           <a:xfrm>
             <a:off x="10050120" y="7255440"/>
-            <a:ext cx="827640" cy="827640"/>
+            <a:ext cx="827280" cy="827280"/>
           </a:xfrm>
           <a:prstGeom prst="rect">
             <a:avLst/>
@@ -12274,7 +11682,7 @@
       </p:pic>
       <p:pic>
         <p:nvPicPr>
-          <p:cNvPr id="239" name="Google Shape;350;p45" descr=""/>
+          <p:cNvPr id="227" name="Google Shape;350;p45" descr=""/>
           <p:cNvPicPr/>
           <p:nvPr/>
         </p:nvPicPr>
@@ -12285,7 +11693,7 @@
         <p:spPr>
           <a:xfrm>
             <a:off x="4129560" y="3142080"/>
-            <a:ext cx="827640" cy="827640"/>
+            <a:ext cx="827280" cy="827280"/>
           </a:xfrm>
           <a:prstGeom prst="rect">
             <a:avLst/>
@@ -12297,7 +11705,7 @@
       </p:pic>
       <p:pic>
         <p:nvPicPr>
-          <p:cNvPr id="240" name="Google Shape;351;p45" descr=""/>
+          <p:cNvPr id="228" name="Google Shape;351;p45" descr=""/>
           <p:cNvPicPr/>
           <p:nvPr/>
         </p:nvPicPr>
@@ -12308,7 +11716,7 @@
         <p:spPr>
           <a:xfrm>
             <a:off x="6956640" y="3147120"/>
-            <a:ext cx="827640" cy="827640"/>
+            <a:ext cx="827280" cy="827280"/>
           </a:xfrm>
           <a:prstGeom prst="rect">
             <a:avLst/>
@@ -12320,7 +11728,7 @@
       </p:pic>
       <p:pic>
         <p:nvPicPr>
-          <p:cNvPr id="241" name="Google Shape;352;p45" descr=""/>
+          <p:cNvPr id="229" name="Google Shape;352;p45" descr=""/>
           <p:cNvPicPr/>
           <p:nvPr/>
         </p:nvPicPr>
@@ -12331,7 +11739,7 @@
         <p:spPr>
           <a:xfrm>
             <a:off x="6048000" y="4180320"/>
-            <a:ext cx="827280" cy="827280"/>
+            <a:ext cx="826920" cy="826920"/>
           </a:xfrm>
           <a:prstGeom prst="rect">
             <a:avLst/>
@@ -12343,7 +11751,7 @@
       </p:pic>
       <p:pic>
         <p:nvPicPr>
-          <p:cNvPr id="242" name="Google Shape;353;p45" descr=""/>
+          <p:cNvPr id="230" name="Google Shape;353;p45" descr=""/>
           <p:cNvPicPr/>
           <p:nvPr/>
         </p:nvPicPr>
@@ -12354,7 +11762,7 @@
         <p:spPr>
           <a:xfrm>
             <a:off x="6014520" y="5213520"/>
-            <a:ext cx="827280" cy="827280"/>
+            <a:ext cx="826920" cy="826920"/>
           </a:xfrm>
           <a:prstGeom prst="rect">
             <a:avLst/>
@@ -12396,7 +11804,7 @@
       </p:grpSpPr>
       <p:sp>
         <p:nvSpPr>
-          <p:cNvPr id="243" name="PlaceHolder 1"/>
+          <p:cNvPr id="231" name="PlaceHolder 1"/>
           <p:cNvSpPr>
             <a:spLocks noGrp="1"/>
           </p:cNvSpPr>
@@ -12407,7 +11815,7 @@
         <p:spPr>
           <a:xfrm>
             <a:off x="500400" y="441000"/>
-            <a:ext cx="8520120" cy="1124280"/>
+            <a:ext cx="8519760" cy="1123920"/>
           </a:xfrm>
           <a:prstGeom prst="rect">
             <a:avLst/>
@@ -12452,7 +11860,7 @@
       </p:sp>
       <p:sp>
         <p:nvSpPr>
-          <p:cNvPr id="244" name="PlaceHolder 2"/>
+          <p:cNvPr id="232" name="PlaceHolder 2"/>
           <p:cNvSpPr>
             <a:spLocks noGrp="1"/>
           </p:cNvSpPr>
@@ -12463,7 +11871,7 @@
         <p:spPr>
           <a:xfrm>
             <a:off x="544320" y="1502280"/>
-            <a:ext cx="1973880" cy="547560"/>
+            <a:ext cx="1973520" cy="547200"/>
           </a:xfrm>
           <a:prstGeom prst="rect">
             <a:avLst/>
@@ -12508,7 +11916,7 @@
       </p:sp>
       <p:pic>
         <p:nvPicPr>
-          <p:cNvPr id="245" name="Google Shape;360;p46" descr=""/>
+          <p:cNvPr id="233" name="Google Shape;360;p46" descr=""/>
           <p:cNvPicPr/>
           <p:nvPr/>
         </p:nvPicPr>
@@ -12519,7 +11927,7 @@
         <p:spPr>
           <a:xfrm>
             <a:off x="568440" y="3063960"/>
-            <a:ext cx="827280" cy="827280"/>
+            <a:ext cx="826920" cy="826920"/>
           </a:xfrm>
           <a:prstGeom prst="rect">
             <a:avLst/>
@@ -12531,7 +11939,7 @@
       </p:pic>
       <p:pic>
         <p:nvPicPr>
-          <p:cNvPr id="246" name="Google Shape;361;p46" descr=""/>
+          <p:cNvPr id="234" name="Google Shape;361;p46" descr=""/>
           <p:cNvPicPr/>
           <p:nvPr/>
         </p:nvPicPr>
@@ -12542,7 +11950,7 @@
         <p:spPr>
           <a:xfrm>
             <a:off x="4441680" y="5019120"/>
-            <a:ext cx="686520" cy="686520"/>
+            <a:ext cx="686160" cy="686160"/>
           </a:xfrm>
           <a:prstGeom prst="rect">
             <a:avLst/>
@@ -12554,7 +11962,7 @@
       </p:pic>
       <p:pic>
         <p:nvPicPr>
-          <p:cNvPr id="247" name="Google Shape;362;p46" descr=""/>
+          <p:cNvPr id="235" name="Google Shape;362;p46" descr=""/>
           <p:cNvPicPr/>
           <p:nvPr/>
         </p:nvPicPr>
@@ -12565,7 +11973,7 @@
         <p:spPr>
           <a:xfrm>
             <a:off x="568440" y="4243680"/>
-            <a:ext cx="686520" cy="686520"/>
+            <a:ext cx="686160" cy="686160"/>
           </a:xfrm>
           <a:prstGeom prst="rect">
             <a:avLst/>
@@ -12577,7 +11985,7 @@
       </p:pic>
       <p:pic>
         <p:nvPicPr>
-          <p:cNvPr id="248" name="Google Shape;363;p46" descr=""/>
+          <p:cNvPr id="236" name="Google Shape;363;p46" descr=""/>
           <p:cNvPicPr/>
           <p:nvPr/>
         </p:nvPicPr>
@@ -12588,7 +11996,7 @@
         <p:spPr>
           <a:xfrm>
             <a:off x="568440" y="5019480"/>
-            <a:ext cx="686520" cy="686520"/>
+            <a:ext cx="686160" cy="686160"/>
           </a:xfrm>
           <a:prstGeom prst="rect">
             <a:avLst/>
@@ -12600,7 +12008,7 @@
       </p:pic>
       <p:pic>
         <p:nvPicPr>
-          <p:cNvPr id="249" name="Google Shape;364;p46" descr=""/>
+          <p:cNvPr id="237" name="Google Shape;364;p46" descr=""/>
           <p:cNvPicPr/>
           <p:nvPr/>
         </p:nvPicPr>
@@ -12611,7 +12019,7 @@
         <p:spPr>
           <a:xfrm>
             <a:off x="1501560" y="3063960"/>
-            <a:ext cx="827280" cy="827280"/>
+            <a:ext cx="826920" cy="826920"/>
           </a:xfrm>
           <a:prstGeom prst="rect">
             <a:avLst/>
@@ -12623,7 +12031,7 @@
       </p:pic>
       <p:pic>
         <p:nvPicPr>
-          <p:cNvPr id="250" name="Google Shape;365;p46" descr=""/>
+          <p:cNvPr id="238" name="Google Shape;365;p46" descr=""/>
           <p:cNvPicPr/>
           <p:nvPr/>
         </p:nvPicPr>
@@ -12634,7 +12042,7 @@
         <p:spPr>
           <a:xfrm>
             <a:off x="4441680" y="4243680"/>
-            <a:ext cx="686520" cy="686520"/>
+            <a:ext cx="686160" cy="686160"/>
           </a:xfrm>
           <a:prstGeom prst="rect">
             <a:avLst/>
@@ -12646,7 +12054,7 @@
       </p:pic>
       <p:pic>
         <p:nvPicPr>
-          <p:cNvPr id="251" name="Google Shape;366;p46" descr=""/>
+          <p:cNvPr id="239" name="Google Shape;366;p46" descr=""/>
           <p:cNvPicPr/>
           <p:nvPr/>
         </p:nvPicPr>
@@ -12657,7 +12065,7 @@
         <p:spPr>
           <a:xfrm>
             <a:off x="1343160" y="4243680"/>
-            <a:ext cx="686520" cy="686520"/>
+            <a:ext cx="686160" cy="686160"/>
           </a:xfrm>
           <a:prstGeom prst="rect">
             <a:avLst/>
@@ -12669,7 +12077,7 @@
       </p:pic>
       <p:pic>
         <p:nvPicPr>
-          <p:cNvPr id="252" name="Google Shape;367;p46" descr=""/>
+          <p:cNvPr id="240" name="Google Shape;367;p46" descr=""/>
           <p:cNvPicPr/>
           <p:nvPr/>
         </p:nvPicPr>
@@ -12680,7 +12088,7 @@
         <p:spPr>
           <a:xfrm>
             <a:off x="1343160" y="5019480"/>
-            <a:ext cx="686520" cy="686520"/>
+            <a:ext cx="686160" cy="686160"/>
           </a:xfrm>
           <a:prstGeom prst="rect">
             <a:avLst/>
@@ -12692,7 +12100,7 @@
       </p:pic>
       <p:pic>
         <p:nvPicPr>
-          <p:cNvPr id="253" name="Google Shape;368;p46" descr=""/>
+          <p:cNvPr id="241" name="Google Shape;368;p46" descr=""/>
           <p:cNvPicPr/>
           <p:nvPr/>
         </p:nvPicPr>
@@ -12703,7 +12111,7 @@
         <p:spPr>
           <a:xfrm>
             <a:off x="2434680" y="3063960"/>
-            <a:ext cx="827280" cy="827280"/>
+            <a:ext cx="826920" cy="826920"/>
           </a:xfrm>
           <a:prstGeom prst="rect">
             <a:avLst/>
@@ -12715,7 +12123,7 @@
       </p:pic>
       <p:pic>
         <p:nvPicPr>
-          <p:cNvPr id="254" name="Google Shape;369;p46" descr=""/>
+          <p:cNvPr id="242" name="Google Shape;369;p46" descr=""/>
           <p:cNvPicPr/>
           <p:nvPr/>
         </p:nvPicPr>
@@ -12726,7 +12134,7 @@
         <p:spPr>
           <a:xfrm>
             <a:off x="2434680" y="2129760"/>
-            <a:ext cx="827280" cy="827280"/>
+            <a:ext cx="826920" cy="826920"/>
           </a:xfrm>
           <a:prstGeom prst="rect">
             <a:avLst/>
@@ -12738,7 +12146,7 @@
       </p:pic>
       <p:pic>
         <p:nvPicPr>
-          <p:cNvPr id="255" name="Google Shape;370;p46" descr=""/>
+          <p:cNvPr id="243" name="Google Shape;370;p46" descr=""/>
           <p:cNvPicPr/>
           <p:nvPr/>
         </p:nvPicPr>
@@ -12749,7 +12157,7 @@
         <p:spPr>
           <a:xfrm>
             <a:off x="2117880" y="4243680"/>
-            <a:ext cx="686520" cy="686520"/>
+            <a:ext cx="686160" cy="686160"/>
           </a:xfrm>
           <a:prstGeom prst="rect">
             <a:avLst/>
@@ -12761,7 +12169,7 @@
       </p:pic>
       <p:pic>
         <p:nvPicPr>
-          <p:cNvPr id="256" name="Google Shape;371;p46" descr=""/>
+          <p:cNvPr id="244" name="Google Shape;371;p46" descr=""/>
           <p:cNvPicPr/>
           <p:nvPr/>
         </p:nvPicPr>
@@ -12772,7 +12180,7 @@
         <p:spPr>
           <a:xfrm>
             <a:off x="2117880" y="5019480"/>
-            <a:ext cx="686520" cy="686520"/>
+            <a:ext cx="686160" cy="686160"/>
           </a:xfrm>
           <a:prstGeom prst="rect">
             <a:avLst/>
@@ -12784,7 +12192,7 @@
       </p:pic>
       <p:pic>
         <p:nvPicPr>
-          <p:cNvPr id="257" name="Google Shape;372;p46" descr=""/>
+          <p:cNvPr id="245" name="Google Shape;372;p46" descr=""/>
           <p:cNvPicPr/>
           <p:nvPr/>
         </p:nvPicPr>
@@ -12795,7 +12203,7 @@
         <p:spPr>
           <a:xfrm>
             <a:off x="568440" y="2129760"/>
-            <a:ext cx="827280" cy="827280"/>
+            <a:ext cx="826920" cy="826920"/>
           </a:xfrm>
           <a:prstGeom prst="rect">
             <a:avLst/>
@@ -12807,7 +12215,7 @@
       </p:pic>
       <p:pic>
         <p:nvPicPr>
-          <p:cNvPr id="258" name="Google Shape;373;p46" descr=""/>
+          <p:cNvPr id="246" name="Google Shape;373;p46" descr=""/>
           <p:cNvPicPr/>
           <p:nvPr/>
         </p:nvPicPr>
@@ -12818,7 +12226,7 @@
         <p:spPr>
           <a:xfrm>
             <a:off x="3367800" y="2129760"/>
-            <a:ext cx="827280" cy="827280"/>
+            <a:ext cx="826920" cy="826920"/>
           </a:xfrm>
           <a:prstGeom prst="rect">
             <a:avLst/>
@@ -12830,7 +12238,7 @@
       </p:pic>
       <p:pic>
         <p:nvPicPr>
-          <p:cNvPr id="259" name="Google Shape;374;p46" descr=""/>
+          <p:cNvPr id="247" name="Google Shape;374;p46" descr=""/>
           <p:cNvPicPr/>
           <p:nvPr/>
         </p:nvPicPr>
@@ -12841,7 +12249,7 @@
         <p:spPr>
           <a:xfrm>
             <a:off x="2892240" y="4243680"/>
-            <a:ext cx="686520" cy="686520"/>
+            <a:ext cx="686160" cy="686160"/>
           </a:xfrm>
           <a:prstGeom prst="rect">
             <a:avLst/>
@@ -12853,7 +12261,7 @@
       </p:pic>
       <p:pic>
         <p:nvPicPr>
-          <p:cNvPr id="260" name="Google Shape;375;p46" descr=""/>
+          <p:cNvPr id="248" name="Google Shape;375;p46" descr=""/>
           <p:cNvPicPr/>
           <p:nvPr/>
         </p:nvPicPr>
@@ -12864,7 +12272,7 @@
         <p:spPr>
           <a:xfrm>
             <a:off x="2892240" y="5019480"/>
-            <a:ext cx="686520" cy="686520"/>
+            <a:ext cx="686160" cy="686160"/>
           </a:xfrm>
           <a:prstGeom prst="rect">
             <a:avLst/>
@@ -12876,7 +12284,7 @@
       </p:pic>
       <p:pic>
         <p:nvPicPr>
-          <p:cNvPr id="261" name="Google Shape;376;p46" descr=""/>
+          <p:cNvPr id="249" name="Google Shape;376;p46" descr=""/>
           <p:cNvPicPr/>
           <p:nvPr/>
         </p:nvPicPr>
@@ -12887,7 +12295,7 @@
         <p:spPr>
           <a:xfrm>
             <a:off x="1501560" y="2129760"/>
-            <a:ext cx="827280" cy="827280"/>
+            <a:ext cx="826920" cy="826920"/>
           </a:xfrm>
           <a:prstGeom prst="rect">
             <a:avLst/>
@@ -12899,7 +12307,7 @@
       </p:pic>
       <p:pic>
         <p:nvPicPr>
-          <p:cNvPr id="262" name="Google Shape;377;p46" descr=""/>
+          <p:cNvPr id="250" name="Google Shape;377;p46" descr=""/>
           <p:cNvPicPr/>
           <p:nvPr/>
         </p:nvPicPr>
@@ -12910,7 +12318,7 @@
         <p:spPr>
           <a:xfrm>
             <a:off x="4300920" y="2129760"/>
-            <a:ext cx="827280" cy="827280"/>
+            <a:ext cx="826920" cy="826920"/>
           </a:xfrm>
           <a:prstGeom prst="rect">
             <a:avLst/>
@@ -12922,7 +12330,7 @@
       </p:pic>
       <p:pic>
         <p:nvPicPr>
-          <p:cNvPr id="263" name="Google Shape;378;p46" descr=""/>
+          <p:cNvPr id="251" name="Google Shape;378;p46" descr=""/>
           <p:cNvPicPr/>
           <p:nvPr/>
         </p:nvPicPr>
@@ -12933,7 +12341,7 @@
         <p:spPr>
           <a:xfrm>
             <a:off x="3666960" y="4243680"/>
-            <a:ext cx="686520" cy="686520"/>
+            <a:ext cx="686160" cy="686160"/>
           </a:xfrm>
           <a:prstGeom prst="rect">
             <a:avLst/>
@@ -12945,7 +12353,7 @@
       </p:pic>
       <p:pic>
         <p:nvPicPr>
-          <p:cNvPr id="264" name="Google Shape;379;p46" descr=""/>
+          <p:cNvPr id="252" name="Google Shape;379;p46" descr=""/>
           <p:cNvPicPr/>
           <p:nvPr/>
         </p:nvPicPr>
@@ -12956,7 +12364,7 @@
         <p:spPr>
           <a:xfrm>
             <a:off x="3666960" y="5019480"/>
-            <a:ext cx="686520" cy="686520"/>
+            <a:ext cx="686160" cy="686160"/>
           </a:xfrm>
           <a:prstGeom prst="rect">
             <a:avLst/>
@@ -12998,7 +12406,7 @@
       </p:grpSpPr>
       <p:sp>
         <p:nvSpPr>
-          <p:cNvPr id="265" name="PlaceHolder 1"/>
+          <p:cNvPr id="253" name="PlaceHolder 1"/>
           <p:cNvSpPr>
             <a:spLocks noGrp="1"/>
           </p:cNvSpPr>
@@ -13009,7 +12417,7 @@
         <p:spPr>
           <a:xfrm>
             <a:off x="500400" y="441000"/>
-            <a:ext cx="8520120" cy="1305720"/>
+            <a:ext cx="8519760" cy="1305360"/>
           </a:xfrm>
           <a:prstGeom prst="rect">
             <a:avLst/>
@@ -13054,7 +12462,7 @@
       </p:sp>
       <p:pic>
         <p:nvPicPr>
-          <p:cNvPr id="266" name="Google Shape;385;p47" descr=""/>
+          <p:cNvPr id="254" name="Google Shape;385;p47" descr=""/>
           <p:cNvPicPr/>
           <p:nvPr/>
         </p:nvPicPr>
@@ -13066,7 +12474,7 @@
         <p:spPr>
           <a:xfrm>
             <a:off x="441720" y="1865160"/>
-            <a:ext cx="5384880" cy="3920400"/>
+            <a:ext cx="5384520" cy="3920040"/>
           </a:xfrm>
           <a:prstGeom prst="rect">
             <a:avLst/>
@@ -13081,7 +12489,7 @@
       </p:pic>
       <p:sp>
         <p:nvSpPr>
-          <p:cNvPr id="267" name="PlaceHolder 2"/>
+          <p:cNvPr id="255" name="PlaceHolder 2"/>
           <p:cNvSpPr>
             <a:spLocks noGrp="1"/>
           </p:cNvSpPr>
@@ -13092,7 +12500,7 @@
         <p:spPr>
           <a:xfrm>
             <a:off x="5890320" y="1786680"/>
-            <a:ext cx="3121920" cy="3920400"/>
+            <a:ext cx="3121560" cy="3920040"/>
           </a:xfrm>
           <a:prstGeom prst="rect">
             <a:avLst/>
@@ -13304,7 +12712,7 @@
       </p:sp>
       <p:pic>
         <p:nvPicPr>
-          <p:cNvPr id="268" name="Google Shape;387;p47" descr=""/>
+          <p:cNvPr id="256" name="Google Shape;387;p47" descr=""/>
           <p:cNvPicPr/>
           <p:nvPr/>
         </p:nvPicPr>
@@ -13316,7 +12724,7 @@
         <p:spPr>
           <a:xfrm>
             <a:off x="6163560" y="4149720"/>
-            <a:ext cx="2394720" cy="1635840"/>
+            <a:ext cx="2394360" cy="1635480"/>
           </a:xfrm>
           <a:prstGeom prst="rect">
             <a:avLst/>
@@ -13361,7 +12769,7 @@
       </p:grpSpPr>
       <p:sp>
         <p:nvSpPr>
-          <p:cNvPr id="269" name="PlaceHolder 1"/>
+          <p:cNvPr id="257" name="PlaceHolder 1"/>
           <p:cNvSpPr>
             <a:spLocks noGrp="1"/>
           </p:cNvSpPr>
@@ -13372,7 +12780,7 @@
         <p:spPr>
           <a:xfrm>
             <a:off x="500400" y="441000"/>
-            <a:ext cx="8520120" cy="1305720"/>
+            <a:ext cx="8519760" cy="1305360"/>
           </a:xfrm>
           <a:prstGeom prst="rect">
             <a:avLst/>
@@ -13417,7 +12825,7 @@
       </p:sp>
       <p:pic>
         <p:nvPicPr>
-          <p:cNvPr id="270" name="Google Shape;393;p48" descr=""/>
+          <p:cNvPr id="258" name="Google Shape;393;p48" descr=""/>
           <p:cNvPicPr/>
           <p:nvPr/>
         </p:nvPicPr>
@@ -13428,7 +12836,7 @@
         <p:spPr>
           <a:xfrm>
             <a:off x="689040" y="2039400"/>
-            <a:ext cx="7414560" cy="4301280"/>
+            <a:ext cx="7414200" cy="4300920"/>
           </a:xfrm>
           <a:prstGeom prst="rect">
             <a:avLst/>
@@ -13443,7 +12851,7 @@
       </p:pic>
       <p:sp>
         <p:nvSpPr>
-          <p:cNvPr id="271" name="PlaceHolder 2"/>
+          <p:cNvPr id="259" name="PlaceHolder 2"/>
           <p:cNvSpPr>
             <a:spLocks noGrp="1"/>
           </p:cNvSpPr>
@@ -13454,7 +12862,7 @@
         <p:spPr>
           <a:xfrm>
             <a:off x="570960" y="1276560"/>
-            <a:ext cx="7414560" cy="639720"/>
+            <a:ext cx="7414200" cy="639360"/>
           </a:xfrm>
           <a:prstGeom prst="rect">
             <a:avLst/>
@@ -13554,14 +12962,14 @@
       </p:grpSpPr>
       <p:sp>
         <p:nvSpPr>
-          <p:cNvPr id="81" name="Google Shape;135;p31"/>
+          <p:cNvPr id="69" name="Google Shape;135;p31"/>
           <p:cNvSpPr/>
           <p:nvPr/>
         </p:nvSpPr>
         <p:spPr>
           <a:xfrm>
             <a:off x="766800" y="2728080"/>
-            <a:ext cx="7935120" cy="1122120"/>
+            <a:ext cx="7934760" cy="1121760"/>
           </a:xfrm>
           <a:prstGeom prst="rect">
             <a:avLst/>
@@ -13578,7 +12986,7 @@
           <a:fontRef idx="minor"/>
         </p:style>
         <p:txBody>
-          <a:bodyPr tIns="91440" bIns="91440" anchor="ctr">
+          <a:bodyPr lIns="90000" rIns="90000" tIns="91440" bIns="91440" anchor="ctr">
             <a:noAutofit/>
           </a:bodyPr>
           <a:p>
@@ -13637,7 +13045,7 @@
       </p:sp>
       <p:pic>
         <p:nvPicPr>
-          <p:cNvPr id="82" name="Google Shape;136;p31" descr=""/>
+          <p:cNvPr id="70" name="Google Shape;136;p31" descr=""/>
           <p:cNvPicPr/>
           <p:nvPr/>
         </p:nvPicPr>
@@ -13648,7 +13056,7 @@
         <p:spPr>
           <a:xfrm>
             <a:off x="857160" y="4383720"/>
-            <a:ext cx="702000" cy="702000"/>
+            <a:ext cx="701640" cy="701640"/>
           </a:xfrm>
           <a:prstGeom prst="rect">
             <a:avLst/>
@@ -13660,7 +13068,7 @@
       </p:pic>
       <p:pic>
         <p:nvPicPr>
-          <p:cNvPr id="83" name="Google Shape;137;p31" descr=""/>
+          <p:cNvPr id="71" name="Google Shape;137;p31" descr=""/>
           <p:cNvPicPr/>
           <p:nvPr/>
         </p:nvPicPr>
@@ -13671,7 +13079,7 @@
         <p:spPr>
           <a:xfrm>
             <a:off x="1737360" y="4383720"/>
-            <a:ext cx="702000" cy="702000"/>
+            <a:ext cx="701640" cy="701640"/>
           </a:xfrm>
           <a:prstGeom prst="rect">
             <a:avLst/>
@@ -13713,14 +13121,14 @@
       </p:grpSpPr>
       <p:sp>
         <p:nvSpPr>
-          <p:cNvPr id="84" name="Google Shape;142;p32"/>
+          <p:cNvPr id="72" name="Google Shape;142;p32"/>
           <p:cNvSpPr/>
           <p:nvPr/>
         </p:nvSpPr>
         <p:spPr>
           <a:xfrm>
             <a:off x="630000" y="3689640"/>
-            <a:ext cx="1514520" cy="2424960"/>
+            <a:ext cx="1514160" cy="2424600"/>
           </a:xfrm>
           <a:prstGeom prst="rect">
             <a:avLst/>
@@ -13739,7 +13147,7 @@
           <a:fontRef idx="minor"/>
         </p:style>
         <p:txBody>
-          <a:bodyPr tIns="91440" bIns="91440" anchor="ctr">
+          <a:bodyPr lIns="90000" rIns="90000" tIns="91440" bIns="91440" anchor="ctr">
             <a:noAutofit/>
           </a:bodyPr>
           <a:p>
@@ -13762,7 +13170,7 @@
       </p:sp>
       <p:sp>
         <p:nvSpPr>
-          <p:cNvPr id="85" name="PlaceHolder 1"/>
+          <p:cNvPr id="73" name="PlaceHolder 1"/>
           <p:cNvSpPr>
             <a:spLocks noGrp="1"/>
           </p:cNvSpPr>
@@ -13773,7 +13181,7 @@
         <p:spPr>
           <a:xfrm>
             <a:off x="500400" y="1095120"/>
-            <a:ext cx="8520120" cy="2644560"/>
+            <a:ext cx="8519760" cy="2644200"/>
           </a:xfrm>
           <a:prstGeom prst="rect">
             <a:avLst/>
@@ -13837,7 +13245,7 @@
       </p:sp>
       <p:sp>
         <p:nvSpPr>
-          <p:cNvPr id="86" name="PlaceHolder 2"/>
+          <p:cNvPr id="74" name="PlaceHolder 2"/>
           <p:cNvSpPr>
             <a:spLocks noGrp="1"/>
           </p:cNvSpPr>
@@ -13848,7 +13256,7 @@
         <p:spPr>
           <a:xfrm>
             <a:off x="3135600" y="4174920"/>
-            <a:ext cx="5856120" cy="783000"/>
+            <a:ext cx="5855760" cy="782640"/>
           </a:xfrm>
           <a:prstGeom prst="rect">
             <a:avLst/>
@@ -13893,7 +13301,7 @@
       </p:sp>
       <p:sp>
         <p:nvSpPr>
-          <p:cNvPr id="87" name="PlaceHolder 3"/>
+          <p:cNvPr id="75" name="PlaceHolder 3"/>
           <p:cNvSpPr>
             <a:spLocks noGrp="1"/>
           </p:cNvSpPr>
@@ -13904,7 +13312,7 @@
         <p:spPr>
           <a:xfrm>
             <a:off x="3135600" y="4575240"/>
-            <a:ext cx="5856120" cy="1056600"/>
+            <a:ext cx="5855760" cy="1056240"/>
           </a:xfrm>
           <a:prstGeom prst="rect">
             <a:avLst/>
@@ -13949,7 +13357,7 @@
       </p:sp>
       <p:sp>
         <p:nvSpPr>
-          <p:cNvPr id="88" name="PlaceHolder 4"/>
+          <p:cNvPr id="76" name="PlaceHolder 4"/>
           <p:cNvSpPr>
             <a:spLocks noGrp="1"/>
           </p:cNvSpPr>
@@ -13960,7 +13368,7 @@
         <p:spPr>
           <a:xfrm>
             <a:off x="3135600" y="4737960"/>
-            <a:ext cx="5856120" cy="1376640"/>
+            <a:ext cx="5855760" cy="1376280"/>
           </a:xfrm>
           <a:prstGeom prst="rect">
             <a:avLst/>
@@ -14062,7 +13470,7 @@
       </p:grpSpPr>
       <p:sp>
         <p:nvSpPr>
-          <p:cNvPr id="89" name="PlaceHolder 1"/>
+          <p:cNvPr id="77" name="PlaceHolder 1"/>
           <p:cNvSpPr>
             <a:spLocks noGrp="1"/>
           </p:cNvSpPr>
@@ -14073,7 +13481,7 @@
         <p:spPr>
           <a:xfrm>
             <a:off x="500400" y="441000"/>
-            <a:ext cx="8520120" cy="750240"/>
+            <a:ext cx="8519760" cy="749880"/>
           </a:xfrm>
           <a:prstGeom prst="rect">
             <a:avLst/>
@@ -14118,14 +13526,14 @@
       </p:sp>
       <p:sp>
         <p:nvSpPr>
-          <p:cNvPr id="90" name="Google Shape;153;p33"/>
+          <p:cNvPr id="78" name="Google Shape;153;p33"/>
           <p:cNvSpPr/>
           <p:nvPr/>
         </p:nvSpPr>
         <p:spPr>
           <a:xfrm>
             <a:off x="680760" y="1430640"/>
-            <a:ext cx="3384720" cy="501120"/>
+            <a:ext cx="3384360" cy="500760"/>
           </a:xfrm>
           <a:prstGeom prst="roundRect">
             <a:avLst>
@@ -14179,14 +13587,14 @@
       </p:sp>
       <p:sp>
         <p:nvSpPr>
-          <p:cNvPr id="91" name="Google Shape;154;p33"/>
+          <p:cNvPr id="79" name="Google Shape;154;p33"/>
           <p:cNvSpPr/>
           <p:nvPr/>
         </p:nvSpPr>
         <p:spPr>
           <a:xfrm>
             <a:off x="680760" y="2254320"/>
-            <a:ext cx="3384720" cy="501120"/>
+            <a:ext cx="3384360" cy="500760"/>
           </a:xfrm>
           <a:prstGeom prst="roundRect">
             <a:avLst>
@@ -14240,14 +13648,14 @@
       </p:sp>
       <p:sp>
         <p:nvSpPr>
-          <p:cNvPr id="92" name="Google Shape;155;p33"/>
+          <p:cNvPr id="80" name="Google Shape;155;p33"/>
           <p:cNvSpPr/>
           <p:nvPr/>
         </p:nvSpPr>
         <p:spPr>
           <a:xfrm>
             <a:off x="680760" y="3090960"/>
-            <a:ext cx="3384720" cy="501120"/>
+            <a:ext cx="3384360" cy="500760"/>
           </a:xfrm>
           <a:prstGeom prst="roundRect">
             <a:avLst>
@@ -14301,14 +13709,14 @@
       </p:sp>
       <p:sp>
         <p:nvSpPr>
-          <p:cNvPr id="93" name="Google Shape;156;p33"/>
+          <p:cNvPr id="81" name="Google Shape;156;p33"/>
           <p:cNvSpPr/>
           <p:nvPr/>
         </p:nvSpPr>
         <p:spPr>
           <a:xfrm>
             <a:off x="680760" y="3927960"/>
-            <a:ext cx="3384720" cy="501120"/>
+            <a:ext cx="3384360" cy="500760"/>
           </a:xfrm>
           <a:prstGeom prst="roundRect">
             <a:avLst>
@@ -14362,14 +13770,14 @@
       </p:sp>
       <p:sp>
         <p:nvSpPr>
-          <p:cNvPr id="94" name="Google Shape;157;p33"/>
+          <p:cNvPr id="82" name="Google Shape;157;p33"/>
           <p:cNvSpPr/>
           <p:nvPr/>
         </p:nvSpPr>
         <p:spPr>
           <a:xfrm>
             <a:off x="680760" y="4710240"/>
-            <a:ext cx="3384720" cy="501120"/>
+            <a:ext cx="3384360" cy="500760"/>
           </a:xfrm>
           <a:prstGeom prst="roundRect">
             <a:avLst>
@@ -14423,14 +13831,14 @@
       </p:sp>
       <p:sp>
         <p:nvSpPr>
-          <p:cNvPr id="95" name="Google Shape;158;p33"/>
+          <p:cNvPr id="83" name="Google Shape;158;p33"/>
           <p:cNvSpPr/>
           <p:nvPr/>
         </p:nvSpPr>
         <p:spPr>
           <a:xfrm>
             <a:off x="680760" y="5492160"/>
-            <a:ext cx="3384720" cy="501120"/>
+            <a:ext cx="3384360" cy="500760"/>
           </a:xfrm>
           <a:prstGeom prst="roundRect">
             <a:avLst>
@@ -14484,16 +13892,16 @@
       </p:sp>
       <p:cxnSp>
         <p:nvCxnSpPr>
-          <p:cNvPr id="96" name="Google Shape;159;p33"/>
+          <p:cNvPr id="84" name="Google Shape;159;p33"/>
           <p:cNvCxnSpPr>
-            <a:stCxn id="90" idx="1"/>
-            <a:endCxn id="91" idx="1"/>
+            <a:stCxn id="78" idx="1"/>
+            <a:endCxn id="79" idx="1"/>
           </p:cNvCxnSpPr>
           <p:nvPr/>
         </p:nvCxnSpPr>
         <p:spPr>
           <a:xfrm rot="10800000">
-            <a:off x="680760" y="1681200"/>
+            <a:off x="680760" y="1680840"/>
             <a:ext cx="360" cy="824040"/>
           </a:xfrm>
           <a:prstGeom prst="curvedConnector3">
@@ -14512,16 +13920,16 @@
       </p:cxnSp>
       <p:cxnSp>
         <p:nvCxnSpPr>
-          <p:cNvPr id="97" name="Google Shape;160;p33"/>
+          <p:cNvPr id="85" name="Google Shape;160;p33"/>
           <p:cNvCxnSpPr>
-            <a:stCxn id="91" idx="1"/>
-            <a:endCxn id="92" idx="1"/>
+            <a:stCxn id="79" idx="1"/>
+            <a:endCxn id="80" idx="1"/>
           </p:cNvCxnSpPr>
           <p:nvPr/>
         </p:nvCxnSpPr>
         <p:spPr>
           <a:xfrm rot="10800000">
-            <a:off x="680760" y="2504880"/>
+            <a:off x="680760" y="2504520"/>
             <a:ext cx="360" cy="837000"/>
           </a:xfrm>
           <a:prstGeom prst="curvedConnector3">
@@ -14540,16 +13948,16 @@
       </p:cxnSp>
       <p:cxnSp>
         <p:nvCxnSpPr>
-          <p:cNvPr id="98" name="Google Shape;161;p33"/>
+          <p:cNvPr id="86" name="Google Shape;161;p33"/>
           <p:cNvCxnSpPr>
-            <a:stCxn id="92" idx="1"/>
-            <a:endCxn id="93" idx="1"/>
+            <a:stCxn id="80" idx="1"/>
+            <a:endCxn id="81" idx="1"/>
           </p:cNvCxnSpPr>
           <p:nvPr/>
         </p:nvCxnSpPr>
         <p:spPr>
           <a:xfrm rot="10800000">
-            <a:off x="680760" y="3341160"/>
+            <a:off x="680760" y="3340800"/>
             <a:ext cx="360" cy="837360"/>
           </a:xfrm>
           <a:prstGeom prst="curvedConnector3">
@@ -14568,18 +13976,18 @@
       </p:cxnSp>
       <p:cxnSp>
         <p:nvCxnSpPr>
-          <p:cNvPr id="99" name="Google Shape;162;p33"/>
+          <p:cNvPr id="87" name="Google Shape;162;p33"/>
           <p:cNvCxnSpPr/>
           <p:nvPr/>
         </p:nvCxnSpPr>
         <p:spPr>
           <a:xfrm flipH="1" rot="16200000">
-            <a:off x="262440" y="4637160"/>
-            <a:ext cx="837360" cy="1080"/>
+            <a:off x="262080" y="4636800"/>
+            <a:ext cx="837720" cy="1440"/>
           </a:xfrm>
           <a:prstGeom prst="curvedConnector3">
             <a:avLst>
-              <a:gd name="adj1" fmla="val 25032"/>
+              <a:gd name="adj1" fmla="val 25021"/>
             </a:avLst>
           </a:prstGeom>
           <a:ln w="19050">
@@ -14593,18 +14001,18 @@
       </p:cxnSp>
       <p:cxnSp>
         <p:nvCxnSpPr>
-          <p:cNvPr id="100" name="Google Shape;163;p33"/>
+          <p:cNvPr id="88" name="Google Shape;163;p33"/>
           <p:cNvCxnSpPr/>
           <p:nvPr/>
         </p:nvCxnSpPr>
         <p:spPr>
           <a:xfrm flipH="1" rot="16200000">
-            <a:off x="262440" y="5514480"/>
-            <a:ext cx="837360" cy="1080"/>
+            <a:off x="262080" y="5514120"/>
+            <a:ext cx="837720" cy="1440"/>
           </a:xfrm>
           <a:prstGeom prst="curvedConnector3">
             <a:avLst>
-              <a:gd name="adj1" fmla="val 25032"/>
+              <a:gd name="adj1" fmla="val 25021"/>
             </a:avLst>
           </a:prstGeom>
           <a:ln w="19050">
@@ -14648,7 +14056,7 @@
       </p:grpSpPr>
       <p:sp>
         <p:nvSpPr>
-          <p:cNvPr id="101" name="PlaceHolder 1"/>
+          <p:cNvPr id="89" name="PlaceHolder 1"/>
           <p:cNvSpPr>
             <a:spLocks noGrp="1"/>
           </p:cNvSpPr>
@@ -14659,7 +14067,7 @@
         <p:spPr>
           <a:xfrm>
             <a:off x="500400" y="441000"/>
-            <a:ext cx="8520120" cy="1305720"/>
+            <a:ext cx="8519760" cy="1305360"/>
           </a:xfrm>
           <a:prstGeom prst="rect">
             <a:avLst/>
@@ -14704,13 +14112,13 @@
       </p:sp>
       <p:graphicFrame>
         <p:nvGraphicFramePr>
-          <p:cNvPr id="102" name="Google Shape;169;p34"/>
+          <p:cNvPr id="90" name="Google Shape;169;p34"/>
           <p:cNvGraphicFramePr/>
           <p:nvPr/>
         </p:nvGraphicFramePr>
         <p:xfrm>
           <a:off x="952560" y="2058840"/>
-          <a:ext cx="7238520" cy="1912320"/>
+          <a:ext cx="7238160" cy="1549440"/>
         </p:xfrm>
         <a:graphic>
           <a:graphicData uri="http://schemas.openxmlformats.org/drawingml/2006/table">
@@ -14723,7 +14131,7 @@
               <a:tr h="380880">
                 <a:tc>
                   <a:txBody>
-                    <a:bodyPr lIns="198000" rIns="91080" tIns="91080" bIns="91080" anchor="t">
+                    <a:bodyPr lIns="198000" rIns="91080" anchor="t">
                       <a:noAutofit/>
                     </a:bodyPr>
                     <a:p>
@@ -14783,10 +14191,15 @@
                 </a:tc>
                 <a:tc>
                   <a:txBody>
-                    <a:bodyPr lIns="198000" rIns="91080" tIns="91080" bIns="91080" anchor="t">
+                    <a:bodyPr lIns="198000" rIns="91080" anchor="t">
                       <a:noAutofit/>
                     </a:bodyPr>
                     <a:p>
+                      <a:pPr>
+                        <a:lnSpc>
+                          <a:spcPct val="100000"/>
+                        </a:lnSpc>
+                      </a:pPr>
                       <a:r>
                         <a:rPr b="0" lang="ru-RU" sz="1800" spc="-1" strike="noStrike">
                           <a:solidFill>
@@ -14794,7 +14207,7 @@
                           </a:solidFill>
                           <a:latin typeface="Arial"/>
                         </a:rPr>
-                        <a:t>Повторить пройденный материал</a:t>
+                        <a:t>Закрепить пройденный материал</a:t>
                       </a:r>
                       <a:endParaRPr b="0" lang="ru-RU" sz="1800" spc="-1" strike="noStrike">
                         <a:solidFill>
@@ -14836,7 +14249,7 @@
               <a:tr h="380880">
                 <a:tc>
                   <a:txBody>
-                    <a:bodyPr lIns="198000" rIns="91080" tIns="91080" bIns="91080" anchor="t">
+                    <a:bodyPr lIns="198000" rIns="91080" anchor="t">
                       <a:noAutofit/>
                     </a:bodyPr>
                     <a:p>
@@ -14896,10 +14309,15 @@
                 </a:tc>
                 <a:tc>
                   <a:txBody>
-                    <a:bodyPr lIns="198000" rIns="91080" tIns="91080" bIns="91080" anchor="t">
+                    <a:bodyPr lIns="198000" rIns="91080" anchor="t">
                       <a:noAutofit/>
                     </a:bodyPr>
                     <a:p>
+                      <a:pPr>
+                        <a:lnSpc>
+                          <a:spcPct val="100000"/>
+                        </a:lnSpc>
+                      </a:pPr>
                       <a:r>
                         <a:rPr b="0" lang="ru-RU" sz="1800" spc="-1" strike="noStrike">
                           <a:solidFill>
@@ -14949,7 +14367,7 @@
               <a:tr h="380880">
                 <a:tc>
                   <a:txBody>
-                    <a:bodyPr lIns="198000" rIns="91080" tIns="91080" bIns="91080" anchor="t">
+                    <a:bodyPr lIns="198000" rIns="91080" anchor="t">
                       <a:noAutofit/>
                     </a:bodyPr>
                     <a:p>
@@ -15009,10 +14427,34 @@
                 </a:tc>
                 <a:tc>
                   <a:txBody>
-                    <a:bodyPr lIns="198000" rIns="91080" tIns="91080" bIns="91080" anchor="t">
+                    <a:bodyPr lIns="198000" rIns="91080" anchor="t">
                       <a:noAutofit/>
                     </a:bodyPr>
                     <a:p>
+                      <a:pPr>
+                        <a:lnSpc>
+                          <a:spcPct val="100000"/>
+                        </a:lnSpc>
+                      </a:pPr>
+                      <a:r>
+                        <a:rPr b="0" lang="ru-RU" sz="1800" spc="-1" strike="noStrike">
+                          <a:solidFill>
+                            <a:srgbClr val="000000"/>
+                          </a:solidFill>
+                          <a:latin typeface="Arial"/>
+                          <a:ea typeface="Noto Sans CJK SC"/>
+                        </a:rPr>
+                        <a:t>Разработать систему команд между </a:t>
+                      </a:r>
+                      <a:r>
+                        <a:rPr b="0" lang="ru-RU" sz="1800" spc="-1" strike="noStrike">
+                          <a:solidFill>
+                            <a:srgbClr val="000000"/>
+                          </a:solidFill>
+                          <a:latin typeface="Arial"/>
+                        </a:rPr>
+                        <a:t> базой данных NoSQL и пользователем</a:t>
+                      </a:r>
                       <a:endParaRPr b="0" lang="ru-RU" sz="1800" spc="-1" strike="noStrike">
                         <a:solidFill>
                           <a:srgbClr val="000000"/>
@@ -15053,7 +14495,7 @@
               <a:tr h="380880">
                 <a:tc>
                   <a:txBody>
-                    <a:bodyPr lIns="198000" rIns="91080" tIns="91080" bIns="91080" anchor="t">
+                    <a:bodyPr lIns="198000" rIns="91080" anchor="t">
                       <a:noAutofit/>
                     </a:bodyPr>
                     <a:p>
@@ -15113,10 +14555,19 @@
                 </a:tc>
                 <a:tc>
                   <a:txBody>
-                    <a:bodyPr lIns="198000" rIns="91080" tIns="91080" bIns="91080" anchor="t">
+                    <a:bodyPr lIns="198000" rIns="91080" anchor="t">
                       <a:noAutofit/>
                     </a:bodyPr>
                     <a:p>
+                      <a:r>
+                        <a:rPr b="0" lang="ru-RU" sz="1800" spc="-1" strike="noStrike">
+                          <a:solidFill>
+                            <a:srgbClr val="000000"/>
+                          </a:solidFill>
+                          <a:latin typeface="Arial"/>
+                        </a:rPr>
+                        <a:t>Реализовать основные команды обмена.</a:t>
+                      </a:r>
                       <a:endParaRPr b="0" lang="ru-RU" sz="1800" spc="-1" strike="noStrike">
                         <a:solidFill>
                           <a:srgbClr val="000000"/>
@@ -15160,14 +14611,14 @@
       </p:graphicFrame>
       <p:sp>
         <p:nvSpPr>
-          <p:cNvPr id="103" name="Google Shape;170;p34"/>
+          <p:cNvPr id="91" name="Google Shape;170;p34"/>
           <p:cNvSpPr/>
           <p:nvPr/>
         </p:nvSpPr>
         <p:spPr>
           <a:xfrm>
             <a:off x="5339520" y="378000"/>
-            <a:ext cx="3422520" cy="1091520"/>
+            <a:ext cx="3422160" cy="1091160"/>
           </a:xfrm>
           <a:prstGeom prst="wedgeRectCallout">
             <a:avLst>
@@ -15255,7 +14706,7 @@
       </p:grpSpPr>
       <p:sp>
         <p:nvSpPr>
-          <p:cNvPr id="104" name="PlaceHolder 1"/>
+          <p:cNvPr id="92" name="PlaceHolder 1"/>
           <p:cNvSpPr>
             <a:spLocks noGrp="1"/>
           </p:cNvSpPr>
@@ -15266,7 +14717,7 @@
         <p:spPr>
           <a:xfrm>
             <a:off x="500400" y="441000"/>
-            <a:ext cx="8520120" cy="1305720"/>
+            <a:ext cx="8519760" cy="1305360"/>
           </a:xfrm>
           <a:prstGeom prst="rect">
             <a:avLst/>
@@ -15311,13 +14762,13 @@
       </p:sp>
       <p:graphicFrame>
         <p:nvGraphicFramePr>
-          <p:cNvPr id="105" name="Google Shape;176;p35"/>
+          <p:cNvPr id="93" name="Google Shape;176;p35"/>
           <p:cNvGraphicFramePr/>
           <p:nvPr/>
         </p:nvGraphicFramePr>
         <p:xfrm>
           <a:off x="952560" y="2058840"/>
-          <a:ext cx="7238520" cy="1912320"/>
+          <a:ext cx="7238160" cy="1549440"/>
         </p:xfrm>
         <a:graphic>
           <a:graphicData uri="http://schemas.openxmlformats.org/drawingml/2006/table">
@@ -15327,10 +14778,10 @@
                 <a:gridCol w="489240"/>
                 <a:gridCol w="6749280"/>
               </a:tblGrid>
-              <a:tr h="380880">
+              <a:tr h="404280">
                 <a:tc>
                   <a:txBody>
-                    <a:bodyPr lIns="198000" rIns="91080" tIns="91080" bIns="91080" anchor="t">
+                    <a:bodyPr lIns="198000" rIns="91080" anchor="t">
                       <a:noAutofit/>
                     </a:bodyPr>
                     <a:p>
@@ -15390,7 +14841,7 @@
                 </a:tc>
                 <a:tc>
                   <a:txBody>
-                    <a:bodyPr lIns="198000" rIns="91080" tIns="91080" bIns="91080" anchor="t">
+                    <a:bodyPr lIns="198000" rIns="91080" anchor="t">
                       <a:noAutofit/>
                     </a:bodyPr>
                     <a:p>
@@ -15434,7 +14885,7 @@
               <a:tr h="380880">
                 <a:tc>
                   <a:txBody>
-                    <a:bodyPr lIns="198000" rIns="91080" tIns="91080" bIns="91080" anchor="t">
+                    <a:bodyPr lIns="198000" rIns="91080" anchor="t">
                       <a:noAutofit/>
                     </a:bodyPr>
                     <a:p>
@@ -15494,7 +14945,7 @@
                 </a:tc>
                 <a:tc>
                   <a:txBody>
-                    <a:bodyPr lIns="198000" rIns="91080" tIns="91080" bIns="91080" anchor="t">
+                    <a:bodyPr lIns="198000" rIns="91080" anchor="t">
                       <a:noAutofit/>
                     </a:bodyPr>
                     <a:p>
@@ -15538,7 +14989,7 @@
               <a:tr h="380880">
                 <a:tc>
                   <a:txBody>
-                    <a:bodyPr lIns="198000" rIns="91080" tIns="91080" bIns="91080" anchor="t">
+                    <a:bodyPr lIns="198000" rIns="91080" anchor="t">
                       <a:noAutofit/>
                     </a:bodyPr>
                     <a:p>
@@ -15598,7 +15049,7 @@
                 </a:tc>
                 <a:tc>
                   <a:txBody>
-                    <a:bodyPr lIns="198000" rIns="91080" tIns="91080" bIns="91080" anchor="t">
+                    <a:bodyPr lIns="198000" rIns="91080" anchor="t">
                       <a:noAutofit/>
                     </a:bodyPr>
                     <a:p>
@@ -15642,7 +15093,7 @@
               <a:tr h="380880">
                 <a:tc>
                   <a:txBody>
-                    <a:bodyPr lIns="198000" rIns="91080" tIns="91080" bIns="91080" anchor="t">
+                    <a:bodyPr lIns="198000" rIns="91080" anchor="t">
                       <a:noAutofit/>
                     </a:bodyPr>
                     <a:p>
@@ -15702,7 +15153,7 @@
                 </a:tc>
                 <a:tc>
                   <a:txBody>
-                    <a:bodyPr lIns="198000" rIns="91080" tIns="91080" bIns="91080" anchor="t">
+                    <a:bodyPr lIns="198000" rIns="91080" anchor="t">
                       <a:noAutofit/>
                     </a:bodyPr>
                     <a:p>
@@ -15749,14 +15200,14 @@
       </p:graphicFrame>
       <p:sp>
         <p:nvSpPr>
-          <p:cNvPr id="106" name="Google Shape;177;p35"/>
+          <p:cNvPr id="94" name="Google Shape;177;p35"/>
           <p:cNvSpPr/>
           <p:nvPr/>
         </p:nvSpPr>
         <p:spPr>
           <a:xfrm>
             <a:off x="5339520" y="378000"/>
-            <a:ext cx="3422520" cy="1091520"/>
+            <a:ext cx="3422160" cy="1091160"/>
           </a:xfrm>
           <a:prstGeom prst="wedgeRectCallout">
             <a:avLst>
@@ -15844,7 +15295,7 @@
       </p:grpSpPr>
       <p:sp>
         <p:nvSpPr>
-          <p:cNvPr id="107" name="PlaceHolder 1"/>
+          <p:cNvPr id="95" name="PlaceHolder 1"/>
           <p:cNvSpPr>
             <a:spLocks noGrp="1"/>
           </p:cNvSpPr>
@@ -15855,7 +15306,7 @@
         <p:spPr>
           <a:xfrm>
             <a:off x="500400" y="441000"/>
-            <a:ext cx="8520120" cy="1305720"/>
+            <a:ext cx="8519760" cy="1305360"/>
           </a:xfrm>
           <a:prstGeom prst="rect">
             <a:avLst/>
@@ -15900,13 +15351,13 @@
       </p:sp>
       <p:graphicFrame>
         <p:nvGraphicFramePr>
-          <p:cNvPr id="108" name="Google Shape;183;p36"/>
+          <p:cNvPr id="96" name="Google Shape;183;p36"/>
           <p:cNvGraphicFramePr/>
           <p:nvPr/>
         </p:nvGraphicFramePr>
         <p:xfrm>
           <a:off x="952560" y="2058840"/>
-          <a:ext cx="7238520" cy="1434240"/>
+          <a:ext cx="7238160" cy="1162080"/>
         </p:xfrm>
         <a:graphic>
           <a:graphicData uri="http://schemas.openxmlformats.org/drawingml/2006/table">
@@ -15919,7 +15370,7 @@
               <a:tr h="380880">
                 <a:tc>
                   <a:txBody>
-                    <a:bodyPr lIns="198000" rIns="91080" tIns="91080" bIns="91080" anchor="t">
+                    <a:bodyPr lIns="198000" rIns="91080" anchor="t">
                       <a:noAutofit/>
                     </a:bodyPr>
                     <a:p>
@@ -15979,7 +15430,7 @@
                 </a:tc>
                 <a:tc>
                   <a:txBody>
-                    <a:bodyPr lIns="198000" rIns="91080" tIns="91080" bIns="91080" anchor="t">
+                    <a:bodyPr lIns="198000" rIns="91080" anchor="t">
                       <a:noAutofit/>
                     </a:bodyPr>
                     <a:p>
@@ -16023,7 +15474,7 @@
               <a:tr h="380880">
                 <a:tc>
                   <a:txBody>
-                    <a:bodyPr lIns="198000" rIns="91080" tIns="91080" bIns="91080" anchor="t">
+                    <a:bodyPr lIns="198000" rIns="91080" anchor="t">
                       <a:noAutofit/>
                     </a:bodyPr>
                     <a:p>
@@ -16083,7 +15534,7 @@
                 </a:tc>
                 <a:tc>
                   <a:txBody>
-                    <a:bodyPr lIns="198000" rIns="91080" tIns="91080" bIns="91080" anchor="t">
+                    <a:bodyPr lIns="198000" rIns="91080" anchor="t">
                       <a:noAutofit/>
                     </a:bodyPr>
                     <a:p>
@@ -16127,7 +15578,7 @@
               <a:tr h="380880">
                 <a:tc>
                   <a:txBody>
-                    <a:bodyPr lIns="198000" rIns="91080" tIns="91080" bIns="91080" anchor="t">
+                    <a:bodyPr lIns="198000" rIns="91080" anchor="t">
                       <a:noAutofit/>
                     </a:bodyPr>
                     <a:p>
@@ -16187,7 +15638,7 @@
                 </a:tc>
                 <a:tc>
                   <a:txBody>
-                    <a:bodyPr lIns="198000" rIns="91080" tIns="91080" bIns="91080" anchor="t">
+                    <a:bodyPr lIns="198000" rIns="91080" anchor="t">
                       <a:noAutofit/>
                     </a:bodyPr>
                     <a:p>
@@ -16234,14 +15685,14 @@
       </p:graphicFrame>
       <p:sp>
         <p:nvSpPr>
-          <p:cNvPr id="109" name="Google Shape;184;p36"/>
+          <p:cNvPr id="97" name="Google Shape;184;p36"/>
           <p:cNvSpPr/>
           <p:nvPr/>
         </p:nvSpPr>
         <p:spPr>
           <a:xfrm>
             <a:off x="4768560" y="4502520"/>
-            <a:ext cx="3422520" cy="1091520"/>
+            <a:ext cx="3422160" cy="1091160"/>
           </a:xfrm>
           <a:prstGeom prst="wedgeRectCallout">
             <a:avLst>
@@ -16332,7 +15783,7 @@
       </p:grpSpPr>
       <p:sp>
         <p:nvSpPr>
-          <p:cNvPr id="110" name="PlaceHolder 1"/>
+          <p:cNvPr id="98" name="PlaceHolder 1"/>
           <p:cNvSpPr>
             <a:spLocks noGrp="1"/>
           </p:cNvSpPr>
@@ -16343,7 +15794,7 @@
         <p:spPr>
           <a:xfrm>
             <a:off x="500400" y="441000"/>
-            <a:ext cx="8520120" cy="1305720"/>
+            <a:ext cx="8519760" cy="1305360"/>
           </a:xfrm>
           <a:prstGeom prst="rect">
             <a:avLst/>
@@ -16388,7 +15839,7 @@
       </p:sp>
       <p:sp>
         <p:nvSpPr>
-          <p:cNvPr id="111" name="PlaceHolder 2"/>
+          <p:cNvPr id="99" name="PlaceHolder 2"/>
           <p:cNvSpPr>
             <a:spLocks noGrp="1"/>
           </p:cNvSpPr>
@@ -16399,7 +15850,7 @@
         <p:spPr>
           <a:xfrm>
             <a:off x="500400" y="1825920"/>
-            <a:ext cx="3921120" cy="3485880"/>
+            <a:ext cx="3920760" cy="3485520"/>
           </a:xfrm>
           <a:prstGeom prst="rect">
             <a:avLst/>
@@ -16411,7 +15862,7 @@
         </p:spPr>
         <p:txBody>
           <a:bodyPr lIns="91440" rIns="91440" tIns="91440" bIns="91440" anchor="t">
-            <a:normAutofit fontScale="93486"/>
+            <a:normAutofit fontScale="93333"/>
           </a:bodyPr>
           <a:p>
             <a:pPr marL="457200" indent="-336600">
@@ -16629,19 +16080,19 @@
       </p:sp>
       <p:pic>
         <p:nvPicPr>
-          <p:cNvPr id="112" name="Google Shape;191;p37" descr=""/>
+          <p:cNvPr id="100" name="Google Shape;191;p37" descr=""/>
           <p:cNvPicPr/>
           <p:nvPr/>
         </p:nvPicPr>
         <p:blipFill>
           <a:blip r:embed="rId1"/>
-          <a:srcRect l="30640" t="28547" r="28518" b="10488"/>
+          <a:srcRect l="30636" t="28544" r="28514" b="10486"/>
           <a:stretch/>
         </p:blipFill>
         <p:spPr>
           <a:xfrm>
             <a:off x="5189040" y="1711800"/>
-            <a:ext cx="3594600" cy="3576600"/>
+            <a:ext cx="3594240" cy="3576240"/>
           </a:xfrm>
           <a:prstGeom prst="rect">
             <a:avLst/>
@@ -16683,7 +16134,7 @@
       </p:grpSpPr>
       <p:sp>
         <p:nvSpPr>
-          <p:cNvPr id="113" name="PlaceHolder 1"/>
+          <p:cNvPr id="101" name="PlaceHolder 1"/>
           <p:cNvSpPr>
             <a:spLocks noGrp="1"/>
           </p:cNvSpPr>
@@ -16694,7 +16145,7 @@
         <p:spPr>
           <a:xfrm>
             <a:off x="500400" y="441000"/>
-            <a:ext cx="8520120" cy="1305720"/>
+            <a:ext cx="8519760" cy="1305360"/>
           </a:xfrm>
           <a:prstGeom prst="rect">
             <a:avLst/>
@@ -16773,14 +16224,14 @@
       </p:sp>
       <p:sp>
         <p:nvSpPr>
-          <p:cNvPr id="114" name="Google Shape;197;p38"/>
+          <p:cNvPr id="102" name="Google Shape;197;p38"/>
           <p:cNvSpPr/>
           <p:nvPr/>
         </p:nvSpPr>
         <p:spPr>
           <a:xfrm>
             <a:off x="4768560" y="4502520"/>
-            <a:ext cx="3422520" cy="1091520"/>
+            <a:ext cx="3422160" cy="1091160"/>
           </a:xfrm>
           <a:prstGeom prst="wedgeRectCallout">
             <a:avLst>

--- a/Защита проекта.pptx
+++ b/Защита проекта.pptx
@@ -87,7 +87,7 @@
         <p:txBody>
           <a:bodyPr/>
           <a:p>
-            <a:fld id="{CC277DF2-629B-43A9-ABB9-0A38CD399A88}" type="slidenum">
+            <a:fld id="{9A30E29F-DB37-4F1F-AD4B-85EBF294ACEC}" type="slidenum">
               <a:t>&lt;#&gt;</a:t>
             </a:fld>
           </a:p>
@@ -255,7 +255,7 @@
         <p:txBody>
           <a:bodyPr/>
           <a:p>
-            <a:fld id="{AEAA31F3-9047-40F4-BBC1-F0CE8DAE8AEC}" type="slidenum">
+            <a:fld id="{BF640043-85ED-4101-A1BB-E388C947C89C}" type="slidenum">
               <a:t>&lt;#&gt;</a:t>
             </a:fld>
           </a:p>
@@ -337,7 +337,7 @@
         <p:txBody>
           <a:bodyPr/>
           <a:p>
-            <a:fld id="{124A33DF-FBF8-4FC7-AF9D-BD9BD3F7641C}" type="slidenum">
+            <a:fld id="{4A7C0095-C4F8-435D-97DB-45E30B46B98B}" type="slidenum">
               <a:t>&lt;#&gt;</a:t>
             </a:fld>
           </a:p>
@@ -379,7 +379,7 @@
         <p:txBody>
           <a:bodyPr/>
           <a:p>
-            <a:fld id="{E18343EA-4976-43D7-87F3-CC27B2B5B6D2}" type="slidenum">
+            <a:fld id="{AEC055AC-CC32-43E6-8E8F-FA5B589250B7}" type="slidenum">
               <a:t>&lt;#&gt;</a:t>
             </a:fld>
           </a:p>
@@ -443,7 +443,7 @@
         <p:txBody>
           <a:bodyPr/>
           <a:p>
-            <a:fld id="{5326923D-A649-42FD-8454-7006807A47AB}" type="slidenum">
+            <a:fld id="{CD2B2101-0F53-4BD4-AC74-EC66AEE4C2AF}" type="slidenum">
               <a:t>&lt;#&gt;</a:t>
             </a:fld>
           </a:p>
@@ -719,7 +719,7 @@
         <p:txBody>
           <a:bodyPr/>
           <a:p>
-            <a:fld id="{36F08836-84ED-43D2-962A-C92F57AA0C15}" type="slidenum">
+            <a:fld id="{E0483C7E-40E6-44B8-B7F3-15BFF873307D}" type="slidenum">
               <a:t>&lt;#&gt;</a:t>
             </a:fld>
           </a:p>
@@ -844,7 +844,7 @@
         <p:txBody>
           <a:bodyPr/>
           <a:p>
-            <a:fld id="{4ACFF2E4-9709-4A2A-BE0E-03BF409A4912}" type="slidenum">
+            <a:fld id="{82EEFD71-A6CE-4CEE-9743-312175CFCB0F}" type="slidenum">
               <a:t>&lt;#&gt;</a:t>
             </a:fld>
           </a:p>
@@ -1012,7 +1012,7 @@
         <p:txBody>
           <a:bodyPr/>
           <a:p>
-            <a:fld id="{888B3132-2A6B-4FBD-83D4-F5457C2A28C4}" type="slidenum">
+            <a:fld id="{87D8EB0C-B94F-4F82-8258-16596CF9A473}" type="slidenum">
               <a:t>&lt;#&gt;</a:t>
             </a:fld>
           </a:p>
@@ -1054,7 +1054,7 @@
         <p:txBody>
           <a:bodyPr/>
           <a:p>
-            <a:fld id="{AAE17244-7EC1-4307-B5A4-505780DE623D}" type="slidenum">
+            <a:fld id="{77418662-6C13-448D-B445-43BB60BDB4EB}" type="slidenum">
               <a:t>&lt;#&gt;</a:t>
             </a:fld>
           </a:p>
@@ -1118,7 +1118,7 @@
         <p:txBody>
           <a:bodyPr/>
           <a:p>
-            <a:fld id="{816193DE-6161-4A84-B9FF-627E36FB8D19}" type="slidenum">
+            <a:fld id="{CD33ED17-4157-48E3-A03F-69A38804D50E}" type="slidenum">
               <a:t>&lt;#&gt;</a:t>
             </a:fld>
           </a:p>
@@ -1160,7 +1160,7 @@
         <p:txBody>
           <a:bodyPr/>
           <a:p>
-            <a:fld id="{EAA4AB46-EA31-4A5D-A3E6-BB7C5528A58F}" type="slidenum">
+            <a:fld id="{0E0AC29B-2002-41BA-B25A-352A8346345B}" type="slidenum">
               <a:t>&lt;#&gt;</a:t>
             </a:fld>
           </a:p>
@@ -1392,7 +1392,7 @@
         <p:txBody>
           <a:bodyPr/>
           <a:p>
-            <a:fld id="{5F38F13F-A7A9-4E7E-8CEC-465AEA71BCED}" type="slidenum">
+            <a:fld id="{4D6766D8-8B99-4E1B-A17E-F241AC39AE5B}" type="slidenum">
               <a:t>&lt;#&gt;</a:t>
             </a:fld>
           </a:p>
@@ -1517,7 +1517,7 @@
         <p:txBody>
           <a:bodyPr/>
           <a:p>
-            <a:fld id="{8E2816FF-98EF-4EF6-8FC5-187C70BFB97F}" type="slidenum">
+            <a:fld id="{CC6F3322-2B2D-4F4E-BEFE-0556FC632092}" type="slidenum">
               <a:t>&lt;#&gt;</a:t>
             </a:fld>
           </a:p>
@@ -1566,7 +1566,7 @@
         <p:spPr>
           <a:xfrm>
             <a:off x="8472600" y="6217560"/>
-            <a:ext cx="547920" cy="524160"/>
+            <a:ext cx="547560" cy="523800"/>
           </a:xfrm>
           <a:prstGeom prst="rect">
             <a:avLst/>
@@ -1608,7 +1608,7 @@
                 <a:tab algn="l" pos="0"/>
               </a:tabLst>
             </a:pPr>
-            <a:fld id="{0C790D30-C3E4-48A2-ABBE-6707C9A27B4A}" type="slidenum">
+            <a:fld id="{50196A5F-5867-442F-98C7-6F4FA4566A99}" type="slidenum">
               <a:rPr b="0" lang="ru" sz="1000" spc="-1" strike="noStrike">
                 <a:solidFill>
                   <a:schemeClr val="dk2"/>
@@ -1616,7 +1616,7 @@
                 <a:latin typeface="Arial"/>
                 <a:ea typeface="Arial"/>
               </a:rPr>
-              <a:t>10</a:t>
+              <a:t>9</a:t>
             </a:fld>
             <a:endParaRPr b="0" lang="ru-RU" sz="1000" spc="-1" strike="noStrike">
               <a:solidFill>
@@ -1673,8 +1673,8 @@
         </p:nvSpPr>
         <p:spPr>
           <a:xfrm>
-            <a:off x="500400" y="441000"/>
-            <a:ext cx="8519760" cy="1305360"/>
+            <a:off x="457200" y="221040"/>
+            <a:ext cx="8228880" cy="1249920"/>
           </a:xfrm>
           <a:prstGeom prst="rect">
             <a:avLst/>
@@ -2173,7 +2173,7 @@
         <p:spPr>
           <a:xfrm>
             <a:off x="8472600" y="6217560"/>
-            <a:ext cx="547920" cy="524160"/>
+            <a:ext cx="547560" cy="523800"/>
           </a:xfrm>
           <a:prstGeom prst="rect">
             <a:avLst/>
@@ -2215,7 +2215,7 @@
                 <a:tab algn="l" pos="0"/>
               </a:tabLst>
             </a:pPr>
-            <a:fld id="{7E029B95-C48D-48C1-9F28-1A171FFA8040}" type="slidenum">
+            <a:fld id="{1ADD3967-30E9-4EFB-B1AC-2D15315EE694}" type="slidenum">
               <a:rPr b="0" lang="ru" sz="1000" spc="-1" strike="noStrike">
                 <a:solidFill>
                   <a:schemeClr val="dk2"/>
@@ -2280,8 +2280,8 @@
         </p:nvSpPr>
         <p:spPr>
           <a:xfrm>
-            <a:off x="500400" y="441000"/>
-            <a:ext cx="8519760" cy="1305360"/>
+            <a:off x="457200" y="221040"/>
+            <a:ext cx="8228880" cy="1249920"/>
           </a:xfrm>
           <a:prstGeom prst="rect">
             <a:avLst/>
@@ -2330,7 +2330,7 @@
         <p:spPr>
           <a:xfrm>
             <a:off x="8472600" y="6217560"/>
-            <a:ext cx="547920" cy="524160"/>
+            <a:ext cx="547560" cy="523800"/>
           </a:xfrm>
           <a:prstGeom prst="rect">
             <a:avLst/>
@@ -2372,7 +2372,7 @@
                 <a:tab algn="l" pos="0"/>
               </a:tabLst>
             </a:pPr>
-            <a:fld id="{64CE067E-EA2E-456D-B1DE-3F5E3A785719}" type="slidenum">
+            <a:fld id="{FAAA4B5B-D494-4D82-8D6F-85ED4452702B}" type="slidenum">
               <a:rPr b="0" lang="ru" sz="1000" spc="-1" strike="noStrike">
                 <a:solidFill>
                   <a:schemeClr val="dk2"/>
@@ -2663,7 +2663,7 @@
         <p:spPr>
           <a:xfrm>
             <a:off x="0" y="0"/>
-            <a:ext cx="9143280" cy="6857280"/>
+            <a:ext cx="9142920" cy="6856920"/>
           </a:xfrm>
           <a:prstGeom prst="rect">
             <a:avLst/>
@@ -2686,7 +2686,7 @@
         <p:spPr>
           <a:xfrm>
             <a:off x="8472600" y="6217560"/>
-            <a:ext cx="547920" cy="524160"/>
+            <a:ext cx="547560" cy="523800"/>
           </a:xfrm>
           <a:prstGeom prst="rect">
             <a:avLst/>
@@ -2728,7 +2728,7 @@
                 <a:tab algn="l" pos="0"/>
               </a:tabLst>
             </a:pPr>
-            <a:fld id="{3BBA4013-37E3-4E9F-B6A5-520D95A92A12}" type="slidenum">
+            <a:fld id="{59460555-EFCC-466B-B580-EEBAB08488C1}" type="slidenum">
               <a:rPr b="0" lang="ru" sz="1000" spc="-1" strike="noStrike">
                 <a:solidFill>
                   <a:schemeClr val="dk2"/>
@@ -3098,7 +3098,7 @@
         <p:spPr>
           <a:xfrm>
             <a:off x="4572000" y="0"/>
-            <a:ext cx="4571280" cy="6857280"/>
+            <a:ext cx="4570920" cy="6856920"/>
           </a:xfrm>
           <a:prstGeom prst="rect">
             <a:avLst/>
@@ -3151,7 +3151,7 @@
         <p:spPr>
           <a:xfrm>
             <a:off x="8472600" y="6217560"/>
-            <a:ext cx="547920" cy="524160"/>
+            <a:ext cx="547560" cy="523800"/>
           </a:xfrm>
           <a:prstGeom prst="rect">
             <a:avLst/>
@@ -3193,7 +3193,7 @@
                 <a:tab algn="l" pos="0"/>
               </a:tabLst>
             </a:pPr>
-            <a:fld id="{AE74E01B-C2E7-4385-8B33-42F31ACB224E}" type="slidenum">
+            <a:fld id="{815D6755-C7A5-4A0F-9D07-ED7B1002BD09}" type="slidenum">
               <a:rPr b="0" lang="ru" sz="1000" spc="-1" strike="noStrike">
                 <a:solidFill>
                   <a:schemeClr val="dk2"/>
@@ -3563,7 +3563,7 @@
         <p:spPr>
           <a:xfrm>
             <a:off x="606240" y="1616760"/>
-            <a:ext cx="7938000" cy="4752360"/>
+            <a:ext cx="7937640" cy="4752000"/>
           </a:xfrm>
           <a:prstGeom prst="rect">
             <a:avLst/>
@@ -3646,7 +3646,7 @@
         <p:spPr>
           <a:xfrm>
             <a:off x="606240" y="1616760"/>
-            <a:ext cx="7938000" cy="4752360"/>
+            <a:ext cx="7937640" cy="4752000"/>
           </a:xfrm>
           <a:prstGeom prst="rect">
             <a:avLst/>
@@ -3729,7 +3729,7 @@
         <p:spPr>
           <a:xfrm>
             <a:off x="606240" y="2859120"/>
-            <a:ext cx="7938000" cy="3285360"/>
+            <a:ext cx="7937640" cy="3285000"/>
           </a:xfrm>
           <a:prstGeom prst="rect">
             <a:avLst/>
@@ -3812,7 +3812,7 @@
         <p:spPr>
           <a:xfrm>
             <a:off x="362160" y="1616760"/>
-            <a:ext cx="4748040" cy="4752360"/>
+            <a:ext cx="4747680" cy="4752000"/>
           </a:xfrm>
           <a:prstGeom prst="rect">
             <a:avLst/>
@@ -3924,7 +3924,322 @@
                 </a:solidFill>
                 <a:latin typeface="Arial"/>
               </a:rPr>
-              <a:t>Для правки текста заглавия щёлкните мышью</a:t>
+              <a:t>Д</a:t>
+            </a:r>
+            <a:r>
+              <a:rPr b="0" lang="ru-RU" sz="4400" spc="-1" strike="noStrike">
+                <a:solidFill>
+                  <a:srgbClr val="000000"/>
+                </a:solidFill>
+                <a:latin typeface="Arial"/>
+              </a:rPr>
+              <a:t>л</a:t>
+            </a:r>
+            <a:r>
+              <a:rPr b="0" lang="ru-RU" sz="4400" spc="-1" strike="noStrike">
+                <a:solidFill>
+                  <a:srgbClr val="000000"/>
+                </a:solidFill>
+                <a:latin typeface="Arial"/>
+              </a:rPr>
+              <a:t>я </a:t>
+            </a:r>
+            <a:r>
+              <a:rPr b="0" lang="ru-RU" sz="4400" spc="-1" strike="noStrike">
+                <a:solidFill>
+                  <a:srgbClr val="000000"/>
+                </a:solidFill>
+                <a:latin typeface="Arial"/>
+              </a:rPr>
+              <a:t>п</a:t>
+            </a:r>
+            <a:r>
+              <a:rPr b="0" lang="ru-RU" sz="4400" spc="-1" strike="noStrike">
+                <a:solidFill>
+                  <a:srgbClr val="000000"/>
+                </a:solidFill>
+                <a:latin typeface="Arial"/>
+              </a:rPr>
+              <a:t>р</a:t>
+            </a:r>
+            <a:r>
+              <a:rPr b="0" lang="ru-RU" sz="4400" spc="-1" strike="noStrike">
+                <a:solidFill>
+                  <a:srgbClr val="000000"/>
+                </a:solidFill>
+                <a:latin typeface="Arial"/>
+              </a:rPr>
+              <a:t>а</a:t>
+            </a:r>
+            <a:r>
+              <a:rPr b="0" lang="ru-RU" sz="4400" spc="-1" strike="noStrike">
+                <a:solidFill>
+                  <a:srgbClr val="000000"/>
+                </a:solidFill>
+                <a:latin typeface="Arial"/>
+              </a:rPr>
+              <a:t>в</a:t>
+            </a:r>
+            <a:r>
+              <a:rPr b="0" lang="ru-RU" sz="4400" spc="-1" strike="noStrike">
+                <a:solidFill>
+                  <a:srgbClr val="000000"/>
+                </a:solidFill>
+                <a:latin typeface="Arial"/>
+              </a:rPr>
+              <a:t>к</a:t>
+            </a:r>
+            <a:r>
+              <a:rPr b="0" lang="ru-RU" sz="4400" spc="-1" strike="noStrike">
+                <a:solidFill>
+                  <a:srgbClr val="000000"/>
+                </a:solidFill>
+                <a:latin typeface="Arial"/>
+              </a:rPr>
+              <a:t>и </a:t>
+            </a:r>
+            <a:r>
+              <a:rPr b="0" lang="ru-RU" sz="4400" spc="-1" strike="noStrike">
+                <a:solidFill>
+                  <a:srgbClr val="000000"/>
+                </a:solidFill>
+                <a:latin typeface="Arial"/>
+              </a:rPr>
+              <a:t>т</a:t>
+            </a:r>
+            <a:r>
+              <a:rPr b="0" lang="ru-RU" sz="4400" spc="-1" strike="noStrike">
+                <a:solidFill>
+                  <a:srgbClr val="000000"/>
+                </a:solidFill>
+                <a:latin typeface="Arial"/>
+              </a:rPr>
+              <a:t>е</a:t>
+            </a:r>
+            <a:r>
+              <a:rPr b="0" lang="ru-RU" sz="4400" spc="-1" strike="noStrike">
+                <a:solidFill>
+                  <a:srgbClr val="000000"/>
+                </a:solidFill>
+                <a:latin typeface="Arial"/>
+              </a:rPr>
+              <a:t>к</a:t>
+            </a:r>
+            <a:r>
+              <a:rPr b="0" lang="ru-RU" sz="4400" spc="-1" strike="noStrike">
+                <a:solidFill>
+                  <a:srgbClr val="000000"/>
+                </a:solidFill>
+                <a:latin typeface="Arial"/>
+              </a:rPr>
+              <a:t>с</a:t>
+            </a:r>
+            <a:r>
+              <a:rPr b="0" lang="ru-RU" sz="4400" spc="-1" strike="noStrike">
+                <a:solidFill>
+                  <a:srgbClr val="000000"/>
+                </a:solidFill>
+                <a:latin typeface="Arial"/>
+              </a:rPr>
+              <a:t>т</a:t>
+            </a:r>
+            <a:r>
+              <a:rPr b="0" lang="ru-RU" sz="4400" spc="-1" strike="noStrike">
+                <a:solidFill>
+                  <a:srgbClr val="000000"/>
+                </a:solidFill>
+                <a:latin typeface="Arial"/>
+              </a:rPr>
+              <a:t>а </a:t>
+            </a:r>
+            <a:r>
+              <a:rPr b="0" lang="ru-RU" sz="4400" spc="-1" strike="noStrike">
+                <a:solidFill>
+                  <a:srgbClr val="000000"/>
+                </a:solidFill>
+                <a:latin typeface="Arial"/>
+              </a:rPr>
+              <a:t>з</a:t>
+            </a:r>
+            <a:r>
+              <a:rPr b="0" lang="ru-RU" sz="4400" spc="-1" strike="noStrike">
+                <a:solidFill>
+                  <a:srgbClr val="000000"/>
+                </a:solidFill>
+                <a:latin typeface="Arial"/>
+              </a:rPr>
+              <a:t>а</a:t>
+            </a:r>
+            <a:r>
+              <a:rPr b="0" lang="ru-RU" sz="4400" spc="-1" strike="noStrike">
+                <a:solidFill>
+                  <a:srgbClr val="000000"/>
+                </a:solidFill>
+                <a:latin typeface="Arial"/>
+              </a:rPr>
+              <a:t>г</a:t>
+            </a:r>
+            <a:r>
+              <a:rPr b="0" lang="ru-RU" sz="4400" spc="-1" strike="noStrike">
+                <a:solidFill>
+                  <a:srgbClr val="000000"/>
+                </a:solidFill>
+                <a:latin typeface="Arial"/>
+              </a:rPr>
+              <a:t>л</a:t>
+            </a:r>
+            <a:r>
+              <a:rPr b="0" lang="ru-RU" sz="4400" spc="-1" strike="noStrike">
+                <a:solidFill>
+                  <a:srgbClr val="000000"/>
+                </a:solidFill>
+                <a:latin typeface="Arial"/>
+              </a:rPr>
+              <a:t>а</a:t>
+            </a:r>
+            <a:r>
+              <a:rPr b="0" lang="ru-RU" sz="4400" spc="-1" strike="noStrike">
+                <a:solidFill>
+                  <a:srgbClr val="000000"/>
+                </a:solidFill>
+                <a:latin typeface="Arial"/>
+              </a:rPr>
+              <a:t>в</a:t>
+            </a:r>
+            <a:r>
+              <a:rPr b="0" lang="ru-RU" sz="4400" spc="-1" strike="noStrike">
+                <a:solidFill>
+                  <a:srgbClr val="000000"/>
+                </a:solidFill>
+                <a:latin typeface="Arial"/>
+              </a:rPr>
+              <a:t>и</a:t>
+            </a:r>
+            <a:r>
+              <a:rPr b="0" lang="ru-RU" sz="4400" spc="-1" strike="noStrike">
+                <a:solidFill>
+                  <a:srgbClr val="000000"/>
+                </a:solidFill>
+                <a:latin typeface="Arial"/>
+              </a:rPr>
+              <a:t>я </a:t>
+            </a:r>
+            <a:r>
+              <a:rPr b="0" lang="ru-RU" sz="4400" spc="-1" strike="noStrike">
+                <a:solidFill>
+                  <a:srgbClr val="000000"/>
+                </a:solidFill>
+                <a:latin typeface="Arial"/>
+              </a:rPr>
+              <a:t>щ</a:t>
+            </a:r>
+            <a:r>
+              <a:rPr b="0" lang="ru-RU" sz="4400" spc="-1" strike="noStrike">
+                <a:solidFill>
+                  <a:srgbClr val="000000"/>
+                </a:solidFill>
+                <a:latin typeface="Arial"/>
+              </a:rPr>
+              <a:t>ё</a:t>
+            </a:r>
+            <a:r>
+              <a:rPr b="0" lang="ru-RU" sz="4400" spc="-1" strike="noStrike">
+                <a:solidFill>
+                  <a:srgbClr val="000000"/>
+                </a:solidFill>
+                <a:latin typeface="Arial"/>
+              </a:rPr>
+              <a:t>л</a:t>
+            </a:r>
+            <a:r>
+              <a:rPr b="0" lang="ru-RU" sz="4400" spc="-1" strike="noStrike">
+                <a:solidFill>
+                  <a:srgbClr val="000000"/>
+                </a:solidFill>
+                <a:latin typeface="Arial"/>
+              </a:rPr>
+              <a:t>к</a:t>
+            </a:r>
+            <a:r>
+              <a:rPr b="0" lang="ru-RU" sz="4400" spc="-1" strike="noStrike">
+                <a:solidFill>
+                  <a:srgbClr val="000000"/>
+                </a:solidFill>
+                <a:latin typeface="Arial"/>
+              </a:rPr>
+              <a:t>н</a:t>
+            </a:r>
+            <a:r>
+              <a:rPr b="0" lang="ru-RU" sz="4400" spc="-1" strike="noStrike">
+                <a:solidFill>
+                  <a:srgbClr val="000000"/>
+                </a:solidFill>
+                <a:latin typeface="Arial"/>
+              </a:rPr>
+              <a:t>и</a:t>
+            </a:r>
+            <a:r>
+              <a:rPr b="0" lang="ru-RU" sz="4400" spc="-1" strike="noStrike">
+                <a:solidFill>
+                  <a:srgbClr val="000000"/>
+                </a:solidFill>
+                <a:latin typeface="Arial"/>
+              </a:rPr>
+              <a:t>т</a:t>
+            </a:r>
+            <a:r>
+              <a:rPr b="0" lang="ru-RU" sz="4400" spc="-1" strike="noStrike">
+                <a:solidFill>
+                  <a:srgbClr val="000000"/>
+                </a:solidFill>
+                <a:latin typeface="Arial"/>
+              </a:rPr>
+              <a:t>е </a:t>
+            </a:r>
+            <a:r>
+              <a:rPr b="0" lang="ru-RU" sz="4400" spc="-1" strike="noStrike">
+                <a:solidFill>
+                  <a:srgbClr val="000000"/>
+                </a:solidFill>
+                <a:latin typeface="Arial"/>
+              </a:rPr>
+              <a:t>м</a:t>
+            </a:r>
+            <a:r>
+              <a:rPr b="0" lang="ru-RU" sz="4400" spc="-1" strike="noStrike">
+                <a:solidFill>
+                  <a:srgbClr val="000000"/>
+                </a:solidFill>
+                <a:latin typeface="Arial"/>
+              </a:rPr>
+              <a:t>ы</a:t>
+            </a:r>
+            <a:r>
+              <a:rPr b="0" lang="ru-RU" sz="4400" spc="-1" strike="noStrike">
+                <a:solidFill>
+                  <a:srgbClr val="000000"/>
+                </a:solidFill>
+                <a:latin typeface="Arial"/>
+              </a:rPr>
+              <a:t>ш</a:t>
+            </a:r>
+            <a:r>
+              <a:rPr b="0" lang="ru-RU" sz="4400" spc="-1" strike="noStrike">
+                <a:solidFill>
+                  <a:srgbClr val="000000"/>
+                </a:solidFill>
+                <a:latin typeface="Arial"/>
+              </a:rPr>
+              <a:t>ь</a:t>
+            </a:r>
+            <a:r>
+              <a:rPr b="0" lang="ru-RU" sz="4400" spc="-1" strike="noStrike">
+                <a:solidFill>
+                  <a:srgbClr val="000000"/>
+                </a:solidFill>
+                <a:latin typeface="Arial"/>
+              </a:rPr>
+              <a:t>ю</a:t>
             </a:r>
             <a:endParaRPr b="0" lang="ru-RU" sz="4400" spc="-1" strike="noStrike">
               <a:solidFill>
@@ -4207,7 +4522,7 @@
         <p:spPr>
           <a:xfrm>
             <a:off x="-18000" y="-13320"/>
-            <a:ext cx="9179280" cy="6884280"/>
+            <a:ext cx="9178920" cy="6883920"/>
           </a:xfrm>
           <a:prstGeom prst="rect">
             <a:avLst/>
@@ -4229,8 +4544,8 @@
         </p:nvSpPr>
         <p:spPr>
           <a:xfrm>
-            <a:off x="500400" y="441000"/>
-            <a:ext cx="8519760" cy="1305360"/>
+            <a:off x="457200" y="221040"/>
+            <a:ext cx="8228880" cy="1249920"/>
           </a:xfrm>
           <a:prstGeom prst="rect">
             <a:avLst/>
@@ -4313,7 +4628,7 @@
         <p:spPr>
           <a:xfrm>
             <a:off x="8472600" y="6217560"/>
-            <a:ext cx="547920" cy="524160"/>
+            <a:ext cx="547560" cy="523800"/>
           </a:xfrm>
           <a:prstGeom prst="rect">
             <a:avLst/>
@@ -4355,7 +4670,7 @@
                 <a:tab algn="l" pos="0"/>
               </a:tabLst>
             </a:pPr>
-            <a:fld id="{4849C0AE-42C8-4AB6-AD08-647C9DC9B0FC}" type="slidenum">
+            <a:fld id="{F6B6D34E-C64D-480E-B655-C55D954AE12D}" type="slidenum">
               <a:rPr b="0" lang="ru" sz="1000" spc="-1" strike="noStrike">
                 <a:solidFill>
                   <a:schemeClr val="dk2"/>
@@ -4420,8 +4735,8 @@
         </p:nvSpPr>
         <p:spPr>
           <a:xfrm>
-            <a:off x="500400" y="441000"/>
-            <a:ext cx="8519760" cy="1305360"/>
+            <a:off x="457200" y="221040"/>
+            <a:ext cx="8228880" cy="1249920"/>
           </a:xfrm>
           <a:prstGeom prst="rect">
             <a:avLst/>
@@ -4695,7 +5010,7 @@
         <p:spPr>
           <a:xfrm>
             <a:off x="8472600" y="6217560"/>
-            <a:ext cx="547920" cy="524160"/>
+            <a:ext cx="547560" cy="523800"/>
           </a:xfrm>
           <a:prstGeom prst="rect">
             <a:avLst/>
@@ -4737,7 +5052,7 @@
                 <a:tab algn="l" pos="0"/>
               </a:tabLst>
             </a:pPr>
-            <a:fld id="{55927C89-ABDD-4FD2-9672-3ED9DD9BFB28}" type="slidenum">
+            <a:fld id="{26366CFA-B759-4C8E-80DF-B7FAF3993556}" type="slidenum">
               <a:rPr b="0" lang="ru" sz="1000" spc="-1" strike="noStrike">
                 <a:solidFill>
                   <a:schemeClr val="dk2"/>
@@ -4802,8 +5117,8 @@
         </p:nvSpPr>
         <p:spPr>
           <a:xfrm>
-            <a:off x="500400" y="441000"/>
-            <a:ext cx="8519760" cy="1305360"/>
+            <a:off x="457200" y="221040"/>
+            <a:ext cx="8228880" cy="1249920"/>
           </a:xfrm>
           <a:prstGeom prst="rect">
             <a:avLst/>
@@ -5302,7 +5617,7 @@
         <p:spPr>
           <a:xfrm>
             <a:off x="8472600" y="6217560"/>
-            <a:ext cx="547920" cy="524160"/>
+            <a:ext cx="547560" cy="523800"/>
           </a:xfrm>
           <a:prstGeom prst="rect">
             <a:avLst/>
@@ -5344,7 +5659,7 @@
                 <a:tab algn="l" pos="0"/>
               </a:tabLst>
             </a:pPr>
-            <a:fld id="{0D934A7E-CE0F-4B2A-BFA5-D896876C9F8F}" type="slidenum">
+            <a:fld id="{48D5B7F6-F736-434D-A349-17A164CFAA85}" type="slidenum">
               <a:rPr b="0" lang="ru" sz="1000" spc="-1" strike="noStrike">
                 <a:solidFill>
                   <a:schemeClr val="dk2"/>
@@ -5410,7 +5725,7 @@
         <p:spPr>
           <a:xfrm>
             <a:off x="0" y="0"/>
-            <a:ext cx="9143280" cy="6857280"/>
+            <a:ext cx="9142920" cy="6856920"/>
           </a:xfrm>
           <a:prstGeom prst="rect">
             <a:avLst/>
@@ -5433,7 +5748,7 @@
         <p:spPr>
           <a:xfrm>
             <a:off x="8472600" y="6217560"/>
-            <a:ext cx="547920" cy="524160"/>
+            <a:ext cx="547560" cy="523800"/>
           </a:xfrm>
           <a:prstGeom prst="rect">
             <a:avLst/>
@@ -5475,7 +5790,7 @@
                 <a:tab algn="l" pos="0"/>
               </a:tabLst>
             </a:pPr>
-            <a:fld id="{C88D7920-28D1-47D0-A170-12E82626D2A1}" type="slidenum">
+            <a:fld id="{39FCEECB-0F1F-4372-B6BE-65037CD16479}" type="slidenum">
               <a:rPr b="0" lang="ru" sz="1000" spc="-1" strike="noStrike">
                 <a:solidFill>
                   <a:schemeClr val="dk2"/>
@@ -5571,7 +5886,7 @@
         <p:spPr>
           <a:xfrm>
             <a:off x="4572000" y="0"/>
-            <a:ext cx="4571280" cy="6857280"/>
+            <a:ext cx="4570920" cy="6856920"/>
           </a:xfrm>
           <a:prstGeom prst="rect">
             <a:avLst/>
@@ -5624,7 +5939,7 @@
         <p:spPr>
           <a:xfrm>
             <a:off x="8472600" y="6217560"/>
-            <a:ext cx="547920" cy="524160"/>
+            <a:ext cx="547560" cy="523800"/>
           </a:xfrm>
           <a:prstGeom prst="rect">
             <a:avLst/>
@@ -5666,7 +5981,7 @@
                 <a:tab algn="l" pos="0"/>
               </a:tabLst>
             </a:pPr>
-            <a:fld id="{ECEF73FD-A8A4-43D7-8DC4-ACD9A6DCFC33}" type="slidenum">
+            <a:fld id="{838F5AD3-0D09-46D0-8B03-AFA39B3B8815}" type="slidenum">
               <a:rPr b="0" lang="ru" sz="1000" spc="-1" strike="noStrike">
                 <a:solidFill>
                   <a:schemeClr val="dk2"/>
@@ -5732,7 +6047,7 @@
         <p:spPr>
           <a:xfrm>
             <a:off x="8472600" y="6217560"/>
-            <a:ext cx="547920" cy="524160"/>
+            <a:ext cx="547560" cy="523800"/>
           </a:xfrm>
           <a:prstGeom prst="rect">
             <a:avLst/>
@@ -5774,7 +6089,7 @@
                 <a:tab algn="l" pos="0"/>
               </a:tabLst>
             </a:pPr>
-            <a:fld id="{180D7847-31B1-4235-9291-312A451D0A95}" type="slidenum">
+            <a:fld id="{6AD1061A-2D65-446A-A7FE-9AC3AFF87BAC}" type="slidenum">
               <a:rPr b="0" lang="ru" sz="1000" spc="-1" strike="noStrike">
                 <a:solidFill>
                   <a:schemeClr val="dk2"/>
@@ -5836,7 +6151,7 @@
         <p:spPr>
           <a:xfrm>
             <a:off x="606240" y="1616760"/>
-            <a:ext cx="7938000" cy="4752360"/>
+            <a:ext cx="7937640" cy="4752000"/>
           </a:xfrm>
           <a:prstGeom prst="rect">
             <a:avLst/>
@@ -5971,7 +6286,25 @@
                 </a:solidFill>
                 <a:latin typeface="Arial"/>
               </a:rPr>
-              <a:t>Для правки структуры щёлкните мышью</a:t>
+              <a:t>Для правки </a:t>
+            </a:r>
+            <a:r>
+              <a:rPr b="0" lang="ru-RU" sz="3200" spc="-1" strike="noStrike">
+                <a:solidFill>
+                  <a:srgbClr val="000000"/>
+                </a:solidFill>
+                <a:latin typeface="Arial"/>
+              </a:rPr>
+              <a:t>структуры </a:t>
+            </a:r>
+            <a:r>
+              <a:rPr b="0" lang="ru-RU" sz="3200" spc="-1" strike="noStrike">
+                <a:solidFill>
+                  <a:srgbClr val="000000"/>
+                </a:solidFill>
+                <a:latin typeface="Arial"/>
+              </a:rPr>
+              <a:t>щёлкните мышью</a:t>
             </a:r>
             <a:endParaRPr b="0" lang="ru-RU" sz="3200" spc="-1" strike="noStrike">
               <a:solidFill>
@@ -5999,7 +6332,16 @@
                 </a:solidFill>
                 <a:latin typeface="Arial"/>
               </a:rPr>
-              <a:t>Второй уровень структуры</a:t>
+              <a:t>Второй уровень </a:t>
+            </a:r>
+            <a:r>
+              <a:rPr b="0" lang="ru-RU" sz="2800" spc="-1" strike="noStrike">
+                <a:solidFill>
+                  <a:srgbClr val="000000"/>
+                </a:solidFill>
+                <a:latin typeface="Arial"/>
+              </a:rPr>
+              <a:t>структуры</a:t>
             </a:r>
             <a:endParaRPr b="0" lang="ru-RU" sz="2800" spc="-1" strike="noStrike">
               <a:solidFill>
@@ -6027,7 +6369,16 @@
                 </a:solidFill>
                 <a:latin typeface="Arial"/>
               </a:rPr>
-              <a:t>Третий уровень структуры</a:t>
+              <a:t>Третий уровень </a:t>
+            </a:r>
+            <a:r>
+              <a:rPr b="0" lang="ru-RU" sz="2400" spc="-1" strike="noStrike">
+                <a:solidFill>
+                  <a:srgbClr val="000000"/>
+                </a:solidFill>
+                <a:latin typeface="Arial"/>
+              </a:rPr>
+              <a:t>структуры</a:t>
             </a:r>
             <a:endParaRPr b="0" lang="ru-RU" sz="2400" spc="-1" strike="noStrike">
               <a:solidFill>
@@ -6055,7 +6406,25 @@
                 </a:solidFill>
                 <a:latin typeface="Arial"/>
               </a:rPr>
-              <a:t>Четвёртый уровень структуры</a:t>
+              <a:t>Четвёртый </a:t>
+            </a:r>
+            <a:r>
+              <a:rPr b="0" lang="ru-RU" sz="2000" spc="-1" strike="noStrike">
+                <a:solidFill>
+                  <a:srgbClr val="000000"/>
+                </a:solidFill>
+                <a:latin typeface="Arial"/>
+              </a:rPr>
+              <a:t>уровень </a:t>
+            </a:r>
+            <a:r>
+              <a:rPr b="0" lang="ru-RU" sz="2000" spc="-1" strike="noStrike">
+                <a:solidFill>
+                  <a:srgbClr val="000000"/>
+                </a:solidFill>
+                <a:latin typeface="Arial"/>
+              </a:rPr>
+              <a:t>структуры</a:t>
             </a:r>
             <a:endParaRPr b="0" lang="ru-RU" sz="2000" spc="-1" strike="noStrike">
               <a:solidFill>
@@ -6083,7 +6452,25 @@
                 </a:solidFill>
                 <a:latin typeface="Arial"/>
               </a:rPr>
-              <a:t>Пятый уровень структуры</a:t>
+              <a:t>Пятый </a:t>
+            </a:r>
+            <a:r>
+              <a:rPr b="0" lang="ru-RU" sz="2000" spc="-1" strike="noStrike">
+                <a:solidFill>
+                  <a:srgbClr val="000000"/>
+                </a:solidFill>
+                <a:latin typeface="Arial"/>
+              </a:rPr>
+              <a:t>уровень </a:t>
+            </a:r>
+            <a:r>
+              <a:rPr b="0" lang="ru-RU" sz="2000" spc="-1" strike="noStrike">
+                <a:solidFill>
+                  <a:srgbClr val="000000"/>
+                </a:solidFill>
+                <a:latin typeface="Arial"/>
+              </a:rPr>
+              <a:t>структуры</a:t>
             </a:r>
             <a:endParaRPr b="0" lang="ru-RU" sz="2000" spc="-1" strike="noStrike">
               <a:solidFill>
@@ -6111,7 +6498,25 @@
                 </a:solidFill>
                 <a:latin typeface="Arial"/>
               </a:rPr>
-              <a:t>Шестой уровень структуры</a:t>
+              <a:t>Шестой </a:t>
+            </a:r>
+            <a:r>
+              <a:rPr b="0" lang="ru-RU" sz="2000" spc="-1" strike="noStrike">
+                <a:solidFill>
+                  <a:srgbClr val="000000"/>
+                </a:solidFill>
+                <a:latin typeface="Arial"/>
+              </a:rPr>
+              <a:t>уровень </a:t>
+            </a:r>
+            <a:r>
+              <a:rPr b="0" lang="ru-RU" sz="2000" spc="-1" strike="noStrike">
+                <a:solidFill>
+                  <a:srgbClr val="000000"/>
+                </a:solidFill>
+                <a:latin typeface="Arial"/>
+              </a:rPr>
+              <a:t>структуры</a:t>
             </a:r>
             <a:endParaRPr b="0" lang="ru-RU" sz="2000" spc="-1" strike="noStrike">
               <a:solidFill>
@@ -6139,7 +6544,52 @@
                 </a:solidFill>
                 <a:latin typeface="Arial"/>
               </a:rPr>
-              <a:t>Седьмой уровень структуры</a:t>
+              <a:t>Седь</a:t>
+            </a:r>
+            <a:r>
+              <a:rPr b="0" lang="ru-RU" sz="2000" spc="-1" strike="noStrike">
+                <a:solidFill>
+                  <a:srgbClr val="000000"/>
+                </a:solidFill>
+                <a:latin typeface="Arial"/>
+              </a:rPr>
+              <a:t>мой </a:t>
+            </a:r>
+            <a:r>
+              <a:rPr b="0" lang="ru-RU" sz="2000" spc="-1" strike="noStrike">
+                <a:solidFill>
+                  <a:srgbClr val="000000"/>
+                </a:solidFill>
+                <a:latin typeface="Arial"/>
+              </a:rPr>
+              <a:t>урове</a:t>
+            </a:r>
+            <a:r>
+              <a:rPr b="0" lang="ru-RU" sz="2000" spc="-1" strike="noStrike">
+                <a:solidFill>
+                  <a:srgbClr val="000000"/>
+                </a:solidFill>
+                <a:latin typeface="Arial"/>
+              </a:rPr>
+              <a:t>нь </a:t>
+            </a:r>
+            <a:r>
+              <a:rPr b="0" lang="ru-RU" sz="2000" spc="-1" strike="noStrike">
+                <a:solidFill>
+                  <a:srgbClr val="000000"/>
+                </a:solidFill>
+                <a:latin typeface="Arial"/>
+              </a:rPr>
+              <a:t>структ</a:t>
+            </a:r>
+            <a:r>
+              <a:rPr b="0" lang="ru-RU" sz="2000" spc="-1" strike="noStrike">
+                <a:solidFill>
+                  <a:srgbClr val="000000"/>
+                </a:solidFill>
+                <a:latin typeface="Arial"/>
+              </a:rPr>
+              <a:t>уры</a:t>
             </a:r>
             <a:endParaRPr b="0" lang="ru-RU" sz="2000" spc="-1" strike="noStrike">
               <a:solidFill>
@@ -6193,7 +6643,7 @@
         <p:spPr>
           <a:xfrm>
             <a:off x="606240" y="1616760"/>
-            <a:ext cx="7938000" cy="4752360"/>
+            <a:ext cx="7937640" cy="4752000"/>
           </a:xfrm>
           <a:prstGeom prst="rect">
             <a:avLst/>
@@ -6276,7 +6726,7 @@
         <p:spPr>
           <a:xfrm>
             <a:off x="606240" y="2859120"/>
-            <a:ext cx="7938000" cy="3285360"/>
+            <a:ext cx="7937640" cy="3285000"/>
           </a:xfrm>
           <a:prstGeom prst="rect">
             <a:avLst/>
@@ -6359,7 +6809,7 @@
         <p:spPr>
           <a:xfrm>
             <a:off x="362160" y="1616760"/>
-            <a:ext cx="4748040" cy="4752360"/>
+            <a:ext cx="4747680" cy="4752000"/>
           </a:xfrm>
           <a:prstGeom prst="rect">
             <a:avLst/>
@@ -6446,7 +6896,7 @@
         <p:spPr>
           <a:xfrm>
             <a:off x="-18000" y="-13320"/>
-            <a:ext cx="9179280" cy="6884280"/>
+            <a:ext cx="9178920" cy="6883920"/>
           </a:xfrm>
           <a:prstGeom prst="rect">
             <a:avLst/>
@@ -6468,8 +6918,8 @@
         </p:nvSpPr>
         <p:spPr>
           <a:xfrm>
-            <a:off x="500400" y="441000"/>
-            <a:ext cx="8519760" cy="1305360"/>
+            <a:off x="457200" y="221040"/>
+            <a:ext cx="8228880" cy="1249920"/>
           </a:xfrm>
           <a:prstGeom prst="rect">
             <a:avLst/>
@@ -6777,7 +7227,7 @@
         <p:spPr>
           <a:xfrm>
             <a:off x="8472600" y="6217560"/>
-            <a:ext cx="547920" cy="524160"/>
+            <a:ext cx="547560" cy="523800"/>
           </a:xfrm>
           <a:prstGeom prst="rect">
             <a:avLst/>
@@ -6819,7 +7269,7 @@
                 <a:tab algn="l" pos="0"/>
               </a:tabLst>
             </a:pPr>
-            <a:fld id="{11CF4B91-EAFD-42B6-9455-1E3B0A14D84D}" type="slidenum">
+            <a:fld id="{BDB35980-A619-4E96-9681-7EA82FFE9E6A}" type="slidenum">
               <a:rPr b="0" lang="ru" sz="1000" spc="-1" strike="noStrike">
                 <a:solidFill>
                   <a:schemeClr val="dk2"/>
@@ -7158,8 +7608,8 @@
         </p:nvSpPr>
         <p:spPr>
           <a:xfrm>
-            <a:off x="500400" y="441000"/>
-            <a:ext cx="8519760" cy="1305360"/>
+            <a:off x="457200" y="221040"/>
+            <a:ext cx="8228880" cy="1249920"/>
           </a:xfrm>
           <a:prstGeom prst="rect">
             <a:avLst/>
@@ -7433,7 +7883,7 @@
         <p:spPr>
           <a:xfrm>
             <a:off x="8472600" y="6217560"/>
-            <a:ext cx="547920" cy="524160"/>
+            <a:ext cx="547560" cy="523800"/>
           </a:xfrm>
           <a:prstGeom prst="rect">
             <a:avLst/>
@@ -7475,7 +7925,7 @@
                 <a:tab algn="l" pos="0"/>
               </a:tabLst>
             </a:pPr>
-            <a:fld id="{04332687-F2D3-4344-A27C-241B3DC5323D}" type="slidenum">
+            <a:fld id="{BF1CB564-6341-4074-8B0C-8BAF43A46B0E}" type="slidenum">
               <a:rPr b="0" lang="ru" sz="1000" spc="-1" strike="noStrike">
                 <a:solidFill>
                   <a:schemeClr val="dk2"/>
@@ -7533,7 +7983,7 @@
         <p:spPr>
           <a:xfrm>
             <a:off x="797040" y="5729400"/>
-            <a:ext cx="5050800" cy="1056240"/>
+            <a:ext cx="5050440" cy="1055880"/>
           </a:xfrm>
           <a:prstGeom prst="rect">
             <a:avLst/>
@@ -7588,7 +8038,7 @@
         <p:spPr>
           <a:xfrm>
             <a:off x="797040" y="2562120"/>
-            <a:ext cx="8398080" cy="3369960"/>
+            <a:ext cx="8397720" cy="3369600"/>
           </a:xfrm>
           <a:prstGeom prst="rect">
             <a:avLst/>
@@ -7680,7 +8130,7 @@
       </p:grpSpPr>
       <p:sp>
         <p:nvSpPr>
-          <p:cNvPr id="103" name="PlaceHolder 1"/>
+          <p:cNvPr id="115" name="PlaceHolder 1"/>
           <p:cNvSpPr>
             <a:spLocks noGrp="1"/>
           </p:cNvSpPr>
@@ -7691,7 +8141,7 @@
         <p:spPr>
           <a:xfrm>
             <a:off x="500400" y="441000"/>
-            <a:ext cx="8519760" cy="1305360"/>
+            <a:ext cx="8519400" cy="1305000"/>
           </a:xfrm>
           <a:prstGeom prst="rect">
             <a:avLst/>
@@ -7736,7 +8186,7 @@
       </p:sp>
       <p:graphicFrame>
         <p:nvGraphicFramePr>
-          <p:cNvPr id="104" name="Google Shape;203;p39"/>
+          <p:cNvPr id="116" name="Google Shape;203;p39"/>
           <p:cNvGraphicFramePr/>
           <p:nvPr/>
         </p:nvGraphicFramePr>
@@ -8070,14 +8520,14 @@
       </p:graphicFrame>
       <p:sp>
         <p:nvSpPr>
-          <p:cNvPr id="105" name="Google Shape;204;p39"/>
+          <p:cNvPr id="117" name="Google Shape;204;p39"/>
           <p:cNvSpPr/>
           <p:nvPr/>
         </p:nvSpPr>
         <p:spPr>
           <a:xfrm>
             <a:off x="4768560" y="4502520"/>
-            <a:ext cx="3422160" cy="1091160"/>
+            <a:ext cx="3421800" cy="1090800"/>
           </a:xfrm>
           <a:prstGeom prst="wedgeRectCallout">
             <a:avLst>
@@ -8168,7 +8618,7 @@
       </p:grpSpPr>
       <p:sp>
         <p:nvSpPr>
-          <p:cNvPr id="106" name="PlaceHolder 1"/>
+          <p:cNvPr id="118" name="PlaceHolder 1"/>
           <p:cNvSpPr>
             <a:spLocks noGrp="1"/>
           </p:cNvSpPr>
@@ -8179,7 +8629,7 @@
         <p:spPr>
           <a:xfrm>
             <a:off x="956160" y="528480"/>
-            <a:ext cx="7558560" cy="5453640"/>
+            <a:ext cx="7558200" cy="5453280"/>
           </a:xfrm>
           <a:prstGeom prst="rect">
             <a:avLst/>
@@ -8274,7 +8724,7 @@
       </p:grpSpPr>
       <p:sp>
         <p:nvSpPr>
-          <p:cNvPr id="107" name="PlaceHolder 1"/>
+          <p:cNvPr id="119" name="PlaceHolder 1"/>
           <p:cNvSpPr>
             <a:spLocks noGrp="1"/>
           </p:cNvSpPr>
@@ -8285,7 +8735,7 @@
         <p:spPr>
           <a:xfrm>
             <a:off x="956160" y="528480"/>
-            <a:ext cx="7695000" cy="5453640"/>
+            <a:ext cx="7694640" cy="5453280"/>
           </a:xfrm>
           <a:prstGeom prst="rect">
             <a:avLst/>
@@ -8387,7 +8837,7 @@
       </p:grpSpPr>
       <p:sp>
         <p:nvSpPr>
-          <p:cNvPr id="108" name="PlaceHolder 1"/>
+          <p:cNvPr id="120" name="PlaceHolder 1"/>
           <p:cNvSpPr>
             <a:spLocks noGrp="1"/>
           </p:cNvSpPr>
@@ -8398,7 +8848,7 @@
         <p:spPr>
           <a:xfrm>
             <a:off x="500400" y="441000"/>
-            <a:ext cx="8519760" cy="1123920"/>
+            <a:ext cx="8519400" cy="1123560"/>
           </a:xfrm>
           <a:prstGeom prst="rect">
             <a:avLst/>
@@ -8443,7 +8893,7 @@
       </p:sp>
       <p:pic>
         <p:nvPicPr>
-          <p:cNvPr id="109" name="Google Shape;220;p42" descr=""/>
+          <p:cNvPr id="121" name="Google Shape;220;p42" descr=""/>
           <p:cNvPicPr/>
           <p:nvPr/>
         </p:nvPicPr>
@@ -8454,7 +8904,7 @@
         <p:spPr>
           <a:xfrm>
             <a:off x="617760" y="5161320"/>
-            <a:ext cx="826920" cy="826920"/>
+            <a:ext cx="826560" cy="826560"/>
           </a:xfrm>
           <a:prstGeom prst="rect">
             <a:avLst/>
@@ -8466,7 +8916,7 @@
       </p:pic>
       <p:pic>
         <p:nvPicPr>
-          <p:cNvPr id="110" name="Google Shape;221;p42" descr=""/>
+          <p:cNvPr id="122" name="Google Shape;221;p42" descr=""/>
           <p:cNvPicPr/>
           <p:nvPr/>
         </p:nvPicPr>
@@ -8477,7 +8927,7 @@
         <p:spPr>
           <a:xfrm>
             <a:off x="617760" y="4150800"/>
-            <a:ext cx="826920" cy="826920"/>
+            <a:ext cx="826560" cy="826560"/>
           </a:xfrm>
           <a:prstGeom prst="rect">
             <a:avLst/>
@@ -8489,7 +8939,7 @@
       </p:pic>
       <p:pic>
         <p:nvPicPr>
-          <p:cNvPr id="111" name="Google Shape;222;p42" descr=""/>
+          <p:cNvPr id="123" name="Google Shape;222;p42" descr=""/>
           <p:cNvPicPr/>
           <p:nvPr/>
         </p:nvPicPr>
@@ -8500,7 +8950,7 @@
         <p:spPr>
           <a:xfrm>
             <a:off x="617760" y="2129760"/>
-            <a:ext cx="826920" cy="826920"/>
+            <a:ext cx="826560" cy="826560"/>
           </a:xfrm>
           <a:prstGeom prst="rect">
             <a:avLst/>
@@ -8512,7 +8962,7 @@
       </p:pic>
       <p:pic>
         <p:nvPicPr>
-          <p:cNvPr id="112" name="Google Shape;223;p42" descr=""/>
+          <p:cNvPr id="124" name="Google Shape;223;p42" descr=""/>
           <p:cNvPicPr/>
           <p:nvPr/>
         </p:nvPicPr>
@@ -8523,7 +8973,7 @@
         <p:spPr>
           <a:xfrm>
             <a:off x="617760" y="3140280"/>
-            <a:ext cx="826920" cy="826920"/>
+            <a:ext cx="826560" cy="826560"/>
           </a:xfrm>
           <a:prstGeom prst="rect">
             <a:avLst/>
@@ -8535,14 +8985,14 @@
       </p:pic>
       <p:sp>
         <p:nvSpPr>
-          <p:cNvPr id="113" name="Google Shape;224;p42"/>
+          <p:cNvPr id="125" name="Google Shape;224;p42"/>
           <p:cNvSpPr/>
           <p:nvPr/>
         </p:nvSpPr>
         <p:spPr>
           <a:xfrm>
             <a:off x="544320" y="1502280"/>
-            <a:ext cx="2587320" cy="547200"/>
+            <a:ext cx="2586960" cy="546840"/>
           </a:xfrm>
           <a:prstGeom prst="rect">
             <a:avLst/>
@@ -8592,7 +9042,7 @@
       </p:sp>
       <p:pic>
         <p:nvPicPr>
-          <p:cNvPr id="114" name="Google Shape;225;p42" descr=""/>
+          <p:cNvPr id="126" name="Google Shape;225;p42" descr=""/>
           <p:cNvPicPr/>
           <p:nvPr/>
         </p:nvPicPr>
@@ -8603,7 +9053,7 @@
         <p:spPr>
           <a:xfrm>
             <a:off x="1627200" y="5161320"/>
-            <a:ext cx="826920" cy="826920"/>
+            <a:ext cx="826560" cy="826560"/>
           </a:xfrm>
           <a:prstGeom prst="rect">
             <a:avLst/>
@@ -8615,7 +9065,7 @@
       </p:pic>
       <p:pic>
         <p:nvPicPr>
-          <p:cNvPr id="115" name="Google Shape;226;p42" descr=""/>
+          <p:cNvPr id="127" name="Google Shape;226;p42" descr=""/>
           <p:cNvPicPr/>
           <p:nvPr/>
         </p:nvPicPr>
@@ -8626,7 +9076,7 @@
         <p:spPr>
           <a:xfrm>
             <a:off x="1627200" y="4150800"/>
-            <a:ext cx="826920" cy="826920"/>
+            <a:ext cx="826560" cy="826560"/>
           </a:xfrm>
           <a:prstGeom prst="rect">
             <a:avLst/>
@@ -8638,7 +9088,7 @@
       </p:pic>
       <p:pic>
         <p:nvPicPr>
-          <p:cNvPr id="116" name="Google Shape;227;p42" descr=""/>
+          <p:cNvPr id="128" name="Google Shape;227;p42" descr=""/>
           <p:cNvPicPr/>
           <p:nvPr/>
         </p:nvPicPr>
@@ -8649,7 +9099,7 @@
         <p:spPr>
           <a:xfrm>
             <a:off x="1627200" y="2129760"/>
-            <a:ext cx="826920" cy="826920"/>
+            <a:ext cx="826560" cy="826560"/>
           </a:xfrm>
           <a:prstGeom prst="rect">
             <a:avLst/>
@@ -8661,7 +9111,7 @@
       </p:pic>
       <p:pic>
         <p:nvPicPr>
-          <p:cNvPr id="117" name="Google Shape;228;p42" descr=""/>
+          <p:cNvPr id="129" name="Google Shape;228;p42" descr=""/>
           <p:cNvPicPr/>
           <p:nvPr/>
         </p:nvPicPr>
@@ -8672,7 +9122,7 @@
         <p:spPr>
           <a:xfrm>
             <a:off x="1627200" y="3140280"/>
-            <a:ext cx="826920" cy="826920"/>
+            <a:ext cx="826560" cy="826560"/>
           </a:xfrm>
           <a:prstGeom prst="rect">
             <a:avLst/>
@@ -8684,7 +9134,7 @@
       </p:pic>
       <p:pic>
         <p:nvPicPr>
-          <p:cNvPr id="118" name="Google Shape;229;p42" descr=""/>
+          <p:cNvPr id="130" name="Google Shape;229;p42" descr=""/>
           <p:cNvPicPr/>
           <p:nvPr/>
         </p:nvPicPr>
@@ -8695,7 +9145,7 @@
         <p:spPr>
           <a:xfrm>
             <a:off x="2661840" y="2129760"/>
-            <a:ext cx="826920" cy="826920"/>
+            <a:ext cx="826560" cy="826560"/>
           </a:xfrm>
           <a:prstGeom prst="rect">
             <a:avLst/>
@@ -8707,7 +9157,7 @@
       </p:pic>
       <p:pic>
         <p:nvPicPr>
-          <p:cNvPr id="119" name="Google Shape;230;p42" descr=""/>
+          <p:cNvPr id="131" name="Google Shape;230;p42" descr=""/>
           <p:cNvPicPr/>
           <p:nvPr/>
         </p:nvPicPr>
@@ -8718,7 +9168,7 @@
         <p:spPr>
           <a:xfrm>
             <a:off x="2661840" y="3140280"/>
-            <a:ext cx="826920" cy="826920"/>
+            <a:ext cx="826560" cy="826560"/>
           </a:xfrm>
           <a:prstGeom prst="rect">
             <a:avLst/>
@@ -8730,14 +9180,14 @@
       </p:pic>
       <p:sp>
         <p:nvSpPr>
-          <p:cNvPr id="120" name="Google Shape;231;p42"/>
+          <p:cNvPr id="132" name="Google Shape;231;p42"/>
           <p:cNvSpPr/>
           <p:nvPr/>
         </p:nvSpPr>
         <p:spPr>
           <a:xfrm>
             <a:off x="4407120" y="1502280"/>
-            <a:ext cx="1578960" cy="547200"/>
+            <a:ext cx="1578600" cy="546840"/>
           </a:xfrm>
           <a:prstGeom prst="rect">
             <a:avLst/>
@@ -8787,7 +9237,7 @@
       </p:sp>
       <p:pic>
         <p:nvPicPr>
-          <p:cNvPr id="121" name="Google Shape;232;p42" descr=""/>
+          <p:cNvPr id="133" name="Google Shape;232;p42" descr=""/>
           <p:cNvPicPr/>
           <p:nvPr/>
         </p:nvPicPr>
@@ -8798,7 +9248,7 @@
         <p:spPr>
           <a:xfrm>
             <a:off x="4492440" y="5161320"/>
-            <a:ext cx="826920" cy="826920"/>
+            <a:ext cx="826560" cy="826560"/>
           </a:xfrm>
           <a:prstGeom prst="rect">
             <a:avLst/>
@@ -8810,7 +9260,7 @@
       </p:pic>
       <p:pic>
         <p:nvPicPr>
-          <p:cNvPr id="122" name="Google Shape;233;p42" descr=""/>
+          <p:cNvPr id="134" name="Google Shape;233;p42" descr=""/>
           <p:cNvPicPr/>
           <p:nvPr/>
         </p:nvPicPr>
@@ -8821,7 +9271,7 @@
         <p:spPr>
           <a:xfrm>
             <a:off x="4492440" y="4150800"/>
-            <a:ext cx="826920" cy="826920"/>
+            <a:ext cx="826560" cy="826560"/>
           </a:xfrm>
           <a:prstGeom prst="rect">
             <a:avLst/>
@@ -8833,7 +9283,7 @@
       </p:pic>
       <p:pic>
         <p:nvPicPr>
-          <p:cNvPr id="123" name="Google Shape;234;p42" descr=""/>
+          <p:cNvPr id="135" name="Google Shape;234;p42" descr=""/>
           <p:cNvPicPr/>
           <p:nvPr/>
         </p:nvPicPr>
@@ -8844,7 +9294,7 @@
         <p:spPr>
           <a:xfrm>
             <a:off x="4492440" y="2129760"/>
-            <a:ext cx="826920" cy="826920"/>
+            <a:ext cx="826560" cy="826560"/>
           </a:xfrm>
           <a:prstGeom prst="rect">
             <a:avLst/>
@@ -8856,7 +9306,7 @@
       </p:pic>
       <p:pic>
         <p:nvPicPr>
-          <p:cNvPr id="124" name="Google Shape;235;p42" descr=""/>
+          <p:cNvPr id="136" name="Google Shape;235;p42" descr=""/>
           <p:cNvPicPr/>
           <p:nvPr/>
         </p:nvPicPr>
@@ -8867,7 +9317,7 @@
         <p:spPr>
           <a:xfrm>
             <a:off x="4492440" y="3140280"/>
-            <a:ext cx="826920" cy="826920"/>
+            <a:ext cx="826560" cy="826560"/>
           </a:xfrm>
           <a:prstGeom prst="rect">
             <a:avLst/>
@@ -8879,7 +9329,7 @@
       </p:pic>
       <p:pic>
         <p:nvPicPr>
-          <p:cNvPr id="125" name="Google Shape;236;p42" descr=""/>
+          <p:cNvPr id="137" name="Google Shape;236;p42" descr=""/>
           <p:cNvPicPr/>
           <p:nvPr/>
         </p:nvPicPr>
@@ -8890,7 +9340,7 @@
         <p:spPr>
           <a:xfrm>
             <a:off x="5501880" y="4150800"/>
-            <a:ext cx="826920" cy="826920"/>
+            <a:ext cx="826560" cy="826560"/>
           </a:xfrm>
           <a:prstGeom prst="rect">
             <a:avLst/>
@@ -8902,7 +9352,7 @@
       </p:pic>
       <p:pic>
         <p:nvPicPr>
-          <p:cNvPr id="126" name="Google Shape;237;p42" descr=""/>
+          <p:cNvPr id="138" name="Google Shape;237;p42" descr=""/>
           <p:cNvPicPr/>
           <p:nvPr/>
         </p:nvPicPr>
@@ -8913,7 +9363,7 @@
         <p:spPr>
           <a:xfrm>
             <a:off x="5501880" y="2129760"/>
-            <a:ext cx="826920" cy="826920"/>
+            <a:ext cx="826560" cy="826560"/>
           </a:xfrm>
           <a:prstGeom prst="rect">
             <a:avLst/>
@@ -8925,7 +9375,7 @@
       </p:pic>
       <p:pic>
         <p:nvPicPr>
-          <p:cNvPr id="127" name="Google Shape;238;p42" descr=""/>
+          <p:cNvPr id="139" name="Google Shape;238;p42" descr=""/>
           <p:cNvPicPr/>
           <p:nvPr/>
         </p:nvPicPr>
@@ -8936,7 +9386,7 @@
         <p:spPr>
           <a:xfrm>
             <a:off x="5501880" y="3140280"/>
-            <a:ext cx="826920" cy="826920"/>
+            <a:ext cx="826560" cy="826560"/>
           </a:xfrm>
           <a:prstGeom prst="rect">
             <a:avLst/>
@@ -8948,7 +9398,7 @@
       </p:pic>
       <p:pic>
         <p:nvPicPr>
-          <p:cNvPr id="128" name="Google Shape;239;p42" descr=""/>
+          <p:cNvPr id="140" name="Google Shape;239;p42" descr=""/>
           <p:cNvPicPr/>
           <p:nvPr/>
         </p:nvPicPr>
@@ -8959,7 +9409,7 @@
         <p:spPr>
           <a:xfrm>
             <a:off x="6536520" y="4150800"/>
-            <a:ext cx="826920" cy="826920"/>
+            <a:ext cx="826560" cy="826560"/>
           </a:xfrm>
           <a:prstGeom prst="rect">
             <a:avLst/>
@@ -8971,7 +9421,7 @@
       </p:pic>
       <p:pic>
         <p:nvPicPr>
-          <p:cNvPr id="129" name="Google Shape;240;p42" descr=""/>
+          <p:cNvPr id="141" name="Google Shape;240;p42" descr=""/>
           <p:cNvPicPr/>
           <p:nvPr/>
         </p:nvPicPr>
@@ -8982,7 +9432,7 @@
         <p:spPr>
           <a:xfrm>
             <a:off x="6536520" y="2129760"/>
-            <a:ext cx="826920" cy="826920"/>
+            <a:ext cx="826560" cy="826560"/>
           </a:xfrm>
           <a:prstGeom prst="rect">
             <a:avLst/>
@@ -8994,7 +9444,7 @@
       </p:pic>
       <p:pic>
         <p:nvPicPr>
-          <p:cNvPr id="130" name="Google Shape;241;p42" descr=""/>
+          <p:cNvPr id="142" name="Google Shape;241;p42" descr=""/>
           <p:cNvPicPr/>
           <p:nvPr/>
         </p:nvPicPr>
@@ -9005,7 +9455,7 @@
         <p:spPr>
           <a:xfrm>
             <a:off x="6536520" y="3140280"/>
-            <a:ext cx="826920" cy="826920"/>
+            <a:ext cx="826560" cy="826560"/>
           </a:xfrm>
           <a:prstGeom prst="rect">
             <a:avLst/>
@@ -9017,7 +9467,7 @@
       </p:pic>
       <p:pic>
         <p:nvPicPr>
-          <p:cNvPr id="131" name="Google Shape;242;p42" descr=""/>
+          <p:cNvPr id="143" name="Google Shape;242;p42" descr=""/>
           <p:cNvPicPr/>
           <p:nvPr/>
         </p:nvPicPr>
@@ -9028,7 +9478,7 @@
         <p:spPr>
           <a:xfrm>
             <a:off x="7571160" y="4150800"/>
-            <a:ext cx="826920" cy="826920"/>
+            <a:ext cx="826560" cy="826560"/>
           </a:xfrm>
           <a:prstGeom prst="rect">
             <a:avLst/>
@@ -9040,7 +9490,7 @@
       </p:pic>
       <p:pic>
         <p:nvPicPr>
-          <p:cNvPr id="132" name="Google Shape;243;p42" descr=""/>
+          <p:cNvPr id="144" name="Google Shape;243;p42" descr=""/>
           <p:cNvPicPr/>
           <p:nvPr/>
         </p:nvPicPr>
@@ -9051,7 +9501,7 @@
         <p:spPr>
           <a:xfrm>
             <a:off x="7571160" y="2129760"/>
-            <a:ext cx="826920" cy="826920"/>
+            <a:ext cx="826560" cy="826560"/>
           </a:xfrm>
           <a:prstGeom prst="rect">
             <a:avLst/>
@@ -9063,7 +9513,7 @@
       </p:pic>
       <p:pic>
         <p:nvPicPr>
-          <p:cNvPr id="133" name="Google Shape;244;p42" descr=""/>
+          <p:cNvPr id="145" name="Google Shape;244;p42" descr=""/>
           <p:cNvPicPr/>
           <p:nvPr/>
         </p:nvPicPr>
@@ -9074,7 +9524,7 @@
         <p:spPr>
           <a:xfrm>
             <a:off x="7571160" y="3140280"/>
-            <a:ext cx="826920" cy="826920"/>
+            <a:ext cx="826560" cy="826560"/>
           </a:xfrm>
           <a:prstGeom prst="rect">
             <a:avLst/>
@@ -9086,7 +9536,7 @@
       </p:pic>
       <p:pic>
         <p:nvPicPr>
-          <p:cNvPr id="134" name="Google Shape;245;p42" descr=""/>
+          <p:cNvPr id="146" name="Google Shape;245;p42" descr=""/>
           <p:cNvPicPr/>
           <p:nvPr/>
         </p:nvPicPr>
@@ -9097,7 +9547,7 @@
         <p:spPr>
           <a:xfrm>
             <a:off x="2613960" y="4150800"/>
-            <a:ext cx="827280" cy="827280"/>
+            <a:ext cx="826920" cy="826920"/>
           </a:xfrm>
           <a:prstGeom prst="rect">
             <a:avLst/>
@@ -9109,7 +9559,7 @@
       </p:pic>
       <p:pic>
         <p:nvPicPr>
-          <p:cNvPr id="135" name="Google Shape;246;p42" descr=""/>
+          <p:cNvPr id="147" name="Google Shape;246;p42" descr=""/>
           <p:cNvPicPr/>
           <p:nvPr/>
         </p:nvPicPr>
@@ -9120,7 +9570,7 @@
         <p:spPr>
           <a:xfrm>
             <a:off x="2636640" y="5135760"/>
-            <a:ext cx="827280" cy="827280"/>
+            <a:ext cx="826920" cy="826920"/>
           </a:xfrm>
           <a:prstGeom prst="rect">
             <a:avLst/>
@@ -9132,7 +9582,7 @@
       </p:pic>
       <p:pic>
         <p:nvPicPr>
-          <p:cNvPr id="136" name="Google Shape;247;p42" descr=""/>
+          <p:cNvPr id="148" name="Google Shape;247;p42" descr=""/>
           <p:cNvPicPr/>
           <p:nvPr/>
         </p:nvPicPr>
@@ -9143,7 +9593,7 @@
         <p:spPr>
           <a:xfrm>
             <a:off x="5514480" y="5161320"/>
-            <a:ext cx="827280" cy="827280"/>
+            <a:ext cx="826920" cy="826920"/>
           </a:xfrm>
           <a:prstGeom prst="rect">
             <a:avLst/>
@@ -9155,7 +9605,7 @@
       </p:pic>
       <p:pic>
         <p:nvPicPr>
-          <p:cNvPr id="137" name="Google Shape;248;p42" descr=""/>
+          <p:cNvPr id="149" name="Google Shape;248;p42" descr=""/>
           <p:cNvPicPr/>
           <p:nvPr/>
         </p:nvPicPr>
@@ -9166,7 +9616,7 @@
         <p:spPr>
           <a:xfrm>
             <a:off x="7545600" y="5161320"/>
-            <a:ext cx="827280" cy="827280"/>
+            <a:ext cx="826920" cy="826920"/>
           </a:xfrm>
           <a:prstGeom prst="rect">
             <a:avLst/>
@@ -9178,7 +9628,7 @@
       </p:pic>
       <p:pic>
         <p:nvPicPr>
-          <p:cNvPr id="138" name="Google Shape;249;p42" descr=""/>
+          <p:cNvPr id="150" name="Google Shape;249;p42" descr=""/>
           <p:cNvPicPr/>
           <p:nvPr/>
         </p:nvPicPr>
@@ -9189,7 +9639,7 @@
         <p:spPr>
           <a:xfrm>
             <a:off x="6530040" y="5161320"/>
-            <a:ext cx="827280" cy="827280"/>
+            <a:ext cx="826920" cy="826920"/>
           </a:xfrm>
           <a:prstGeom prst="rect">
             <a:avLst/>
@@ -9201,14 +9651,14 @@
       </p:pic>
       <p:sp>
         <p:nvSpPr>
-          <p:cNvPr id="139" name="Google Shape;250;p42"/>
+          <p:cNvPr id="151" name="Google Shape;250;p42"/>
           <p:cNvSpPr/>
           <p:nvPr/>
         </p:nvSpPr>
         <p:spPr>
           <a:xfrm>
             <a:off x="6202440" y="378000"/>
-            <a:ext cx="2587320" cy="945360"/>
+            <a:ext cx="2586960" cy="945000"/>
           </a:xfrm>
           <a:prstGeom prst="wedgeRectCallout">
             <a:avLst>
@@ -9296,7 +9746,7 @@
       </p:grpSpPr>
       <p:sp>
         <p:nvSpPr>
-          <p:cNvPr id="140" name="PlaceHolder 1"/>
+          <p:cNvPr id="152" name="PlaceHolder 1"/>
           <p:cNvSpPr>
             <a:spLocks noGrp="1"/>
           </p:cNvSpPr>
@@ -9307,7 +9757,7 @@
         <p:spPr>
           <a:xfrm>
             <a:off x="500400" y="441000"/>
-            <a:ext cx="8519760" cy="1123920"/>
+            <a:ext cx="8519400" cy="1123560"/>
           </a:xfrm>
           <a:prstGeom prst="rect">
             <a:avLst/>
@@ -9352,7 +9802,7 @@
       </p:sp>
       <p:pic>
         <p:nvPicPr>
-          <p:cNvPr id="141" name="Google Shape;256;p43" descr=""/>
+          <p:cNvPr id="153" name="Google Shape;256;p43" descr=""/>
           <p:cNvPicPr/>
           <p:nvPr/>
         </p:nvPicPr>
@@ -9363,7 +9813,7 @@
         <p:spPr>
           <a:xfrm>
             <a:off x="617760" y="5161320"/>
-            <a:ext cx="826920" cy="826920"/>
+            <a:ext cx="826560" cy="826560"/>
           </a:xfrm>
           <a:prstGeom prst="rect">
             <a:avLst/>
@@ -9375,7 +9825,7 @@
       </p:pic>
       <p:pic>
         <p:nvPicPr>
-          <p:cNvPr id="142" name="Google Shape;257;p43" descr=""/>
+          <p:cNvPr id="154" name="Google Shape;257;p43" descr=""/>
           <p:cNvPicPr/>
           <p:nvPr/>
         </p:nvPicPr>
@@ -9386,7 +9836,7 @@
         <p:spPr>
           <a:xfrm>
             <a:off x="617760" y="4150800"/>
-            <a:ext cx="826920" cy="826920"/>
+            <a:ext cx="826560" cy="826560"/>
           </a:xfrm>
           <a:prstGeom prst="rect">
             <a:avLst/>
@@ -9398,7 +9848,7 @@
       </p:pic>
       <p:pic>
         <p:nvPicPr>
-          <p:cNvPr id="143" name="Google Shape;258;p43" descr=""/>
+          <p:cNvPr id="155" name="Google Shape;258;p43" descr=""/>
           <p:cNvPicPr/>
           <p:nvPr/>
         </p:nvPicPr>
@@ -9409,7 +9859,7 @@
         <p:spPr>
           <a:xfrm>
             <a:off x="617760" y="2129760"/>
-            <a:ext cx="826920" cy="826920"/>
+            <a:ext cx="826560" cy="826560"/>
           </a:xfrm>
           <a:prstGeom prst="rect">
             <a:avLst/>
@@ -9421,7 +9871,7 @@
       </p:pic>
       <p:pic>
         <p:nvPicPr>
-          <p:cNvPr id="144" name="Google Shape;259;p43" descr=""/>
+          <p:cNvPr id="156" name="Google Shape;259;p43" descr=""/>
           <p:cNvPicPr/>
           <p:nvPr/>
         </p:nvPicPr>
@@ -9432,7 +9882,7 @@
         <p:spPr>
           <a:xfrm>
             <a:off x="617760" y="3140280"/>
-            <a:ext cx="826920" cy="826920"/>
+            <a:ext cx="826560" cy="826560"/>
           </a:xfrm>
           <a:prstGeom prst="rect">
             <a:avLst/>
@@ -9444,7 +9894,7 @@
       </p:pic>
       <p:sp>
         <p:nvSpPr>
-          <p:cNvPr id="145" name="PlaceHolder 2"/>
+          <p:cNvPr id="157" name="PlaceHolder 2"/>
           <p:cNvSpPr>
             <a:spLocks noGrp="1"/>
           </p:cNvSpPr>
@@ -9455,7 +9905,7 @@
         <p:spPr>
           <a:xfrm>
             <a:off x="544320" y="1502280"/>
-            <a:ext cx="1578960" cy="547200"/>
+            <a:ext cx="1578600" cy="546840"/>
           </a:xfrm>
           <a:prstGeom prst="rect">
             <a:avLst/>
@@ -9499,7 +9949,7 @@
       </p:sp>
       <p:pic>
         <p:nvPicPr>
-          <p:cNvPr id="146" name="Google Shape;261;p43" descr=""/>
+          <p:cNvPr id="158" name="Google Shape;261;p43" descr=""/>
           <p:cNvPicPr/>
           <p:nvPr/>
         </p:nvPicPr>
@@ -9510,7 +9960,7 @@
         <p:spPr>
           <a:xfrm>
             <a:off x="1627200" y="5161320"/>
-            <a:ext cx="826920" cy="826920"/>
+            <a:ext cx="826560" cy="826560"/>
           </a:xfrm>
           <a:prstGeom prst="rect">
             <a:avLst/>
@@ -9522,7 +9972,7 @@
       </p:pic>
       <p:pic>
         <p:nvPicPr>
-          <p:cNvPr id="147" name="Google Shape;262;p43" descr=""/>
+          <p:cNvPr id="159" name="Google Shape;262;p43" descr=""/>
           <p:cNvPicPr/>
           <p:nvPr/>
         </p:nvPicPr>
@@ -9533,7 +9983,7 @@
         <p:spPr>
           <a:xfrm>
             <a:off x="1627200" y="4150800"/>
-            <a:ext cx="826920" cy="826920"/>
+            <a:ext cx="826560" cy="826560"/>
           </a:xfrm>
           <a:prstGeom prst="rect">
             <a:avLst/>
@@ -9545,7 +9995,7 @@
       </p:pic>
       <p:pic>
         <p:nvPicPr>
-          <p:cNvPr id="148" name="Google Shape;263;p43" descr=""/>
+          <p:cNvPr id="160" name="Google Shape;263;p43" descr=""/>
           <p:cNvPicPr/>
           <p:nvPr/>
         </p:nvPicPr>
@@ -9556,7 +10006,7 @@
         <p:spPr>
           <a:xfrm>
             <a:off x="1627200" y="2129760"/>
-            <a:ext cx="826920" cy="826920"/>
+            <a:ext cx="826560" cy="826560"/>
           </a:xfrm>
           <a:prstGeom prst="rect">
             <a:avLst/>
@@ -9568,7 +10018,7 @@
       </p:pic>
       <p:pic>
         <p:nvPicPr>
-          <p:cNvPr id="149" name="Google Shape;264;p43" descr=""/>
+          <p:cNvPr id="161" name="Google Shape;264;p43" descr=""/>
           <p:cNvPicPr/>
           <p:nvPr/>
         </p:nvPicPr>
@@ -9579,7 +10029,7 @@
         <p:spPr>
           <a:xfrm>
             <a:off x="1627200" y="3140280"/>
-            <a:ext cx="826920" cy="826920"/>
+            <a:ext cx="826560" cy="826560"/>
           </a:xfrm>
           <a:prstGeom prst="rect">
             <a:avLst/>
@@ -9591,7 +10041,7 @@
       </p:pic>
       <p:pic>
         <p:nvPicPr>
-          <p:cNvPr id="150" name="Google Shape;265;p43" descr=""/>
+          <p:cNvPr id="162" name="Google Shape;265;p43" descr=""/>
           <p:cNvPicPr/>
           <p:nvPr/>
         </p:nvPicPr>
@@ -9602,7 +10052,7 @@
         <p:spPr>
           <a:xfrm>
             <a:off x="2661840" y="2129760"/>
-            <a:ext cx="826920" cy="826920"/>
+            <a:ext cx="826560" cy="826560"/>
           </a:xfrm>
           <a:prstGeom prst="rect">
             <a:avLst/>
@@ -9614,7 +10064,7 @@
       </p:pic>
       <p:pic>
         <p:nvPicPr>
-          <p:cNvPr id="151" name="Google Shape;266;p43" descr=""/>
+          <p:cNvPr id="163" name="Google Shape;266;p43" descr=""/>
           <p:cNvPicPr/>
           <p:nvPr/>
         </p:nvPicPr>
@@ -9625,7 +10075,7 @@
         <p:spPr>
           <a:xfrm>
             <a:off x="2661840" y="3140280"/>
-            <a:ext cx="826920" cy="826920"/>
+            <a:ext cx="826560" cy="826560"/>
           </a:xfrm>
           <a:prstGeom prst="rect">
             <a:avLst/>
@@ -9637,7 +10087,7 @@
       </p:pic>
       <p:pic>
         <p:nvPicPr>
-          <p:cNvPr id="152" name="Google Shape;267;p43" descr=""/>
+          <p:cNvPr id="164" name="Google Shape;267;p43" descr=""/>
           <p:cNvPicPr/>
           <p:nvPr/>
         </p:nvPicPr>
@@ -9648,7 +10098,7 @@
         <p:spPr>
           <a:xfrm>
             <a:off x="5040000" y="5161680"/>
-            <a:ext cx="826920" cy="826920"/>
+            <a:ext cx="826560" cy="826560"/>
           </a:xfrm>
           <a:prstGeom prst="rect">
             <a:avLst/>
@@ -9660,7 +10110,7 @@
       </p:pic>
       <p:pic>
         <p:nvPicPr>
-          <p:cNvPr id="153" name="Google Shape;268;p43" descr=""/>
+          <p:cNvPr id="165" name="Google Shape;268;p43" descr=""/>
           <p:cNvPicPr/>
           <p:nvPr/>
         </p:nvPicPr>
@@ -9671,7 +10121,7 @@
         <p:spPr>
           <a:xfrm>
             <a:off x="5027400" y="4150800"/>
-            <a:ext cx="826920" cy="826920"/>
+            <a:ext cx="826560" cy="826560"/>
           </a:xfrm>
           <a:prstGeom prst="rect">
             <a:avLst/>
@@ -9683,7 +10133,7 @@
       </p:pic>
       <p:pic>
         <p:nvPicPr>
-          <p:cNvPr id="154" name="Google Shape;269;p43" descr=""/>
+          <p:cNvPr id="166" name="Google Shape;269;p43" descr=""/>
           <p:cNvPicPr/>
           <p:nvPr/>
         </p:nvPicPr>
@@ -9694,7 +10144,7 @@
         <p:spPr>
           <a:xfrm>
             <a:off x="5027400" y="2129760"/>
-            <a:ext cx="826920" cy="826920"/>
+            <a:ext cx="826560" cy="826560"/>
           </a:xfrm>
           <a:prstGeom prst="rect">
             <a:avLst/>
@@ -9706,7 +10156,7 @@
       </p:pic>
       <p:pic>
         <p:nvPicPr>
-          <p:cNvPr id="155" name="Google Shape;270;p43" descr=""/>
+          <p:cNvPr id="167" name="Google Shape;270;p43" descr=""/>
           <p:cNvPicPr/>
           <p:nvPr/>
         </p:nvPicPr>
@@ -9717,7 +10167,7 @@
         <p:spPr>
           <a:xfrm>
             <a:off x="5027400" y="3140280"/>
-            <a:ext cx="826920" cy="826920"/>
+            <a:ext cx="826560" cy="826560"/>
           </a:xfrm>
           <a:prstGeom prst="rect">
             <a:avLst/>
@@ -9729,7 +10179,7 @@
       </p:pic>
       <p:sp>
         <p:nvSpPr>
-          <p:cNvPr id="156" name="PlaceHolder 3"/>
+          <p:cNvPr id="168" name="PlaceHolder 3"/>
           <p:cNvSpPr>
             <a:spLocks noGrp="1"/>
           </p:cNvSpPr>
@@ -9740,7 +10190,7 @@
         <p:spPr>
           <a:xfrm>
             <a:off x="5040000" y="1502280"/>
-            <a:ext cx="2587320" cy="547200"/>
+            <a:ext cx="2586960" cy="546840"/>
           </a:xfrm>
           <a:prstGeom prst="rect">
             <a:avLst/>
@@ -9784,7 +10234,7 @@
       </p:sp>
       <p:pic>
         <p:nvPicPr>
-          <p:cNvPr id="157" name="Google Shape;272;p43" descr=""/>
+          <p:cNvPr id="169" name="Google Shape;272;p43" descr=""/>
           <p:cNvPicPr/>
           <p:nvPr/>
         </p:nvPicPr>
@@ -9795,7 +10245,7 @@
         <p:spPr>
           <a:xfrm>
             <a:off x="5973120" y="5161680"/>
-            <a:ext cx="826920" cy="826920"/>
+            <a:ext cx="826560" cy="826560"/>
           </a:xfrm>
           <a:prstGeom prst="rect">
             <a:avLst/>
@@ -9807,7 +10257,7 @@
       </p:pic>
       <p:pic>
         <p:nvPicPr>
-          <p:cNvPr id="158" name="Google Shape;273;p43" descr=""/>
+          <p:cNvPr id="170" name="Google Shape;273;p43" descr=""/>
           <p:cNvPicPr/>
           <p:nvPr/>
         </p:nvPicPr>
@@ -9818,7 +10268,7 @@
         <p:spPr>
           <a:xfrm>
             <a:off x="5960520" y="4150800"/>
-            <a:ext cx="826920" cy="826920"/>
+            <a:ext cx="826560" cy="826560"/>
           </a:xfrm>
           <a:prstGeom prst="rect">
             <a:avLst/>
@@ -9830,7 +10280,7 @@
       </p:pic>
       <p:pic>
         <p:nvPicPr>
-          <p:cNvPr id="159" name="Google Shape;274;p43" descr=""/>
+          <p:cNvPr id="171" name="Google Shape;274;p43" descr=""/>
           <p:cNvPicPr/>
           <p:nvPr/>
         </p:nvPicPr>
@@ -9841,7 +10291,7 @@
         <p:spPr>
           <a:xfrm>
             <a:off x="5960520" y="2129760"/>
-            <a:ext cx="826920" cy="826920"/>
+            <a:ext cx="826560" cy="826560"/>
           </a:xfrm>
           <a:prstGeom prst="rect">
             <a:avLst/>
@@ -9853,7 +10303,7 @@
       </p:pic>
       <p:pic>
         <p:nvPicPr>
-          <p:cNvPr id="160" name="Google Shape;275;p43" descr=""/>
+          <p:cNvPr id="172" name="Google Shape;275;p43" descr=""/>
           <p:cNvPicPr/>
           <p:nvPr/>
         </p:nvPicPr>
@@ -9864,7 +10314,7 @@
         <p:spPr>
           <a:xfrm>
             <a:off x="5960520" y="3140280"/>
-            <a:ext cx="826920" cy="826920"/>
+            <a:ext cx="826560" cy="826560"/>
           </a:xfrm>
           <a:prstGeom prst="rect">
             <a:avLst/>
@@ -9876,7 +10326,7 @@
       </p:pic>
       <p:pic>
         <p:nvPicPr>
-          <p:cNvPr id="161" name="Google Shape;276;p43" descr=""/>
+          <p:cNvPr id="173" name="Google Shape;276;p43" descr=""/>
           <p:cNvPicPr/>
           <p:nvPr/>
         </p:nvPicPr>
@@ -9887,7 +10337,7 @@
         <p:spPr>
           <a:xfrm>
             <a:off x="6918840" y="2129760"/>
-            <a:ext cx="826920" cy="826920"/>
+            <a:ext cx="826560" cy="826560"/>
           </a:xfrm>
           <a:prstGeom prst="rect">
             <a:avLst/>
@@ -9899,7 +10349,7 @@
       </p:pic>
       <p:pic>
         <p:nvPicPr>
-          <p:cNvPr id="162" name="Google Shape;277;p43" descr=""/>
+          <p:cNvPr id="174" name="Google Shape;277;p43" descr=""/>
           <p:cNvPicPr/>
           <p:nvPr/>
         </p:nvPicPr>
@@ -9910,7 +10360,7 @@
         <p:spPr>
           <a:xfrm>
             <a:off x="6918840" y="3140280"/>
-            <a:ext cx="826920" cy="826920"/>
+            <a:ext cx="826560" cy="826560"/>
           </a:xfrm>
           <a:prstGeom prst="rect">
             <a:avLst/>
@@ -9922,7 +10372,7 @@
       </p:pic>
       <p:pic>
         <p:nvPicPr>
-          <p:cNvPr id="163" name="Google Shape;278;p43" descr=""/>
+          <p:cNvPr id="175" name="Google Shape;278;p43" descr=""/>
           <p:cNvPicPr/>
           <p:nvPr/>
         </p:nvPicPr>
@@ -9933,7 +10383,7 @@
         <p:spPr>
           <a:xfrm>
             <a:off x="6918840" y="4125240"/>
-            <a:ext cx="827280" cy="827280"/>
+            <a:ext cx="826920" cy="826920"/>
           </a:xfrm>
           <a:prstGeom prst="rect">
             <a:avLst/>
@@ -9945,7 +10395,7 @@
       </p:pic>
       <p:pic>
         <p:nvPicPr>
-          <p:cNvPr id="164" name="Google Shape;279;p43" descr=""/>
+          <p:cNvPr id="176" name="Google Shape;279;p43" descr=""/>
           <p:cNvPicPr/>
           <p:nvPr/>
         </p:nvPicPr>
@@ -9956,7 +10406,7 @@
         <p:spPr>
           <a:xfrm>
             <a:off x="6931440" y="5161320"/>
-            <a:ext cx="827280" cy="827280"/>
+            <a:ext cx="826920" cy="826920"/>
           </a:xfrm>
           <a:prstGeom prst="rect">
             <a:avLst/>
@@ -9998,7 +10448,7 @@
       </p:grpSpPr>
       <p:sp>
         <p:nvSpPr>
-          <p:cNvPr id="165" name="PlaceHolder 1"/>
+          <p:cNvPr id="177" name="PlaceHolder 1"/>
           <p:cNvSpPr>
             <a:spLocks noGrp="1"/>
           </p:cNvSpPr>
@@ -10009,7 +10459,7 @@
         <p:spPr>
           <a:xfrm>
             <a:off x="500400" y="441000"/>
-            <a:ext cx="8519760" cy="1123920"/>
+            <a:ext cx="8519400" cy="1123560"/>
           </a:xfrm>
           <a:prstGeom prst="rect">
             <a:avLst/>
@@ -10054,7 +10504,7 @@
       </p:sp>
       <p:sp>
         <p:nvSpPr>
-          <p:cNvPr id="166" name="PlaceHolder 2"/>
+          <p:cNvPr id="178" name="PlaceHolder 2"/>
           <p:cNvSpPr>
             <a:spLocks noGrp="1"/>
           </p:cNvSpPr>
@@ -10065,7 +10515,7 @@
         <p:spPr>
           <a:xfrm>
             <a:off x="4407120" y="1502280"/>
-            <a:ext cx="1578960" cy="547200"/>
+            <a:ext cx="1578600" cy="546840"/>
           </a:xfrm>
           <a:prstGeom prst="rect">
             <a:avLst/>
@@ -10110,7 +10560,7 @@
       </p:sp>
       <p:pic>
         <p:nvPicPr>
-          <p:cNvPr id="167" name="Google Shape;286;p44" descr=""/>
+          <p:cNvPr id="179" name="Google Shape;286;p44" descr=""/>
           <p:cNvPicPr/>
           <p:nvPr/>
         </p:nvPicPr>
@@ -10121,7 +10571,7 @@
         <p:spPr>
           <a:xfrm>
             <a:off x="4465440" y="5087160"/>
-            <a:ext cx="826920" cy="826920"/>
+            <a:ext cx="826560" cy="826560"/>
           </a:xfrm>
           <a:prstGeom prst="rect">
             <a:avLst/>
@@ -10133,7 +10583,7 @@
       </p:pic>
       <p:pic>
         <p:nvPicPr>
-          <p:cNvPr id="168" name="Google Shape;287;p44" descr=""/>
+          <p:cNvPr id="180" name="Google Shape;287;p44" descr=""/>
           <p:cNvPicPr/>
           <p:nvPr/>
         </p:nvPicPr>
@@ -10144,7 +10594,7 @@
         <p:spPr>
           <a:xfrm>
             <a:off x="4492440" y="4150800"/>
-            <a:ext cx="826920" cy="826920"/>
+            <a:ext cx="826560" cy="826560"/>
           </a:xfrm>
           <a:prstGeom prst="rect">
             <a:avLst/>
@@ -10156,7 +10606,7 @@
       </p:pic>
       <p:pic>
         <p:nvPicPr>
-          <p:cNvPr id="169" name="Google Shape;288;p44" descr=""/>
+          <p:cNvPr id="181" name="Google Shape;288;p44" descr=""/>
           <p:cNvPicPr/>
           <p:nvPr/>
         </p:nvPicPr>
@@ -10167,7 +10617,7 @@
         <p:spPr>
           <a:xfrm>
             <a:off x="4492440" y="2129760"/>
-            <a:ext cx="826920" cy="826920"/>
+            <a:ext cx="826560" cy="826560"/>
           </a:xfrm>
           <a:prstGeom prst="rect">
             <a:avLst/>
@@ -10179,7 +10629,7 @@
       </p:pic>
       <p:pic>
         <p:nvPicPr>
-          <p:cNvPr id="170" name="Google Shape;289;p44" descr=""/>
+          <p:cNvPr id="182" name="Google Shape;289;p44" descr=""/>
           <p:cNvPicPr/>
           <p:nvPr/>
         </p:nvPicPr>
@@ -10190,7 +10640,7 @@
         <p:spPr>
           <a:xfrm>
             <a:off x="4492440" y="3140280"/>
-            <a:ext cx="826920" cy="826920"/>
+            <a:ext cx="826560" cy="826560"/>
           </a:xfrm>
           <a:prstGeom prst="rect">
             <a:avLst/>
@@ -10202,7 +10652,7 @@
       </p:pic>
       <p:pic>
         <p:nvPicPr>
-          <p:cNvPr id="171" name="Google Shape;290;p44" descr=""/>
+          <p:cNvPr id="183" name="Google Shape;290;p44" descr=""/>
           <p:cNvPicPr/>
           <p:nvPr/>
         </p:nvPicPr>
@@ -10213,7 +10663,7 @@
         <p:spPr>
           <a:xfrm>
             <a:off x="5501160" y="5087160"/>
-            <a:ext cx="826920" cy="826920"/>
+            <a:ext cx="826560" cy="826560"/>
           </a:xfrm>
           <a:prstGeom prst="rect">
             <a:avLst/>
@@ -10225,7 +10675,7 @@
       </p:pic>
       <p:pic>
         <p:nvPicPr>
-          <p:cNvPr id="172" name="Google Shape;291;p44" descr=""/>
+          <p:cNvPr id="184" name="Google Shape;291;p44" descr=""/>
           <p:cNvPicPr/>
           <p:nvPr/>
         </p:nvPicPr>
@@ -10236,7 +10686,7 @@
         <p:spPr>
           <a:xfrm>
             <a:off x="5501880" y="4150800"/>
-            <a:ext cx="826920" cy="826920"/>
+            <a:ext cx="826560" cy="826560"/>
           </a:xfrm>
           <a:prstGeom prst="rect">
             <a:avLst/>
@@ -10248,7 +10698,7 @@
       </p:pic>
       <p:pic>
         <p:nvPicPr>
-          <p:cNvPr id="173" name="Google Shape;292;p44" descr=""/>
+          <p:cNvPr id="185" name="Google Shape;292;p44" descr=""/>
           <p:cNvPicPr/>
           <p:nvPr/>
         </p:nvPicPr>
@@ -10259,7 +10709,7 @@
         <p:spPr>
           <a:xfrm>
             <a:off x="5501880" y="2129760"/>
-            <a:ext cx="826920" cy="826920"/>
+            <a:ext cx="826560" cy="826560"/>
           </a:xfrm>
           <a:prstGeom prst="rect">
             <a:avLst/>
@@ -10271,7 +10721,7 @@
       </p:pic>
       <p:pic>
         <p:nvPicPr>
-          <p:cNvPr id="174" name="Google Shape;293;p44" descr=""/>
+          <p:cNvPr id="186" name="Google Shape;293;p44" descr=""/>
           <p:cNvPicPr/>
           <p:nvPr/>
         </p:nvPicPr>
@@ -10282,7 +10732,7 @@
         <p:spPr>
           <a:xfrm>
             <a:off x="5501880" y="3140280"/>
-            <a:ext cx="826920" cy="826920"/>
+            <a:ext cx="826560" cy="826560"/>
           </a:xfrm>
           <a:prstGeom prst="rect">
             <a:avLst/>
@@ -10294,7 +10744,7 @@
       </p:pic>
       <p:pic>
         <p:nvPicPr>
-          <p:cNvPr id="175" name="Google Shape;294;p44" descr=""/>
+          <p:cNvPr id="187" name="Google Shape;294;p44" descr=""/>
           <p:cNvPicPr/>
           <p:nvPr/>
         </p:nvPicPr>
@@ -10305,7 +10755,7 @@
         <p:spPr>
           <a:xfrm>
             <a:off x="6536160" y="5087160"/>
-            <a:ext cx="826920" cy="826920"/>
+            <a:ext cx="826560" cy="826560"/>
           </a:xfrm>
           <a:prstGeom prst="rect">
             <a:avLst/>
@@ -10317,7 +10767,7 @@
       </p:pic>
       <p:pic>
         <p:nvPicPr>
-          <p:cNvPr id="176" name="Google Shape;295;p44" descr=""/>
+          <p:cNvPr id="188" name="Google Shape;295;p44" descr=""/>
           <p:cNvPicPr/>
           <p:nvPr/>
         </p:nvPicPr>
@@ -10328,7 +10778,7 @@
         <p:spPr>
           <a:xfrm>
             <a:off x="6536520" y="4150800"/>
-            <a:ext cx="826920" cy="826920"/>
+            <a:ext cx="826560" cy="826560"/>
           </a:xfrm>
           <a:prstGeom prst="rect">
             <a:avLst/>
@@ -10340,7 +10790,7 @@
       </p:pic>
       <p:pic>
         <p:nvPicPr>
-          <p:cNvPr id="177" name="Google Shape;296;p44" descr=""/>
+          <p:cNvPr id="189" name="Google Shape;296;p44" descr=""/>
           <p:cNvPicPr/>
           <p:nvPr/>
         </p:nvPicPr>
@@ -10351,7 +10801,7 @@
         <p:spPr>
           <a:xfrm>
             <a:off x="6536520" y="2129760"/>
-            <a:ext cx="826920" cy="826920"/>
+            <a:ext cx="826560" cy="826560"/>
           </a:xfrm>
           <a:prstGeom prst="rect">
             <a:avLst/>
@@ -10363,7 +10813,7 @@
       </p:pic>
       <p:pic>
         <p:nvPicPr>
-          <p:cNvPr id="178" name="Google Shape;297;p44" descr=""/>
+          <p:cNvPr id="190" name="Google Shape;297;p44" descr=""/>
           <p:cNvPicPr/>
           <p:nvPr/>
         </p:nvPicPr>
@@ -10374,7 +10824,7 @@
         <p:spPr>
           <a:xfrm>
             <a:off x="6536520" y="3140280"/>
-            <a:ext cx="826920" cy="826920"/>
+            <a:ext cx="826560" cy="826560"/>
           </a:xfrm>
           <a:prstGeom prst="rect">
             <a:avLst/>
@@ -10386,7 +10836,7 @@
       </p:pic>
       <p:pic>
         <p:nvPicPr>
-          <p:cNvPr id="179" name="Google Shape;298;p44" descr=""/>
+          <p:cNvPr id="191" name="Google Shape;298;p44" descr=""/>
           <p:cNvPicPr/>
           <p:nvPr/>
         </p:nvPicPr>
@@ -10397,7 +10847,7 @@
         <p:spPr>
           <a:xfrm>
             <a:off x="7571160" y="4150800"/>
-            <a:ext cx="826920" cy="826920"/>
+            <a:ext cx="826560" cy="826560"/>
           </a:xfrm>
           <a:prstGeom prst="rect">
             <a:avLst/>
@@ -10409,7 +10859,7 @@
       </p:pic>
       <p:pic>
         <p:nvPicPr>
-          <p:cNvPr id="180" name="Google Shape;299;p44" descr=""/>
+          <p:cNvPr id="192" name="Google Shape;299;p44" descr=""/>
           <p:cNvPicPr/>
           <p:nvPr/>
         </p:nvPicPr>
@@ -10420,7 +10870,7 @@
         <p:spPr>
           <a:xfrm>
             <a:off x="7571160" y="2129760"/>
-            <a:ext cx="826920" cy="826920"/>
+            <a:ext cx="826560" cy="826560"/>
           </a:xfrm>
           <a:prstGeom prst="rect">
             <a:avLst/>
@@ -10432,7 +10882,7 @@
       </p:pic>
       <p:pic>
         <p:nvPicPr>
-          <p:cNvPr id="181" name="Google Shape;300;p44" descr=""/>
+          <p:cNvPr id="193" name="Google Shape;300;p44" descr=""/>
           <p:cNvPicPr/>
           <p:nvPr/>
         </p:nvPicPr>
@@ -10443,7 +10893,7 @@
         <p:spPr>
           <a:xfrm>
             <a:off x="7571160" y="3140280"/>
-            <a:ext cx="826920" cy="826920"/>
+            <a:ext cx="826560" cy="826560"/>
           </a:xfrm>
           <a:prstGeom prst="rect">
             <a:avLst/>
@@ -10455,7 +10905,7 @@
       </p:pic>
       <p:pic>
         <p:nvPicPr>
-          <p:cNvPr id="182" name="Google Shape;301;p44" descr=""/>
+          <p:cNvPr id="194" name="Google Shape;301;p44" descr=""/>
           <p:cNvPicPr/>
           <p:nvPr/>
         </p:nvPicPr>
@@ -10466,7 +10916,7 @@
         <p:spPr>
           <a:xfrm>
             <a:off x="7571160" y="5087160"/>
-            <a:ext cx="826920" cy="826920"/>
+            <a:ext cx="826560" cy="826560"/>
           </a:xfrm>
           <a:prstGeom prst="rect">
             <a:avLst/>
@@ -10478,7 +10928,7 @@
       </p:pic>
       <p:sp>
         <p:nvSpPr>
-          <p:cNvPr id="183" name="PlaceHolder 3"/>
+          <p:cNvPr id="195" name="PlaceHolder 3"/>
           <p:cNvSpPr>
             <a:spLocks noGrp="1"/>
           </p:cNvSpPr>
@@ -10489,7 +10939,7 @@
         <p:spPr>
           <a:xfrm>
             <a:off x="500400" y="1565640"/>
-            <a:ext cx="2587320" cy="547200"/>
+            <a:ext cx="2586960" cy="546840"/>
           </a:xfrm>
           <a:prstGeom prst="rect">
             <a:avLst/>
@@ -10533,7 +10983,7 @@
       </p:sp>
       <p:pic>
         <p:nvPicPr>
-          <p:cNvPr id="184" name="Google Shape;303;p44" descr=""/>
+          <p:cNvPr id="196" name="Google Shape;303;p44" descr=""/>
           <p:cNvPicPr/>
           <p:nvPr/>
         </p:nvPicPr>
@@ -10544,7 +10994,7 @@
         <p:spPr>
           <a:xfrm>
             <a:off x="568080" y="4119120"/>
-            <a:ext cx="826920" cy="826920"/>
+            <a:ext cx="826560" cy="826560"/>
           </a:xfrm>
           <a:prstGeom prst="rect">
             <a:avLst/>
@@ -10556,7 +11006,7 @@
       </p:pic>
       <p:pic>
         <p:nvPicPr>
-          <p:cNvPr id="185" name="Google Shape;304;p44" descr=""/>
+          <p:cNvPr id="197" name="Google Shape;304;p44" descr=""/>
           <p:cNvPicPr/>
           <p:nvPr/>
         </p:nvPicPr>
@@ -10567,7 +11017,7 @@
         <p:spPr>
           <a:xfrm>
             <a:off x="568080" y="2129760"/>
-            <a:ext cx="826920" cy="826920"/>
+            <a:ext cx="826560" cy="826560"/>
           </a:xfrm>
           <a:prstGeom prst="rect">
             <a:avLst/>
@@ -10579,7 +11029,7 @@
       </p:pic>
       <p:pic>
         <p:nvPicPr>
-          <p:cNvPr id="186" name="Google Shape;305;p44" descr=""/>
+          <p:cNvPr id="198" name="Google Shape;305;p44" descr=""/>
           <p:cNvPicPr/>
           <p:nvPr/>
         </p:nvPicPr>
@@ -10590,7 +11040,7 @@
         <p:spPr>
           <a:xfrm>
             <a:off x="568080" y="3127320"/>
-            <a:ext cx="826920" cy="826920"/>
+            <a:ext cx="826560" cy="826560"/>
           </a:xfrm>
           <a:prstGeom prst="rect">
             <a:avLst/>
@@ -10602,7 +11052,7 @@
       </p:pic>
       <p:pic>
         <p:nvPicPr>
-          <p:cNvPr id="187" name="Google Shape;306;p44" descr=""/>
+          <p:cNvPr id="199" name="Google Shape;306;p44" descr=""/>
           <p:cNvPicPr/>
           <p:nvPr/>
         </p:nvPicPr>
@@ -10613,7 +11063,7 @@
         <p:spPr>
           <a:xfrm>
             <a:off x="1501200" y="4119120"/>
-            <a:ext cx="826920" cy="826920"/>
+            <a:ext cx="826560" cy="826560"/>
           </a:xfrm>
           <a:prstGeom prst="rect">
             <a:avLst/>
@@ -10625,7 +11075,7 @@
       </p:pic>
       <p:pic>
         <p:nvPicPr>
-          <p:cNvPr id="188" name="Google Shape;307;p44" descr=""/>
+          <p:cNvPr id="200" name="Google Shape;307;p44" descr=""/>
           <p:cNvPicPr/>
           <p:nvPr/>
         </p:nvPicPr>
@@ -10636,7 +11086,7 @@
         <p:spPr>
           <a:xfrm>
             <a:off x="1501200" y="2129760"/>
-            <a:ext cx="826920" cy="826920"/>
+            <a:ext cx="826560" cy="826560"/>
           </a:xfrm>
           <a:prstGeom prst="rect">
             <a:avLst/>
@@ -10648,7 +11098,7 @@
       </p:pic>
       <p:pic>
         <p:nvPicPr>
-          <p:cNvPr id="189" name="Google Shape;308;p44" descr=""/>
+          <p:cNvPr id="201" name="Google Shape;308;p44" descr=""/>
           <p:cNvPicPr/>
           <p:nvPr/>
         </p:nvPicPr>
@@ -10659,7 +11109,7 @@
         <p:spPr>
           <a:xfrm>
             <a:off x="1464480" y="3127320"/>
-            <a:ext cx="826920" cy="826920"/>
+            <a:ext cx="826560" cy="826560"/>
           </a:xfrm>
           <a:prstGeom prst="rect">
             <a:avLst/>
@@ -10671,7 +11121,7 @@
       </p:pic>
       <p:pic>
         <p:nvPicPr>
-          <p:cNvPr id="190" name="Google Shape;309;p44" descr=""/>
+          <p:cNvPr id="202" name="Google Shape;309;p44" descr=""/>
           <p:cNvPicPr/>
           <p:nvPr/>
         </p:nvPicPr>
@@ -10682,7 +11132,7 @@
         <p:spPr>
           <a:xfrm>
             <a:off x="568080" y="5110560"/>
-            <a:ext cx="826920" cy="826920"/>
+            <a:ext cx="826560" cy="826560"/>
           </a:xfrm>
           <a:prstGeom prst="rect">
             <a:avLst/>
@@ -10694,7 +11144,7 @@
       </p:pic>
       <p:pic>
         <p:nvPicPr>
-          <p:cNvPr id="191" name="Google Shape;310;p44" descr=""/>
+          <p:cNvPr id="203" name="Google Shape;310;p44" descr=""/>
           <p:cNvPicPr/>
           <p:nvPr/>
         </p:nvPicPr>
@@ -10705,7 +11155,7 @@
         <p:spPr>
           <a:xfrm>
             <a:off x="2459520" y="2129760"/>
-            <a:ext cx="826920" cy="826920"/>
+            <a:ext cx="826560" cy="826560"/>
           </a:xfrm>
           <a:prstGeom prst="rect">
             <a:avLst/>
@@ -10717,7 +11167,7 @@
       </p:pic>
       <p:pic>
         <p:nvPicPr>
-          <p:cNvPr id="192" name="Google Shape;311;p44" descr=""/>
+          <p:cNvPr id="204" name="Google Shape;311;p44" descr=""/>
           <p:cNvPicPr/>
           <p:nvPr/>
         </p:nvPicPr>
@@ -10728,7 +11178,7 @@
         <p:spPr>
           <a:xfrm>
             <a:off x="1464480" y="5110560"/>
-            <a:ext cx="826920" cy="826920"/>
+            <a:ext cx="826560" cy="826560"/>
           </a:xfrm>
           <a:prstGeom prst="rect">
             <a:avLst/>
@@ -10740,7 +11190,7 @@
       </p:pic>
       <p:pic>
         <p:nvPicPr>
-          <p:cNvPr id="193" name="Google Shape;312;p44" descr=""/>
+          <p:cNvPr id="205" name="Google Shape;312;p44" descr=""/>
           <p:cNvPicPr/>
           <p:nvPr/>
         </p:nvPicPr>
@@ -10751,7 +11201,7 @@
         <p:spPr>
           <a:xfrm>
             <a:off x="2397600" y="3111840"/>
-            <a:ext cx="827280" cy="827280"/>
+            <a:ext cx="826920" cy="826920"/>
           </a:xfrm>
           <a:prstGeom prst="rect">
             <a:avLst/>
@@ -10763,7 +11213,7 @@
       </p:pic>
       <p:pic>
         <p:nvPicPr>
-          <p:cNvPr id="194" name="Google Shape;313;p44" descr=""/>
+          <p:cNvPr id="206" name="Google Shape;313;p44" descr=""/>
           <p:cNvPicPr/>
           <p:nvPr/>
         </p:nvPicPr>
@@ -10774,7 +11224,7 @@
         <p:spPr>
           <a:xfrm>
             <a:off x="2397600" y="4099320"/>
-            <a:ext cx="827280" cy="827280"/>
+            <a:ext cx="826920" cy="826920"/>
           </a:xfrm>
           <a:prstGeom prst="rect">
             <a:avLst/>
@@ -10786,7 +11236,7 @@
       </p:pic>
       <p:pic>
         <p:nvPicPr>
-          <p:cNvPr id="195" name="Google Shape;314;p44" descr=""/>
+          <p:cNvPr id="207" name="Google Shape;314;p44" descr=""/>
           <p:cNvPicPr/>
           <p:nvPr/>
         </p:nvPicPr>
@@ -10797,7 +11247,7 @@
         <p:spPr>
           <a:xfrm>
             <a:off x="2394360" y="5086800"/>
-            <a:ext cx="827280" cy="827280"/>
+            <a:ext cx="826920" cy="826920"/>
           </a:xfrm>
           <a:prstGeom prst="rect">
             <a:avLst/>
@@ -10839,7 +11289,7 @@
       </p:grpSpPr>
       <p:sp>
         <p:nvSpPr>
-          <p:cNvPr id="196" name="PlaceHolder 1"/>
+          <p:cNvPr id="208" name="PlaceHolder 1"/>
           <p:cNvSpPr>
             <a:spLocks noGrp="1"/>
           </p:cNvSpPr>
@@ -10850,7 +11300,7 @@
         <p:spPr>
           <a:xfrm>
             <a:off x="500400" y="441000"/>
-            <a:ext cx="8519760" cy="547200"/>
+            <a:ext cx="8519400" cy="546840"/>
           </a:xfrm>
           <a:prstGeom prst="rect">
             <a:avLst/>
@@ -10895,7 +11345,7 @@
       </p:sp>
       <p:sp>
         <p:nvSpPr>
-          <p:cNvPr id="197" name="PlaceHolder 2"/>
+          <p:cNvPr id="209" name="PlaceHolder 2"/>
           <p:cNvSpPr>
             <a:spLocks noGrp="1"/>
           </p:cNvSpPr>
@@ -10906,7 +11356,7 @@
         <p:spPr>
           <a:xfrm>
             <a:off x="462960" y="1556280"/>
-            <a:ext cx="2723400" cy="547200"/>
+            <a:ext cx="2723040" cy="546840"/>
           </a:xfrm>
           <a:prstGeom prst="rect">
             <a:avLst/>
@@ -10951,7 +11401,7 @@
       </p:sp>
       <p:pic>
         <p:nvPicPr>
-          <p:cNvPr id="198" name="Google Shape;321;p45" descr=""/>
+          <p:cNvPr id="210" name="Google Shape;321;p45" descr=""/>
           <p:cNvPicPr/>
           <p:nvPr/>
         </p:nvPicPr>
@@ -10962,7 +11412,7 @@
         <p:spPr>
           <a:xfrm>
             <a:off x="545040" y="4192560"/>
-            <a:ext cx="826920" cy="826920"/>
+            <a:ext cx="826560" cy="826560"/>
           </a:xfrm>
           <a:prstGeom prst="rect">
             <a:avLst/>
@@ -10974,7 +11424,7 @@
       </p:pic>
       <p:pic>
         <p:nvPicPr>
-          <p:cNvPr id="199" name="Google Shape;322;p45" descr=""/>
+          <p:cNvPr id="211" name="Google Shape;322;p45" descr=""/>
           <p:cNvPicPr/>
           <p:nvPr/>
         </p:nvPicPr>
@@ -10985,7 +11435,7 @@
         <p:spPr>
           <a:xfrm>
             <a:off x="544680" y="2187720"/>
-            <a:ext cx="827280" cy="827280"/>
+            <a:ext cx="826920" cy="826920"/>
           </a:xfrm>
           <a:prstGeom prst="rect">
             <a:avLst/>
@@ -10997,7 +11447,7 @@
       </p:pic>
       <p:pic>
         <p:nvPicPr>
-          <p:cNvPr id="200" name="Google Shape;323;p45" descr=""/>
+          <p:cNvPr id="212" name="Google Shape;323;p45" descr=""/>
           <p:cNvPicPr/>
           <p:nvPr/>
         </p:nvPicPr>
@@ -11008,7 +11458,7 @@
         <p:spPr>
           <a:xfrm>
             <a:off x="545040" y="3180240"/>
-            <a:ext cx="826920" cy="826920"/>
+            <a:ext cx="826560" cy="826560"/>
           </a:xfrm>
           <a:prstGeom prst="rect">
             <a:avLst/>
@@ -11020,7 +11470,7 @@
       </p:pic>
       <p:pic>
         <p:nvPicPr>
-          <p:cNvPr id="201" name="Google Shape;324;p45" descr=""/>
+          <p:cNvPr id="213" name="Google Shape;324;p45" descr=""/>
           <p:cNvPicPr/>
           <p:nvPr/>
         </p:nvPicPr>
@@ -11031,7 +11481,7 @@
         <p:spPr>
           <a:xfrm>
             <a:off x="544680" y="5238000"/>
-            <a:ext cx="827280" cy="827280"/>
+            <a:ext cx="826920" cy="826920"/>
           </a:xfrm>
           <a:prstGeom prst="rect">
             <a:avLst/>
@@ -11043,7 +11493,7 @@
       </p:pic>
       <p:pic>
         <p:nvPicPr>
-          <p:cNvPr id="202" name="Google Shape;325;p45" descr=""/>
+          <p:cNvPr id="214" name="Google Shape;325;p45" descr=""/>
           <p:cNvPicPr/>
           <p:nvPr/>
         </p:nvPicPr>
@@ -11054,7 +11504,7 @@
         <p:spPr>
           <a:xfrm>
             <a:off x="1513440" y="3162240"/>
-            <a:ext cx="826920" cy="826920"/>
+            <a:ext cx="826560" cy="826560"/>
           </a:xfrm>
           <a:prstGeom prst="rect">
             <a:avLst/>
@@ -11066,7 +11516,7 @@
       </p:pic>
       <p:pic>
         <p:nvPicPr>
-          <p:cNvPr id="203" name="Google Shape;326;p45" descr=""/>
+          <p:cNvPr id="215" name="Google Shape;326;p45" descr=""/>
           <p:cNvPicPr/>
           <p:nvPr/>
         </p:nvPicPr>
@@ -11077,7 +11527,7 @@
         <p:spPr>
           <a:xfrm>
             <a:off x="1513440" y="2183400"/>
-            <a:ext cx="827280" cy="827280"/>
+            <a:ext cx="826920" cy="826920"/>
           </a:xfrm>
           <a:prstGeom prst="rect">
             <a:avLst/>
@@ -11089,7 +11539,7 @@
       </p:pic>
       <p:pic>
         <p:nvPicPr>
-          <p:cNvPr id="204" name="Google Shape;327;p45" descr=""/>
+          <p:cNvPr id="216" name="Google Shape;327;p45" descr=""/>
           <p:cNvPicPr/>
           <p:nvPr/>
         </p:nvPicPr>
@@ -11100,7 +11550,7 @@
         <p:spPr>
           <a:xfrm>
             <a:off x="1513080" y="4186080"/>
-            <a:ext cx="827280" cy="827280"/>
+            <a:ext cx="826920" cy="826920"/>
           </a:xfrm>
           <a:prstGeom prst="rect">
             <a:avLst/>
@@ -11112,7 +11562,7 @@
       </p:pic>
       <p:pic>
         <p:nvPicPr>
-          <p:cNvPr id="205" name="Google Shape;328;p45" descr=""/>
+          <p:cNvPr id="217" name="Google Shape;328;p45" descr=""/>
           <p:cNvPicPr/>
           <p:nvPr/>
         </p:nvPicPr>
@@ -11123,7 +11573,7 @@
         <p:spPr>
           <a:xfrm>
             <a:off x="1513080" y="5225400"/>
-            <a:ext cx="827280" cy="827280"/>
+            <a:ext cx="826920" cy="826920"/>
           </a:xfrm>
           <a:prstGeom prst="rect">
             <a:avLst/>
@@ -11135,7 +11585,7 @@
       </p:pic>
       <p:sp>
         <p:nvSpPr>
-          <p:cNvPr id="206" name="PlaceHolder 3"/>
+          <p:cNvPr id="218" name="PlaceHolder 3"/>
           <p:cNvSpPr>
             <a:spLocks noGrp="1"/>
           </p:cNvSpPr>
@@ -11146,7 +11596,7 @@
         <p:spPr>
           <a:xfrm>
             <a:off x="462960" y="1556280"/>
-            <a:ext cx="2723400" cy="547200"/>
+            <a:ext cx="2723040" cy="546840"/>
           </a:xfrm>
           <a:prstGeom prst="rect">
             <a:avLst/>
@@ -11190,7 +11640,7 @@
       </p:sp>
       <p:sp>
         <p:nvSpPr>
-          <p:cNvPr id="207" name="PlaceHolder 4"/>
+          <p:cNvPr id="219" name="PlaceHolder 4"/>
           <p:cNvSpPr>
             <a:spLocks noGrp="1"/>
           </p:cNvSpPr>
@@ -11201,7 +11651,7 @@
         <p:spPr>
           <a:xfrm>
             <a:off x="3111120" y="1556280"/>
-            <a:ext cx="2723400" cy="547200"/>
+            <a:ext cx="2723040" cy="546840"/>
           </a:xfrm>
           <a:prstGeom prst="rect">
             <a:avLst/>
@@ -11245,7 +11695,7 @@
       </p:sp>
       <p:pic>
         <p:nvPicPr>
-          <p:cNvPr id="208" name="Google Shape;331;p45" descr=""/>
+          <p:cNvPr id="220" name="Google Shape;331;p45" descr=""/>
           <p:cNvPicPr/>
           <p:nvPr/>
         </p:nvPicPr>
@@ -11256,7 +11706,7 @@
         <p:spPr>
           <a:xfrm>
             <a:off x="7338240" y="7176960"/>
-            <a:ext cx="826920" cy="826920"/>
+            <a:ext cx="826560" cy="826560"/>
           </a:xfrm>
           <a:prstGeom prst="rect">
             <a:avLst/>
@@ -11268,7 +11718,7 @@
       </p:pic>
       <p:pic>
         <p:nvPicPr>
-          <p:cNvPr id="209" name="Google Shape;332;p45" descr=""/>
+          <p:cNvPr id="221" name="Google Shape;332;p45" descr=""/>
           <p:cNvPicPr/>
           <p:nvPr/>
         </p:nvPicPr>
@@ -11279,7 +11729,7 @@
         <p:spPr>
           <a:xfrm>
             <a:off x="3180240" y="4183920"/>
-            <a:ext cx="826920" cy="826920"/>
+            <a:ext cx="826560" cy="826560"/>
           </a:xfrm>
           <a:prstGeom prst="rect">
             <a:avLst/>
@@ -11291,7 +11741,7 @@
       </p:pic>
       <p:pic>
         <p:nvPicPr>
-          <p:cNvPr id="210" name="Google Shape;333;p45" descr=""/>
+          <p:cNvPr id="222" name="Google Shape;333;p45" descr=""/>
           <p:cNvPicPr/>
           <p:nvPr/>
         </p:nvPicPr>
@@ -11302,7 +11752,7 @@
         <p:spPr>
           <a:xfrm>
             <a:off x="4158360" y="4180680"/>
-            <a:ext cx="826920" cy="826920"/>
+            <a:ext cx="826560" cy="826560"/>
           </a:xfrm>
           <a:prstGeom prst="rect">
             <a:avLst/>
@@ -11314,7 +11764,7 @@
       </p:pic>
       <p:pic>
         <p:nvPicPr>
-          <p:cNvPr id="211" name="Google Shape;334;p45" descr=""/>
+          <p:cNvPr id="223" name="Google Shape;334;p45" descr=""/>
           <p:cNvPicPr/>
           <p:nvPr/>
         </p:nvPicPr>
@@ -11325,7 +11775,7 @@
         <p:spPr>
           <a:xfrm>
             <a:off x="5092920" y="4180680"/>
-            <a:ext cx="826920" cy="826920"/>
+            <a:ext cx="826560" cy="826560"/>
           </a:xfrm>
           <a:prstGeom prst="rect">
             <a:avLst/>
@@ -11337,7 +11787,7 @@
       </p:pic>
       <p:pic>
         <p:nvPicPr>
-          <p:cNvPr id="212" name="Google Shape;335;p45" descr=""/>
+          <p:cNvPr id="224" name="Google Shape;335;p45" descr=""/>
           <p:cNvPicPr/>
           <p:nvPr/>
         </p:nvPicPr>
@@ -11348,7 +11798,7 @@
         <p:spPr>
           <a:xfrm>
             <a:off x="8306280" y="7202520"/>
-            <a:ext cx="826920" cy="826920"/>
+            <a:ext cx="826560" cy="826560"/>
           </a:xfrm>
           <a:prstGeom prst="rect">
             <a:avLst/>
@@ -11360,7 +11810,7 @@
       </p:pic>
       <p:pic>
         <p:nvPicPr>
-          <p:cNvPr id="213" name="Google Shape;336;p45" descr=""/>
+          <p:cNvPr id="225" name="Google Shape;336;p45" descr=""/>
           <p:cNvPicPr/>
           <p:nvPr/>
         </p:nvPicPr>
@@ -11371,7 +11821,7 @@
         <p:spPr>
           <a:xfrm>
             <a:off x="4129560" y="5213880"/>
-            <a:ext cx="826920" cy="826920"/>
+            <a:ext cx="826560" cy="826560"/>
           </a:xfrm>
           <a:prstGeom prst="rect">
             <a:avLst/>
@@ -11383,7 +11833,7 @@
       </p:pic>
       <p:pic>
         <p:nvPicPr>
-          <p:cNvPr id="214" name="Google Shape;337;p45" descr=""/>
+          <p:cNvPr id="226" name="Google Shape;337;p45" descr=""/>
           <p:cNvPicPr/>
           <p:nvPr/>
         </p:nvPicPr>
@@ -11394,7 +11844,7 @@
         <p:spPr>
           <a:xfrm>
             <a:off x="3180240" y="5225400"/>
-            <a:ext cx="826920" cy="826920"/>
+            <a:ext cx="826560" cy="826560"/>
           </a:xfrm>
           <a:prstGeom prst="rect">
             <a:avLst/>
@@ -11406,7 +11856,7 @@
       </p:pic>
       <p:pic>
         <p:nvPicPr>
-          <p:cNvPr id="215" name="Google Shape;338;p45" descr=""/>
+          <p:cNvPr id="227" name="Google Shape;338;p45" descr=""/>
           <p:cNvPicPr/>
           <p:nvPr/>
         </p:nvPicPr>
@@ -11417,7 +11867,7 @@
         <p:spPr>
           <a:xfrm>
             <a:off x="5092920" y="5213880"/>
-            <a:ext cx="827280" cy="827280"/>
+            <a:ext cx="826920" cy="826920"/>
           </a:xfrm>
           <a:prstGeom prst="rect">
             <a:avLst/>
@@ -11429,7 +11879,7 @@
       </p:pic>
       <p:pic>
         <p:nvPicPr>
-          <p:cNvPr id="216" name="Google Shape;339;p45" descr=""/>
+          <p:cNvPr id="228" name="Google Shape;339;p45" descr=""/>
           <p:cNvPicPr/>
           <p:nvPr/>
         </p:nvPicPr>
@@ -11440,7 +11890,7 @@
         <p:spPr>
           <a:xfrm>
             <a:off x="4129560" y="2187720"/>
-            <a:ext cx="827280" cy="827280"/>
+            <a:ext cx="826920" cy="826920"/>
           </a:xfrm>
           <a:prstGeom prst="rect">
             <a:avLst/>
@@ -11452,7 +11902,7 @@
       </p:pic>
       <p:pic>
         <p:nvPicPr>
-          <p:cNvPr id="217" name="Google Shape;340;p45" descr=""/>
+          <p:cNvPr id="229" name="Google Shape;340;p45" descr=""/>
           <p:cNvPicPr/>
           <p:nvPr/>
         </p:nvPicPr>
@@ -11463,7 +11913,7 @@
         <p:spPr>
           <a:xfrm>
             <a:off x="3187080" y="2187720"/>
-            <a:ext cx="827280" cy="827280"/>
+            <a:ext cx="826920" cy="826920"/>
           </a:xfrm>
           <a:prstGeom prst="rect">
             <a:avLst/>
@@ -11475,7 +11925,7 @@
       </p:pic>
       <p:pic>
         <p:nvPicPr>
-          <p:cNvPr id="218" name="Google Shape;341;p45" descr=""/>
+          <p:cNvPr id="230" name="Google Shape;341;p45" descr=""/>
           <p:cNvPicPr/>
           <p:nvPr/>
         </p:nvPicPr>
@@ -11486,7 +11936,7 @@
         <p:spPr>
           <a:xfrm>
             <a:off x="6014160" y="2194560"/>
-            <a:ext cx="827280" cy="827280"/>
+            <a:ext cx="826920" cy="826920"/>
           </a:xfrm>
           <a:prstGeom prst="rect">
             <a:avLst/>
@@ -11498,7 +11948,7 @@
       </p:pic>
       <p:pic>
         <p:nvPicPr>
-          <p:cNvPr id="219" name="Google Shape;342;p45" descr=""/>
+          <p:cNvPr id="231" name="Google Shape;342;p45" descr=""/>
           <p:cNvPicPr/>
           <p:nvPr/>
         </p:nvPicPr>
@@ -11509,7 +11959,7 @@
         <p:spPr>
           <a:xfrm>
             <a:off x="5071680" y="2194560"/>
-            <a:ext cx="827280" cy="827280"/>
+            <a:ext cx="826920" cy="826920"/>
           </a:xfrm>
           <a:prstGeom prst="rect">
             <a:avLst/>
@@ -11521,7 +11971,7 @@
       </p:pic>
       <p:pic>
         <p:nvPicPr>
-          <p:cNvPr id="220" name="Google Shape;343;p45" descr=""/>
+          <p:cNvPr id="232" name="Google Shape;343;p45" descr=""/>
           <p:cNvPicPr/>
           <p:nvPr/>
         </p:nvPicPr>
@@ -11532,7 +11982,7 @@
         <p:spPr>
           <a:xfrm>
             <a:off x="6935760" y="5213520"/>
-            <a:ext cx="827280" cy="827280"/>
+            <a:ext cx="826920" cy="826920"/>
           </a:xfrm>
           <a:prstGeom prst="rect">
             <a:avLst/>
@@ -11544,7 +11994,7 @@
       </p:pic>
       <p:pic>
         <p:nvPicPr>
-          <p:cNvPr id="221" name="Google Shape;344;p45" descr=""/>
+          <p:cNvPr id="233" name="Google Shape;344;p45" descr=""/>
           <p:cNvPicPr/>
           <p:nvPr/>
         </p:nvPicPr>
@@ -11555,7 +12005,7 @@
         <p:spPr>
           <a:xfrm>
             <a:off x="6956640" y="4180320"/>
-            <a:ext cx="827280" cy="827280"/>
+            <a:ext cx="826920" cy="826920"/>
           </a:xfrm>
           <a:prstGeom prst="rect">
             <a:avLst/>
@@ -11567,7 +12017,7 @@
       </p:pic>
       <p:pic>
         <p:nvPicPr>
-          <p:cNvPr id="222" name="Google Shape;345;p45" descr=""/>
+          <p:cNvPr id="234" name="Google Shape;345;p45" descr=""/>
           <p:cNvPicPr/>
           <p:nvPr/>
         </p:nvPicPr>
@@ -11578,7 +12028,7 @@
         <p:spPr>
           <a:xfrm>
             <a:off x="6014160" y="3147120"/>
-            <a:ext cx="827280" cy="827280"/>
+            <a:ext cx="826920" cy="826920"/>
           </a:xfrm>
           <a:prstGeom prst="rect">
             <a:avLst/>
@@ -11590,7 +12040,7 @@
       </p:pic>
       <p:pic>
         <p:nvPicPr>
-          <p:cNvPr id="223" name="Google Shape;346;p45" descr=""/>
+          <p:cNvPr id="235" name="Google Shape;346;p45" descr=""/>
           <p:cNvPicPr/>
           <p:nvPr/>
         </p:nvPicPr>
@@ -11601,7 +12051,7 @@
         <p:spPr>
           <a:xfrm>
             <a:off x="6956640" y="2194560"/>
-            <a:ext cx="827280" cy="827280"/>
+            <a:ext cx="826920" cy="826920"/>
           </a:xfrm>
           <a:prstGeom prst="rect">
             <a:avLst/>
@@ -11613,7 +12063,7 @@
       </p:pic>
       <p:pic>
         <p:nvPicPr>
-          <p:cNvPr id="224" name="Google Shape;347;p45" descr=""/>
+          <p:cNvPr id="236" name="Google Shape;347;p45" descr=""/>
           <p:cNvPicPr/>
           <p:nvPr/>
         </p:nvPicPr>
@@ -11624,7 +12074,7 @@
         <p:spPr>
           <a:xfrm>
             <a:off x="3179880" y="3142080"/>
-            <a:ext cx="827280" cy="827280"/>
+            <a:ext cx="826920" cy="826920"/>
           </a:xfrm>
           <a:prstGeom prst="rect">
             <a:avLst/>
@@ -11636,7 +12086,7 @@
       </p:pic>
       <p:pic>
         <p:nvPicPr>
-          <p:cNvPr id="225" name="Google Shape;348;p45" descr=""/>
+          <p:cNvPr id="237" name="Google Shape;348;p45" descr=""/>
           <p:cNvPicPr/>
           <p:nvPr/>
         </p:nvPicPr>
@@ -11647,7 +12097,7 @@
         <p:spPr>
           <a:xfrm>
             <a:off x="5071680" y="3147120"/>
-            <a:ext cx="827280" cy="827280"/>
+            <a:ext cx="826920" cy="826920"/>
           </a:xfrm>
           <a:prstGeom prst="rect">
             <a:avLst/>
@@ -11659,7 +12109,7 @@
       </p:pic>
       <p:pic>
         <p:nvPicPr>
-          <p:cNvPr id="226" name="Google Shape;349;p45" descr=""/>
+          <p:cNvPr id="238" name="Google Shape;349;p45" descr=""/>
           <p:cNvPicPr/>
           <p:nvPr/>
         </p:nvPicPr>
@@ -11670,7 +12120,7 @@
         <p:spPr>
           <a:xfrm>
             <a:off x="10050120" y="7255440"/>
-            <a:ext cx="827280" cy="827280"/>
+            <a:ext cx="826920" cy="826920"/>
           </a:xfrm>
           <a:prstGeom prst="rect">
             <a:avLst/>
@@ -11682,7 +12132,7 @@
       </p:pic>
       <p:pic>
         <p:nvPicPr>
-          <p:cNvPr id="227" name="Google Shape;350;p45" descr=""/>
+          <p:cNvPr id="239" name="Google Shape;350;p45" descr=""/>
           <p:cNvPicPr/>
           <p:nvPr/>
         </p:nvPicPr>
@@ -11693,7 +12143,7 @@
         <p:spPr>
           <a:xfrm>
             <a:off x="4129560" y="3142080"/>
-            <a:ext cx="827280" cy="827280"/>
+            <a:ext cx="826920" cy="826920"/>
           </a:xfrm>
           <a:prstGeom prst="rect">
             <a:avLst/>
@@ -11705,7 +12155,7 @@
       </p:pic>
       <p:pic>
         <p:nvPicPr>
-          <p:cNvPr id="228" name="Google Shape;351;p45" descr=""/>
+          <p:cNvPr id="240" name="Google Shape;351;p45" descr=""/>
           <p:cNvPicPr/>
           <p:nvPr/>
         </p:nvPicPr>
@@ -11716,7 +12166,7 @@
         <p:spPr>
           <a:xfrm>
             <a:off x="6956640" y="3147120"/>
-            <a:ext cx="827280" cy="827280"/>
+            <a:ext cx="826920" cy="826920"/>
           </a:xfrm>
           <a:prstGeom prst="rect">
             <a:avLst/>
@@ -11728,7 +12178,7 @@
       </p:pic>
       <p:pic>
         <p:nvPicPr>
-          <p:cNvPr id="229" name="Google Shape;352;p45" descr=""/>
+          <p:cNvPr id="241" name="Google Shape;352;p45" descr=""/>
           <p:cNvPicPr/>
           <p:nvPr/>
         </p:nvPicPr>
@@ -11739,7 +12189,7 @@
         <p:spPr>
           <a:xfrm>
             <a:off x="6048000" y="4180320"/>
-            <a:ext cx="826920" cy="826920"/>
+            <a:ext cx="826560" cy="826560"/>
           </a:xfrm>
           <a:prstGeom prst="rect">
             <a:avLst/>
@@ -11751,7 +12201,7 @@
       </p:pic>
       <p:pic>
         <p:nvPicPr>
-          <p:cNvPr id="230" name="Google Shape;353;p45" descr=""/>
+          <p:cNvPr id="242" name="Google Shape;353;p45" descr=""/>
           <p:cNvPicPr/>
           <p:nvPr/>
         </p:nvPicPr>
@@ -11762,7 +12212,7 @@
         <p:spPr>
           <a:xfrm>
             <a:off x="6014520" y="5213520"/>
-            <a:ext cx="826920" cy="826920"/>
+            <a:ext cx="826560" cy="826560"/>
           </a:xfrm>
           <a:prstGeom prst="rect">
             <a:avLst/>
@@ -11804,7 +12254,7 @@
       </p:grpSpPr>
       <p:sp>
         <p:nvSpPr>
-          <p:cNvPr id="231" name="PlaceHolder 1"/>
+          <p:cNvPr id="243" name="PlaceHolder 1"/>
           <p:cNvSpPr>
             <a:spLocks noGrp="1"/>
           </p:cNvSpPr>
@@ -11815,7 +12265,7 @@
         <p:spPr>
           <a:xfrm>
             <a:off x="500400" y="441000"/>
-            <a:ext cx="8519760" cy="1123920"/>
+            <a:ext cx="8519400" cy="1123560"/>
           </a:xfrm>
           <a:prstGeom prst="rect">
             <a:avLst/>
@@ -11860,7 +12310,7 @@
       </p:sp>
       <p:sp>
         <p:nvSpPr>
-          <p:cNvPr id="232" name="PlaceHolder 2"/>
+          <p:cNvPr id="244" name="PlaceHolder 2"/>
           <p:cNvSpPr>
             <a:spLocks noGrp="1"/>
           </p:cNvSpPr>
@@ -11871,7 +12321,7 @@
         <p:spPr>
           <a:xfrm>
             <a:off x="544320" y="1502280"/>
-            <a:ext cx="1973520" cy="547200"/>
+            <a:ext cx="1973160" cy="546840"/>
           </a:xfrm>
           <a:prstGeom prst="rect">
             <a:avLst/>
@@ -11916,7 +12366,7 @@
       </p:sp>
       <p:pic>
         <p:nvPicPr>
-          <p:cNvPr id="233" name="Google Shape;360;p46" descr=""/>
+          <p:cNvPr id="245" name="Google Shape;360;p46" descr=""/>
           <p:cNvPicPr/>
           <p:nvPr/>
         </p:nvPicPr>
@@ -11927,7 +12377,7 @@
         <p:spPr>
           <a:xfrm>
             <a:off x="568440" y="3063960"/>
-            <a:ext cx="826920" cy="826920"/>
+            <a:ext cx="826560" cy="826560"/>
           </a:xfrm>
           <a:prstGeom prst="rect">
             <a:avLst/>
@@ -11939,7 +12389,7 @@
       </p:pic>
       <p:pic>
         <p:nvPicPr>
-          <p:cNvPr id="234" name="Google Shape;361;p46" descr=""/>
+          <p:cNvPr id="246" name="Google Shape;361;p46" descr=""/>
           <p:cNvPicPr/>
           <p:nvPr/>
         </p:nvPicPr>
@@ -11950,7 +12400,7 @@
         <p:spPr>
           <a:xfrm>
             <a:off x="4441680" y="5019120"/>
-            <a:ext cx="686160" cy="686160"/>
+            <a:ext cx="685800" cy="685800"/>
           </a:xfrm>
           <a:prstGeom prst="rect">
             <a:avLst/>
@@ -11962,7 +12412,7 @@
       </p:pic>
       <p:pic>
         <p:nvPicPr>
-          <p:cNvPr id="235" name="Google Shape;362;p46" descr=""/>
+          <p:cNvPr id="247" name="Google Shape;362;p46" descr=""/>
           <p:cNvPicPr/>
           <p:nvPr/>
         </p:nvPicPr>
@@ -11973,7 +12423,7 @@
         <p:spPr>
           <a:xfrm>
             <a:off x="568440" y="4243680"/>
-            <a:ext cx="686160" cy="686160"/>
+            <a:ext cx="685800" cy="685800"/>
           </a:xfrm>
           <a:prstGeom prst="rect">
             <a:avLst/>
@@ -11985,7 +12435,7 @@
       </p:pic>
       <p:pic>
         <p:nvPicPr>
-          <p:cNvPr id="236" name="Google Shape;363;p46" descr=""/>
+          <p:cNvPr id="248" name="Google Shape;363;p46" descr=""/>
           <p:cNvPicPr/>
           <p:nvPr/>
         </p:nvPicPr>
@@ -11996,7 +12446,7 @@
         <p:spPr>
           <a:xfrm>
             <a:off x="568440" y="5019480"/>
-            <a:ext cx="686160" cy="686160"/>
+            <a:ext cx="685800" cy="685800"/>
           </a:xfrm>
           <a:prstGeom prst="rect">
             <a:avLst/>
@@ -12008,7 +12458,7 @@
       </p:pic>
       <p:pic>
         <p:nvPicPr>
-          <p:cNvPr id="237" name="Google Shape;364;p46" descr=""/>
+          <p:cNvPr id="249" name="Google Shape;364;p46" descr=""/>
           <p:cNvPicPr/>
           <p:nvPr/>
         </p:nvPicPr>
@@ -12019,7 +12469,7 @@
         <p:spPr>
           <a:xfrm>
             <a:off x="1501560" y="3063960"/>
-            <a:ext cx="826920" cy="826920"/>
+            <a:ext cx="826560" cy="826560"/>
           </a:xfrm>
           <a:prstGeom prst="rect">
             <a:avLst/>
@@ -12031,7 +12481,7 @@
       </p:pic>
       <p:pic>
         <p:nvPicPr>
-          <p:cNvPr id="238" name="Google Shape;365;p46" descr=""/>
+          <p:cNvPr id="250" name="Google Shape;365;p46" descr=""/>
           <p:cNvPicPr/>
           <p:nvPr/>
         </p:nvPicPr>
@@ -12042,7 +12492,7 @@
         <p:spPr>
           <a:xfrm>
             <a:off x="4441680" y="4243680"/>
-            <a:ext cx="686160" cy="686160"/>
+            <a:ext cx="685800" cy="685800"/>
           </a:xfrm>
           <a:prstGeom prst="rect">
             <a:avLst/>
@@ -12054,7 +12504,7 @@
       </p:pic>
       <p:pic>
         <p:nvPicPr>
-          <p:cNvPr id="239" name="Google Shape;366;p46" descr=""/>
+          <p:cNvPr id="251" name="Google Shape;366;p46" descr=""/>
           <p:cNvPicPr/>
           <p:nvPr/>
         </p:nvPicPr>
@@ -12065,7 +12515,7 @@
         <p:spPr>
           <a:xfrm>
             <a:off x="1343160" y="4243680"/>
-            <a:ext cx="686160" cy="686160"/>
+            <a:ext cx="685800" cy="685800"/>
           </a:xfrm>
           <a:prstGeom prst="rect">
             <a:avLst/>
@@ -12077,7 +12527,7 @@
       </p:pic>
       <p:pic>
         <p:nvPicPr>
-          <p:cNvPr id="240" name="Google Shape;367;p46" descr=""/>
+          <p:cNvPr id="252" name="Google Shape;367;p46" descr=""/>
           <p:cNvPicPr/>
           <p:nvPr/>
         </p:nvPicPr>
@@ -12088,7 +12538,7 @@
         <p:spPr>
           <a:xfrm>
             <a:off x="1343160" y="5019480"/>
-            <a:ext cx="686160" cy="686160"/>
+            <a:ext cx="685800" cy="685800"/>
           </a:xfrm>
           <a:prstGeom prst="rect">
             <a:avLst/>
@@ -12100,7 +12550,7 @@
       </p:pic>
       <p:pic>
         <p:nvPicPr>
-          <p:cNvPr id="241" name="Google Shape;368;p46" descr=""/>
+          <p:cNvPr id="253" name="Google Shape;368;p46" descr=""/>
           <p:cNvPicPr/>
           <p:nvPr/>
         </p:nvPicPr>
@@ -12111,7 +12561,7 @@
         <p:spPr>
           <a:xfrm>
             <a:off x="2434680" y="3063960"/>
-            <a:ext cx="826920" cy="826920"/>
+            <a:ext cx="826560" cy="826560"/>
           </a:xfrm>
           <a:prstGeom prst="rect">
             <a:avLst/>
@@ -12123,7 +12573,7 @@
       </p:pic>
       <p:pic>
         <p:nvPicPr>
-          <p:cNvPr id="242" name="Google Shape;369;p46" descr=""/>
+          <p:cNvPr id="254" name="Google Shape;369;p46" descr=""/>
           <p:cNvPicPr/>
           <p:nvPr/>
         </p:nvPicPr>
@@ -12134,7 +12584,7 @@
         <p:spPr>
           <a:xfrm>
             <a:off x="2434680" y="2129760"/>
-            <a:ext cx="826920" cy="826920"/>
+            <a:ext cx="826560" cy="826560"/>
           </a:xfrm>
           <a:prstGeom prst="rect">
             <a:avLst/>
@@ -12146,7 +12596,7 @@
       </p:pic>
       <p:pic>
         <p:nvPicPr>
-          <p:cNvPr id="243" name="Google Shape;370;p46" descr=""/>
+          <p:cNvPr id="255" name="Google Shape;370;p46" descr=""/>
           <p:cNvPicPr/>
           <p:nvPr/>
         </p:nvPicPr>
@@ -12157,7 +12607,7 @@
         <p:spPr>
           <a:xfrm>
             <a:off x="2117880" y="4243680"/>
-            <a:ext cx="686160" cy="686160"/>
+            <a:ext cx="685800" cy="685800"/>
           </a:xfrm>
           <a:prstGeom prst="rect">
             <a:avLst/>
@@ -12169,7 +12619,7 @@
       </p:pic>
       <p:pic>
         <p:nvPicPr>
-          <p:cNvPr id="244" name="Google Shape;371;p46" descr=""/>
+          <p:cNvPr id="256" name="Google Shape;371;p46" descr=""/>
           <p:cNvPicPr/>
           <p:nvPr/>
         </p:nvPicPr>
@@ -12180,7 +12630,7 @@
         <p:spPr>
           <a:xfrm>
             <a:off x="2117880" y="5019480"/>
-            <a:ext cx="686160" cy="686160"/>
+            <a:ext cx="685800" cy="685800"/>
           </a:xfrm>
           <a:prstGeom prst="rect">
             <a:avLst/>
@@ -12192,7 +12642,7 @@
       </p:pic>
       <p:pic>
         <p:nvPicPr>
-          <p:cNvPr id="245" name="Google Shape;372;p46" descr=""/>
+          <p:cNvPr id="257" name="Google Shape;372;p46" descr=""/>
           <p:cNvPicPr/>
           <p:nvPr/>
         </p:nvPicPr>
@@ -12203,7 +12653,7 @@
         <p:spPr>
           <a:xfrm>
             <a:off x="568440" y="2129760"/>
-            <a:ext cx="826920" cy="826920"/>
+            <a:ext cx="826560" cy="826560"/>
           </a:xfrm>
           <a:prstGeom prst="rect">
             <a:avLst/>
@@ -12215,7 +12665,7 @@
       </p:pic>
       <p:pic>
         <p:nvPicPr>
-          <p:cNvPr id="246" name="Google Shape;373;p46" descr=""/>
+          <p:cNvPr id="258" name="Google Shape;373;p46" descr=""/>
           <p:cNvPicPr/>
           <p:nvPr/>
         </p:nvPicPr>
@@ -12226,7 +12676,7 @@
         <p:spPr>
           <a:xfrm>
             <a:off x="3367800" y="2129760"/>
-            <a:ext cx="826920" cy="826920"/>
+            <a:ext cx="826560" cy="826560"/>
           </a:xfrm>
           <a:prstGeom prst="rect">
             <a:avLst/>
@@ -12238,7 +12688,7 @@
       </p:pic>
       <p:pic>
         <p:nvPicPr>
-          <p:cNvPr id="247" name="Google Shape;374;p46" descr=""/>
+          <p:cNvPr id="259" name="Google Shape;374;p46" descr=""/>
           <p:cNvPicPr/>
           <p:nvPr/>
         </p:nvPicPr>
@@ -12249,7 +12699,7 @@
         <p:spPr>
           <a:xfrm>
             <a:off x="2892240" y="4243680"/>
-            <a:ext cx="686160" cy="686160"/>
+            <a:ext cx="685800" cy="685800"/>
           </a:xfrm>
           <a:prstGeom prst="rect">
             <a:avLst/>
@@ -12261,7 +12711,7 @@
       </p:pic>
       <p:pic>
         <p:nvPicPr>
-          <p:cNvPr id="248" name="Google Shape;375;p46" descr=""/>
+          <p:cNvPr id="260" name="Google Shape;375;p46" descr=""/>
           <p:cNvPicPr/>
           <p:nvPr/>
         </p:nvPicPr>
@@ -12272,7 +12722,7 @@
         <p:spPr>
           <a:xfrm>
             <a:off x="2892240" y="5019480"/>
-            <a:ext cx="686160" cy="686160"/>
+            <a:ext cx="685800" cy="685800"/>
           </a:xfrm>
           <a:prstGeom prst="rect">
             <a:avLst/>
@@ -12284,7 +12734,7 @@
       </p:pic>
       <p:pic>
         <p:nvPicPr>
-          <p:cNvPr id="249" name="Google Shape;376;p46" descr=""/>
+          <p:cNvPr id="261" name="Google Shape;376;p46" descr=""/>
           <p:cNvPicPr/>
           <p:nvPr/>
         </p:nvPicPr>
@@ -12295,7 +12745,7 @@
         <p:spPr>
           <a:xfrm>
             <a:off x="1501560" y="2129760"/>
-            <a:ext cx="826920" cy="826920"/>
+            <a:ext cx="826560" cy="826560"/>
           </a:xfrm>
           <a:prstGeom prst="rect">
             <a:avLst/>
@@ -12307,7 +12757,7 @@
       </p:pic>
       <p:pic>
         <p:nvPicPr>
-          <p:cNvPr id="250" name="Google Shape;377;p46" descr=""/>
+          <p:cNvPr id="262" name="Google Shape;377;p46" descr=""/>
           <p:cNvPicPr/>
           <p:nvPr/>
         </p:nvPicPr>
@@ -12318,7 +12768,7 @@
         <p:spPr>
           <a:xfrm>
             <a:off x="4300920" y="2129760"/>
-            <a:ext cx="826920" cy="826920"/>
+            <a:ext cx="826560" cy="826560"/>
           </a:xfrm>
           <a:prstGeom prst="rect">
             <a:avLst/>
@@ -12330,7 +12780,7 @@
       </p:pic>
       <p:pic>
         <p:nvPicPr>
-          <p:cNvPr id="251" name="Google Shape;378;p46" descr=""/>
+          <p:cNvPr id="263" name="Google Shape;378;p46" descr=""/>
           <p:cNvPicPr/>
           <p:nvPr/>
         </p:nvPicPr>
@@ -12341,7 +12791,7 @@
         <p:spPr>
           <a:xfrm>
             <a:off x="3666960" y="4243680"/>
-            <a:ext cx="686160" cy="686160"/>
+            <a:ext cx="685800" cy="685800"/>
           </a:xfrm>
           <a:prstGeom prst="rect">
             <a:avLst/>
@@ -12353,7 +12803,7 @@
       </p:pic>
       <p:pic>
         <p:nvPicPr>
-          <p:cNvPr id="252" name="Google Shape;379;p46" descr=""/>
+          <p:cNvPr id="264" name="Google Shape;379;p46" descr=""/>
           <p:cNvPicPr/>
           <p:nvPr/>
         </p:nvPicPr>
@@ -12364,7 +12814,7 @@
         <p:spPr>
           <a:xfrm>
             <a:off x="3666960" y="5019480"/>
-            <a:ext cx="686160" cy="686160"/>
+            <a:ext cx="685800" cy="685800"/>
           </a:xfrm>
           <a:prstGeom prst="rect">
             <a:avLst/>
@@ -12406,7 +12856,7 @@
       </p:grpSpPr>
       <p:sp>
         <p:nvSpPr>
-          <p:cNvPr id="253" name="PlaceHolder 1"/>
+          <p:cNvPr id="265" name="PlaceHolder 1"/>
           <p:cNvSpPr>
             <a:spLocks noGrp="1"/>
           </p:cNvSpPr>
@@ -12417,7 +12867,7 @@
         <p:spPr>
           <a:xfrm>
             <a:off x="500400" y="441000"/>
-            <a:ext cx="8519760" cy="1305360"/>
+            <a:ext cx="8519400" cy="1305000"/>
           </a:xfrm>
           <a:prstGeom prst="rect">
             <a:avLst/>
@@ -12462,7 +12912,7 @@
       </p:sp>
       <p:pic>
         <p:nvPicPr>
-          <p:cNvPr id="254" name="Google Shape;385;p47" descr=""/>
+          <p:cNvPr id="266" name="Google Shape;385;p47" descr=""/>
           <p:cNvPicPr/>
           <p:nvPr/>
         </p:nvPicPr>
@@ -12474,7 +12924,7 @@
         <p:spPr>
           <a:xfrm>
             <a:off x="441720" y="1865160"/>
-            <a:ext cx="5384520" cy="3920040"/>
+            <a:ext cx="5384160" cy="3919680"/>
           </a:xfrm>
           <a:prstGeom prst="rect">
             <a:avLst/>
@@ -12489,7 +12939,7 @@
       </p:pic>
       <p:sp>
         <p:nvSpPr>
-          <p:cNvPr id="255" name="PlaceHolder 2"/>
+          <p:cNvPr id="267" name="PlaceHolder 2"/>
           <p:cNvSpPr>
             <a:spLocks noGrp="1"/>
           </p:cNvSpPr>
@@ -12500,7 +12950,7 @@
         <p:spPr>
           <a:xfrm>
             <a:off x="5890320" y="1786680"/>
-            <a:ext cx="3121560" cy="3920040"/>
+            <a:ext cx="3121200" cy="3919680"/>
           </a:xfrm>
           <a:prstGeom prst="rect">
             <a:avLst/>
@@ -12712,7 +13162,7 @@
       </p:sp>
       <p:pic>
         <p:nvPicPr>
-          <p:cNvPr id="256" name="Google Shape;387;p47" descr=""/>
+          <p:cNvPr id="268" name="Google Shape;387;p47" descr=""/>
           <p:cNvPicPr/>
           <p:nvPr/>
         </p:nvPicPr>
@@ -12724,7 +13174,7 @@
         <p:spPr>
           <a:xfrm>
             <a:off x="6163560" y="4149720"/>
-            <a:ext cx="2394360" cy="1635480"/>
+            <a:ext cx="2394000" cy="1635120"/>
           </a:xfrm>
           <a:prstGeom prst="rect">
             <a:avLst/>
@@ -12769,7 +13219,7 @@
       </p:grpSpPr>
       <p:sp>
         <p:nvSpPr>
-          <p:cNvPr id="257" name="PlaceHolder 1"/>
+          <p:cNvPr id="269" name="PlaceHolder 1"/>
           <p:cNvSpPr>
             <a:spLocks noGrp="1"/>
           </p:cNvSpPr>
@@ -12780,7 +13230,7 @@
         <p:spPr>
           <a:xfrm>
             <a:off x="500400" y="441000"/>
-            <a:ext cx="8519760" cy="1305360"/>
+            <a:ext cx="8519400" cy="1305000"/>
           </a:xfrm>
           <a:prstGeom prst="rect">
             <a:avLst/>
@@ -12825,7 +13275,7 @@
       </p:sp>
       <p:pic>
         <p:nvPicPr>
-          <p:cNvPr id="258" name="Google Shape;393;p48" descr=""/>
+          <p:cNvPr id="270" name="Google Shape;393;p48" descr=""/>
           <p:cNvPicPr/>
           <p:nvPr/>
         </p:nvPicPr>
@@ -12836,7 +13286,7 @@
         <p:spPr>
           <a:xfrm>
             <a:off x="689040" y="2039400"/>
-            <a:ext cx="7414200" cy="4300920"/>
+            <a:ext cx="7413840" cy="4300560"/>
           </a:xfrm>
           <a:prstGeom prst="rect">
             <a:avLst/>
@@ -12851,7 +13301,7 @@
       </p:pic>
       <p:sp>
         <p:nvSpPr>
-          <p:cNvPr id="259" name="PlaceHolder 2"/>
+          <p:cNvPr id="271" name="PlaceHolder 2"/>
           <p:cNvSpPr>
             <a:spLocks noGrp="1"/>
           </p:cNvSpPr>
@@ -12862,7 +13312,7 @@
         <p:spPr>
           <a:xfrm>
             <a:off x="570960" y="1276560"/>
-            <a:ext cx="7414200" cy="639360"/>
+            <a:ext cx="7413840" cy="639000"/>
           </a:xfrm>
           <a:prstGeom prst="rect">
             <a:avLst/>
@@ -12969,7 +13419,7 @@
         <p:spPr>
           <a:xfrm>
             <a:off x="766800" y="2728080"/>
-            <a:ext cx="7934760" cy="1121760"/>
+            <a:ext cx="7934400" cy="1121400"/>
           </a:xfrm>
           <a:prstGeom prst="rect">
             <a:avLst/>
@@ -13056,7 +13506,7 @@
         <p:spPr>
           <a:xfrm>
             <a:off x="857160" y="4383720"/>
-            <a:ext cx="701640" cy="701640"/>
+            <a:ext cx="701280" cy="701280"/>
           </a:xfrm>
           <a:prstGeom prst="rect">
             <a:avLst/>
@@ -13079,7 +13529,7 @@
         <p:spPr>
           <a:xfrm>
             <a:off x="1737360" y="4383720"/>
-            <a:ext cx="701640" cy="701640"/>
+            <a:ext cx="701280" cy="701280"/>
           </a:xfrm>
           <a:prstGeom prst="rect">
             <a:avLst/>
@@ -13128,7 +13578,7 @@
         <p:spPr>
           <a:xfrm>
             <a:off x="630000" y="3689640"/>
-            <a:ext cx="1514160" cy="2424600"/>
+            <a:ext cx="1513800" cy="2424240"/>
           </a:xfrm>
           <a:prstGeom prst="rect">
             <a:avLst/>
@@ -13181,7 +13631,7 @@
         <p:spPr>
           <a:xfrm>
             <a:off x="500400" y="1095120"/>
-            <a:ext cx="8519760" cy="2644200"/>
+            <a:ext cx="8519400" cy="2643840"/>
           </a:xfrm>
           <a:prstGeom prst="rect">
             <a:avLst/>
@@ -13256,7 +13706,7 @@
         <p:spPr>
           <a:xfrm>
             <a:off x="3135600" y="4174920"/>
-            <a:ext cx="5855760" cy="782640"/>
+            <a:ext cx="5855400" cy="782280"/>
           </a:xfrm>
           <a:prstGeom prst="rect">
             <a:avLst/>
@@ -13312,7 +13762,7 @@
         <p:spPr>
           <a:xfrm>
             <a:off x="3135600" y="4575240"/>
-            <a:ext cx="5855760" cy="1056240"/>
+            <a:ext cx="5855400" cy="1055880"/>
           </a:xfrm>
           <a:prstGeom prst="rect">
             <a:avLst/>
@@ -13368,7 +13818,7 @@
         <p:spPr>
           <a:xfrm>
             <a:off x="3135600" y="4737960"/>
-            <a:ext cx="5855760" cy="1376280"/>
+            <a:ext cx="5855400" cy="1375920"/>
           </a:xfrm>
           <a:prstGeom prst="rect">
             <a:avLst/>
@@ -13481,7 +13931,7 @@
         <p:spPr>
           <a:xfrm>
             <a:off x="500400" y="441000"/>
-            <a:ext cx="8519760" cy="749880"/>
+            <a:ext cx="8519400" cy="749520"/>
           </a:xfrm>
           <a:prstGeom prst="rect">
             <a:avLst/>
@@ -13533,7 +13983,7 @@
         <p:spPr>
           <a:xfrm>
             <a:off x="680760" y="1430640"/>
-            <a:ext cx="3384360" cy="500760"/>
+            <a:ext cx="3384000" cy="500400"/>
           </a:xfrm>
           <a:prstGeom prst="roundRect">
             <a:avLst>
@@ -13594,7 +14044,7 @@
         <p:spPr>
           <a:xfrm>
             <a:off x="680760" y="2254320"/>
-            <a:ext cx="3384360" cy="500760"/>
+            <a:ext cx="3384000" cy="500400"/>
           </a:xfrm>
           <a:prstGeom prst="roundRect">
             <a:avLst>
@@ -13655,7 +14105,7 @@
         <p:spPr>
           <a:xfrm>
             <a:off x="680760" y="3090960"/>
-            <a:ext cx="3384360" cy="500760"/>
+            <a:ext cx="3384000" cy="500400"/>
           </a:xfrm>
           <a:prstGeom prst="roundRect">
             <a:avLst>
@@ -13716,7 +14166,7 @@
         <p:spPr>
           <a:xfrm>
             <a:off x="680760" y="3927960"/>
-            <a:ext cx="3384360" cy="500760"/>
+            <a:ext cx="3384000" cy="500400"/>
           </a:xfrm>
           <a:prstGeom prst="roundRect">
             <a:avLst>
@@ -13777,7 +14227,7 @@
         <p:spPr>
           <a:xfrm>
             <a:off x="680760" y="4710240"/>
-            <a:ext cx="3384360" cy="500760"/>
+            <a:ext cx="3384000" cy="500400"/>
           </a:xfrm>
           <a:prstGeom prst="roundRect">
             <a:avLst>
@@ -13838,7 +14288,7 @@
         <p:spPr>
           <a:xfrm>
             <a:off x="680760" y="5492160"/>
-            <a:ext cx="3384360" cy="500760"/>
+            <a:ext cx="3384000" cy="500400"/>
           </a:xfrm>
           <a:prstGeom prst="roundRect">
             <a:avLst>
@@ -13982,12 +14432,12 @@
         </p:nvCxnSpPr>
         <p:spPr>
           <a:xfrm flipH="1" rot="16200000">
-            <a:off x="262080" y="4636800"/>
-            <a:ext cx="837720" cy="1440"/>
+            <a:off x="262080" y="4636440"/>
+            <a:ext cx="838080" cy="1800"/>
           </a:xfrm>
           <a:prstGeom prst="curvedConnector3">
             <a:avLst>
-              <a:gd name="adj1" fmla="val 25021"/>
+              <a:gd name="adj1" fmla="val 25053"/>
             </a:avLst>
           </a:prstGeom>
           <a:ln w="19050">
@@ -14007,12 +14457,12 @@
         </p:nvCxnSpPr>
         <p:spPr>
           <a:xfrm flipH="1" rot="16200000">
-            <a:off x="262080" y="5514120"/>
-            <a:ext cx="837720" cy="1440"/>
+            <a:off x="262080" y="5513760"/>
+            <a:ext cx="838080" cy="1800"/>
           </a:xfrm>
           <a:prstGeom prst="curvedConnector3">
             <a:avLst>
-              <a:gd name="adj1" fmla="val 25021"/>
+              <a:gd name="adj1" fmla="val 25053"/>
             </a:avLst>
           </a:prstGeom>
           <a:ln w="19050">
@@ -14067,7 +14517,7 @@
         <p:spPr>
           <a:xfrm>
             <a:off x="500400" y="441000"/>
-            <a:ext cx="8519760" cy="1305360"/>
+            <a:ext cx="8519400" cy="1305000"/>
           </a:xfrm>
           <a:prstGeom prst="rect">
             <a:avLst/>
@@ -14118,7 +14568,7 @@
         </p:nvGraphicFramePr>
         <p:xfrm>
           <a:off x="952560" y="2058840"/>
-          <a:ext cx="7238160" cy="1549440"/>
+          <a:ext cx="7238160" cy="1765800"/>
         </p:xfrm>
         <a:graphic>
           <a:graphicData uri="http://schemas.openxmlformats.org/drawingml/2006/table">
@@ -14444,8 +14894,117 @@
                           <a:latin typeface="Arial"/>
                           <a:ea typeface="Noto Sans CJK SC"/>
                         </a:rPr>
-                        <a:t>Разработать систему команд между </a:t>
+                        <a:t>Разработать систему команд между  базой данных NoSQL и пользователем</a:t>
                       </a:r>
+                      <a:endParaRPr b="0" lang="ru-RU" sz="1800" spc="-1" strike="noStrike">
+                        <a:solidFill>
+                          <a:srgbClr val="000000"/>
+                        </a:solidFill>
+                        <a:latin typeface="Arial"/>
+                      </a:endParaRPr>
+                    </a:p>
+                  </a:txBody>
+                  <a:tcPr anchor="t" marL="198000" marR="91080">
+                    <a:lnL w="9360">
+                      <a:solidFill>
+                        <a:srgbClr val="ffffff"/>
+                      </a:solidFill>
+                      <a:prstDash val="solid"/>
+                    </a:lnL>
+                    <a:lnR w="9360">
+                      <a:solidFill>
+                        <a:srgbClr val="bfc1f0"/>
+                      </a:solidFill>
+                      <a:prstDash val="solid"/>
+                    </a:lnR>
+                    <a:lnT w="9360">
+                      <a:solidFill>
+                        <a:srgbClr val="bfc1f0"/>
+                      </a:solidFill>
+                      <a:prstDash val="solid"/>
+                    </a:lnT>
+                    <a:lnB w="9360">
+                      <a:solidFill>
+                        <a:srgbClr val="bfc1f0"/>
+                      </a:solidFill>
+                      <a:prstDash val="solid"/>
+                    </a:lnB>
+                    <a:noFill/>
+                  </a:tcPr>
+                </a:tc>
+              </a:tr>
+              <a:tr h="380880">
+                <a:tc>
+                  <a:txBody>
+                    <a:bodyPr lIns="198000" rIns="91080" anchor="t">
+                      <a:noAutofit/>
+                    </a:bodyPr>
+                    <a:p>
+                      <a:pPr>
+                        <a:lnSpc>
+                          <a:spcPct val="100000"/>
+                        </a:lnSpc>
+                        <a:tabLst>
+                          <a:tab algn="l" pos="0"/>
+                        </a:tabLst>
+                      </a:pPr>
+                      <a:r>
+                        <a:rPr b="1" lang="ru" sz="1700" spc="-1" strike="noStrike">
+                          <a:solidFill>
+                            <a:srgbClr val="013d85"/>
+                          </a:solidFill>
+                          <a:latin typeface="Roboto"/>
+                          <a:ea typeface="Roboto"/>
+                        </a:rPr>
+                        <a:t>4.</a:t>
+                      </a:r>
+                      <a:endParaRPr b="0" lang="ru-RU" sz="1700" spc="-1" strike="noStrike">
+                        <a:solidFill>
+                          <a:srgbClr val="000000"/>
+                        </a:solidFill>
+                        <a:latin typeface="Arial"/>
+                      </a:endParaRPr>
+                    </a:p>
+                  </a:txBody>
+                  <a:tcPr anchor="t" marL="198000" marR="91080">
+                    <a:lnL w="9360">
+                      <a:solidFill>
+                        <a:srgbClr val="bfc1f0"/>
+                      </a:solidFill>
+                      <a:prstDash val="solid"/>
+                    </a:lnL>
+                    <a:lnR w="9360">
+                      <a:solidFill>
+                        <a:srgbClr val="ffffff"/>
+                      </a:solidFill>
+                      <a:prstDash val="solid"/>
+                    </a:lnR>
+                    <a:lnT w="9360">
+                      <a:solidFill>
+                        <a:srgbClr val="bfc1f0"/>
+                      </a:solidFill>
+                      <a:prstDash val="solid"/>
+                    </a:lnT>
+                    <a:lnB w="9360">
+                      <a:solidFill>
+                        <a:srgbClr val="bfc1f0"/>
+                      </a:solidFill>
+                      <a:prstDash val="solid"/>
+                    </a:lnB>
+                    <a:noFill/>
+                  </a:tcPr>
+                </a:tc>
+                <a:tc>
+                  <a:txBody>
+                    <a:bodyPr lIns="198000" rIns="91080" anchor="t">
+                      <a:noAutofit/>
+                    </a:bodyPr>
+                    <a:p>
+                      <a:pPr>
+                        <a:lnSpc>
+                          <a:spcPct val="100000"/>
+                        </a:lnSpc>
+                      </a:pPr>
                       <a:r>
                         <a:rPr b="0" lang="ru-RU" sz="1800" spc="-1" strike="noStrike">
                           <a:solidFill>
@@ -14453,7 +15012,519 @@
                           </a:solidFill>
                           <a:latin typeface="Arial"/>
                         </a:rPr>
-                        <a:t> базой данных NoSQL и пользователем</a:t>
+                        <a:t>Реализовать основные команды обмена.</a:t>
+                      </a:r>
+                      <a:endParaRPr b="0" lang="ru-RU" sz="1800" spc="-1" strike="noStrike">
+                        <a:solidFill>
+                          <a:srgbClr val="000000"/>
+                        </a:solidFill>
+                        <a:latin typeface="Arial"/>
+                      </a:endParaRPr>
+                    </a:p>
+                  </a:txBody>
+                  <a:tcPr anchor="t" marL="198000" marR="91080">
+                    <a:lnL w="9360">
+                      <a:solidFill>
+                        <a:srgbClr val="ffffff"/>
+                      </a:solidFill>
+                      <a:prstDash val="solid"/>
+                    </a:lnL>
+                    <a:lnR w="9360">
+                      <a:solidFill>
+                        <a:srgbClr val="bfc1f0"/>
+                      </a:solidFill>
+                      <a:prstDash val="solid"/>
+                    </a:lnR>
+                    <a:lnT w="9360">
+                      <a:solidFill>
+                        <a:srgbClr val="bfc1f0"/>
+                      </a:solidFill>
+                      <a:prstDash val="solid"/>
+                    </a:lnT>
+                    <a:lnB w="9360">
+                      <a:solidFill>
+                        <a:srgbClr val="bfc1f0"/>
+                      </a:solidFill>
+                      <a:prstDash val="solid"/>
+                    </a:lnB>
+                    <a:noFill/>
+                  </a:tcPr>
+                </a:tc>
+              </a:tr>
+            </a:tbl>
+          </a:graphicData>
+        </a:graphic>
+      </p:graphicFrame>
+      <p:sp>
+        <p:nvSpPr>
+          <p:cNvPr id="91" name="Google Shape;170;p34"/>
+          <p:cNvSpPr/>
+          <p:nvPr/>
+        </p:nvSpPr>
+        <p:spPr>
+          <a:xfrm>
+            <a:off x="5339520" y="378000"/>
+            <a:ext cx="3421800" cy="1090800"/>
+          </a:xfrm>
+          <a:prstGeom prst="wedgeRectCallout">
+            <a:avLst>
+              <a:gd name="adj1" fmla="val -20833"/>
+              <a:gd name="adj2" fmla="val 62500"/>
+            </a:avLst>
+          </a:prstGeom>
+          <a:solidFill>
+            <a:srgbClr val="f3f3f3"/>
+          </a:solidFill>
+          <a:ln w="9525">
+            <a:solidFill>
+              <a:srgbClr val="013d85"/>
+            </a:solidFill>
+            <a:round/>
+          </a:ln>
+        </p:spPr>
+        <p:style>
+          <a:lnRef idx="0"/>
+          <a:fillRef idx="0"/>
+          <a:effectRef idx="0"/>
+          <a:fontRef idx="minor"/>
+        </p:style>
+        <p:txBody>
+          <a:bodyPr lIns="198000" rIns="198000" tIns="126000" bIns="126000" anchor="ctr">
+            <a:noAutofit/>
+          </a:bodyPr>
+          <a:p>
+            <a:pPr>
+              <a:lnSpc>
+                <a:spcPct val="100000"/>
+              </a:lnSpc>
+              <a:tabLst>
+                <a:tab algn="l" pos="0"/>
+              </a:tabLst>
+            </a:pPr>
+            <a:r>
+              <a:rPr b="0" lang="ru" sz="1500" spc="-1" strike="noStrike">
+                <a:solidFill>
+                  <a:srgbClr val="02418b"/>
+                </a:solidFill>
+                <a:latin typeface="Roboto"/>
+                <a:ea typeface="Roboto"/>
+              </a:rPr>
+              <a:t>Какие цели вы поставили и какие задачи решили своим проектом </a:t>
+            </a:r>
+            <a:endParaRPr b="0" lang="ru-RU" sz="1500" spc="-1" strike="noStrike">
+              <a:solidFill>
+                <a:srgbClr val="000000"/>
+              </a:solidFill>
+              <a:latin typeface="Arial"/>
+            </a:endParaRPr>
+          </a:p>
+        </p:txBody>
+      </p:sp>
+    </p:spTree>
+  </p:cSld>
+  <mc:AlternateContent>
+    <mc:Choice Requires="p14">
+      <p:transition spd="slow" p14:dur="2000"/>
+    </mc:Choice>
+    <mc:Fallback>
+      <p:transition spd="slow"/>
+    </mc:Fallback>
+  </mc:AlternateContent>
+</p:sld>
+</file>
+
+<file path=ppt/slides/slide6.xml><?xml version="1.0" encoding="utf-8"?>
+<p:sld xmlns:a="http://schemas.openxmlformats.org/drawingml/2006/main" xmlns:p="http://schemas.openxmlformats.org/presentationml/2006/main" xmlns:r="http://schemas.openxmlformats.org/officeDocument/2006/relationships" xmlns:p14="http://schemas.microsoft.com/office/powerpoint/2010/main" xmlns:p15="http://schemas.microsoft.com/office/powerpoint/2012/main" xmlns:mc="http://schemas.openxmlformats.org/markup-compatibility/2006">
+  <p:cSld>
+    <p:spTree>
+      <p:nvGrpSpPr>
+        <p:cNvPr id="1" name=""/>
+        <p:cNvGrpSpPr/>
+        <p:nvPr/>
+      </p:nvGrpSpPr>
+      <p:grpSpPr>
+        <a:xfrm>
+          <a:off x="0" y="0"/>
+          <a:ext cx="0" cy="0"/>
+          <a:chOff x="0" y="0"/>
+          <a:chExt cx="0" cy="0"/>
+        </a:xfrm>
+      </p:grpSpPr>
+      <p:sp>
+        <p:nvSpPr>
+          <p:cNvPr id="92" name="PlaceHolder 1"/>
+          <p:cNvSpPr>
+            <a:spLocks noGrp="1"/>
+          </p:cNvSpPr>
+          <p:nvPr>
+            <p:ph type="title"/>
+          </p:nvPr>
+        </p:nvSpPr>
+        <p:spPr>
+          <a:xfrm>
+            <a:off x="500400" y="441000"/>
+            <a:ext cx="8519400" cy="1305000"/>
+          </a:xfrm>
+          <a:prstGeom prst="rect">
+            <a:avLst/>
+          </a:prstGeom>
+          <a:noFill/>
+          <a:ln w="0">
+            <a:noFill/>
+          </a:ln>
+        </p:spPr>
+        <p:txBody>
+          <a:bodyPr lIns="91440" rIns="91440" tIns="91440" bIns="91440" anchor="t">
+            <a:noAutofit/>
+          </a:bodyPr>
+          <a:p>
+            <a:pPr indent="0">
+              <a:lnSpc>
+                <a:spcPct val="100000"/>
+              </a:lnSpc>
+              <a:buNone/>
+              <a:tabLst>
+                <a:tab algn="l" pos="0"/>
+              </a:tabLst>
+            </a:pPr>
+            <a:r>
+              <a:rPr b="1" lang="ru" sz="3400" spc="-1" strike="noStrike">
+                <a:solidFill>
+                  <a:schemeClr val="dk1"/>
+                </a:solidFill>
+                <a:latin typeface="Roboto"/>
+                <a:ea typeface="Roboto"/>
+              </a:rPr>
+              <a:t>Что планировалось</a:t>
+            </a:r>
+            <a:endParaRPr b="0" lang="ru-RU" sz="3400" spc="-1" strike="noStrike">
+              <a:solidFill>
+                <a:srgbClr val="000000"/>
+              </a:solidFill>
+              <a:latin typeface="Arial"/>
+            </a:endParaRPr>
+          </a:p>
+        </p:txBody>
+      </p:sp>
+      <p:graphicFrame>
+        <p:nvGraphicFramePr>
+          <p:cNvPr id="93" name="Google Shape;176;p35"/>
+          <p:cNvGraphicFramePr/>
+          <p:nvPr/>
+        </p:nvGraphicFramePr>
+        <p:xfrm>
+          <a:off x="952560" y="2058840"/>
+          <a:ext cx="7238160" cy="1566360"/>
+        </p:xfrm>
+        <a:graphic>
+          <a:graphicData uri="http://schemas.openxmlformats.org/drawingml/2006/table">
+            <a:tbl>
+              <a:tblPr/>
+              <a:tblGrid>
+                <a:gridCol w="489240"/>
+                <a:gridCol w="6749280"/>
+              </a:tblGrid>
+              <a:tr h="404280">
+                <a:tc>
+                  <a:txBody>
+                    <a:bodyPr lIns="198000" rIns="91080" anchor="t">
+                      <a:noAutofit/>
+                    </a:bodyPr>
+                    <a:p>
+                      <a:pPr>
+                        <a:lnSpc>
+                          <a:spcPct val="100000"/>
+                        </a:lnSpc>
+                        <a:tabLst>
+                          <a:tab algn="l" pos="0"/>
+                        </a:tabLst>
+                      </a:pPr>
+                      <a:r>
+                        <a:rPr b="1" lang="ru" sz="1700" spc="-1" strike="noStrike">
+                          <a:solidFill>
+                            <a:srgbClr val="013d85"/>
+                          </a:solidFill>
+                          <a:latin typeface="Roboto"/>
+                          <a:ea typeface="Roboto"/>
+                        </a:rPr>
+                        <a:t>1.</a:t>
+                      </a:r>
+                      <a:endParaRPr b="0" lang="ru-RU" sz="1700" spc="-1" strike="noStrike">
+                        <a:solidFill>
+                          <a:srgbClr val="000000"/>
+                        </a:solidFill>
+                        <a:latin typeface="Arial"/>
+                      </a:endParaRPr>
+                    </a:p>
+                  </a:txBody>
+                  <a:tcPr anchor="t" marL="198000" marR="91080">
+                    <a:lnL w="9360">
+                      <a:solidFill>
+                        <a:srgbClr val="bfc1f0"/>
+                      </a:solidFill>
+                      <a:prstDash val="solid"/>
+                    </a:lnL>
+                    <a:lnR w="9360">
+                      <a:solidFill>
+                        <a:srgbClr val="ffffff"/>
+                      </a:solidFill>
+                      <a:prstDash val="solid"/>
+                    </a:lnR>
+                    <a:lnT w="9360">
+                      <a:solidFill>
+                        <a:srgbClr val="bfc1f0"/>
+                      </a:solidFill>
+                      <a:prstDash val="solid"/>
+                    </a:lnT>
+                    <a:lnB w="9360">
+                      <a:solidFill>
+                        <a:srgbClr val="bfc1f0"/>
+                      </a:solidFill>
+                      <a:prstDash val="solid"/>
+                    </a:lnB>
+                    <a:noFill/>
+                  </a:tcPr>
+                </a:tc>
+                <a:tc>
+                  <a:txBody>
+                    <a:bodyPr lIns="198000" rIns="91080" anchor="t">
+                      <a:noAutofit/>
+                    </a:bodyPr>
+                    <a:p>
+                      <a:r>
+                        <a:rPr b="0" lang="ru-RU" sz="1800" spc="-1" strike="noStrike">
+                          <a:solidFill>
+                            <a:srgbClr val="000000"/>
+                          </a:solidFill>
+                          <a:latin typeface="Arial"/>
+                        </a:rPr>
+                        <a:t>Разработать блок схему приложения базы данных.</a:t>
+                      </a:r>
+                      <a:endParaRPr b="0" lang="ru-RU" sz="1800" spc="-1" strike="noStrike">
+                        <a:solidFill>
+                          <a:srgbClr val="000000"/>
+                        </a:solidFill>
+                        <a:latin typeface="Arial"/>
+                      </a:endParaRPr>
+                    </a:p>
+                  </a:txBody>
+                  <a:tcPr anchor="t" marL="198000" marR="91080">
+                    <a:lnL w="9360">
+                      <a:solidFill>
+                        <a:srgbClr val="ffffff"/>
+                      </a:solidFill>
+                      <a:prstDash val="solid"/>
+                    </a:lnL>
+                    <a:lnR w="9360">
+                      <a:solidFill>
+                        <a:srgbClr val="bfc1f0"/>
+                      </a:solidFill>
+                      <a:prstDash val="solid"/>
+                    </a:lnR>
+                    <a:lnT w="9360">
+                      <a:solidFill>
+                        <a:srgbClr val="bfc1f0"/>
+                      </a:solidFill>
+                      <a:prstDash val="solid"/>
+                    </a:lnT>
+                    <a:lnB w="9360">
+                      <a:solidFill>
+                        <a:srgbClr val="bfc1f0"/>
+                      </a:solidFill>
+                      <a:prstDash val="solid"/>
+                    </a:lnB>
+                    <a:noFill/>
+                  </a:tcPr>
+                </a:tc>
+              </a:tr>
+              <a:tr h="380880">
+                <a:tc>
+                  <a:txBody>
+                    <a:bodyPr lIns="198000" rIns="91080" anchor="t">
+                      <a:noAutofit/>
+                    </a:bodyPr>
+                    <a:p>
+                      <a:pPr>
+                        <a:lnSpc>
+                          <a:spcPct val="100000"/>
+                        </a:lnSpc>
+                        <a:tabLst>
+                          <a:tab algn="l" pos="0"/>
+                        </a:tabLst>
+                      </a:pPr>
+                      <a:r>
+                        <a:rPr b="1" lang="ru" sz="1700" spc="-1" strike="noStrike">
+                          <a:solidFill>
+                            <a:srgbClr val="013d85"/>
+                          </a:solidFill>
+                          <a:latin typeface="Roboto"/>
+                          <a:ea typeface="Roboto"/>
+                        </a:rPr>
+                        <a:t>2.</a:t>
+                      </a:r>
+                      <a:endParaRPr b="0" lang="ru-RU" sz="1700" spc="-1" strike="noStrike">
+                        <a:solidFill>
+                          <a:srgbClr val="000000"/>
+                        </a:solidFill>
+                        <a:latin typeface="Arial"/>
+                      </a:endParaRPr>
+                    </a:p>
+                  </a:txBody>
+                  <a:tcPr anchor="t" marL="198000" marR="91080">
+                    <a:lnL w="9360">
+                      <a:solidFill>
+                        <a:srgbClr val="bfc1f0"/>
+                      </a:solidFill>
+                      <a:prstDash val="solid"/>
+                    </a:lnL>
+                    <a:lnR w="9360">
+                      <a:solidFill>
+                        <a:srgbClr val="ffffff"/>
+                      </a:solidFill>
+                      <a:prstDash val="solid"/>
+                    </a:lnR>
+                    <a:lnT w="9360">
+                      <a:solidFill>
+                        <a:srgbClr val="bfc1f0"/>
+                      </a:solidFill>
+                      <a:prstDash val="solid"/>
+                    </a:lnT>
+                    <a:lnB w="9360">
+                      <a:solidFill>
+                        <a:srgbClr val="bfc1f0"/>
+                      </a:solidFill>
+                      <a:prstDash val="solid"/>
+                    </a:lnB>
+                    <a:noFill/>
+                  </a:tcPr>
+                </a:tc>
+                <a:tc>
+                  <a:txBody>
+                    <a:bodyPr lIns="198000" rIns="91080" anchor="t">
+                      <a:noAutofit/>
+                    </a:bodyPr>
+                    <a:p>
+                      <a:r>
+                        <a:rPr b="0" lang="ru-RU" sz="1800" spc="-1" strike="noStrike">
+                          <a:solidFill>
+                            <a:srgbClr val="000000"/>
+                          </a:solidFill>
+                          <a:latin typeface="Arial"/>
+                        </a:rPr>
+                        <a:t>Разработать систему команд обмена между пользователем и базой данных.</a:t>
+                      </a:r>
+                      <a:endParaRPr b="0" lang="ru-RU" sz="1800" spc="-1" strike="noStrike">
+                        <a:solidFill>
+                          <a:srgbClr val="000000"/>
+                        </a:solidFill>
+                        <a:latin typeface="Arial"/>
+                      </a:endParaRPr>
+                    </a:p>
+                  </a:txBody>
+                  <a:tcPr anchor="t" marL="198000" marR="91080">
+                    <a:lnL w="9360">
+                      <a:solidFill>
+                        <a:srgbClr val="ffffff"/>
+                      </a:solidFill>
+                      <a:prstDash val="solid"/>
+                    </a:lnL>
+                    <a:lnR w="9360">
+                      <a:solidFill>
+                        <a:srgbClr val="bfc1f0"/>
+                      </a:solidFill>
+                      <a:prstDash val="solid"/>
+                    </a:lnR>
+                    <a:lnT w="9360">
+                      <a:solidFill>
+                        <a:srgbClr val="bfc1f0"/>
+                      </a:solidFill>
+                      <a:prstDash val="solid"/>
+                    </a:lnT>
+                    <a:lnB w="9360">
+                      <a:solidFill>
+                        <a:srgbClr val="bfc1f0"/>
+                      </a:solidFill>
+                      <a:prstDash val="solid"/>
+                    </a:lnB>
+                    <a:noFill/>
+                  </a:tcPr>
+                </a:tc>
+              </a:tr>
+              <a:tr h="380880">
+                <a:tc>
+                  <a:txBody>
+                    <a:bodyPr lIns="198000" rIns="91080" anchor="t">
+                      <a:noAutofit/>
+                    </a:bodyPr>
+                    <a:p>
+                      <a:pPr>
+                        <a:lnSpc>
+                          <a:spcPct val="100000"/>
+                        </a:lnSpc>
+                        <a:tabLst>
+                          <a:tab algn="l" pos="0"/>
+                        </a:tabLst>
+                      </a:pPr>
+                      <a:r>
+                        <a:rPr b="1" lang="ru" sz="1700" spc="-1" strike="noStrike">
+                          <a:solidFill>
+                            <a:srgbClr val="013d85"/>
+                          </a:solidFill>
+                          <a:latin typeface="Roboto"/>
+                          <a:ea typeface="Roboto"/>
+                        </a:rPr>
+                        <a:t>3.</a:t>
+                      </a:r>
+                      <a:endParaRPr b="0" lang="ru-RU" sz="1700" spc="-1" strike="noStrike">
+                        <a:solidFill>
+                          <a:srgbClr val="000000"/>
+                        </a:solidFill>
+                        <a:latin typeface="Arial"/>
+                      </a:endParaRPr>
+                    </a:p>
+                  </a:txBody>
+                  <a:tcPr anchor="t" marL="198000" marR="91080">
+                    <a:lnL w="9360">
+                      <a:solidFill>
+                        <a:srgbClr val="bfc1f0"/>
+                      </a:solidFill>
+                      <a:prstDash val="solid"/>
+                    </a:lnL>
+                    <a:lnR w="9360">
+                      <a:solidFill>
+                        <a:srgbClr val="ffffff"/>
+                      </a:solidFill>
+                      <a:prstDash val="solid"/>
+                    </a:lnR>
+                    <a:lnT w="9360">
+                      <a:solidFill>
+                        <a:srgbClr val="bfc1f0"/>
+                      </a:solidFill>
+                      <a:prstDash val="solid"/>
+                    </a:lnT>
+                    <a:lnB w="9360">
+                      <a:solidFill>
+                        <a:srgbClr val="bfc1f0"/>
+                      </a:solidFill>
+                      <a:prstDash val="solid"/>
+                    </a:lnB>
+                    <a:noFill/>
+                  </a:tcPr>
+                </a:tc>
+                <a:tc>
+                  <a:txBody>
+                    <a:bodyPr lIns="198000" rIns="91080" anchor="t">
+                      <a:noAutofit/>
+                    </a:bodyPr>
+                    <a:p>
+                      <a:r>
+                        <a:rPr b="0" lang="ru-RU" sz="1800" spc="-1" strike="noStrike">
+                          <a:solidFill>
+                            <a:srgbClr val="000000"/>
+                          </a:solidFill>
+                          <a:latin typeface="Arial"/>
+                        </a:rPr>
+                        <a:t>Реализовать основу базы данных как серверного приложения.</a:t>
                       </a:r>
                       <a:endParaRPr b="0" lang="ru-RU" sz="1800" spc="-1" strike="noStrike">
                         <a:solidFill>
@@ -14566,7 +15637,7 @@
                           </a:solidFill>
                           <a:latin typeface="Arial"/>
                         </a:rPr>
-                        <a:t>Реализовать основные команды обмена.</a:t>
+                        <a:t>Реализовать основные команды создания элемента базы данных (отдельного прибора учёта - ПУ ), сохранение его показаний , выдача показаний по условию ( в данной реализации  по уровню потреблённой энергии).</a:t>
                       </a:r>
                       <a:endParaRPr b="0" lang="ru-RU" sz="1800" spc="-1" strike="noStrike">
                         <a:solidFill>
@@ -14611,14 +15682,14 @@
       </p:graphicFrame>
       <p:sp>
         <p:nvSpPr>
-          <p:cNvPr id="91" name="Google Shape;170;p34"/>
+          <p:cNvPr id="94" name="Google Shape;177;p35"/>
           <p:cNvSpPr/>
           <p:nvPr/>
         </p:nvSpPr>
         <p:spPr>
           <a:xfrm>
             <a:off x="5339520" y="378000"/>
-            <a:ext cx="3422160" cy="1091160"/>
+            <a:ext cx="3421800" cy="1090800"/>
           </a:xfrm>
           <a:prstGeom prst="wedgeRectCallout">
             <a:avLst>
@@ -14663,7 +15734,7 @@
                 <a:latin typeface="Roboto"/>
                 <a:ea typeface="Roboto"/>
               </a:rPr>
-              <a:t>Какие цели вы поставили и какие задачи решили своим проектом </a:t>
+              <a:t>Что было в начале, что знали до курса, сколько времени заняло выполнение проекта</a:t>
             </a:r>
             <a:endParaRPr b="0" lang="ru-RU" sz="1500" spc="-1" strike="noStrike">
               <a:solidFill>
@@ -14687,7 +15758,7 @@
 </p:sld>
 </file>
 
-<file path=ppt/slides/slide6.xml><?xml version="1.0" encoding="utf-8"?>
+<file path=ppt/slides/slide7.xml><?xml version="1.0" encoding="utf-8"?>
 <p:sld xmlns:a="http://schemas.openxmlformats.org/drawingml/2006/main" xmlns:p="http://schemas.openxmlformats.org/presentationml/2006/main" xmlns:r="http://schemas.openxmlformats.org/officeDocument/2006/relationships" xmlns:p14="http://schemas.microsoft.com/office/powerpoint/2010/main" xmlns:p15="http://schemas.microsoft.com/office/powerpoint/2012/main" xmlns:mc="http://schemas.openxmlformats.org/markup-compatibility/2006">
   <p:cSld>
     <p:spTree>
@@ -14706,7 +15777,7 @@
       </p:grpSpPr>
       <p:sp>
         <p:nvSpPr>
-          <p:cNvPr id="92" name="PlaceHolder 1"/>
+          <p:cNvPr id="95" name="PlaceHolder 1"/>
           <p:cNvSpPr>
             <a:spLocks noGrp="1"/>
           </p:cNvSpPr>
@@ -14717,7 +15788,7 @@
         <p:spPr>
           <a:xfrm>
             <a:off x="500400" y="441000"/>
-            <a:ext cx="8519760" cy="1305360"/>
+            <a:ext cx="8519400" cy="1305000"/>
           </a:xfrm>
           <a:prstGeom prst="rect">
             <a:avLst/>
@@ -14749,7 +15820,7 @@
                 <a:latin typeface="Roboto"/>
                 <a:ea typeface="Roboto"/>
               </a:rPr>
-              <a:t>Что планировалось</a:t>
+              <a:t>Используемые технологии</a:t>
             </a:r>
             <a:endParaRPr b="0" lang="ru-RU" sz="3400" spc="-1" strike="noStrike">
               <a:solidFill>
@@ -14762,13 +15833,13 @@
       </p:sp>
       <p:graphicFrame>
         <p:nvGraphicFramePr>
-          <p:cNvPr id="93" name="Google Shape;176;p35"/>
+          <p:cNvPr id="96" name="Google Shape;183;p36"/>
           <p:cNvGraphicFramePr/>
           <p:nvPr/>
         </p:nvGraphicFramePr>
         <p:xfrm>
           <a:off x="952560" y="2058840"/>
-          <a:ext cx="7238160" cy="1549440"/>
+          <a:ext cx="7238160" cy="1162080"/>
         </p:xfrm>
         <a:graphic>
           <a:graphicData uri="http://schemas.openxmlformats.org/drawingml/2006/table">
@@ -14778,7 +15849,7 @@
                 <a:gridCol w="489240"/>
                 <a:gridCol w="6749280"/>
               </a:tblGrid>
-              <a:tr h="404280">
+              <a:tr h="390600">
                 <a:tc>
                   <a:txBody>
                     <a:bodyPr lIns="198000" rIns="91080" anchor="t">
@@ -14845,6 +15916,15 @@
                       <a:noAutofit/>
                     </a:bodyPr>
                     <a:p>
+                      <a:r>
+                        <a:rPr b="0" lang="ru-RU" sz="1800" spc="-1" strike="noStrike">
+                          <a:solidFill>
+                            <a:srgbClr val="000000"/>
+                          </a:solidFill>
+                          <a:latin typeface="Arial"/>
+                        </a:rPr>
+                        <a:t>Стандарт языка с++ 20 версия (std::span)</a:t>
+                      </a:r>
                       <a:endParaRPr b="0" lang="ru-RU" sz="1800" spc="-1" strike="noStrike">
                         <a:solidFill>
                           <a:srgbClr val="000000"/>
@@ -14949,6 +16029,15 @@
                       <a:noAutofit/>
                     </a:bodyPr>
                     <a:p>
+                      <a:r>
+                        <a:rPr b="0" lang="ru-RU" sz="1800" spc="-1" strike="noStrike">
+                          <a:solidFill>
+                            <a:srgbClr val="000000"/>
+                          </a:solidFill>
+                          <a:latin typeface="Arial"/>
+                        </a:rPr>
+                        <a:t>Библиотека boost ( в частности boost::asio, boost::json, boost::thread)</a:t>
+                      </a:r>
                       <a:endParaRPr b="0" lang="ru-RU" sz="1800" spc="-1" strike="noStrike">
                         <a:solidFill>
                           <a:srgbClr val="000000"/>
@@ -15053,595 +16142,15 @@
                       <a:noAutofit/>
                     </a:bodyPr>
                     <a:p>
-                      <a:endParaRPr b="0" lang="ru-RU" sz="1800" spc="-1" strike="noStrike">
-                        <a:solidFill>
-                          <a:srgbClr val="000000"/>
-                        </a:solidFill>
-                        <a:latin typeface="Arial"/>
-                      </a:endParaRPr>
-                    </a:p>
-                  </a:txBody>
-                  <a:tcPr anchor="t" marL="198000" marR="91080">
-                    <a:lnL w="9360">
-                      <a:solidFill>
-                        <a:srgbClr val="ffffff"/>
-                      </a:solidFill>
-                      <a:prstDash val="solid"/>
-                    </a:lnL>
-                    <a:lnR w="9360">
-                      <a:solidFill>
-                        <a:srgbClr val="bfc1f0"/>
-                      </a:solidFill>
-                      <a:prstDash val="solid"/>
-                    </a:lnR>
-                    <a:lnT w="9360">
-                      <a:solidFill>
-                        <a:srgbClr val="bfc1f0"/>
-                      </a:solidFill>
-                      <a:prstDash val="solid"/>
-                    </a:lnT>
-                    <a:lnB w="9360">
-                      <a:solidFill>
-                        <a:srgbClr val="bfc1f0"/>
-                      </a:solidFill>
-                      <a:prstDash val="solid"/>
-                    </a:lnB>
-                    <a:noFill/>
-                  </a:tcPr>
-                </a:tc>
-              </a:tr>
-              <a:tr h="380880">
-                <a:tc>
-                  <a:txBody>
-                    <a:bodyPr lIns="198000" rIns="91080" anchor="t">
-                      <a:noAutofit/>
-                    </a:bodyPr>
-                    <a:p>
-                      <a:pPr>
-                        <a:lnSpc>
-                          <a:spcPct val="100000"/>
-                        </a:lnSpc>
-                        <a:tabLst>
-                          <a:tab algn="l" pos="0"/>
-                        </a:tabLst>
-                      </a:pPr>
                       <a:r>
-                        <a:rPr b="1" lang="ru" sz="1700" spc="-1" strike="noStrike">
+                        <a:rPr b="0" lang="ru-RU" sz="1800" spc="-1" strike="noStrike">
                           <a:solidFill>
-                            <a:srgbClr val="013d85"/>
+                            <a:srgbClr val="000000"/>
                           </a:solidFill>
-                          <a:latin typeface="Roboto"/>
-                          <a:ea typeface="Roboto"/>
+                          <a:latin typeface="Arial"/>
                         </a:rPr>
-                        <a:t>4.</a:t>
+                        <a:t>Шаблоны проектирования ( в частности реализация фабрики при разборе строк json )</a:t>
                       </a:r>
-                      <a:endParaRPr b="0" lang="ru-RU" sz="1700" spc="-1" strike="noStrike">
-                        <a:solidFill>
-                          <a:srgbClr val="000000"/>
-                        </a:solidFill>
-                        <a:latin typeface="Arial"/>
-                      </a:endParaRPr>
-                    </a:p>
-                  </a:txBody>
-                  <a:tcPr anchor="t" marL="198000" marR="91080">
-                    <a:lnL w="9360">
-                      <a:solidFill>
-                        <a:srgbClr val="bfc1f0"/>
-                      </a:solidFill>
-                      <a:prstDash val="solid"/>
-                    </a:lnL>
-                    <a:lnR w="9360">
-                      <a:solidFill>
-                        <a:srgbClr val="ffffff"/>
-                      </a:solidFill>
-                      <a:prstDash val="solid"/>
-                    </a:lnR>
-                    <a:lnT w="9360">
-                      <a:solidFill>
-                        <a:srgbClr val="bfc1f0"/>
-                      </a:solidFill>
-                      <a:prstDash val="solid"/>
-                    </a:lnT>
-                    <a:lnB w="9360">
-                      <a:solidFill>
-                        <a:srgbClr val="bfc1f0"/>
-                      </a:solidFill>
-                      <a:prstDash val="solid"/>
-                    </a:lnB>
-                    <a:noFill/>
-                  </a:tcPr>
-                </a:tc>
-                <a:tc>
-                  <a:txBody>
-                    <a:bodyPr lIns="198000" rIns="91080" anchor="t">
-                      <a:noAutofit/>
-                    </a:bodyPr>
-                    <a:p>
-                      <a:endParaRPr b="0" lang="ru-RU" sz="1800" spc="-1" strike="noStrike">
-                        <a:solidFill>
-                          <a:srgbClr val="000000"/>
-                        </a:solidFill>
-                        <a:latin typeface="Arial"/>
-                      </a:endParaRPr>
-                    </a:p>
-                  </a:txBody>
-                  <a:tcPr anchor="t" marL="198000" marR="91080">
-                    <a:lnL w="9360">
-                      <a:solidFill>
-                        <a:srgbClr val="ffffff"/>
-                      </a:solidFill>
-                      <a:prstDash val="solid"/>
-                    </a:lnL>
-                    <a:lnR w="9360">
-                      <a:solidFill>
-                        <a:srgbClr val="bfc1f0"/>
-                      </a:solidFill>
-                      <a:prstDash val="solid"/>
-                    </a:lnR>
-                    <a:lnT w="9360">
-                      <a:solidFill>
-                        <a:srgbClr val="bfc1f0"/>
-                      </a:solidFill>
-                      <a:prstDash val="solid"/>
-                    </a:lnT>
-                    <a:lnB w="9360">
-                      <a:solidFill>
-                        <a:srgbClr val="bfc1f0"/>
-                      </a:solidFill>
-                      <a:prstDash val="solid"/>
-                    </a:lnB>
-                    <a:noFill/>
-                  </a:tcPr>
-                </a:tc>
-              </a:tr>
-            </a:tbl>
-          </a:graphicData>
-        </a:graphic>
-      </p:graphicFrame>
-      <p:sp>
-        <p:nvSpPr>
-          <p:cNvPr id="94" name="Google Shape;177;p35"/>
-          <p:cNvSpPr/>
-          <p:nvPr/>
-        </p:nvSpPr>
-        <p:spPr>
-          <a:xfrm>
-            <a:off x="5339520" y="378000"/>
-            <a:ext cx="3422160" cy="1091160"/>
-          </a:xfrm>
-          <a:prstGeom prst="wedgeRectCallout">
-            <a:avLst>
-              <a:gd name="adj1" fmla="val -20833"/>
-              <a:gd name="adj2" fmla="val 62500"/>
-            </a:avLst>
-          </a:prstGeom>
-          <a:solidFill>
-            <a:srgbClr val="f3f3f3"/>
-          </a:solidFill>
-          <a:ln w="9525">
-            <a:solidFill>
-              <a:srgbClr val="013d85"/>
-            </a:solidFill>
-            <a:round/>
-          </a:ln>
-        </p:spPr>
-        <p:style>
-          <a:lnRef idx="0"/>
-          <a:fillRef idx="0"/>
-          <a:effectRef idx="0"/>
-          <a:fontRef idx="minor"/>
-        </p:style>
-        <p:txBody>
-          <a:bodyPr lIns="198000" rIns="198000" tIns="126000" bIns="126000" anchor="ctr">
-            <a:noAutofit/>
-          </a:bodyPr>
-          <a:p>
-            <a:pPr>
-              <a:lnSpc>
-                <a:spcPct val="100000"/>
-              </a:lnSpc>
-              <a:tabLst>
-                <a:tab algn="l" pos="0"/>
-              </a:tabLst>
-            </a:pPr>
-            <a:r>
-              <a:rPr b="0" lang="ru" sz="1500" spc="-1" strike="noStrike">
-                <a:solidFill>
-                  <a:srgbClr val="02418b"/>
-                </a:solidFill>
-                <a:latin typeface="Roboto"/>
-                <a:ea typeface="Roboto"/>
-              </a:rPr>
-              <a:t>Что было в начале, что знали до курса, сколько времени заняло выполнение проекта</a:t>
-            </a:r>
-            <a:endParaRPr b="0" lang="ru-RU" sz="1500" spc="-1" strike="noStrike">
-              <a:solidFill>
-                <a:srgbClr val="000000"/>
-              </a:solidFill>
-              <a:latin typeface="Arial"/>
-            </a:endParaRPr>
-          </a:p>
-        </p:txBody>
-      </p:sp>
-    </p:spTree>
-  </p:cSld>
-  <mc:AlternateContent>
-    <mc:Choice Requires="p14">
-      <p:transition spd="slow" p14:dur="2000"/>
-    </mc:Choice>
-    <mc:Fallback>
-      <p:transition spd="slow"/>
-    </mc:Fallback>
-  </mc:AlternateContent>
-</p:sld>
-</file>
-
-<file path=ppt/slides/slide7.xml><?xml version="1.0" encoding="utf-8"?>
-<p:sld xmlns:a="http://schemas.openxmlformats.org/drawingml/2006/main" xmlns:p="http://schemas.openxmlformats.org/presentationml/2006/main" xmlns:r="http://schemas.openxmlformats.org/officeDocument/2006/relationships" xmlns:p14="http://schemas.microsoft.com/office/powerpoint/2010/main" xmlns:p15="http://schemas.microsoft.com/office/powerpoint/2012/main" xmlns:mc="http://schemas.openxmlformats.org/markup-compatibility/2006">
-  <p:cSld>
-    <p:spTree>
-      <p:nvGrpSpPr>
-        <p:cNvPr id="1" name=""/>
-        <p:cNvGrpSpPr/>
-        <p:nvPr/>
-      </p:nvGrpSpPr>
-      <p:grpSpPr>
-        <a:xfrm>
-          <a:off x="0" y="0"/>
-          <a:ext cx="0" cy="0"/>
-          <a:chOff x="0" y="0"/>
-          <a:chExt cx="0" cy="0"/>
-        </a:xfrm>
-      </p:grpSpPr>
-      <p:sp>
-        <p:nvSpPr>
-          <p:cNvPr id="95" name="PlaceHolder 1"/>
-          <p:cNvSpPr>
-            <a:spLocks noGrp="1"/>
-          </p:cNvSpPr>
-          <p:nvPr>
-            <p:ph type="title"/>
-          </p:nvPr>
-        </p:nvSpPr>
-        <p:spPr>
-          <a:xfrm>
-            <a:off x="500400" y="441000"/>
-            <a:ext cx="8519760" cy="1305360"/>
-          </a:xfrm>
-          <a:prstGeom prst="rect">
-            <a:avLst/>
-          </a:prstGeom>
-          <a:noFill/>
-          <a:ln w="0">
-            <a:noFill/>
-          </a:ln>
-        </p:spPr>
-        <p:txBody>
-          <a:bodyPr lIns="91440" rIns="91440" tIns="91440" bIns="91440" anchor="t">
-            <a:noAutofit/>
-          </a:bodyPr>
-          <a:p>
-            <a:pPr indent="0">
-              <a:lnSpc>
-                <a:spcPct val="100000"/>
-              </a:lnSpc>
-              <a:buNone/>
-              <a:tabLst>
-                <a:tab algn="l" pos="0"/>
-              </a:tabLst>
-            </a:pPr>
-            <a:r>
-              <a:rPr b="1" lang="ru" sz="3400" spc="-1" strike="noStrike">
-                <a:solidFill>
-                  <a:schemeClr val="dk1"/>
-                </a:solidFill>
-                <a:latin typeface="Roboto"/>
-                <a:ea typeface="Roboto"/>
-              </a:rPr>
-              <a:t>Используемые технологии</a:t>
-            </a:r>
-            <a:endParaRPr b="0" lang="ru-RU" sz="3400" spc="-1" strike="noStrike">
-              <a:solidFill>
-                <a:srgbClr val="000000"/>
-              </a:solidFill>
-              <a:latin typeface="Arial"/>
-            </a:endParaRPr>
-          </a:p>
-        </p:txBody>
-      </p:sp>
-      <p:graphicFrame>
-        <p:nvGraphicFramePr>
-          <p:cNvPr id="96" name="Google Shape;183;p36"/>
-          <p:cNvGraphicFramePr/>
-          <p:nvPr/>
-        </p:nvGraphicFramePr>
-        <p:xfrm>
-          <a:off x="952560" y="2058840"/>
-          <a:ext cx="7238160" cy="1162080"/>
-        </p:xfrm>
-        <a:graphic>
-          <a:graphicData uri="http://schemas.openxmlformats.org/drawingml/2006/table">
-            <a:tbl>
-              <a:tblPr/>
-              <a:tblGrid>
-                <a:gridCol w="489240"/>
-                <a:gridCol w="6749280"/>
-              </a:tblGrid>
-              <a:tr h="380880">
-                <a:tc>
-                  <a:txBody>
-                    <a:bodyPr lIns="198000" rIns="91080" anchor="t">
-                      <a:noAutofit/>
-                    </a:bodyPr>
-                    <a:p>
-                      <a:pPr>
-                        <a:lnSpc>
-                          <a:spcPct val="100000"/>
-                        </a:lnSpc>
-                        <a:tabLst>
-                          <a:tab algn="l" pos="0"/>
-                        </a:tabLst>
-                      </a:pPr>
-                      <a:r>
-                        <a:rPr b="1" lang="ru" sz="1700" spc="-1" strike="noStrike">
-                          <a:solidFill>
-                            <a:srgbClr val="013d85"/>
-                          </a:solidFill>
-                          <a:latin typeface="Roboto"/>
-                          <a:ea typeface="Roboto"/>
-                        </a:rPr>
-                        <a:t>1.</a:t>
-                      </a:r>
-                      <a:endParaRPr b="0" lang="ru-RU" sz="1700" spc="-1" strike="noStrike">
-                        <a:solidFill>
-                          <a:srgbClr val="000000"/>
-                        </a:solidFill>
-                        <a:latin typeface="Arial"/>
-                      </a:endParaRPr>
-                    </a:p>
-                  </a:txBody>
-                  <a:tcPr anchor="t" marL="198000" marR="91080">
-                    <a:lnL w="9360">
-                      <a:solidFill>
-                        <a:srgbClr val="bfc1f0"/>
-                      </a:solidFill>
-                      <a:prstDash val="solid"/>
-                    </a:lnL>
-                    <a:lnR w="9360">
-                      <a:solidFill>
-                        <a:srgbClr val="ffffff"/>
-                      </a:solidFill>
-                      <a:prstDash val="solid"/>
-                    </a:lnR>
-                    <a:lnT w="9360">
-                      <a:solidFill>
-                        <a:srgbClr val="bfc1f0"/>
-                      </a:solidFill>
-                      <a:prstDash val="solid"/>
-                    </a:lnT>
-                    <a:lnB w="9360">
-                      <a:solidFill>
-                        <a:srgbClr val="bfc1f0"/>
-                      </a:solidFill>
-                      <a:prstDash val="solid"/>
-                    </a:lnB>
-                    <a:noFill/>
-                  </a:tcPr>
-                </a:tc>
-                <a:tc>
-                  <a:txBody>
-                    <a:bodyPr lIns="198000" rIns="91080" anchor="t">
-                      <a:noAutofit/>
-                    </a:bodyPr>
-                    <a:p>
-                      <a:endParaRPr b="0" lang="ru-RU" sz="1800" spc="-1" strike="noStrike">
-                        <a:solidFill>
-                          <a:srgbClr val="000000"/>
-                        </a:solidFill>
-                        <a:latin typeface="Arial"/>
-                      </a:endParaRPr>
-                    </a:p>
-                  </a:txBody>
-                  <a:tcPr anchor="t" marL="198000" marR="91080">
-                    <a:lnL w="9360">
-                      <a:solidFill>
-                        <a:srgbClr val="ffffff"/>
-                      </a:solidFill>
-                      <a:prstDash val="solid"/>
-                    </a:lnL>
-                    <a:lnR w="9360">
-                      <a:solidFill>
-                        <a:srgbClr val="bfc1f0"/>
-                      </a:solidFill>
-                      <a:prstDash val="solid"/>
-                    </a:lnR>
-                    <a:lnT w="9360">
-                      <a:solidFill>
-                        <a:srgbClr val="bfc1f0"/>
-                      </a:solidFill>
-                      <a:prstDash val="solid"/>
-                    </a:lnT>
-                    <a:lnB w="9360">
-                      <a:solidFill>
-                        <a:srgbClr val="bfc1f0"/>
-                      </a:solidFill>
-                      <a:prstDash val="solid"/>
-                    </a:lnB>
-                    <a:noFill/>
-                  </a:tcPr>
-                </a:tc>
-              </a:tr>
-              <a:tr h="380880">
-                <a:tc>
-                  <a:txBody>
-                    <a:bodyPr lIns="198000" rIns="91080" anchor="t">
-                      <a:noAutofit/>
-                    </a:bodyPr>
-                    <a:p>
-                      <a:pPr>
-                        <a:lnSpc>
-                          <a:spcPct val="100000"/>
-                        </a:lnSpc>
-                        <a:tabLst>
-                          <a:tab algn="l" pos="0"/>
-                        </a:tabLst>
-                      </a:pPr>
-                      <a:r>
-                        <a:rPr b="1" lang="ru" sz="1700" spc="-1" strike="noStrike">
-                          <a:solidFill>
-                            <a:srgbClr val="013d85"/>
-                          </a:solidFill>
-                          <a:latin typeface="Roboto"/>
-                          <a:ea typeface="Roboto"/>
-                        </a:rPr>
-                        <a:t>2.</a:t>
-                      </a:r>
-                      <a:endParaRPr b="0" lang="ru-RU" sz="1700" spc="-1" strike="noStrike">
-                        <a:solidFill>
-                          <a:srgbClr val="000000"/>
-                        </a:solidFill>
-                        <a:latin typeface="Arial"/>
-                      </a:endParaRPr>
-                    </a:p>
-                  </a:txBody>
-                  <a:tcPr anchor="t" marL="198000" marR="91080">
-                    <a:lnL w="9360">
-                      <a:solidFill>
-                        <a:srgbClr val="bfc1f0"/>
-                      </a:solidFill>
-                      <a:prstDash val="solid"/>
-                    </a:lnL>
-                    <a:lnR w="9360">
-                      <a:solidFill>
-                        <a:srgbClr val="ffffff"/>
-                      </a:solidFill>
-                      <a:prstDash val="solid"/>
-                    </a:lnR>
-                    <a:lnT w="9360">
-                      <a:solidFill>
-                        <a:srgbClr val="bfc1f0"/>
-                      </a:solidFill>
-                      <a:prstDash val="solid"/>
-                    </a:lnT>
-                    <a:lnB w="9360">
-                      <a:solidFill>
-                        <a:srgbClr val="bfc1f0"/>
-                      </a:solidFill>
-                      <a:prstDash val="solid"/>
-                    </a:lnB>
-                    <a:noFill/>
-                  </a:tcPr>
-                </a:tc>
-                <a:tc>
-                  <a:txBody>
-                    <a:bodyPr lIns="198000" rIns="91080" anchor="t">
-                      <a:noAutofit/>
-                    </a:bodyPr>
-                    <a:p>
-                      <a:endParaRPr b="0" lang="ru-RU" sz="1800" spc="-1" strike="noStrike">
-                        <a:solidFill>
-                          <a:srgbClr val="000000"/>
-                        </a:solidFill>
-                        <a:latin typeface="Arial"/>
-                      </a:endParaRPr>
-                    </a:p>
-                  </a:txBody>
-                  <a:tcPr anchor="t" marL="198000" marR="91080">
-                    <a:lnL w="9360">
-                      <a:solidFill>
-                        <a:srgbClr val="ffffff"/>
-                      </a:solidFill>
-                      <a:prstDash val="solid"/>
-                    </a:lnL>
-                    <a:lnR w="9360">
-                      <a:solidFill>
-                        <a:srgbClr val="bfc1f0"/>
-                      </a:solidFill>
-                      <a:prstDash val="solid"/>
-                    </a:lnR>
-                    <a:lnT w="9360">
-                      <a:solidFill>
-                        <a:srgbClr val="bfc1f0"/>
-                      </a:solidFill>
-                      <a:prstDash val="solid"/>
-                    </a:lnT>
-                    <a:lnB w="9360">
-                      <a:solidFill>
-                        <a:srgbClr val="bfc1f0"/>
-                      </a:solidFill>
-                      <a:prstDash val="solid"/>
-                    </a:lnB>
-                    <a:noFill/>
-                  </a:tcPr>
-                </a:tc>
-              </a:tr>
-              <a:tr h="380880">
-                <a:tc>
-                  <a:txBody>
-                    <a:bodyPr lIns="198000" rIns="91080" anchor="t">
-                      <a:noAutofit/>
-                    </a:bodyPr>
-                    <a:p>
-                      <a:pPr>
-                        <a:lnSpc>
-                          <a:spcPct val="100000"/>
-                        </a:lnSpc>
-                        <a:tabLst>
-                          <a:tab algn="l" pos="0"/>
-                        </a:tabLst>
-                      </a:pPr>
-                      <a:r>
-                        <a:rPr b="1" lang="ru" sz="1700" spc="-1" strike="noStrike">
-                          <a:solidFill>
-                            <a:srgbClr val="013d85"/>
-                          </a:solidFill>
-                          <a:latin typeface="Roboto"/>
-                          <a:ea typeface="Roboto"/>
-                        </a:rPr>
-                        <a:t>3.</a:t>
-                      </a:r>
-                      <a:endParaRPr b="0" lang="ru-RU" sz="1700" spc="-1" strike="noStrike">
-                        <a:solidFill>
-                          <a:srgbClr val="000000"/>
-                        </a:solidFill>
-                        <a:latin typeface="Arial"/>
-                      </a:endParaRPr>
-                    </a:p>
-                  </a:txBody>
-                  <a:tcPr anchor="t" marL="198000" marR="91080">
-                    <a:lnL w="9360">
-                      <a:solidFill>
-                        <a:srgbClr val="bfc1f0"/>
-                      </a:solidFill>
-                      <a:prstDash val="solid"/>
-                    </a:lnL>
-                    <a:lnR w="9360">
-                      <a:solidFill>
-                        <a:srgbClr val="ffffff"/>
-                      </a:solidFill>
-                      <a:prstDash val="solid"/>
-                    </a:lnR>
-                    <a:lnT w="9360">
-                      <a:solidFill>
-                        <a:srgbClr val="bfc1f0"/>
-                      </a:solidFill>
-                      <a:prstDash val="solid"/>
-                    </a:lnT>
-                    <a:lnB w="9360">
-                      <a:solidFill>
-                        <a:srgbClr val="bfc1f0"/>
-                      </a:solidFill>
-                      <a:prstDash val="solid"/>
-                    </a:lnB>
-                    <a:noFill/>
-                  </a:tcPr>
-                </a:tc>
-                <a:tc>
-                  <a:txBody>
-                    <a:bodyPr lIns="198000" rIns="91080" anchor="t">
-                      <a:noAutofit/>
-                    </a:bodyPr>
-                    <a:p>
                       <a:endParaRPr b="0" lang="ru-RU" sz="1800" spc="-1" strike="noStrike">
                         <a:solidFill>
                           <a:srgbClr val="000000"/>
@@ -15692,7 +16201,7 @@
         <p:spPr>
           <a:xfrm>
             <a:off x="4768560" y="4502520"/>
-            <a:ext cx="3422160" cy="1091160"/>
+            <a:ext cx="3421800" cy="1090800"/>
           </a:xfrm>
           <a:prstGeom prst="wedgeRectCallout">
             <a:avLst>
@@ -15794,7 +16303,7 @@
         <p:spPr>
           <a:xfrm>
             <a:off x="500400" y="441000"/>
-            <a:ext cx="8519760" cy="1305360"/>
+            <a:ext cx="8519400" cy="1305000"/>
           </a:xfrm>
           <a:prstGeom prst="rect">
             <a:avLst/>
@@ -15850,7 +16359,7 @@
         <p:spPr>
           <a:xfrm>
             <a:off x="500400" y="1825920"/>
-            <a:ext cx="3920760" cy="3485520"/>
+            <a:ext cx="3920400" cy="3485160"/>
           </a:xfrm>
           <a:prstGeom prst="rect">
             <a:avLst/>
@@ -16086,13 +16595,13 @@
         </p:nvPicPr>
         <p:blipFill>
           <a:blip r:embed="rId1"/>
-          <a:srcRect l="30636" t="28544" r="28514" b="10486"/>
+          <a:srcRect l="30633" t="28541" r="28511" b="10486"/>
           <a:stretch/>
         </p:blipFill>
         <p:spPr>
           <a:xfrm>
             <a:off x="5189040" y="1711800"/>
-            <a:ext cx="3594240" cy="3576240"/>
+            <a:ext cx="3593880" cy="3575880"/>
           </a:xfrm>
           <a:prstGeom prst="rect">
             <a:avLst/>
@@ -16145,7 +16654,7 @@
         <p:spPr>
           <a:xfrm>
             <a:off x="500400" y="441000"/>
-            <a:ext cx="8519760" cy="1305360"/>
+            <a:ext cx="8519400" cy="1305000"/>
           </a:xfrm>
           <a:prstGeom prst="rect">
             <a:avLst/>
@@ -16224,29 +16733,25 @@
       </p:sp>
       <p:sp>
         <p:nvSpPr>
-          <p:cNvPr id="102" name="Google Shape;197;p38"/>
+          <p:cNvPr id="102" name=""/>
           <p:cNvSpPr/>
           <p:nvPr/>
         </p:nvSpPr>
         <p:spPr>
           <a:xfrm>
-            <a:off x="4768560" y="4502520"/>
-            <a:ext cx="3422160" cy="1091160"/>
-          </a:xfrm>
-          <a:prstGeom prst="wedgeRectCallout">
-            <a:avLst>
-              <a:gd name="adj1" fmla="val -44483"/>
-              <a:gd name="adj2" fmla="val -89998"/>
-            </a:avLst>
+            <a:off x="900360" y="1980360"/>
+            <a:ext cx="1079640" cy="719640"/>
+          </a:xfrm>
+          <a:prstGeom prst="rect">
+            <a:avLst/>
           </a:prstGeom>
           <a:solidFill>
-            <a:srgbClr val="f3f3f3"/>
+            <a:srgbClr val="729fcf"/>
           </a:solidFill>
-          <a:ln w="9525">
+          <a:ln w="0">
             <a:solidFill>
-              <a:srgbClr val="013d85"/>
+              <a:srgbClr val="3465a4"/>
             </a:solidFill>
-            <a:round/>
           </a:ln>
         </p:spPr>
         <p:style>
@@ -16256,32 +16761,21 @@
           <a:fontRef idx="minor"/>
         </p:style>
         <p:txBody>
-          <a:bodyPr lIns="198000" rIns="198000" tIns="126000" bIns="126000" anchor="ctr">
+          <a:bodyPr lIns="90000" rIns="90000" tIns="45000" bIns="45000" anchor="ctr">
             <a:noAutofit/>
           </a:bodyPr>
           <a:p>
-            <a:pPr>
-              <a:lnSpc>
-                <a:spcPct val="100000"/>
-              </a:lnSpc>
-              <a:spcBef>
-                <a:spcPts val="601"/>
-              </a:spcBef>
-              <a:tabLst>
-                <a:tab algn="l" pos="0"/>
-              </a:tabLst>
-            </a:pPr>
-            <a:r>
-              <a:rPr b="0" lang="ru" sz="1500" spc="-1" strike="noStrike">
-                <a:solidFill>
-                  <a:srgbClr val="02418b"/>
-                </a:solidFill>
-                <a:latin typeface="Roboto"/>
-                <a:ea typeface="Roboto"/>
-              </a:rPr>
-              <a:t>Опционально, если ваш проект позволяет это сделать</a:t>
-            </a:r>
-            <a:endParaRPr b="0" lang="ru-RU" sz="1500" spc="-1" strike="noStrike">
+            <a:pPr algn="ctr"/>
+            <a:r>
+              <a:rPr b="0" lang="ru-RU" sz="1800" spc="-1" strike="noStrike">
+                <a:solidFill>
+                  <a:srgbClr val="000000"/>
+                </a:solidFill>
+                <a:latin typeface="Arial"/>
+              </a:rPr>
+              <a:t>Пользователь</a:t>
+            </a:r>
+            <a:endParaRPr b="0" lang="ru-RU" sz="1800" spc="-1" strike="noStrike">
               <a:solidFill>
                 <a:srgbClr val="000000"/>
               </a:solidFill>
@@ -16290,6 +16784,568 @@
           </a:p>
         </p:txBody>
       </p:sp>
+      <p:sp>
+        <p:nvSpPr>
+          <p:cNvPr id="103" name=""/>
+          <p:cNvSpPr/>
+          <p:nvPr/>
+        </p:nvSpPr>
+        <p:spPr>
+          <a:xfrm>
+            <a:off x="900000" y="4680000"/>
+            <a:ext cx="1079640" cy="719640"/>
+          </a:xfrm>
+          <a:prstGeom prst="rect">
+            <a:avLst/>
+          </a:prstGeom>
+          <a:solidFill>
+            <a:srgbClr val="729fcf"/>
+          </a:solidFill>
+          <a:ln w="0">
+            <a:solidFill>
+              <a:srgbClr val="3465a4"/>
+            </a:solidFill>
+          </a:ln>
+        </p:spPr>
+        <p:style>
+          <a:lnRef idx="0"/>
+          <a:fillRef idx="0"/>
+          <a:effectRef idx="0"/>
+          <a:fontRef idx="minor"/>
+        </p:style>
+        <p:txBody>
+          <a:bodyPr lIns="90000" rIns="90000" tIns="45000" bIns="45000" anchor="ctr">
+            <a:noAutofit/>
+          </a:bodyPr>
+          <a:p>
+            <a:pPr algn="ctr"/>
+            <a:r>
+              <a:rPr b="0" lang="ru-RU" sz="1800" spc="-1" strike="noStrike">
+                <a:solidFill>
+                  <a:srgbClr val="000000"/>
+                </a:solidFill>
+                <a:latin typeface="Arial"/>
+              </a:rPr>
+              <a:t>Счетчик(ПУ)</a:t>
+            </a:r>
+            <a:endParaRPr b="0" lang="ru-RU" sz="1800" spc="-1" strike="noStrike">
+              <a:solidFill>
+                <a:srgbClr val="000000"/>
+              </a:solidFill>
+              <a:latin typeface="Arial"/>
+            </a:endParaRPr>
+          </a:p>
+        </p:txBody>
+      </p:sp>
+      <p:sp>
+        <p:nvSpPr>
+          <p:cNvPr id="104" name=""/>
+          <p:cNvSpPr/>
+          <p:nvPr/>
+        </p:nvSpPr>
+        <p:spPr>
+          <a:xfrm>
+            <a:off x="6660000" y="3240000"/>
+            <a:ext cx="1440000" cy="1440000"/>
+          </a:xfrm>
+          <a:prstGeom prst="rect">
+            <a:avLst/>
+          </a:prstGeom>
+          <a:solidFill>
+            <a:srgbClr val="729fcf"/>
+          </a:solidFill>
+          <a:ln w="0">
+            <a:solidFill>
+              <a:srgbClr val="3465a4"/>
+            </a:solidFill>
+          </a:ln>
+        </p:spPr>
+        <p:style>
+          <a:lnRef idx="0"/>
+          <a:fillRef idx="0"/>
+          <a:effectRef idx="0"/>
+          <a:fontRef idx="minor"/>
+        </p:style>
+        <p:txBody>
+          <a:bodyPr lIns="90000" rIns="90000" tIns="45000" bIns="45000" anchor="ctr">
+            <a:noAutofit/>
+          </a:bodyPr>
+          <a:p>
+            <a:pPr algn="ctr"/>
+            <a:r>
+              <a:rPr b="0" lang="ru-RU" sz="1800" spc="-1" strike="noStrike">
+                <a:solidFill>
+                  <a:srgbClr val="000000"/>
+                </a:solidFill>
+                <a:latin typeface="Arial"/>
+              </a:rPr>
+              <a:t>Файловая система</a:t>
+            </a:r>
+            <a:endParaRPr b="0" lang="ru-RU" sz="1800" spc="-1" strike="noStrike">
+              <a:solidFill>
+                <a:srgbClr val="000000"/>
+              </a:solidFill>
+              <a:latin typeface="Arial"/>
+            </a:endParaRPr>
+          </a:p>
+          <a:p>
+            <a:pPr algn="ctr"/>
+            <a:r>
+              <a:rPr b="0" lang="ru-RU" sz="1800" spc="-1" strike="noStrike">
+                <a:solidFill>
+                  <a:srgbClr val="000000"/>
+                </a:solidFill>
+                <a:latin typeface="Arial"/>
+              </a:rPr>
+              <a:t>хранения</a:t>
+            </a:r>
+            <a:endParaRPr b="0" lang="ru-RU" sz="1800" spc="-1" strike="noStrike">
+              <a:solidFill>
+                <a:srgbClr val="000000"/>
+              </a:solidFill>
+              <a:latin typeface="Arial"/>
+            </a:endParaRPr>
+          </a:p>
+        </p:txBody>
+      </p:sp>
+      <p:sp>
+        <p:nvSpPr>
+          <p:cNvPr id="105" name=""/>
+          <p:cNvSpPr/>
+          <p:nvPr/>
+        </p:nvSpPr>
+        <p:spPr>
+          <a:xfrm>
+            <a:off x="2520000" y="4680000"/>
+            <a:ext cx="1260000" cy="720000"/>
+          </a:xfrm>
+          <a:prstGeom prst="rect">
+            <a:avLst/>
+          </a:prstGeom>
+          <a:solidFill>
+            <a:srgbClr val="729fcf"/>
+          </a:solidFill>
+          <a:ln w="0">
+            <a:solidFill>
+              <a:srgbClr val="3465a4"/>
+            </a:solidFill>
+          </a:ln>
+        </p:spPr>
+        <p:style>
+          <a:lnRef idx="0"/>
+          <a:fillRef idx="0"/>
+          <a:effectRef idx="0"/>
+          <a:fontRef idx="minor"/>
+        </p:style>
+        <p:txBody>
+          <a:bodyPr lIns="90000" rIns="90000" tIns="45000" bIns="45000" anchor="ctr">
+            <a:noAutofit/>
+          </a:bodyPr>
+          <a:p>
+            <a:pPr algn="ctr"/>
+            <a:r>
+              <a:rPr b="0" lang="ru-RU" sz="1800" spc="-1" strike="noStrike">
+                <a:solidFill>
+                  <a:srgbClr val="000000"/>
+                </a:solidFill>
+                <a:latin typeface="Arial"/>
+              </a:rPr>
+              <a:t>GURUX</a:t>
+            </a:r>
+            <a:endParaRPr b="0" lang="ru-RU" sz="1800" spc="-1" strike="noStrike">
+              <a:solidFill>
+                <a:srgbClr val="000000"/>
+              </a:solidFill>
+              <a:latin typeface="Arial"/>
+            </a:endParaRPr>
+          </a:p>
+        </p:txBody>
+      </p:sp>
+      <p:sp>
+        <p:nvSpPr>
+          <p:cNvPr id="106" name=""/>
+          <p:cNvSpPr/>
+          <p:nvPr/>
+        </p:nvSpPr>
+        <p:spPr>
+          <a:xfrm>
+            <a:off x="2340000" y="1980000"/>
+            <a:ext cx="1980000" cy="1260000"/>
+          </a:xfrm>
+          <a:prstGeom prst="rect">
+            <a:avLst/>
+          </a:prstGeom>
+          <a:solidFill>
+            <a:srgbClr val="729fcf"/>
+          </a:solidFill>
+          <a:ln w="0">
+            <a:solidFill>
+              <a:srgbClr val="3465a4"/>
+            </a:solidFill>
+          </a:ln>
+        </p:spPr>
+        <p:style>
+          <a:lnRef idx="0"/>
+          <a:fillRef idx="0"/>
+          <a:effectRef idx="0"/>
+          <a:fontRef idx="minor"/>
+        </p:style>
+        <p:txBody>
+          <a:bodyPr lIns="90000" rIns="90000" tIns="45000" bIns="45000" anchor="ctr">
+            <a:noAutofit/>
+          </a:bodyPr>
+          <a:p>
+            <a:pPr algn="ctr"/>
+            <a:r>
+              <a:rPr b="0" lang="ru-RU" sz="1800" spc="-1" strike="noStrike">
+                <a:solidFill>
+                  <a:srgbClr val="000000"/>
+                </a:solidFill>
+                <a:latin typeface="Arial"/>
+              </a:rPr>
+              <a:t>Сервер приема </a:t>
+            </a:r>
+            <a:br>
+              <a:rPr sz="1800"/>
+            </a:br>
+            <a:r>
+              <a:rPr b="0" lang="ru-RU" sz="1800" spc="-1" strike="noStrike">
+                <a:solidFill>
+                  <a:srgbClr val="000000"/>
+                </a:solidFill>
+                <a:latin typeface="Arial"/>
+              </a:rPr>
+              <a:t>команд</a:t>
+            </a:r>
+            <a:endParaRPr b="0" lang="ru-RU" sz="1800" spc="-1" strike="noStrike">
+              <a:solidFill>
+                <a:srgbClr val="000000"/>
+              </a:solidFill>
+              <a:latin typeface="Arial"/>
+            </a:endParaRPr>
+          </a:p>
+        </p:txBody>
+      </p:sp>
+      <p:sp>
+        <p:nvSpPr>
+          <p:cNvPr id="107" name=""/>
+          <p:cNvSpPr/>
+          <p:nvPr/>
+        </p:nvSpPr>
+        <p:spPr>
+          <a:xfrm>
+            <a:off x="4680000" y="3060000"/>
+            <a:ext cx="1260000" cy="1800000"/>
+          </a:xfrm>
+          <a:prstGeom prst="rect">
+            <a:avLst/>
+          </a:prstGeom>
+          <a:solidFill>
+            <a:srgbClr val="729fcf"/>
+          </a:solidFill>
+          <a:ln w="0">
+            <a:solidFill>
+              <a:srgbClr val="3465a4"/>
+            </a:solidFill>
+          </a:ln>
+        </p:spPr>
+        <p:style>
+          <a:lnRef idx="0"/>
+          <a:fillRef idx="0"/>
+          <a:effectRef idx="0"/>
+          <a:fontRef idx="minor"/>
+        </p:style>
+        <p:txBody>
+          <a:bodyPr lIns="90000" rIns="90000" tIns="45000" bIns="45000" anchor="ctr">
+            <a:noAutofit/>
+          </a:bodyPr>
+          <a:p>
+            <a:pPr algn="ctr"/>
+            <a:r>
+              <a:rPr b="0" lang="ru-RU" sz="1800" spc="-1" strike="noStrike">
+                <a:solidFill>
+                  <a:srgbClr val="000000"/>
+                </a:solidFill>
+                <a:latin typeface="Arial"/>
+              </a:rPr>
+              <a:t>Шлюз базы данных</a:t>
+            </a:r>
+            <a:endParaRPr b="0" lang="ru-RU" sz="1800" spc="-1" strike="noStrike">
+              <a:solidFill>
+                <a:srgbClr val="000000"/>
+              </a:solidFill>
+              <a:latin typeface="Arial"/>
+            </a:endParaRPr>
+          </a:p>
+        </p:txBody>
+      </p:sp>
+      <p:sp>
+        <p:nvSpPr>
+          <p:cNvPr id="108" name=""/>
+          <p:cNvSpPr/>
+          <p:nvPr/>
+        </p:nvSpPr>
+        <p:spPr>
+          <a:xfrm>
+            <a:off x="4680000" y="1746000"/>
+            <a:ext cx="1800000" cy="954000"/>
+          </a:xfrm>
+          <a:prstGeom prst="rect">
+            <a:avLst/>
+          </a:prstGeom>
+          <a:solidFill>
+            <a:srgbClr val="729fcf"/>
+          </a:solidFill>
+          <a:ln w="0">
+            <a:solidFill>
+              <a:srgbClr val="3465a4"/>
+            </a:solidFill>
+          </a:ln>
+        </p:spPr>
+        <p:style>
+          <a:lnRef idx="0"/>
+          <a:fillRef idx="0"/>
+          <a:effectRef idx="0"/>
+          <a:fontRef idx="minor"/>
+        </p:style>
+        <p:txBody>
+          <a:bodyPr lIns="90000" rIns="90000" tIns="45000" bIns="45000" anchor="ctr">
+            <a:noAutofit/>
+          </a:bodyPr>
+          <a:p>
+            <a:pPr algn="ctr"/>
+            <a:r>
+              <a:rPr b="0" lang="en-US" sz="1800" spc="-1" strike="noStrike">
+                <a:solidFill>
+                  <a:srgbClr val="000000"/>
+                </a:solidFill>
+                <a:latin typeface="Arial"/>
+              </a:rPr>
+              <a:t>mapper</a:t>
+            </a:r>
+            <a:r>
+              <a:rPr b="0" lang="ru-RU" sz="1800" spc="-1" strike="noStrike">
+                <a:solidFill>
+                  <a:srgbClr val="000000"/>
+                </a:solidFill>
+                <a:latin typeface="Arial"/>
+              </a:rPr>
+              <a:t>/</a:t>
+            </a:r>
+            <a:r>
+              <a:rPr b="0" lang="en-US" sz="1800" spc="-1" strike="noStrike">
+                <a:solidFill>
+                  <a:srgbClr val="000000"/>
+                </a:solidFill>
+                <a:latin typeface="Arial"/>
+              </a:rPr>
+              <a:t>reducer</a:t>
+            </a:r>
+            <a:endParaRPr b="0" lang="ru-RU" sz="1800" spc="-1" strike="noStrike">
+              <a:solidFill>
+                <a:srgbClr val="000000"/>
+              </a:solidFill>
+              <a:latin typeface="Arial"/>
+            </a:endParaRPr>
+          </a:p>
+        </p:txBody>
+      </p:sp>
+      <p:sp>
+        <p:nvSpPr>
+          <p:cNvPr id="109" name=""/>
+          <p:cNvSpPr/>
+          <p:nvPr/>
+        </p:nvSpPr>
+        <p:spPr>
+          <a:xfrm>
+            <a:off x="5400000" y="2700000"/>
+            <a:ext cx="0" cy="360000"/>
+          </a:xfrm>
+          <a:prstGeom prst="line">
+            <a:avLst/>
+          </a:prstGeom>
+          <a:ln w="0">
+            <a:solidFill>
+              <a:srgbClr val="3465a4"/>
+            </a:solidFill>
+            <a:headEnd len="med" type="triangle" w="med"/>
+            <a:tailEnd len="med" type="triangle" w="med"/>
+          </a:ln>
+        </p:spPr>
+        <p:style>
+          <a:lnRef idx="0"/>
+          <a:fillRef idx="0"/>
+          <a:effectRef idx="0"/>
+          <a:fontRef idx="minor"/>
+        </p:style>
+        <p:txBody>
+          <a:bodyPr lIns="90000" rIns="90000" tIns="45000" bIns="45000" anchor="ctr">
+            <a:noAutofit/>
+          </a:bodyPr>
+          <a:p>
+            <a:endParaRPr b="0" lang="ru-RU" sz="1800" spc="-1" strike="noStrike">
+              <a:solidFill>
+                <a:srgbClr val="000000"/>
+              </a:solidFill>
+              <a:latin typeface="Arial"/>
+            </a:endParaRPr>
+          </a:p>
+        </p:txBody>
+      </p:sp>
+      <p:sp>
+        <p:nvSpPr>
+          <p:cNvPr id="110" name=""/>
+          <p:cNvSpPr/>
+          <p:nvPr/>
+        </p:nvSpPr>
+        <p:spPr>
+          <a:xfrm>
+            <a:off x="5940000" y="3960000"/>
+            <a:ext cx="720000" cy="0"/>
+          </a:xfrm>
+          <a:prstGeom prst="line">
+            <a:avLst/>
+          </a:prstGeom>
+          <a:ln w="0">
+            <a:solidFill>
+              <a:srgbClr val="3465a4"/>
+            </a:solidFill>
+            <a:headEnd len="med" type="triangle" w="med"/>
+            <a:tailEnd len="med" type="triangle" w="med"/>
+          </a:ln>
+        </p:spPr>
+        <p:style>
+          <a:lnRef idx="0"/>
+          <a:fillRef idx="0"/>
+          <a:effectRef idx="0"/>
+          <a:fontRef idx="minor"/>
+        </p:style>
+        <p:txBody>
+          <a:bodyPr lIns="90000" rIns="90000" tIns="-45000" bIns="-45000" anchor="ctr">
+            <a:noAutofit/>
+          </a:bodyPr>
+          <a:p>
+            <a:endParaRPr b="0" lang="ru-RU" sz="1800" spc="-1" strike="noStrike">
+              <a:solidFill>
+                <a:srgbClr val="000000"/>
+              </a:solidFill>
+              <a:latin typeface="Arial"/>
+            </a:endParaRPr>
+          </a:p>
+        </p:txBody>
+      </p:sp>
+      <p:cxnSp>
+        <p:nvCxnSpPr>
+          <p:cNvPr id="111" name=""/>
+          <p:cNvCxnSpPr>
+            <a:stCxn id="106" idx="-1"/>
+            <a:endCxn id="107" idx="1"/>
+          </p:cNvCxnSpPr>
+          <p:nvPr/>
+        </p:nvCxnSpPr>
+        <p:spPr>
+          <a:xfrm>
+            <a:off x="4320000" y="2610000"/>
+            <a:ext cx="360360" cy="1350360"/>
+          </a:xfrm>
+          <a:prstGeom prst="bentConnector3">
+            <a:avLst>
+              <a:gd name="adj1" fmla="val 50000"/>
+            </a:avLst>
+          </a:prstGeom>
+          <a:ln w="0">
+            <a:solidFill>
+              <a:srgbClr val="3465a4"/>
+            </a:solidFill>
+            <a:headEnd len="med" type="triangle" w="med"/>
+            <a:tailEnd len="med" type="triangle" w="med"/>
+          </a:ln>
+        </p:spPr>
+      </p:cxnSp>
+      <p:cxnSp>
+        <p:nvCxnSpPr>
+          <p:cNvPr id="112" name=""/>
+          <p:cNvCxnSpPr>
+            <a:stCxn id="105" idx="3"/>
+            <a:endCxn id="107" idx="-1"/>
+          </p:cNvCxnSpPr>
+          <p:nvPr/>
+        </p:nvCxnSpPr>
+        <p:spPr>
+          <a:xfrm flipV="1">
+            <a:off x="3780000" y="4860000"/>
+            <a:ext cx="1530360" cy="180360"/>
+          </a:xfrm>
+          <a:prstGeom prst="bentConnector3">
+            <a:avLst>
+              <a:gd name="adj1" fmla="val 11764"/>
+            </a:avLst>
+          </a:prstGeom>
+          <a:ln w="0">
+            <a:solidFill>
+              <a:srgbClr val="3465a4"/>
+            </a:solidFill>
+            <a:headEnd len="med" type="triangle" w="med"/>
+            <a:tailEnd len="med" type="triangle" w="med"/>
+          </a:ln>
+        </p:spPr>
+      </p:cxnSp>
+      <p:cxnSp>
+        <p:nvCxnSpPr>
+          <p:cNvPr id="113" name=""/>
+          <p:cNvCxnSpPr>
+            <a:stCxn id="102" idx="-1"/>
+            <a:endCxn id="106" idx="-1"/>
+          </p:cNvCxnSpPr>
+          <p:nvPr/>
+        </p:nvCxnSpPr>
+        <p:spPr>
+          <a:xfrm>
+            <a:off x="1980000" y="2340000"/>
+            <a:ext cx="360360" cy="270360"/>
+          </a:xfrm>
+          <a:prstGeom prst="bentConnector3">
+            <a:avLst>
+              <a:gd name="adj1" fmla="val 50000"/>
+            </a:avLst>
+          </a:prstGeom>
+          <a:ln w="0">
+            <a:solidFill>
+              <a:srgbClr val="3465a4"/>
+            </a:solidFill>
+            <a:headEnd len="med" type="triangle" w="med"/>
+            <a:tailEnd len="med" type="triangle" w="med"/>
+          </a:ln>
+        </p:spPr>
+      </p:cxnSp>
+      <p:cxnSp>
+        <p:nvCxnSpPr>
+          <p:cNvPr id="114" name=""/>
+          <p:cNvCxnSpPr>
+            <a:stCxn id="103" idx="3"/>
+            <a:endCxn id="105" idx="1"/>
+          </p:cNvCxnSpPr>
+          <p:nvPr/>
+        </p:nvCxnSpPr>
+        <p:spPr>
+          <a:xfrm>
+            <a:off x="1979640" y="5039640"/>
+            <a:ext cx="540720" cy="720"/>
+          </a:xfrm>
+          <a:prstGeom prst="bentConnector3">
+            <a:avLst>
+              <a:gd name="adj1" fmla="val 33311"/>
+            </a:avLst>
+          </a:prstGeom>
+          <a:ln w="0">
+            <a:solidFill>
+              <a:srgbClr val="3465a4"/>
+            </a:solidFill>
+            <a:headEnd len="med" type="triangle" w="med"/>
+            <a:tailEnd len="med" type="triangle" w="med"/>
+          </a:ln>
+        </p:spPr>
+      </p:cxnSp>
     </p:spTree>
   </p:cSld>
   <mc:AlternateContent>

--- a/Защита проекта.pptx
+++ b/Защита проекта.pptx
@@ -87,7 +87,7 @@
         <p:txBody>
           <a:bodyPr/>
           <a:p>
-            <a:fld id="{9A30E29F-DB37-4F1F-AD4B-85EBF294ACEC}" type="slidenum">
+            <a:fld id="{EF3069EC-D3D4-4F1C-BDFC-0C5C2E266CF4}" type="slidenum">
               <a:t>&lt;#&gt;</a:t>
             </a:fld>
           </a:p>
@@ -255,7 +255,7 @@
         <p:txBody>
           <a:bodyPr/>
           <a:p>
-            <a:fld id="{BF640043-85ED-4101-A1BB-E388C947C89C}" type="slidenum">
+            <a:fld id="{CFA886EA-25A2-46D4-AE85-8E9D0320B854}" type="slidenum">
               <a:t>&lt;#&gt;</a:t>
             </a:fld>
           </a:p>
@@ -337,7 +337,7 @@
         <p:txBody>
           <a:bodyPr/>
           <a:p>
-            <a:fld id="{4A7C0095-C4F8-435D-97DB-45E30B46B98B}" type="slidenum">
+            <a:fld id="{A2D4B602-A1FF-4D30-959F-458F30346C5D}" type="slidenum">
               <a:t>&lt;#&gt;</a:t>
             </a:fld>
           </a:p>
@@ -379,7 +379,7 @@
         <p:txBody>
           <a:bodyPr/>
           <a:p>
-            <a:fld id="{AEC055AC-CC32-43E6-8E8F-FA5B589250B7}" type="slidenum">
+            <a:fld id="{03315848-AC25-4441-83C8-77603421B5DD}" type="slidenum">
               <a:t>&lt;#&gt;</a:t>
             </a:fld>
           </a:p>
@@ -443,7 +443,7 @@
         <p:txBody>
           <a:bodyPr/>
           <a:p>
-            <a:fld id="{CD2B2101-0F53-4BD4-AC74-EC66AEE4C2AF}" type="slidenum">
+            <a:fld id="{D122E374-915A-499E-B152-564142E11C5B}" type="slidenum">
               <a:t>&lt;#&gt;</a:t>
             </a:fld>
           </a:p>
@@ -719,7 +719,7 @@
         <p:txBody>
           <a:bodyPr/>
           <a:p>
-            <a:fld id="{E0483C7E-40E6-44B8-B7F3-15BFF873307D}" type="slidenum">
+            <a:fld id="{7FDC0C55-21AA-476D-B2F8-479CDF0D4ECD}" type="slidenum">
               <a:t>&lt;#&gt;</a:t>
             </a:fld>
           </a:p>
@@ -844,7 +844,7 @@
         <p:txBody>
           <a:bodyPr/>
           <a:p>
-            <a:fld id="{82EEFD71-A6CE-4CEE-9743-312175CFCB0F}" type="slidenum">
+            <a:fld id="{BAAC0E1D-EAF6-47D3-9F98-B843638C0661}" type="slidenum">
               <a:t>&lt;#&gt;</a:t>
             </a:fld>
           </a:p>
@@ -1012,7 +1012,7 @@
         <p:txBody>
           <a:bodyPr/>
           <a:p>
-            <a:fld id="{87D8EB0C-B94F-4F82-8258-16596CF9A473}" type="slidenum">
+            <a:fld id="{FDA3C3EC-916E-46A9-A794-9FDCAAC96A24}" type="slidenum">
               <a:t>&lt;#&gt;</a:t>
             </a:fld>
           </a:p>
@@ -1054,7 +1054,7 @@
         <p:txBody>
           <a:bodyPr/>
           <a:p>
-            <a:fld id="{77418662-6C13-448D-B445-43BB60BDB4EB}" type="slidenum">
+            <a:fld id="{BEAD3000-A1C6-45AC-B6FC-2F00A9676CD1}" type="slidenum">
               <a:t>&lt;#&gt;</a:t>
             </a:fld>
           </a:p>
@@ -1118,7 +1118,7 @@
         <p:txBody>
           <a:bodyPr/>
           <a:p>
-            <a:fld id="{CD33ED17-4157-48E3-A03F-69A38804D50E}" type="slidenum">
+            <a:fld id="{ECDBE5AF-D771-49E8-A9B5-EEFFFCAFB9DE}" type="slidenum">
               <a:t>&lt;#&gt;</a:t>
             </a:fld>
           </a:p>
@@ -1160,7 +1160,7 @@
         <p:txBody>
           <a:bodyPr/>
           <a:p>
-            <a:fld id="{0E0AC29B-2002-41BA-B25A-352A8346345B}" type="slidenum">
+            <a:fld id="{87595484-3C3B-40ED-A39D-C2282EB96E8F}" type="slidenum">
               <a:t>&lt;#&gt;</a:t>
             </a:fld>
           </a:p>
@@ -1392,7 +1392,7 @@
         <p:txBody>
           <a:bodyPr/>
           <a:p>
-            <a:fld id="{4D6766D8-8B99-4E1B-A17E-F241AC39AE5B}" type="slidenum">
+            <a:fld id="{A95344A5-464D-4AE4-B134-B89BE600C926}" type="slidenum">
               <a:t>&lt;#&gt;</a:t>
             </a:fld>
           </a:p>
@@ -1517,7 +1517,7 @@
         <p:txBody>
           <a:bodyPr/>
           <a:p>
-            <a:fld id="{CC6F3322-2B2D-4F4E-BEFE-0556FC632092}" type="slidenum">
+            <a:fld id="{764E4EE5-D551-4E0F-BF73-29715C7BB6D0}" type="slidenum">
               <a:t>&lt;#&gt;</a:t>
             </a:fld>
           </a:p>
@@ -1608,7 +1608,7 @@
                 <a:tab algn="l" pos="0"/>
               </a:tabLst>
             </a:pPr>
-            <a:fld id="{50196A5F-5867-442F-98C7-6F4FA4566A99}" type="slidenum">
+            <a:fld id="{F36FBA9D-3432-41F1-A1C8-04E90EDE5003}" type="slidenum">
               <a:rPr b="0" lang="ru" sz="1000" spc="-1" strike="noStrike">
                 <a:solidFill>
                   <a:schemeClr val="dk2"/>
@@ -1616,7 +1616,7 @@
                 <a:latin typeface="Arial"/>
                 <a:ea typeface="Arial"/>
               </a:rPr>
-              <a:t>9</a:t>
+              <a:t>&lt;номер&gt;</a:t>
             </a:fld>
             <a:endParaRPr b="0" lang="ru-RU" sz="1000" spc="-1" strike="noStrike">
               <a:solidFill>
@@ -2215,7 +2215,7 @@
                 <a:tab algn="l" pos="0"/>
               </a:tabLst>
             </a:pPr>
-            <a:fld id="{1ADD3967-30E9-4EFB-B1AC-2D15315EE694}" type="slidenum">
+            <a:fld id="{78DCD1F8-B829-4405-8965-14A9361490D8}" type="slidenum">
               <a:rPr b="0" lang="ru" sz="1000" spc="-1" strike="noStrike">
                 <a:solidFill>
                   <a:schemeClr val="dk2"/>
@@ -2372,7 +2372,7 @@
                 <a:tab algn="l" pos="0"/>
               </a:tabLst>
             </a:pPr>
-            <a:fld id="{FAAA4B5B-D494-4D82-8D6F-85ED4452702B}" type="slidenum">
+            <a:fld id="{7D5F7C09-ACB1-405B-B1A7-E32A43D2940E}" type="slidenum">
               <a:rPr b="0" lang="ru" sz="1000" spc="-1" strike="noStrike">
                 <a:solidFill>
                   <a:schemeClr val="dk2"/>
@@ -2728,7 +2728,7 @@
                 <a:tab algn="l" pos="0"/>
               </a:tabLst>
             </a:pPr>
-            <a:fld id="{59460555-EFCC-466B-B580-EEBAB08488C1}" type="slidenum">
+            <a:fld id="{C63274B6-93F1-4A6F-A735-E6B559D4CE13}" type="slidenum">
               <a:rPr b="0" lang="ru" sz="1000" spc="-1" strike="noStrike">
                 <a:solidFill>
                   <a:schemeClr val="dk2"/>
@@ -3193,7 +3193,7 @@
                 <a:tab algn="l" pos="0"/>
               </a:tabLst>
             </a:pPr>
-            <a:fld id="{815D6755-C7A5-4A0F-9D07-ED7B1002BD09}" type="slidenum">
+            <a:fld id="{4DE265D3-31F4-4B4D-8C0A-D7E8D4501DDB}" type="slidenum">
               <a:rPr b="0" lang="ru" sz="1000" spc="-1" strike="noStrike">
                 <a:solidFill>
                   <a:schemeClr val="dk2"/>
@@ -3924,7 +3924,7 @@
                 </a:solidFill>
                 <a:latin typeface="Arial"/>
               </a:rPr>
-              <a:t>Д</a:t>
+              <a:t>Для правки </a:t>
             </a:r>
             <a:r>
               <a:rPr b="0" lang="ru-RU" sz="4400" spc="-1" strike="noStrike">
@@ -3933,7 +3933,7 @@
                 </a:solidFill>
                 <a:latin typeface="Arial"/>
               </a:rPr>
-              <a:t>л</a:t>
+              <a:t>текста </a:t>
             </a:r>
             <a:r>
               <a:rPr b="0" lang="ru-RU" sz="4400" spc="-1" strike="noStrike">
@@ -3942,7 +3942,7 @@
                 </a:solidFill>
                 <a:latin typeface="Arial"/>
               </a:rPr>
-              <a:t>я </a:t>
+              <a:t>заглавия </a:t>
             </a:r>
             <a:r>
               <a:rPr b="0" lang="ru-RU" sz="4400" spc="-1" strike="noStrike">
@@ -3951,7 +3951,7 @@
                 </a:solidFill>
                 <a:latin typeface="Arial"/>
               </a:rPr>
-              <a:t>п</a:t>
+              <a:t>щёлкните </a:t>
             </a:r>
             <a:r>
               <a:rPr b="0" lang="ru-RU" sz="4400" spc="-1" strike="noStrike">
@@ -3960,286 +3960,7 @@
                 </a:solidFill>
                 <a:latin typeface="Arial"/>
               </a:rPr>
-              <a:t>р</a:t>
-            </a:r>
-            <a:r>
-              <a:rPr b="0" lang="ru-RU" sz="4400" spc="-1" strike="noStrike">
-                <a:solidFill>
-                  <a:srgbClr val="000000"/>
-                </a:solidFill>
-                <a:latin typeface="Arial"/>
-              </a:rPr>
-              <a:t>а</a:t>
-            </a:r>
-            <a:r>
-              <a:rPr b="0" lang="ru-RU" sz="4400" spc="-1" strike="noStrike">
-                <a:solidFill>
-                  <a:srgbClr val="000000"/>
-                </a:solidFill>
-                <a:latin typeface="Arial"/>
-              </a:rPr>
-              <a:t>в</a:t>
-            </a:r>
-            <a:r>
-              <a:rPr b="0" lang="ru-RU" sz="4400" spc="-1" strike="noStrike">
-                <a:solidFill>
-                  <a:srgbClr val="000000"/>
-                </a:solidFill>
-                <a:latin typeface="Arial"/>
-              </a:rPr>
-              <a:t>к</a:t>
-            </a:r>
-            <a:r>
-              <a:rPr b="0" lang="ru-RU" sz="4400" spc="-1" strike="noStrike">
-                <a:solidFill>
-                  <a:srgbClr val="000000"/>
-                </a:solidFill>
-                <a:latin typeface="Arial"/>
-              </a:rPr>
-              <a:t>и </a:t>
-            </a:r>
-            <a:r>
-              <a:rPr b="0" lang="ru-RU" sz="4400" spc="-1" strike="noStrike">
-                <a:solidFill>
-                  <a:srgbClr val="000000"/>
-                </a:solidFill>
-                <a:latin typeface="Arial"/>
-              </a:rPr>
-              <a:t>т</a:t>
-            </a:r>
-            <a:r>
-              <a:rPr b="0" lang="ru-RU" sz="4400" spc="-1" strike="noStrike">
-                <a:solidFill>
-                  <a:srgbClr val="000000"/>
-                </a:solidFill>
-                <a:latin typeface="Arial"/>
-              </a:rPr>
-              <a:t>е</a:t>
-            </a:r>
-            <a:r>
-              <a:rPr b="0" lang="ru-RU" sz="4400" spc="-1" strike="noStrike">
-                <a:solidFill>
-                  <a:srgbClr val="000000"/>
-                </a:solidFill>
-                <a:latin typeface="Arial"/>
-              </a:rPr>
-              <a:t>к</a:t>
-            </a:r>
-            <a:r>
-              <a:rPr b="0" lang="ru-RU" sz="4400" spc="-1" strike="noStrike">
-                <a:solidFill>
-                  <a:srgbClr val="000000"/>
-                </a:solidFill>
-                <a:latin typeface="Arial"/>
-              </a:rPr>
-              <a:t>с</a:t>
-            </a:r>
-            <a:r>
-              <a:rPr b="0" lang="ru-RU" sz="4400" spc="-1" strike="noStrike">
-                <a:solidFill>
-                  <a:srgbClr val="000000"/>
-                </a:solidFill>
-                <a:latin typeface="Arial"/>
-              </a:rPr>
-              <a:t>т</a:t>
-            </a:r>
-            <a:r>
-              <a:rPr b="0" lang="ru-RU" sz="4400" spc="-1" strike="noStrike">
-                <a:solidFill>
-                  <a:srgbClr val="000000"/>
-                </a:solidFill>
-                <a:latin typeface="Arial"/>
-              </a:rPr>
-              <a:t>а </a:t>
-            </a:r>
-            <a:r>
-              <a:rPr b="0" lang="ru-RU" sz="4400" spc="-1" strike="noStrike">
-                <a:solidFill>
-                  <a:srgbClr val="000000"/>
-                </a:solidFill>
-                <a:latin typeface="Arial"/>
-              </a:rPr>
-              <a:t>з</a:t>
-            </a:r>
-            <a:r>
-              <a:rPr b="0" lang="ru-RU" sz="4400" spc="-1" strike="noStrike">
-                <a:solidFill>
-                  <a:srgbClr val="000000"/>
-                </a:solidFill>
-                <a:latin typeface="Arial"/>
-              </a:rPr>
-              <a:t>а</a:t>
-            </a:r>
-            <a:r>
-              <a:rPr b="0" lang="ru-RU" sz="4400" spc="-1" strike="noStrike">
-                <a:solidFill>
-                  <a:srgbClr val="000000"/>
-                </a:solidFill>
-                <a:latin typeface="Arial"/>
-              </a:rPr>
-              <a:t>г</a:t>
-            </a:r>
-            <a:r>
-              <a:rPr b="0" lang="ru-RU" sz="4400" spc="-1" strike="noStrike">
-                <a:solidFill>
-                  <a:srgbClr val="000000"/>
-                </a:solidFill>
-                <a:latin typeface="Arial"/>
-              </a:rPr>
-              <a:t>л</a:t>
-            </a:r>
-            <a:r>
-              <a:rPr b="0" lang="ru-RU" sz="4400" spc="-1" strike="noStrike">
-                <a:solidFill>
-                  <a:srgbClr val="000000"/>
-                </a:solidFill>
-                <a:latin typeface="Arial"/>
-              </a:rPr>
-              <a:t>а</a:t>
-            </a:r>
-            <a:r>
-              <a:rPr b="0" lang="ru-RU" sz="4400" spc="-1" strike="noStrike">
-                <a:solidFill>
-                  <a:srgbClr val="000000"/>
-                </a:solidFill>
-                <a:latin typeface="Arial"/>
-              </a:rPr>
-              <a:t>в</a:t>
-            </a:r>
-            <a:r>
-              <a:rPr b="0" lang="ru-RU" sz="4400" spc="-1" strike="noStrike">
-                <a:solidFill>
-                  <a:srgbClr val="000000"/>
-                </a:solidFill>
-                <a:latin typeface="Arial"/>
-              </a:rPr>
-              <a:t>и</a:t>
-            </a:r>
-            <a:r>
-              <a:rPr b="0" lang="ru-RU" sz="4400" spc="-1" strike="noStrike">
-                <a:solidFill>
-                  <a:srgbClr val="000000"/>
-                </a:solidFill>
-                <a:latin typeface="Arial"/>
-              </a:rPr>
-              <a:t>я </a:t>
-            </a:r>
-            <a:r>
-              <a:rPr b="0" lang="ru-RU" sz="4400" spc="-1" strike="noStrike">
-                <a:solidFill>
-                  <a:srgbClr val="000000"/>
-                </a:solidFill>
-                <a:latin typeface="Arial"/>
-              </a:rPr>
-              <a:t>щ</a:t>
-            </a:r>
-            <a:r>
-              <a:rPr b="0" lang="ru-RU" sz="4400" spc="-1" strike="noStrike">
-                <a:solidFill>
-                  <a:srgbClr val="000000"/>
-                </a:solidFill>
-                <a:latin typeface="Arial"/>
-              </a:rPr>
-              <a:t>ё</a:t>
-            </a:r>
-            <a:r>
-              <a:rPr b="0" lang="ru-RU" sz="4400" spc="-1" strike="noStrike">
-                <a:solidFill>
-                  <a:srgbClr val="000000"/>
-                </a:solidFill>
-                <a:latin typeface="Arial"/>
-              </a:rPr>
-              <a:t>л</a:t>
-            </a:r>
-            <a:r>
-              <a:rPr b="0" lang="ru-RU" sz="4400" spc="-1" strike="noStrike">
-                <a:solidFill>
-                  <a:srgbClr val="000000"/>
-                </a:solidFill>
-                <a:latin typeface="Arial"/>
-              </a:rPr>
-              <a:t>к</a:t>
-            </a:r>
-            <a:r>
-              <a:rPr b="0" lang="ru-RU" sz="4400" spc="-1" strike="noStrike">
-                <a:solidFill>
-                  <a:srgbClr val="000000"/>
-                </a:solidFill>
-                <a:latin typeface="Arial"/>
-              </a:rPr>
-              <a:t>н</a:t>
-            </a:r>
-            <a:r>
-              <a:rPr b="0" lang="ru-RU" sz="4400" spc="-1" strike="noStrike">
-                <a:solidFill>
-                  <a:srgbClr val="000000"/>
-                </a:solidFill>
-                <a:latin typeface="Arial"/>
-              </a:rPr>
-              <a:t>и</a:t>
-            </a:r>
-            <a:r>
-              <a:rPr b="0" lang="ru-RU" sz="4400" spc="-1" strike="noStrike">
-                <a:solidFill>
-                  <a:srgbClr val="000000"/>
-                </a:solidFill>
-                <a:latin typeface="Arial"/>
-              </a:rPr>
-              <a:t>т</a:t>
-            </a:r>
-            <a:r>
-              <a:rPr b="0" lang="ru-RU" sz="4400" spc="-1" strike="noStrike">
-                <a:solidFill>
-                  <a:srgbClr val="000000"/>
-                </a:solidFill>
-                <a:latin typeface="Arial"/>
-              </a:rPr>
-              <a:t>е </a:t>
-            </a:r>
-            <a:r>
-              <a:rPr b="0" lang="ru-RU" sz="4400" spc="-1" strike="noStrike">
-                <a:solidFill>
-                  <a:srgbClr val="000000"/>
-                </a:solidFill>
-                <a:latin typeface="Arial"/>
-              </a:rPr>
-              <a:t>м</a:t>
-            </a:r>
-            <a:r>
-              <a:rPr b="0" lang="ru-RU" sz="4400" spc="-1" strike="noStrike">
-                <a:solidFill>
-                  <a:srgbClr val="000000"/>
-                </a:solidFill>
-                <a:latin typeface="Arial"/>
-              </a:rPr>
-              <a:t>ы</a:t>
-            </a:r>
-            <a:r>
-              <a:rPr b="0" lang="ru-RU" sz="4400" spc="-1" strike="noStrike">
-                <a:solidFill>
-                  <a:srgbClr val="000000"/>
-                </a:solidFill>
-                <a:latin typeface="Arial"/>
-              </a:rPr>
-              <a:t>ш</a:t>
-            </a:r>
-            <a:r>
-              <a:rPr b="0" lang="ru-RU" sz="4400" spc="-1" strike="noStrike">
-                <a:solidFill>
-                  <a:srgbClr val="000000"/>
-                </a:solidFill>
-                <a:latin typeface="Arial"/>
-              </a:rPr>
-              <a:t>ь</a:t>
-            </a:r>
-            <a:r>
-              <a:rPr b="0" lang="ru-RU" sz="4400" spc="-1" strike="noStrike">
-                <a:solidFill>
-                  <a:srgbClr val="000000"/>
-                </a:solidFill>
-                <a:latin typeface="Arial"/>
-              </a:rPr>
-              <a:t>ю</a:t>
+              <a:t>мышью</a:t>
             </a:r>
             <a:endParaRPr b="0" lang="ru-RU" sz="4400" spc="-1" strike="noStrike">
               <a:solidFill>
@@ -4296,7 +4017,25 @@
                 </a:solidFill>
                 <a:latin typeface="Arial"/>
               </a:rPr>
-              <a:t>Для правки структуры щёлкните мышью</a:t>
+              <a:t>Для правки </a:t>
+            </a:r>
+            <a:r>
+              <a:rPr b="0" lang="ru-RU" sz="3200" spc="-1" strike="noStrike">
+                <a:solidFill>
+                  <a:srgbClr val="000000"/>
+                </a:solidFill>
+                <a:latin typeface="Arial"/>
+              </a:rPr>
+              <a:t>структуры </a:t>
+            </a:r>
+            <a:r>
+              <a:rPr b="0" lang="ru-RU" sz="3200" spc="-1" strike="noStrike">
+                <a:solidFill>
+                  <a:srgbClr val="000000"/>
+                </a:solidFill>
+                <a:latin typeface="Arial"/>
+              </a:rPr>
+              <a:t>щёлкните мышью</a:t>
             </a:r>
             <a:endParaRPr b="0" lang="ru-RU" sz="3200" spc="-1" strike="noStrike">
               <a:solidFill>
@@ -4324,7 +4063,16 @@
                 </a:solidFill>
                 <a:latin typeface="Arial"/>
               </a:rPr>
-              <a:t>Второй уровень структуры</a:t>
+              <a:t>Второй уровень </a:t>
+            </a:r>
+            <a:r>
+              <a:rPr b="0" lang="ru-RU" sz="2800" spc="-1" strike="noStrike">
+                <a:solidFill>
+                  <a:srgbClr val="000000"/>
+                </a:solidFill>
+                <a:latin typeface="Arial"/>
+              </a:rPr>
+              <a:t>структуры</a:t>
             </a:r>
             <a:endParaRPr b="0" lang="ru-RU" sz="2800" spc="-1" strike="noStrike">
               <a:solidFill>
@@ -4352,7 +4100,16 @@
                 </a:solidFill>
                 <a:latin typeface="Arial"/>
               </a:rPr>
-              <a:t>Третий уровень структуры</a:t>
+              <a:t>Третий уровень </a:t>
+            </a:r>
+            <a:r>
+              <a:rPr b="0" lang="ru-RU" sz="2400" spc="-1" strike="noStrike">
+                <a:solidFill>
+                  <a:srgbClr val="000000"/>
+                </a:solidFill>
+                <a:latin typeface="Arial"/>
+              </a:rPr>
+              <a:t>структуры</a:t>
             </a:r>
             <a:endParaRPr b="0" lang="ru-RU" sz="2400" spc="-1" strike="noStrike">
               <a:solidFill>
@@ -4380,7 +4137,25 @@
                 </a:solidFill>
                 <a:latin typeface="Arial"/>
               </a:rPr>
-              <a:t>Четвёртый уровень структуры</a:t>
+              <a:t>Четвёртый </a:t>
+            </a:r>
+            <a:r>
+              <a:rPr b="0" lang="ru-RU" sz="2000" spc="-1" strike="noStrike">
+                <a:solidFill>
+                  <a:srgbClr val="000000"/>
+                </a:solidFill>
+                <a:latin typeface="Arial"/>
+              </a:rPr>
+              <a:t>уровень </a:t>
+            </a:r>
+            <a:r>
+              <a:rPr b="0" lang="ru-RU" sz="2000" spc="-1" strike="noStrike">
+                <a:solidFill>
+                  <a:srgbClr val="000000"/>
+                </a:solidFill>
+                <a:latin typeface="Arial"/>
+              </a:rPr>
+              <a:t>структуры</a:t>
             </a:r>
             <a:endParaRPr b="0" lang="ru-RU" sz="2000" spc="-1" strike="noStrike">
               <a:solidFill>
@@ -4408,7 +4183,25 @@
                 </a:solidFill>
                 <a:latin typeface="Arial"/>
               </a:rPr>
-              <a:t>Пятый уровень структуры</a:t>
+              <a:t>Пятый </a:t>
+            </a:r>
+            <a:r>
+              <a:rPr b="0" lang="ru-RU" sz="2000" spc="-1" strike="noStrike">
+                <a:solidFill>
+                  <a:srgbClr val="000000"/>
+                </a:solidFill>
+                <a:latin typeface="Arial"/>
+              </a:rPr>
+              <a:t>уровень </a:t>
+            </a:r>
+            <a:r>
+              <a:rPr b="0" lang="ru-RU" sz="2000" spc="-1" strike="noStrike">
+                <a:solidFill>
+                  <a:srgbClr val="000000"/>
+                </a:solidFill>
+                <a:latin typeface="Arial"/>
+              </a:rPr>
+              <a:t>структуры</a:t>
             </a:r>
             <a:endParaRPr b="0" lang="ru-RU" sz="2000" spc="-1" strike="noStrike">
               <a:solidFill>
@@ -4436,7 +4229,25 @@
                 </a:solidFill>
                 <a:latin typeface="Arial"/>
               </a:rPr>
-              <a:t>Шестой уровень структуры</a:t>
+              <a:t>Шестой </a:t>
+            </a:r>
+            <a:r>
+              <a:rPr b="0" lang="ru-RU" sz="2000" spc="-1" strike="noStrike">
+                <a:solidFill>
+                  <a:srgbClr val="000000"/>
+                </a:solidFill>
+                <a:latin typeface="Arial"/>
+              </a:rPr>
+              <a:t>уровень </a:t>
+            </a:r>
+            <a:r>
+              <a:rPr b="0" lang="ru-RU" sz="2000" spc="-1" strike="noStrike">
+                <a:solidFill>
+                  <a:srgbClr val="000000"/>
+                </a:solidFill>
+                <a:latin typeface="Arial"/>
+              </a:rPr>
+              <a:t>структуры</a:t>
             </a:r>
             <a:endParaRPr b="0" lang="ru-RU" sz="2000" spc="-1" strike="noStrike">
               <a:solidFill>
@@ -4464,7 +4275,52 @@
                 </a:solidFill>
                 <a:latin typeface="Arial"/>
               </a:rPr>
-              <a:t>Седьмой уровень структуры</a:t>
+              <a:t>Седь</a:t>
+            </a:r>
+            <a:r>
+              <a:rPr b="0" lang="ru-RU" sz="2000" spc="-1" strike="noStrike">
+                <a:solidFill>
+                  <a:srgbClr val="000000"/>
+                </a:solidFill>
+                <a:latin typeface="Arial"/>
+              </a:rPr>
+              <a:t>мой </a:t>
+            </a:r>
+            <a:r>
+              <a:rPr b="0" lang="ru-RU" sz="2000" spc="-1" strike="noStrike">
+                <a:solidFill>
+                  <a:srgbClr val="000000"/>
+                </a:solidFill>
+                <a:latin typeface="Arial"/>
+              </a:rPr>
+              <a:t>урове</a:t>
+            </a:r>
+            <a:r>
+              <a:rPr b="0" lang="ru-RU" sz="2000" spc="-1" strike="noStrike">
+                <a:solidFill>
+                  <a:srgbClr val="000000"/>
+                </a:solidFill>
+                <a:latin typeface="Arial"/>
+              </a:rPr>
+              <a:t>нь </a:t>
+            </a:r>
+            <a:r>
+              <a:rPr b="0" lang="ru-RU" sz="2000" spc="-1" strike="noStrike">
+                <a:solidFill>
+                  <a:srgbClr val="000000"/>
+                </a:solidFill>
+                <a:latin typeface="Arial"/>
+              </a:rPr>
+              <a:t>структ</a:t>
+            </a:r>
+            <a:r>
+              <a:rPr b="0" lang="ru-RU" sz="2000" spc="-1" strike="noStrike">
+                <a:solidFill>
+                  <a:srgbClr val="000000"/>
+                </a:solidFill>
+                <a:latin typeface="Arial"/>
+              </a:rPr>
+              <a:t>уры</a:t>
             </a:r>
             <a:endParaRPr b="0" lang="ru-RU" sz="2000" spc="-1" strike="noStrike">
               <a:solidFill>
@@ -4670,7 +4526,7 @@
                 <a:tab algn="l" pos="0"/>
               </a:tabLst>
             </a:pPr>
-            <a:fld id="{F6B6D34E-C64D-480E-B655-C55D954AE12D}" type="slidenum">
+            <a:fld id="{B9D412C5-9512-4337-B0C1-125599210967}" type="slidenum">
               <a:rPr b="0" lang="ru" sz="1000" spc="-1" strike="noStrike">
                 <a:solidFill>
                   <a:schemeClr val="dk2"/>
@@ -5052,7 +4908,7 @@
                 <a:tab algn="l" pos="0"/>
               </a:tabLst>
             </a:pPr>
-            <a:fld id="{26366CFA-B759-4C8E-80DF-B7FAF3993556}" type="slidenum">
+            <a:fld id="{EC598734-4059-462B-B6B0-019EF6A42B3A}" type="slidenum">
               <a:rPr b="0" lang="ru" sz="1000" spc="-1" strike="noStrike">
                 <a:solidFill>
                   <a:schemeClr val="dk2"/>
@@ -5659,7 +5515,7 @@
                 <a:tab algn="l" pos="0"/>
               </a:tabLst>
             </a:pPr>
-            <a:fld id="{48D5B7F6-F736-434D-A349-17A164CFAA85}" type="slidenum">
+            <a:fld id="{DE530BFF-A5C4-4810-92F0-2A166333A942}" type="slidenum">
               <a:rPr b="0" lang="ru" sz="1000" spc="-1" strike="noStrike">
                 <a:solidFill>
                   <a:schemeClr val="dk2"/>
@@ -5790,7 +5646,7 @@
                 <a:tab algn="l" pos="0"/>
               </a:tabLst>
             </a:pPr>
-            <a:fld id="{39FCEECB-0F1F-4372-B6BE-65037CD16479}" type="slidenum">
+            <a:fld id="{7AF6FD7C-A8CD-41B9-8169-328A10E0753B}" type="slidenum">
               <a:rPr b="0" lang="ru" sz="1000" spc="-1" strike="noStrike">
                 <a:solidFill>
                   <a:schemeClr val="dk2"/>
@@ -5981,7 +5837,7 @@
                 <a:tab algn="l" pos="0"/>
               </a:tabLst>
             </a:pPr>
-            <a:fld id="{838F5AD3-0D09-46D0-8B03-AFA39B3B8815}" type="slidenum">
+            <a:fld id="{79D7AF1A-4E63-44C5-8E4E-814EC6E34754}" type="slidenum">
               <a:rPr b="0" lang="ru" sz="1000" spc="-1" strike="noStrike">
                 <a:solidFill>
                   <a:schemeClr val="dk2"/>
@@ -6089,7 +5945,7 @@
                 <a:tab algn="l" pos="0"/>
               </a:tabLst>
             </a:pPr>
-            <a:fld id="{6AD1061A-2D65-446A-A7FE-9AC3AFF87BAC}" type="slidenum">
+            <a:fld id="{F9545F94-1D4F-45E8-AA67-5653EF20317E}" type="slidenum">
               <a:rPr b="0" lang="ru" sz="1000" spc="-1" strike="noStrike">
                 <a:solidFill>
                   <a:schemeClr val="dk2"/>
@@ -6286,25 +6142,7 @@
                 </a:solidFill>
                 <a:latin typeface="Arial"/>
               </a:rPr>
-              <a:t>Для правки </a:t>
-            </a:r>
-            <a:r>
-              <a:rPr b="0" lang="ru-RU" sz="3200" spc="-1" strike="noStrike">
-                <a:solidFill>
-                  <a:srgbClr val="000000"/>
-                </a:solidFill>
-                <a:latin typeface="Arial"/>
-              </a:rPr>
-              <a:t>структуры </a:t>
-            </a:r>
-            <a:r>
-              <a:rPr b="0" lang="ru-RU" sz="3200" spc="-1" strike="noStrike">
-                <a:solidFill>
-                  <a:srgbClr val="000000"/>
-                </a:solidFill>
-                <a:latin typeface="Arial"/>
-              </a:rPr>
-              <a:t>щёлкните мышью</a:t>
+              <a:t>Для правки структуры щёлкните мышью</a:t>
             </a:r>
             <a:endParaRPr b="0" lang="ru-RU" sz="3200" spc="-1" strike="noStrike">
               <a:solidFill>
@@ -6332,16 +6170,7 @@
                 </a:solidFill>
                 <a:latin typeface="Arial"/>
               </a:rPr>
-              <a:t>Второй уровень </a:t>
-            </a:r>
-            <a:r>
-              <a:rPr b="0" lang="ru-RU" sz="2800" spc="-1" strike="noStrike">
-                <a:solidFill>
-                  <a:srgbClr val="000000"/>
-                </a:solidFill>
-                <a:latin typeface="Arial"/>
-              </a:rPr>
-              <a:t>структуры</a:t>
+              <a:t>Второй уровень структуры</a:t>
             </a:r>
             <a:endParaRPr b="0" lang="ru-RU" sz="2800" spc="-1" strike="noStrike">
               <a:solidFill>
@@ -6369,16 +6198,7 @@
                 </a:solidFill>
                 <a:latin typeface="Arial"/>
               </a:rPr>
-              <a:t>Третий уровень </a:t>
-            </a:r>
-            <a:r>
-              <a:rPr b="0" lang="ru-RU" sz="2400" spc="-1" strike="noStrike">
-                <a:solidFill>
-                  <a:srgbClr val="000000"/>
-                </a:solidFill>
-                <a:latin typeface="Arial"/>
-              </a:rPr>
-              <a:t>структуры</a:t>
+              <a:t>Третий уровень структуры</a:t>
             </a:r>
             <a:endParaRPr b="0" lang="ru-RU" sz="2400" spc="-1" strike="noStrike">
               <a:solidFill>
@@ -6406,25 +6226,7 @@
                 </a:solidFill>
                 <a:latin typeface="Arial"/>
               </a:rPr>
-              <a:t>Четвёртый </a:t>
-            </a:r>
-            <a:r>
-              <a:rPr b="0" lang="ru-RU" sz="2000" spc="-1" strike="noStrike">
-                <a:solidFill>
-                  <a:srgbClr val="000000"/>
-                </a:solidFill>
-                <a:latin typeface="Arial"/>
-              </a:rPr>
-              <a:t>уровень </a:t>
-            </a:r>
-            <a:r>
-              <a:rPr b="0" lang="ru-RU" sz="2000" spc="-1" strike="noStrike">
-                <a:solidFill>
-                  <a:srgbClr val="000000"/>
-                </a:solidFill>
-                <a:latin typeface="Arial"/>
-              </a:rPr>
-              <a:t>структуры</a:t>
+              <a:t>Четвёртый уровень структуры</a:t>
             </a:r>
             <a:endParaRPr b="0" lang="ru-RU" sz="2000" spc="-1" strike="noStrike">
               <a:solidFill>
@@ -6452,25 +6254,7 @@
                 </a:solidFill>
                 <a:latin typeface="Arial"/>
               </a:rPr>
-              <a:t>Пятый </a:t>
-            </a:r>
-            <a:r>
-              <a:rPr b="0" lang="ru-RU" sz="2000" spc="-1" strike="noStrike">
-                <a:solidFill>
-                  <a:srgbClr val="000000"/>
-                </a:solidFill>
-                <a:latin typeface="Arial"/>
-              </a:rPr>
-              <a:t>уровень </a:t>
-            </a:r>
-            <a:r>
-              <a:rPr b="0" lang="ru-RU" sz="2000" spc="-1" strike="noStrike">
-                <a:solidFill>
-                  <a:srgbClr val="000000"/>
-                </a:solidFill>
-                <a:latin typeface="Arial"/>
-              </a:rPr>
-              <a:t>структуры</a:t>
+              <a:t>Пятый уровень структуры</a:t>
             </a:r>
             <a:endParaRPr b="0" lang="ru-RU" sz="2000" spc="-1" strike="noStrike">
               <a:solidFill>
@@ -6498,25 +6282,7 @@
                 </a:solidFill>
                 <a:latin typeface="Arial"/>
               </a:rPr>
-              <a:t>Шестой </a:t>
-            </a:r>
-            <a:r>
-              <a:rPr b="0" lang="ru-RU" sz="2000" spc="-1" strike="noStrike">
-                <a:solidFill>
-                  <a:srgbClr val="000000"/>
-                </a:solidFill>
-                <a:latin typeface="Arial"/>
-              </a:rPr>
-              <a:t>уровень </a:t>
-            </a:r>
-            <a:r>
-              <a:rPr b="0" lang="ru-RU" sz="2000" spc="-1" strike="noStrike">
-                <a:solidFill>
-                  <a:srgbClr val="000000"/>
-                </a:solidFill>
-                <a:latin typeface="Arial"/>
-              </a:rPr>
-              <a:t>структуры</a:t>
+              <a:t>Шестой уровень структуры</a:t>
             </a:r>
             <a:endParaRPr b="0" lang="ru-RU" sz="2000" spc="-1" strike="noStrike">
               <a:solidFill>
@@ -6544,52 +6310,7 @@
                 </a:solidFill>
                 <a:latin typeface="Arial"/>
               </a:rPr>
-              <a:t>Седь</a:t>
-            </a:r>
-            <a:r>
-              <a:rPr b="0" lang="ru-RU" sz="2000" spc="-1" strike="noStrike">
-                <a:solidFill>
-                  <a:srgbClr val="000000"/>
-                </a:solidFill>
-                <a:latin typeface="Arial"/>
-              </a:rPr>
-              <a:t>мой </a:t>
-            </a:r>
-            <a:r>
-              <a:rPr b="0" lang="ru-RU" sz="2000" spc="-1" strike="noStrike">
-                <a:solidFill>
-                  <a:srgbClr val="000000"/>
-                </a:solidFill>
-                <a:latin typeface="Arial"/>
-              </a:rPr>
-              <a:t>урове</a:t>
-            </a:r>
-            <a:r>
-              <a:rPr b="0" lang="ru-RU" sz="2000" spc="-1" strike="noStrike">
-                <a:solidFill>
-                  <a:srgbClr val="000000"/>
-                </a:solidFill>
-                <a:latin typeface="Arial"/>
-              </a:rPr>
-              <a:t>нь </a:t>
-            </a:r>
-            <a:r>
-              <a:rPr b="0" lang="ru-RU" sz="2000" spc="-1" strike="noStrike">
-                <a:solidFill>
-                  <a:srgbClr val="000000"/>
-                </a:solidFill>
-                <a:latin typeface="Arial"/>
-              </a:rPr>
-              <a:t>структ</a:t>
-            </a:r>
-            <a:r>
-              <a:rPr b="0" lang="ru-RU" sz="2000" spc="-1" strike="noStrike">
-                <a:solidFill>
-                  <a:srgbClr val="000000"/>
-                </a:solidFill>
-                <a:latin typeface="Arial"/>
-              </a:rPr>
-              <a:t>уры</a:t>
+              <a:t>Седьмой уровень структуры</a:t>
             </a:r>
             <a:endParaRPr b="0" lang="ru-RU" sz="2000" spc="-1" strike="noStrike">
               <a:solidFill>
@@ -7269,7 +6990,7 @@
                 <a:tab algn="l" pos="0"/>
               </a:tabLst>
             </a:pPr>
-            <a:fld id="{BDB35980-A619-4E96-9681-7EA82FFE9E6A}" type="slidenum">
+            <a:fld id="{2EA8C235-0A3F-4244-A396-54E0A1D33396}" type="slidenum">
               <a:rPr b="0" lang="ru" sz="1000" spc="-1" strike="noStrike">
                 <a:solidFill>
                   <a:schemeClr val="dk2"/>
@@ -7925,7 +7646,7 @@
                 <a:tab algn="l" pos="0"/>
               </a:tabLst>
             </a:pPr>
-            <a:fld id="{BF1CB564-6341-4074-8B0C-8BAF43A46B0E}" type="slidenum">
+            <a:fld id="{4CD3E339-443B-4B30-BBDB-C0699731DF9C}" type="slidenum">
               <a:rPr b="0" lang="ru" sz="1000" spc="-1" strike="noStrike">
                 <a:solidFill>
                   <a:schemeClr val="dk2"/>
@@ -8130,7 +7851,7 @@
       </p:grpSpPr>
       <p:sp>
         <p:nvSpPr>
-          <p:cNvPr id="115" name="PlaceHolder 1"/>
+          <p:cNvPr id="113" name="PlaceHolder 1"/>
           <p:cNvSpPr>
             <a:spLocks noGrp="1"/>
           </p:cNvSpPr>
@@ -8141,7 +7862,7 @@
         <p:spPr>
           <a:xfrm>
             <a:off x="500400" y="441000"/>
-            <a:ext cx="8519400" cy="1305000"/>
+            <a:ext cx="8519400" cy="819000"/>
           </a:xfrm>
           <a:prstGeom prst="rect">
             <a:avLst/>
@@ -8186,12 +7907,12 @@
       </p:sp>
       <p:graphicFrame>
         <p:nvGraphicFramePr>
-          <p:cNvPr id="116" name="Google Shape;203;p39"/>
+          <p:cNvPr id="114" name="Google Shape;203;p39"/>
           <p:cNvGraphicFramePr/>
           <p:nvPr/>
         </p:nvGraphicFramePr>
         <p:xfrm>
-          <a:off x="952560" y="2058840"/>
+          <a:off x="868680" y="1340280"/>
           <a:ext cx="7238160" cy="1162080"/>
         </p:xfrm>
         <a:graphic>
@@ -8269,6 +7990,66 @@
                       <a:noAutofit/>
                     </a:bodyPr>
                     <a:p>
+                      <a:r>
+                        <a:rPr b="0" lang="ru-RU" sz="1800" spc="-1" strike="noStrike">
+                          <a:solidFill>
+                            <a:srgbClr val="000000"/>
+                          </a:solidFill>
+                          <a:latin typeface="Arial"/>
+                        </a:rPr>
+                        <a:t>Результатом проекта тала программа создающая локальный сервер обрабатывающая следующие команды:</a:t>
+                      </a:r>
+                      <a:endParaRPr b="0" lang="ru-RU" sz="1800" spc="-1" strike="noStrike">
+                        <a:solidFill>
+                          <a:srgbClr val="000000"/>
+                        </a:solidFill>
+                        <a:latin typeface="Arial"/>
+                      </a:endParaRPr>
+                    </a:p>
+                    <a:p>
+                      <a:r>
+                        <a:rPr b="0" lang="ru-RU" sz="1800" spc="-1" strike="noStrike">
+                          <a:solidFill>
+                            <a:srgbClr val="000000"/>
+                          </a:solidFill>
+                          <a:latin typeface="Arial"/>
+                        </a:rPr>
+                        <a:t>- создание/удаление отдельной база данных (БД).</a:t>
+                      </a:r>
+                      <a:endParaRPr b="0" lang="ru-RU" sz="1800" spc="-1" strike="noStrike">
+                        <a:solidFill>
+                          <a:srgbClr val="000000"/>
+                        </a:solidFill>
+                        <a:latin typeface="Arial"/>
+                      </a:endParaRPr>
+                    </a:p>
+                    <a:p>
+                      <a:r>
+                        <a:rPr b="0" lang="ru-RU" sz="1800" spc="-1" strike="noStrike">
+                          <a:solidFill>
+                            <a:srgbClr val="000000"/>
+                          </a:solidFill>
+                          <a:latin typeface="Arial"/>
+                        </a:rPr>
+                        <a:t>- создание/удаление отдельного ПУ в БД .</a:t>
+                      </a:r>
+                      <a:endParaRPr b="0" lang="ru-RU" sz="1800" spc="-1" strike="noStrike">
+                        <a:solidFill>
+                          <a:srgbClr val="000000"/>
+                        </a:solidFill>
+                        <a:latin typeface="Arial"/>
+                      </a:endParaRPr>
+                    </a:p>
+                    <a:p>
+                      <a:r>
+                        <a:rPr b="0" lang="ru-RU" sz="1800" spc="-1" strike="noStrike">
+                          <a:solidFill>
+                            <a:srgbClr val="000000"/>
+                          </a:solidFill>
+                          <a:latin typeface="Arial"/>
+                        </a:rPr>
+                        <a:t>- сохранение/выдача измеренных данных ПУ (параметры запроса выдаваемые данные в формате json)</a:t>
+                      </a:r>
                       <a:endParaRPr b="0" lang="ru-RU" sz="1800" spc="-1" strike="noStrike">
                         <a:solidFill>
                           <a:srgbClr val="000000"/>
@@ -8373,6 +8154,135 @@
                       <a:noAutofit/>
                     </a:bodyPr>
                     <a:p>
+                      <a:pPr>
+                        <a:lnSpc>
+                          <a:spcPct val="100000"/>
+                        </a:lnSpc>
+                      </a:pPr>
+                      <a:r>
+                        <a:rPr b="0" lang="ru-RU" sz="1800" spc="-1" strike="noStrike">
+                          <a:solidFill>
+                            <a:srgbClr val="000000"/>
+                          </a:solidFill>
+                          <a:latin typeface="Arial"/>
+                        </a:rPr>
+                        <a:t>Развитие проекта .</a:t>
+                      </a:r>
+                      <a:endParaRPr b="0" lang="ru-RU" sz="1800" spc="-1" strike="noStrike">
+                        <a:solidFill>
+                          <a:srgbClr val="000000"/>
+                        </a:solidFill>
+                        <a:latin typeface="Arial"/>
+                      </a:endParaRPr>
+                    </a:p>
+                    <a:p>
+                      <a:pPr>
+                        <a:lnSpc>
+                          <a:spcPct val="100000"/>
+                        </a:lnSpc>
+                      </a:pPr>
+                      <a:r>
+                        <a:rPr b="0" lang="ru-RU" sz="1800" spc="-1" strike="noStrike">
+                          <a:solidFill>
+                            <a:srgbClr val="000000"/>
+                          </a:solidFill>
+                          <a:latin typeface="Arial"/>
+                        </a:rPr>
+                        <a:t>Разработанный функционал является только прототипом и основой реально функционирующего приложения. Для его реального функционирования необходимо реализовать значительное число функций </a:t>
+                      </a:r>
+                      <a:endParaRPr b="0" lang="ru-RU" sz="1800" spc="-1" strike="noStrike">
+                        <a:solidFill>
+                          <a:srgbClr val="000000"/>
+                        </a:solidFill>
+                        <a:latin typeface="Arial"/>
+                      </a:endParaRPr>
+                    </a:p>
+                    <a:p>
+                      <a:pPr>
+                        <a:lnSpc>
+                          <a:spcPct val="100000"/>
+                        </a:lnSpc>
+                      </a:pPr>
+                      <a:r>
+                        <a:rPr b="0" lang="ru-RU" sz="1800" spc="-1" strike="noStrike">
+                          <a:solidFill>
+                            <a:srgbClr val="000000"/>
+                          </a:solidFill>
+                          <a:latin typeface="Arial"/>
+                        </a:rPr>
+                        <a:t> </a:t>
+                      </a:r>
+                      <a:r>
+                        <a:rPr b="0" lang="ru-RU" sz="1800" spc="-1" strike="noStrike">
+                          <a:solidFill>
+                            <a:srgbClr val="000000"/>
+                          </a:solidFill>
+                          <a:latin typeface="Arial"/>
+                        </a:rPr>
+                        <a:t>- Система управления доступом </a:t>
+                      </a:r>
+                      <a:endParaRPr b="0" lang="ru-RU" sz="1800" spc="-1" strike="noStrike">
+                        <a:solidFill>
+                          <a:srgbClr val="000000"/>
+                        </a:solidFill>
+                        <a:latin typeface="Arial"/>
+                      </a:endParaRPr>
+                    </a:p>
+                    <a:p>
+                      <a:pPr>
+                        <a:lnSpc>
+                          <a:spcPct val="100000"/>
+                        </a:lnSpc>
+                      </a:pPr>
+                      <a:r>
+                        <a:rPr b="0" lang="ru-RU" sz="1800" spc="-1" strike="noStrike">
+                          <a:solidFill>
+                            <a:srgbClr val="000000"/>
+                          </a:solidFill>
+                          <a:latin typeface="Arial"/>
+                        </a:rPr>
+                        <a:t> </a:t>
+                      </a:r>
+                      <a:r>
+                        <a:rPr b="0" lang="ru-RU" sz="1800" spc="-1" strike="noStrike">
+                          <a:solidFill>
+                            <a:srgbClr val="000000"/>
+                          </a:solidFill>
+                          <a:latin typeface="Arial"/>
+                        </a:rPr>
+                        <a:t>- Система прямого опроса ПУ на основе сервера GURUX</a:t>
+                      </a:r>
+                      <a:endParaRPr b="0" lang="ru-RU" sz="1800" spc="-1" strike="noStrike">
+                        <a:solidFill>
+                          <a:srgbClr val="000000"/>
+                        </a:solidFill>
+                        <a:latin typeface="Arial"/>
+                      </a:endParaRPr>
+                    </a:p>
+                    <a:p>
+                      <a:pPr>
+                        <a:lnSpc>
+                          <a:spcPct val="100000"/>
+                        </a:lnSpc>
+                      </a:pPr>
+                      <a:r>
+                        <a:rPr b="0" lang="ru-RU" sz="1800" spc="-1" strike="noStrike">
+                          <a:solidFill>
+                            <a:srgbClr val="000000"/>
+                          </a:solidFill>
+                          <a:latin typeface="Arial"/>
+                        </a:rPr>
+                        <a:t> </a:t>
+                      </a:r>
+                      <a:r>
+                        <a:rPr b="0" lang="ru-RU" sz="1800" spc="-1" strike="noStrike">
+                          <a:solidFill>
+                            <a:srgbClr val="000000"/>
+                          </a:solidFill>
+                          <a:latin typeface="Arial"/>
+                        </a:rPr>
+                        <a:t>- Система mapper/reducer для пред обработки данных самим приложением.</a:t>
+                      </a:r>
                       <a:endParaRPr b="0" lang="ru-RU" sz="1800" spc="-1" strike="noStrike">
                         <a:solidFill>
                           <a:srgbClr val="000000"/>
@@ -8477,6 +8387,20 @@
                       <a:noAutofit/>
                     </a:bodyPr>
                     <a:p>
+                      <a:pPr>
+                        <a:lnSpc>
+                          <a:spcPct val="100000"/>
+                        </a:lnSpc>
+                      </a:pPr>
+                      <a:r>
+                        <a:rPr b="0" lang="ru-RU" sz="1800" spc="-1" strike="noStrike">
+                          <a:solidFill>
+                            <a:srgbClr val="000000"/>
+                          </a:solidFill>
+                          <a:latin typeface="Arial"/>
+                        </a:rPr>
+                        <a:t>В проекте в целом использовались знания полученные в процессе обучения что позволило достичь поставленных целей.</a:t>
+                      </a:r>
                       <a:endParaRPr b="0" lang="ru-RU" sz="1800" spc="-1" strike="noStrike">
                         <a:solidFill>
                           <a:srgbClr val="000000"/>
@@ -8518,74 +8442,6 @@
           </a:graphicData>
         </a:graphic>
       </p:graphicFrame>
-      <p:sp>
-        <p:nvSpPr>
-          <p:cNvPr id="117" name="Google Shape;204;p39"/>
-          <p:cNvSpPr/>
-          <p:nvPr/>
-        </p:nvSpPr>
-        <p:spPr>
-          <a:xfrm>
-            <a:off x="4768560" y="4502520"/>
-            <a:ext cx="3421800" cy="1090800"/>
-          </a:xfrm>
-          <a:prstGeom prst="wedgeRectCallout">
-            <a:avLst>
-              <a:gd name="adj1" fmla="val -44483"/>
-              <a:gd name="adj2" fmla="val -89998"/>
-            </a:avLst>
-          </a:prstGeom>
-          <a:solidFill>
-            <a:srgbClr val="f3f3f3"/>
-          </a:solidFill>
-          <a:ln w="9525">
-            <a:solidFill>
-              <a:srgbClr val="013d85"/>
-            </a:solidFill>
-            <a:round/>
-          </a:ln>
-        </p:spPr>
-        <p:style>
-          <a:lnRef idx="0"/>
-          <a:fillRef idx="0"/>
-          <a:effectRef idx="0"/>
-          <a:fontRef idx="minor"/>
-        </p:style>
-        <p:txBody>
-          <a:bodyPr lIns="198000" rIns="198000" tIns="126000" bIns="126000" anchor="ctr">
-            <a:noAutofit/>
-          </a:bodyPr>
-          <a:p>
-            <a:pPr>
-              <a:lnSpc>
-                <a:spcPct val="100000"/>
-              </a:lnSpc>
-              <a:spcBef>
-                <a:spcPts val="601"/>
-              </a:spcBef>
-              <a:tabLst>
-                <a:tab algn="l" pos="0"/>
-              </a:tabLst>
-            </a:pPr>
-            <a:r>
-              <a:rPr b="0" lang="ru" sz="1500" spc="-1" strike="noStrike">
-                <a:solidFill>
-                  <a:srgbClr val="02418b"/>
-                </a:solidFill>
-                <a:latin typeface="Roboto"/>
-                <a:ea typeface="Roboto"/>
-              </a:rPr>
-              <a:t>Запланируйте пару минут на рефлексию в конце защиты проекта и расскажите о планах по развитию</a:t>
-            </a:r>
-            <a:endParaRPr b="0" lang="ru-RU" sz="1500" spc="-1" strike="noStrike">
-              <a:solidFill>
-                <a:srgbClr val="000000"/>
-              </a:solidFill>
-              <a:latin typeface="Arial"/>
-            </a:endParaRPr>
-          </a:p>
-        </p:txBody>
-      </p:sp>
     </p:spTree>
   </p:cSld>
   <mc:AlternateContent>
@@ -8618,7 +8474,7 @@
       </p:grpSpPr>
       <p:sp>
         <p:nvSpPr>
-          <p:cNvPr id="118" name="PlaceHolder 1"/>
+          <p:cNvPr id="115" name="PlaceHolder 1"/>
           <p:cNvSpPr>
             <a:spLocks noGrp="1"/>
           </p:cNvSpPr>
@@ -8724,7 +8580,7 @@
       </p:grpSpPr>
       <p:sp>
         <p:nvSpPr>
-          <p:cNvPr id="119" name="PlaceHolder 1"/>
+          <p:cNvPr id="116" name="PlaceHolder 1"/>
           <p:cNvSpPr>
             <a:spLocks noGrp="1"/>
           </p:cNvSpPr>
@@ -8837,7 +8693,7 @@
       </p:grpSpPr>
       <p:sp>
         <p:nvSpPr>
-          <p:cNvPr id="120" name="PlaceHolder 1"/>
+          <p:cNvPr id="117" name="PlaceHolder 1"/>
           <p:cNvSpPr>
             <a:spLocks noGrp="1"/>
           </p:cNvSpPr>
@@ -8893,7 +8749,7 @@
       </p:sp>
       <p:pic>
         <p:nvPicPr>
-          <p:cNvPr id="121" name="Google Shape;220;p42" descr=""/>
+          <p:cNvPr id="118" name="Google Shape;220;p42" descr=""/>
           <p:cNvPicPr/>
           <p:nvPr/>
         </p:nvPicPr>
@@ -8916,7 +8772,7 @@
       </p:pic>
       <p:pic>
         <p:nvPicPr>
-          <p:cNvPr id="122" name="Google Shape;221;p42" descr=""/>
+          <p:cNvPr id="119" name="Google Shape;221;p42" descr=""/>
           <p:cNvPicPr/>
           <p:nvPr/>
         </p:nvPicPr>
@@ -8939,7 +8795,7 @@
       </p:pic>
       <p:pic>
         <p:nvPicPr>
-          <p:cNvPr id="123" name="Google Shape;222;p42" descr=""/>
+          <p:cNvPr id="120" name="Google Shape;222;p42" descr=""/>
           <p:cNvPicPr/>
           <p:nvPr/>
         </p:nvPicPr>
@@ -8962,7 +8818,7 @@
       </p:pic>
       <p:pic>
         <p:nvPicPr>
-          <p:cNvPr id="124" name="Google Shape;223;p42" descr=""/>
+          <p:cNvPr id="121" name="Google Shape;223;p42" descr=""/>
           <p:cNvPicPr/>
           <p:nvPr/>
         </p:nvPicPr>
@@ -8985,7 +8841,7 @@
       </p:pic>
       <p:sp>
         <p:nvSpPr>
-          <p:cNvPr id="125" name="Google Shape;224;p42"/>
+          <p:cNvPr id="122" name="Google Shape;224;p42"/>
           <p:cNvSpPr/>
           <p:nvPr/>
         </p:nvSpPr>
@@ -9042,7 +8898,7 @@
       </p:sp>
       <p:pic>
         <p:nvPicPr>
-          <p:cNvPr id="126" name="Google Shape;225;p42" descr=""/>
+          <p:cNvPr id="123" name="Google Shape;225;p42" descr=""/>
           <p:cNvPicPr/>
           <p:nvPr/>
         </p:nvPicPr>
@@ -9065,7 +8921,7 @@
       </p:pic>
       <p:pic>
         <p:nvPicPr>
-          <p:cNvPr id="127" name="Google Shape;226;p42" descr=""/>
+          <p:cNvPr id="124" name="Google Shape;226;p42" descr=""/>
           <p:cNvPicPr/>
           <p:nvPr/>
         </p:nvPicPr>
@@ -9088,7 +8944,7 @@
       </p:pic>
       <p:pic>
         <p:nvPicPr>
-          <p:cNvPr id="128" name="Google Shape;227;p42" descr=""/>
+          <p:cNvPr id="125" name="Google Shape;227;p42" descr=""/>
           <p:cNvPicPr/>
           <p:nvPr/>
         </p:nvPicPr>
@@ -9111,7 +8967,7 @@
       </p:pic>
       <p:pic>
         <p:nvPicPr>
-          <p:cNvPr id="129" name="Google Shape;228;p42" descr=""/>
+          <p:cNvPr id="126" name="Google Shape;228;p42" descr=""/>
           <p:cNvPicPr/>
           <p:nvPr/>
         </p:nvPicPr>
@@ -9134,7 +8990,7 @@
       </p:pic>
       <p:pic>
         <p:nvPicPr>
-          <p:cNvPr id="130" name="Google Shape;229;p42" descr=""/>
+          <p:cNvPr id="127" name="Google Shape;229;p42" descr=""/>
           <p:cNvPicPr/>
           <p:nvPr/>
         </p:nvPicPr>
@@ -9157,7 +9013,7 @@
       </p:pic>
       <p:pic>
         <p:nvPicPr>
-          <p:cNvPr id="131" name="Google Shape;230;p42" descr=""/>
+          <p:cNvPr id="128" name="Google Shape;230;p42" descr=""/>
           <p:cNvPicPr/>
           <p:nvPr/>
         </p:nvPicPr>
@@ -9180,7 +9036,7 @@
       </p:pic>
       <p:sp>
         <p:nvSpPr>
-          <p:cNvPr id="132" name="Google Shape;231;p42"/>
+          <p:cNvPr id="129" name="Google Shape;231;p42"/>
           <p:cNvSpPr/>
           <p:nvPr/>
         </p:nvSpPr>
@@ -9237,7 +9093,7 @@
       </p:sp>
       <p:pic>
         <p:nvPicPr>
-          <p:cNvPr id="133" name="Google Shape;232;p42" descr=""/>
+          <p:cNvPr id="130" name="Google Shape;232;p42" descr=""/>
           <p:cNvPicPr/>
           <p:nvPr/>
         </p:nvPicPr>
@@ -9260,7 +9116,7 @@
       </p:pic>
       <p:pic>
         <p:nvPicPr>
-          <p:cNvPr id="134" name="Google Shape;233;p42" descr=""/>
+          <p:cNvPr id="131" name="Google Shape;233;p42" descr=""/>
           <p:cNvPicPr/>
           <p:nvPr/>
         </p:nvPicPr>
@@ -9283,7 +9139,7 @@
       </p:pic>
       <p:pic>
         <p:nvPicPr>
-          <p:cNvPr id="135" name="Google Shape;234;p42" descr=""/>
+          <p:cNvPr id="132" name="Google Shape;234;p42" descr=""/>
           <p:cNvPicPr/>
           <p:nvPr/>
         </p:nvPicPr>
@@ -9306,7 +9162,7 @@
       </p:pic>
       <p:pic>
         <p:nvPicPr>
-          <p:cNvPr id="136" name="Google Shape;235;p42" descr=""/>
+          <p:cNvPr id="133" name="Google Shape;235;p42" descr=""/>
           <p:cNvPicPr/>
           <p:nvPr/>
         </p:nvPicPr>
@@ -9329,7 +9185,7 @@
       </p:pic>
       <p:pic>
         <p:nvPicPr>
-          <p:cNvPr id="137" name="Google Shape;236;p42" descr=""/>
+          <p:cNvPr id="134" name="Google Shape;236;p42" descr=""/>
           <p:cNvPicPr/>
           <p:nvPr/>
         </p:nvPicPr>
@@ -9352,7 +9208,7 @@
       </p:pic>
       <p:pic>
         <p:nvPicPr>
-          <p:cNvPr id="138" name="Google Shape;237;p42" descr=""/>
+          <p:cNvPr id="135" name="Google Shape;237;p42" descr=""/>
           <p:cNvPicPr/>
           <p:nvPr/>
         </p:nvPicPr>
@@ -9375,7 +9231,7 @@
       </p:pic>
       <p:pic>
         <p:nvPicPr>
-          <p:cNvPr id="139" name="Google Shape;238;p42" descr=""/>
+          <p:cNvPr id="136" name="Google Shape;238;p42" descr=""/>
           <p:cNvPicPr/>
           <p:nvPr/>
         </p:nvPicPr>
@@ -9398,7 +9254,7 @@
       </p:pic>
       <p:pic>
         <p:nvPicPr>
-          <p:cNvPr id="140" name="Google Shape;239;p42" descr=""/>
+          <p:cNvPr id="137" name="Google Shape;239;p42" descr=""/>
           <p:cNvPicPr/>
           <p:nvPr/>
         </p:nvPicPr>
@@ -9421,7 +9277,7 @@
       </p:pic>
       <p:pic>
         <p:nvPicPr>
-          <p:cNvPr id="141" name="Google Shape;240;p42" descr=""/>
+          <p:cNvPr id="138" name="Google Shape;240;p42" descr=""/>
           <p:cNvPicPr/>
           <p:nvPr/>
         </p:nvPicPr>
@@ -9444,7 +9300,7 @@
       </p:pic>
       <p:pic>
         <p:nvPicPr>
-          <p:cNvPr id="142" name="Google Shape;241;p42" descr=""/>
+          <p:cNvPr id="139" name="Google Shape;241;p42" descr=""/>
           <p:cNvPicPr/>
           <p:nvPr/>
         </p:nvPicPr>
@@ -9467,7 +9323,7 @@
       </p:pic>
       <p:pic>
         <p:nvPicPr>
-          <p:cNvPr id="143" name="Google Shape;242;p42" descr=""/>
+          <p:cNvPr id="140" name="Google Shape;242;p42" descr=""/>
           <p:cNvPicPr/>
           <p:nvPr/>
         </p:nvPicPr>
@@ -9490,7 +9346,7 @@
       </p:pic>
       <p:pic>
         <p:nvPicPr>
-          <p:cNvPr id="144" name="Google Shape;243;p42" descr=""/>
+          <p:cNvPr id="141" name="Google Shape;243;p42" descr=""/>
           <p:cNvPicPr/>
           <p:nvPr/>
         </p:nvPicPr>
@@ -9513,7 +9369,7 @@
       </p:pic>
       <p:pic>
         <p:nvPicPr>
-          <p:cNvPr id="145" name="Google Shape;244;p42" descr=""/>
+          <p:cNvPr id="142" name="Google Shape;244;p42" descr=""/>
           <p:cNvPicPr/>
           <p:nvPr/>
         </p:nvPicPr>
@@ -9536,7 +9392,7 @@
       </p:pic>
       <p:pic>
         <p:nvPicPr>
-          <p:cNvPr id="146" name="Google Shape;245;p42" descr=""/>
+          <p:cNvPr id="143" name="Google Shape;245;p42" descr=""/>
           <p:cNvPicPr/>
           <p:nvPr/>
         </p:nvPicPr>
@@ -9559,7 +9415,7 @@
       </p:pic>
       <p:pic>
         <p:nvPicPr>
-          <p:cNvPr id="147" name="Google Shape;246;p42" descr=""/>
+          <p:cNvPr id="144" name="Google Shape;246;p42" descr=""/>
           <p:cNvPicPr/>
           <p:nvPr/>
         </p:nvPicPr>
@@ -9582,7 +9438,7 @@
       </p:pic>
       <p:pic>
         <p:nvPicPr>
-          <p:cNvPr id="148" name="Google Shape;247;p42" descr=""/>
+          <p:cNvPr id="145" name="Google Shape;247;p42" descr=""/>
           <p:cNvPicPr/>
           <p:nvPr/>
         </p:nvPicPr>
@@ -9605,7 +9461,7 @@
       </p:pic>
       <p:pic>
         <p:nvPicPr>
-          <p:cNvPr id="149" name="Google Shape;248;p42" descr=""/>
+          <p:cNvPr id="146" name="Google Shape;248;p42" descr=""/>
           <p:cNvPicPr/>
           <p:nvPr/>
         </p:nvPicPr>
@@ -9628,7 +9484,7 @@
       </p:pic>
       <p:pic>
         <p:nvPicPr>
-          <p:cNvPr id="150" name="Google Shape;249;p42" descr=""/>
+          <p:cNvPr id="147" name="Google Shape;249;p42" descr=""/>
           <p:cNvPicPr/>
           <p:nvPr/>
         </p:nvPicPr>
@@ -9651,7 +9507,7 @@
       </p:pic>
       <p:sp>
         <p:nvSpPr>
-          <p:cNvPr id="151" name="Google Shape;250;p42"/>
+          <p:cNvPr id="148" name="Google Shape;250;p42"/>
           <p:cNvSpPr/>
           <p:nvPr/>
         </p:nvSpPr>
@@ -9746,7 +9602,7 @@
       </p:grpSpPr>
       <p:sp>
         <p:nvSpPr>
-          <p:cNvPr id="152" name="PlaceHolder 1"/>
+          <p:cNvPr id="149" name="PlaceHolder 1"/>
           <p:cNvSpPr>
             <a:spLocks noGrp="1"/>
           </p:cNvSpPr>
@@ -9802,7 +9658,7 @@
       </p:sp>
       <p:pic>
         <p:nvPicPr>
-          <p:cNvPr id="153" name="Google Shape;256;p43" descr=""/>
+          <p:cNvPr id="150" name="Google Shape;256;p43" descr=""/>
           <p:cNvPicPr/>
           <p:nvPr/>
         </p:nvPicPr>
@@ -9825,7 +9681,7 @@
       </p:pic>
       <p:pic>
         <p:nvPicPr>
-          <p:cNvPr id="154" name="Google Shape;257;p43" descr=""/>
+          <p:cNvPr id="151" name="Google Shape;257;p43" descr=""/>
           <p:cNvPicPr/>
           <p:nvPr/>
         </p:nvPicPr>
@@ -9848,7 +9704,7 @@
       </p:pic>
       <p:pic>
         <p:nvPicPr>
-          <p:cNvPr id="155" name="Google Shape;258;p43" descr=""/>
+          <p:cNvPr id="152" name="Google Shape;258;p43" descr=""/>
           <p:cNvPicPr/>
           <p:nvPr/>
         </p:nvPicPr>
@@ -9871,7 +9727,7 @@
       </p:pic>
       <p:pic>
         <p:nvPicPr>
-          <p:cNvPr id="156" name="Google Shape;259;p43" descr=""/>
+          <p:cNvPr id="153" name="Google Shape;259;p43" descr=""/>
           <p:cNvPicPr/>
           <p:nvPr/>
         </p:nvPicPr>
@@ -9894,7 +9750,7 @@
       </p:pic>
       <p:sp>
         <p:nvSpPr>
-          <p:cNvPr id="157" name="PlaceHolder 2"/>
+          <p:cNvPr id="154" name="PlaceHolder 2"/>
           <p:cNvSpPr>
             <a:spLocks noGrp="1"/>
           </p:cNvSpPr>
@@ -9949,7 +9805,7 @@
       </p:sp>
       <p:pic>
         <p:nvPicPr>
-          <p:cNvPr id="158" name="Google Shape;261;p43" descr=""/>
+          <p:cNvPr id="155" name="Google Shape;261;p43" descr=""/>
           <p:cNvPicPr/>
           <p:nvPr/>
         </p:nvPicPr>
@@ -9972,7 +9828,7 @@
       </p:pic>
       <p:pic>
         <p:nvPicPr>
-          <p:cNvPr id="159" name="Google Shape;262;p43" descr=""/>
+          <p:cNvPr id="156" name="Google Shape;262;p43" descr=""/>
           <p:cNvPicPr/>
           <p:nvPr/>
         </p:nvPicPr>
@@ -9995,7 +9851,7 @@
       </p:pic>
       <p:pic>
         <p:nvPicPr>
-          <p:cNvPr id="160" name="Google Shape;263;p43" descr=""/>
+          <p:cNvPr id="157" name="Google Shape;263;p43" descr=""/>
           <p:cNvPicPr/>
           <p:nvPr/>
         </p:nvPicPr>
@@ -10018,7 +9874,7 @@
       </p:pic>
       <p:pic>
         <p:nvPicPr>
-          <p:cNvPr id="161" name="Google Shape;264;p43" descr=""/>
+          <p:cNvPr id="158" name="Google Shape;264;p43" descr=""/>
           <p:cNvPicPr/>
           <p:nvPr/>
         </p:nvPicPr>
@@ -10041,7 +9897,7 @@
       </p:pic>
       <p:pic>
         <p:nvPicPr>
-          <p:cNvPr id="162" name="Google Shape;265;p43" descr=""/>
+          <p:cNvPr id="159" name="Google Shape;265;p43" descr=""/>
           <p:cNvPicPr/>
           <p:nvPr/>
         </p:nvPicPr>
@@ -10064,7 +9920,7 @@
       </p:pic>
       <p:pic>
         <p:nvPicPr>
-          <p:cNvPr id="163" name="Google Shape;266;p43" descr=""/>
+          <p:cNvPr id="160" name="Google Shape;266;p43" descr=""/>
           <p:cNvPicPr/>
           <p:nvPr/>
         </p:nvPicPr>
@@ -10087,7 +9943,7 @@
       </p:pic>
       <p:pic>
         <p:nvPicPr>
-          <p:cNvPr id="164" name="Google Shape;267;p43" descr=""/>
+          <p:cNvPr id="161" name="Google Shape;267;p43" descr=""/>
           <p:cNvPicPr/>
           <p:nvPr/>
         </p:nvPicPr>
@@ -10110,7 +9966,7 @@
       </p:pic>
       <p:pic>
         <p:nvPicPr>
-          <p:cNvPr id="165" name="Google Shape;268;p43" descr=""/>
+          <p:cNvPr id="162" name="Google Shape;268;p43" descr=""/>
           <p:cNvPicPr/>
           <p:nvPr/>
         </p:nvPicPr>
@@ -10133,7 +9989,7 @@
       </p:pic>
       <p:pic>
         <p:nvPicPr>
-          <p:cNvPr id="166" name="Google Shape;269;p43" descr=""/>
+          <p:cNvPr id="163" name="Google Shape;269;p43" descr=""/>
           <p:cNvPicPr/>
           <p:nvPr/>
         </p:nvPicPr>
@@ -10156,7 +10012,7 @@
       </p:pic>
       <p:pic>
         <p:nvPicPr>
-          <p:cNvPr id="167" name="Google Shape;270;p43" descr=""/>
+          <p:cNvPr id="164" name="Google Shape;270;p43" descr=""/>
           <p:cNvPicPr/>
           <p:nvPr/>
         </p:nvPicPr>
@@ -10179,7 +10035,7 @@
       </p:pic>
       <p:sp>
         <p:nvSpPr>
-          <p:cNvPr id="168" name="PlaceHolder 3"/>
+          <p:cNvPr id="165" name="PlaceHolder 3"/>
           <p:cNvSpPr>
             <a:spLocks noGrp="1"/>
           </p:cNvSpPr>
@@ -10234,7 +10090,7 @@
       </p:sp>
       <p:pic>
         <p:nvPicPr>
-          <p:cNvPr id="169" name="Google Shape;272;p43" descr=""/>
+          <p:cNvPr id="166" name="Google Shape;272;p43" descr=""/>
           <p:cNvPicPr/>
           <p:nvPr/>
         </p:nvPicPr>
@@ -10257,7 +10113,7 @@
       </p:pic>
       <p:pic>
         <p:nvPicPr>
-          <p:cNvPr id="170" name="Google Shape;273;p43" descr=""/>
+          <p:cNvPr id="167" name="Google Shape;273;p43" descr=""/>
           <p:cNvPicPr/>
           <p:nvPr/>
         </p:nvPicPr>
@@ -10280,7 +10136,7 @@
       </p:pic>
       <p:pic>
         <p:nvPicPr>
-          <p:cNvPr id="171" name="Google Shape;274;p43" descr=""/>
+          <p:cNvPr id="168" name="Google Shape;274;p43" descr=""/>
           <p:cNvPicPr/>
           <p:nvPr/>
         </p:nvPicPr>
@@ -10303,7 +10159,7 @@
       </p:pic>
       <p:pic>
         <p:nvPicPr>
-          <p:cNvPr id="172" name="Google Shape;275;p43" descr=""/>
+          <p:cNvPr id="169" name="Google Shape;275;p43" descr=""/>
           <p:cNvPicPr/>
           <p:nvPr/>
         </p:nvPicPr>
@@ -10326,7 +10182,7 @@
       </p:pic>
       <p:pic>
         <p:nvPicPr>
-          <p:cNvPr id="173" name="Google Shape;276;p43" descr=""/>
+          <p:cNvPr id="170" name="Google Shape;276;p43" descr=""/>
           <p:cNvPicPr/>
           <p:nvPr/>
         </p:nvPicPr>
@@ -10349,7 +10205,7 @@
       </p:pic>
       <p:pic>
         <p:nvPicPr>
-          <p:cNvPr id="174" name="Google Shape;277;p43" descr=""/>
+          <p:cNvPr id="171" name="Google Shape;277;p43" descr=""/>
           <p:cNvPicPr/>
           <p:nvPr/>
         </p:nvPicPr>
@@ -10372,7 +10228,7 @@
       </p:pic>
       <p:pic>
         <p:nvPicPr>
-          <p:cNvPr id="175" name="Google Shape;278;p43" descr=""/>
+          <p:cNvPr id="172" name="Google Shape;278;p43" descr=""/>
           <p:cNvPicPr/>
           <p:nvPr/>
         </p:nvPicPr>
@@ -10395,7 +10251,7 @@
       </p:pic>
       <p:pic>
         <p:nvPicPr>
-          <p:cNvPr id="176" name="Google Shape;279;p43" descr=""/>
+          <p:cNvPr id="173" name="Google Shape;279;p43" descr=""/>
           <p:cNvPicPr/>
           <p:nvPr/>
         </p:nvPicPr>
@@ -10448,7 +10304,7 @@
       </p:grpSpPr>
       <p:sp>
         <p:nvSpPr>
-          <p:cNvPr id="177" name="PlaceHolder 1"/>
+          <p:cNvPr id="174" name="PlaceHolder 1"/>
           <p:cNvSpPr>
             <a:spLocks noGrp="1"/>
           </p:cNvSpPr>
@@ -10504,7 +10360,7 @@
       </p:sp>
       <p:sp>
         <p:nvSpPr>
-          <p:cNvPr id="178" name="PlaceHolder 2"/>
+          <p:cNvPr id="175" name="PlaceHolder 2"/>
           <p:cNvSpPr>
             <a:spLocks noGrp="1"/>
           </p:cNvSpPr>
@@ -10560,7 +10416,7 @@
       </p:sp>
       <p:pic>
         <p:nvPicPr>
-          <p:cNvPr id="179" name="Google Shape;286;p44" descr=""/>
+          <p:cNvPr id="176" name="Google Shape;286;p44" descr=""/>
           <p:cNvPicPr/>
           <p:nvPr/>
         </p:nvPicPr>
@@ -10583,7 +10439,7 @@
       </p:pic>
       <p:pic>
         <p:nvPicPr>
-          <p:cNvPr id="180" name="Google Shape;287;p44" descr=""/>
+          <p:cNvPr id="177" name="Google Shape;287;p44" descr=""/>
           <p:cNvPicPr/>
           <p:nvPr/>
         </p:nvPicPr>
@@ -10606,7 +10462,7 @@
       </p:pic>
       <p:pic>
         <p:nvPicPr>
-          <p:cNvPr id="181" name="Google Shape;288;p44" descr=""/>
+          <p:cNvPr id="178" name="Google Shape;288;p44" descr=""/>
           <p:cNvPicPr/>
           <p:nvPr/>
         </p:nvPicPr>
@@ -10629,7 +10485,7 @@
       </p:pic>
       <p:pic>
         <p:nvPicPr>
-          <p:cNvPr id="182" name="Google Shape;289;p44" descr=""/>
+          <p:cNvPr id="179" name="Google Shape;289;p44" descr=""/>
           <p:cNvPicPr/>
           <p:nvPr/>
         </p:nvPicPr>
@@ -10652,7 +10508,7 @@
       </p:pic>
       <p:pic>
         <p:nvPicPr>
-          <p:cNvPr id="183" name="Google Shape;290;p44" descr=""/>
+          <p:cNvPr id="180" name="Google Shape;290;p44" descr=""/>
           <p:cNvPicPr/>
           <p:nvPr/>
         </p:nvPicPr>
@@ -10675,7 +10531,7 @@
       </p:pic>
       <p:pic>
         <p:nvPicPr>
-          <p:cNvPr id="184" name="Google Shape;291;p44" descr=""/>
+          <p:cNvPr id="181" name="Google Shape;291;p44" descr=""/>
           <p:cNvPicPr/>
           <p:nvPr/>
         </p:nvPicPr>
@@ -10698,7 +10554,7 @@
       </p:pic>
       <p:pic>
         <p:nvPicPr>
-          <p:cNvPr id="185" name="Google Shape;292;p44" descr=""/>
+          <p:cNvPr id="182" name="Google Shape;292;p44" descr=""/>
           <p:cNvPicPr/>
           <p:nvPr/>
         </p:nvPicPr>
@@ -10721,7 +10577,7 @@
       </p:pic>
       <p:pic>
         <p:nvPicPr>
-          <p:cNvPr id="186" name="Google Shape;293;p44" descr=""/>
+          <p:cNvPr id="183" name="Google Shape;293;p44" descr=""/>
           <p:cNvPicPr/>
           <p:nvPr/>
         </p:nvPicPr>
@@ -10744,7 +10600,7 @@
       </p:pic>
       <p:pic>
         <p:nvPicPr>
-          <p:cNvPr id="187" name="Google Shape;294;p44" descr=""/>
+          <p:cNvPr id="184" name="Google Shape;294;p44" descr=""/>
           <p:cNvPicPr/>
           <p:nvPr/>
         </p:nvPicPr>
@@ -10767,7 +10623,7 @@
       </p:pic>
       <p:pic>
         <p:nvPicPr>
-          <p:cNvPr id="188" name="Google Shape;295;p44" descr=""/>
+          <p:cNvPr id="185" name="Google Shape;295;p44" descr=""/>
           <p:cNvPicPr/>
           <p:nvPr/>
         </p:nvPicPr>
@@ -10790,7 +10646,7 @@
       </p:pic>
       <p:pic>
         <p:nvPicPr>
-          <p:cNvPr id="189" name="Google Shape;296;p44" descr=""/>
+          <p:cNvPr id="186" name="Google Shape;296;p44" descr=""/>
           <p:cNvPicPr/>
           <p:nvPr/>
         </p:nvPicPr>
@@ -10813,7 +10669,7 @@
       </p:pic>
       <p:pic>
         <p:nvPicPr>
-          <p:cNvPr id="190" name="Google Shape;297;p44" descr=""/>
+          <p:cNvPr id="187" name="Google Shape;297;p44" descr=""/>
           <p:cNvPicPr/>
           <p:nvPr/>
         </p:nvPicPr>
@@ -10836,7 +10692,7 @@
       </p:pic>
       <p:pic>
         <p:nvPicPr>
-          <p:cNvPr id="191" name="Google Shape;298;p44" descr=""/>
+          <p:cNvPr id="188" name="Google Shape;298;p44" descr=""/>
           <p:cNvPicPr/>
           <p:nvPr/>
         </p:nvPicPr>
@@ -10859,7 +10715,7 @@
       </p:pic>
       <p:pic>
         <p:nvPicPr>
-          <p:cNvPr id="192" name="Google Shape;299;p44" descr=""/>
+          <p:cNvPr id="189" name="Google Shape;299;p44" descr=""/>
           <p:cNvPicPr/>
           <p:nvPr/>
         </p:nvPicPr>
@@ -10882,7 +10738,7 @@
       </p:pic>
       <p:pic>
         <p:nvPicPr>
-          <p:cNvPr id="193" name="Google Shape;300;p44" descr=""/>
+          <p:cNvPr id="190" name="Google Shape;300;p44" descr=""/>
           <p:cNvPicPr/>
           <p:nvPr/>
         </p:nvPicPr>
@@ -10905,7 +10761,7 @@
       </p:pic>
       <p:pic>
         <p:nvPicPr>
-          <p:cNvPr id="194" name="Google Shape;301;p44" descr=""/>
+          <p:cNvPr id="191" name="Google Shape;301;p44" descr=""/>
           <p:cNvPicPr/>
           <p:nvPr/>
         </p:nvPicPr>
@@ -10928,7 +10784,7 @@
       </p:pic>
       <p:sp>
         <p:nvSpPr>
-          <p:cNvPr id="195" name="PlaceHolder 3"/>
+          <p:cNvPr id="192" name="PlaceHolder 3"/>
           <p:cNvSpPr>
             <a:spLocks noGrp="1"/>
           </p:cNvSpPr>
@@ -10983,7 +10839,7 @@
       </p:sp>
       <p:pic>
         <p:nvPicPr>
-          <p:cNvPr id="196" name="Google Shape;303;p44" descr=""/>
+          <p:cNvPr id="193" name="Google Shape;303;p44" descr=""/>
           <p:cNvPicPr/>
           <p:nvPr/>
         </p:nvPicPr>
@@ -11006,7 +10862,7 @@
       </p:pic>
       <p:pic>
         <p:nvPicPr>
-          <p:cNvPr id="197" name="Google Shape;304;p44" descr=""/>
+          <p:cNvPr id="194" name="Google Shape;304;p44" descr=""/>
           <p:cNvPicPr/>
           <p:nvPr/>
         </p:nvPicPr>
@@ -11029,7 +10885,7 @@
       </p:pic>
       <p:pic>
         <p:nvPicPr>
-          <p:cNvPr id="198" name="Google Shape;305;p44" descr=""/>
+          <p:cNvPr id="195" name="Google Shape;305;p44" descr=""/>
           <p:cNvPicPr/>
           <p:nvPr/>
         </p:nvPicPr>
@@ -11052,7 +10908,7 @@
       </p:pic>
       <p:pic>
         <p:nvPicPr>
-          <p:cNvPr id="199" name="Google Shape;306;p44" descr=""/>
+          <p:cNvPr id="196" name="Google Shape;306;p44" descr=""/>
           <p:cNvPicPr/>
           <p:nvPr/>
         </p:nvPicPr>
@@ -11075,7 +10931,7 @@
       </p:pic>
       <p:pic>
         <p:nvPicPr>
-          <p:cNvPr id="200" name="Google Shape;307;p44" descr=""/>
+          <p:cNvPr id="197" name="Google Shape;307;p44" descr=""/>
           <p:cNvPicPr/>
           <p:nvPr/>
         </p:nvPicPr>
@@ -11098,7 +10954,7 @@
       </p:pic>
       <p:pic>
         <p:nvPicPr>
-          <p:cNvPr id="201" name="Google Shape;308;p44" descr=""/>
+          <p:cNvPr id="198" name="Google Shape;308;p44" descr=""/>
           <p:cNvPicPr/>
           <p:nvPr/>
         </p:nvPicPr>
@@ -11121,7 +10977,7 @@
       </p:pic>
       <p:pic>
         <p:nvPicPr>
-          <p:cNvPr id="202" name="Google Shape;309;p44" descr=""/>
+          <p:cNvPr id="199" name="Google Shape;309;p44" descr=""/>
           <p:cNvPicPr/>
           <p:nvPr/>
         </p:nvPicPr>
@@ -11144,7 +11000,7 @@
       </p:pic>
       <p:pic>
         <p:nvPicPr>
-          <p:cNvPr id="203" name="Google Shape;310;p44" descr=""/>
+          <p:cNvPr id="200" name="Google Shape;310;p44" descr=""/>
           <p:cNvPicPr/>
           <p:nvPr/>
         </p:nvPicPr>
@@ -11167,7 +11023,7 @@
       </p:pic>
       <p:pic>
         <p:nvPicPr>
-          <p:cNvPr id="204" name="Google Shape;311;p44" descr=""/>
+          <p:cNvPr id="201" name="Google Shape;311;p44" descr=""/>
           <p:cNvPicPr/>
           <p:nvPr/>
         </p:nvPicPr>
@@ -11190,7 +11046,7 @@
       </p:pic>
       <p:pic>
         <p:nvPicPr>
-          <p:cNvPr id="205" name="Google Shape;312;p44" descr=""/>
+          <p:cNvPr id="202" name="Google Shape;312;p44" descr=""/>
           <p:cNvPicPr/>
           <p:nvPr/>
         </p:nvPicPr>
@@ -11213,7 +11069,7 @@
       </p:pic>
       <p:pic>
         <p:nvPicPr>
-          <p:cNvPr id="206" name="Google Shape;313;p44" descr=""/>
+          <p:cNvPr id="203" name="Google Shape;313;p44" descr=""/>
           <p:cNvPicPr/>
           <p:nvPr/>
         </p:nvPicPr>
@@ -11236,7 +11092,7 @@
       </p:pic>
       <p:pic>
         <p:nvPicPr>
-          <p:cNvPr id="207" name="Google Shape;314;p44" descr=""/>
+          <p:cNvPr id="204" name="Google Shape;314;p44" descr=""/>
           <p:cNvPicPr/>
           <p:nvPr/>
         </p:nvPicPr>
@@ -11289,7 +11145,7 @@
       </p:grpSpPr>
       <p:sp>
         <p:nvSpPr>
-          <p:cNvPr id="208" name="PlaceHolder 1"/>
+          <p:cNvPr id="205" name="PlaceHolder 1"/>
           <p:cNvSpPr>
             <a:spLocks noGrp="1"/>
           </p:cNvSpPr>
@@ -11345,7 +11201,7 @@
       </p:sp>
       <p:sp>
         <p:nvSpPr>
-          <p:cNvPr id="209" name="PlaceHolder 2"/>
+          <p:cNvPr id="206" name="PlaceHolder 2"/>
           <p:cNvSpPr>
             <a:spLocks noGrp="1"/>
           </p:cNvSpPr>
@@ -11401,7 +11257,7 @@
       </p:sp>
       <p:pic>
         <p:nvPicPr>
-          <p:cNvPr id="210" name="Google Shape;321;p45" descr=""/>
+          <p:cNvPr id="207" name="Google Shape;321;p45" descr=""/>
           <p:cNvPicPr/>
           <p:nvPr/>
         </p:nvPicPr>
@@ -11424,7 +11280,7 @@
       </p:pic>
       <p:pic>
         <p:nvPicPr>
-          <p:cNvPr id="211" name="Google Shape;322;p45" descr=""/>
+          <p:cNvPr id="208" name="Google Shape;322;p45" descr=""/>
           <p:cNvPicPr/>
           <p:nvPr/>
         </p:nvPicPr>
@@ -11447,7 +11303,7 @@
       </p:pic>
       <p:pic>
         <p:nvPicPr>
-          <p:cNvPr id="212" name="Google Shape;323;p45" descr=""/>
+          <p:cNvPr id="209" name="Google Shape;323;p45" descr=""/>
           <p:cNvPicPr/>
           <p:nvPr/>
         </p:nvPicPr>
@@ -11470,7 +11326,7 @@
       </p:pic>
       <p:pic>
         <p:nvPicPr>
-          <p:cNvPr id="213" name="Google Shape;324;p45" descr=""/>
+          <p:cNvPr id="210" name="Google Shape;324;p45" descr=""/>
           <p:cNvPicPr/>
           <p:nvPr/>
         </p:nvPicPr>
@@ -11493,7 +11349,7 @@
       </p:pic>
       <p:pic>
         <p:nvPicPr>
-          <p:cNvPr id="214" name="Google Shape;325;p45" descr=""/>
+          <p:cNvPr id="211" name="Google Shape;325;p45" descr=""/>
           <p:cNvPicPr/>
           <p:nvPr/>
         </p:nvPicPr>
@@ -11516,7 +11372,7 @@
       </p:pic>
       <p:pic>
         <p:nvPicPr>
-          <p:cNvPr id="215" name="Google Shape;326;p45" descr=""/>
+          <p:cNvPr id="212" name="Google Shape;326;p45" descr=""/>
           <p:cNvPicPr/>
           <p:nvPr/>
         </p:nvPicPr>
@@ -11539,7 +11395,7 @@
       </p:pic>
       <p:pic>
         <p:nvPicPr>
-          <p:cNvPr id="216" name="Google Shape;327;p45" descr=""/>
+          <p:cNvPr id="213" name="Google Shape;327;p45" descr=""/>
           <p:cNvPicPr/>
           <p:nvPr/>
         </p:nvPicPr>
@@ -11562,7 +11418,7 @@
       </p:pic>
       <p:pic>
         <p:nvPicPr>
-          <p:cNvPr id="217" name="Google Shape;328;p45" descr=""/>
+          <p:cNvPr id="214" name="Google Shape;328;p45" descr=""/>
           <p:cNvPicPr/>
           <p:nvPr/>
         </p:nvPicPr>
@@ -11585,7 +11441,7 @@
       </p:pic>
       <p:sp>
         <p:nvSpPr>
-          <p:cNvPr id="218" name="PlaceHolder 3"/>
+          <p:cNvPr id="215" name="PlaceHolder 3"/>
           <p:cNvSpPr>
             <a:spLocks noGrp="1"/>
           </p:cNvSpPr>
@@ -11640,7 +11496,7 @@
       </p:sp>
       <p:sp>
         <p:nvSpPr>
-          <p:cNvPr id="219" name="PlaceHolder 4"/>
+          <p:cNvPr id="216" name="PlaceHolder 4"/>
           <p:cNvSpPr>
             <a:spLocks noGrp="1"/>
           </p:cNvSpPr>
@@ -11695,7 +11551,7 @@
       </p:sp>
       <p:pic>
         <p:nvPicPr>
-          <p:cNvPr id="220" name="Google Shape;331;p45" descr=""/>
+          <p:cNvPr id="217" name="Google Shape;331;p45" descr=""/>
           <p:cNvPicPr/>
           <p:nvPr/>
         </p:nvPicPr>
@@ -11718,7 +11574,7 @@
       </p:pic>
       <p:pic>
         <p:nvPicPr>
-          <p:cNvPr id="221" name="Google Shape;332;p45" descr=""/>
+          <p:cNvPr id="218" name="Google Shape;332;p45" descr=""/>
           <p:cNvPicPr/>
           <p:nvPr/>
         </p:nvPicPr>
@@ -11741,7 +11597,7 @@
       </p:pic>
       <p:pic>
         <p:nvPicPr>
-          <p:cNvPr id="222" name="Google Shape;333;p45" descr=""/>
+          <p:cNvPr id="219" name="Google Shape;333;p45" descr=""/>
           <p:cNvPicPr/>
           <p:nvPr/>
         </p:nvPicPr>
@@ -11764,7 +11620,7 @@
       </p:pic>
       <p:pic>
         <p:nvPicPr>
-          <p:cNvPr id="223" name="Google Shape;334;p45" descr=""/>
+          <p:cNvPr id="220" name="Google Shape;334;p45" descr=""/>
           <p:cNvPicPr/>
           <p:nvPr/>
         </p:nvPicPr>
@@ -11787,7 +11643,7 @@
       </p:pic>
       <p:pic>
         <p:nvPicPr>
-          <p:cNvPr id="224" name="Google Shape;335;p45" descr=""/>
+          <p:cNvPr id="221" name="Google Shape;335;p45" descr=""/>
           <p:cNvPicPr/>
           <p:nvPr/>
         </p:nvPicPr>
@@ -11810,7 +11666,7 @@
       </p:pic>
       <p:pic>
         <p:nvPicPr>
-          <p:cNvPr id="225" name="Google Shape;336;p45" descr=""/>
+          <p:cNvPr id="222" name="Google Shape;336;p45" descr=""/>
           <p:cNvPicPr/>
           <p:nvPr/>
         </p:nvPicPr>
@@ -11833,7 +11689,7 @@
       </p:pic>
       <p:pic>
         <p:nvPicPr>
-          <p:cNvPr id="226" name="Google Shape;337;p45" descr=""/>
+          <p:cNvPr id="223" name="Google Shape;337;p45" descr=""/>
           <p:cNvPicPr/>
           <p:nvPr/>
         </p:nvPicPr>
@@ -11856,7 +11712,7 @@
       </p:pic>
       <p:pic>
         <p:nvPicPr>
-          <p:cNvPr id="227" name="Google Shape;338;p45" descr=""/>
+          <p:cNvPr id="224" name="Google Shape;338;p45" descr=""/>
           <p:cNvPicPr/>
           <p:nvPr/>
         </p:nvPicPr>
@@ -11879,7 +11735,7 @@
       </p:pic>
       <p:pic>
         <p:nvPicPr>
-          <p:cNvPr id="228" name="Google Shape;339;p45" descr=""/>
+          <p:cNvPr id="225" name="Google Shape;339;p45" descr=""/>
           <p:cNvPicPr/>
           <p:nvPr/>
         </p:nvPicPr>
@@ -11902,7 +11758,7 @@
       </p:pic>
       <p:pic>
         <p:nvPicPr>
-          <p:cNvPr id="229" name="Google Shape;340;p45" descr=""/>
+          <p:cNvPr id="226" name="Google Shape;340;p45" descr=""/>
           <p:cNvPicPr/>
           <p:nvPr/>
         </p:nvPicPr>
@@ -11925,7 +11781,7 @@
       </p:pic>
       <p:pic>
         <p:nvPicPr>
-          <p:cNvPr id="230" name="Google Shape;341;p45" descr=""/>
+          <p:cNvPr id="227" name="Google Shape;341;p45" descr=""/>
           <p:cNvPicPr/>
           <p:nvPr/>
         </p:nvPicPr>
@@ -11948,7 +11804,7 @@
       </p:pic>
       <p:pic>
         <p:nvPicPr>
-          <p:cNvPr id="231" name="Google Shape;342;p45" descr=""/>
+          <p:cNvPr id="228" name="Google Shape;342;p45" descr=""/>
           <p:cNvPicPr/>
           <p:nvPr/>
         </p:nvPicPr>
@@ -11971,7 +11827,7 @@
       </p:pic>
       <p:pic>
         <p:nvPicPr>
-          <p:cNvPr id="232" name="Google Shape;343;p45" descr=""/>
+          <p:cNvPr id="229" name="Google Shape;343;p45" descr=""/>
           <p:cNvPicPr/>
           <p:nvPr/>
         </p:nvPicPr>
@@ -11994,7 +11850,7 @@
       </p:pic>
       <p:pic>
         <p:nvPicPr>
-          <p:cNvPr id="233" name="Google Shape;344;p45" descr=""/>
+          <p:cNvPr id="230" name="Google Shape;344;p45" descr=""/>
           <p:cNvPicPr/>
           <p:nvPr/>
         </p:nvPicPr>
@@ -12017,7 +11873,7 @@
       </p:pic>
       <p:pic>
         <p:nvPicPr>
-          <p:cNvPr id="234" name="Google Shape;345;p45" descr=""/>
+          <p:cNvPr id="231" name="Google Shape;345;p45" descr=""/>
           <p:cNvPicPr/>
           <p:nvPr/>
         </p:nvPicPr>
@@ -12040,7 +11896,7 @@
       </p:pic>
       <p:pic>
         <p:nvPicPr>
-          <p:cNvPr id="235" name="Google Shape;346;p45" descr=""/>
+          <p:cNvPr id="232" name="Google Shape;346;p45" descr=""/>
           <p:cNvPicPr/>
           <p:nvPr/>
         </p:nvPicPr>
@@ -12063,7 +11919,7 @@
       </p:pic>
       <p:pic>
         <p:nvPicPr>
-          <p:cNvPr id="236" name="Google Shape;347;p45" descr=""/>
+          <p:cNvPr id="233" name="Google Shape;347;p45" descr=""/>
           <p:cNvPicPr/>
           <p:nvPr/>
         </p:nvPicPr>
@@ -12086,7 +11942,7 @@
       </p:pic>
       <p:pic>
         <p:nvPicPr>
-          <p:cNvPr id="237" name="Google Shape;348;p45" descr=""/>
+          <p:cNvPr id="234" name="Google Shape;348;p45" descr=""/>
           <p:cNvPicPr/>
           <p:nvPr/>
         </p:nvPicPr>
@@ -12109,7 +11965,7 @@
       </p:pic>
       <p:pic>
         <p:nvPicPr>
-          <p:cNvPr id="238" name="Google Shape;349;p45" descr=""/>
+          <p:cNvPr id="235" name="Google Shape;349;p45" descr=""/>
           <p:cNvPicPr/>
           <p:nvPr/>
         </p:nvPicPr>
@@ -12132,7 +11988,7 @@
       </p:pic>
       <p:pic>
         <p:nvPicPr>
-          <p:cNvPr id="239" name="Google Shape;350;p45" descr=""/>
+          <p:cNvPr id="236" name="Google Shape;350;p45" descr=""/>
           <p:cNvPicPr/>
           <p:nvPr/>
         </p:nvPicPr>
@@ -12155,7 +12011,7 @@
       </p:pic>
       <p:pic>
         <p:nvPicPr>
-          <p:cNvPr id="240" name="Google Shape;351;p45" descr=""/>
+          <p:cNvPr id="237" name="Google Shape;351;p45" descr=""/>
           <p:cNvPicPr/>
           <p:nvPr/>
         </p:nvPicPr>
@@ -12178,7 +12034,7 @@
       </p:pic>
       <p:pic>
         <p:nvPicPr>
-          <p:cNvPr id="241" name="Google Shape;352;p45" descr=""/>
+          <p:cNvPr id="238" name="Google Shape;352;p45" descr=""/>
           <p:cNvPicPr/>
           <p:nvPr/>
         </p:nvPicPr>
@@ -12201,7 +12057,7 @@
       </p:pic>
       <p:pic>
         <p:nvPicPr>
-          <p:cNvPr id="242" name="Google Shape;353;p45" descr=""/>
+          <p:cNvPr id="239" name="Google Shape;353;p45" descr=""/>
           <p:cNvPicPr/>
           <p:nvPr/>
         </p:nvPicPr>
@@ -12254,7 +12110,7 @@
       </p:grpSpPr>
       <p:sp>
         <p:nvSpPr>
-          <p:cNvPr id="243" name="PlaceHolder 1"/>
+          <p:cNvPr id="240" name="PlaceHolder 1"/>
           <p:cNvSpPr>
             <a:spLocks noGrp="1"/>
           </p:cNvSpPr>
@@ -12310,7 +12166,7 @@
       </p:sp>
       <p:sp>
         <p:nvSpPr>
-          <p:cNvPr id="244" name="PlaceHolder 2"/>
+          <p:cNvPr id="241" name="PlaceHolder 2"/>
           <p:cNvSpPr>
             <a:spLocks noGrp="1"/>
           </p:cNvSpPr>
@@ -12366,7 +12222,7 @@
       </p:sp>
       <p:pic>
         <p:nvPicPr>
-          <p:cNvPr id="245" name="Google Shape;360;p46" descr=""/>
+          <p:cNvPr id="242" name="Google Shape;360;p46" descr=""/>
           <p:cNvPicPr/>
           <p:nvPr/>
         </p:nvPicPr>
@@ -12389,7 +12245,7 @@
       </p:pic>
       <p:pic>
         <p:nvPicPr>
-          <p:cNvPr id="246" name="Google Shape;361;p46" descr=""/>
+          <p:cNvPr id="243" name="Google Shape;361;p46" descr=""/>
           <p:cNvPicPr/>
           <p:nvPr/>
         </p:nvPicPr>
@@ -12412,7 +12268,7 @@
       </p:pic>
       <p:pic>
         <p:nvPicPr>
-          <p:cNvPr id="247" name="Google Shape;362;p46" descr=""/>
+          <p:cNvPr id="244" name="Google Shape;362;p46" descr=""/>
           <p:cNvPicPr/>
           <p:nvPr/>
         </p:nvPicPr>
@@ -12435,7 +12291,7 @@
       </p:pic>
       <p:pic>
         <p:nvPicPr>
-          <p:cNvPr id="248" name="Google Shape;363;p46" descr=""/>
+          <p:cNvPr id="245" name="Google Shape;363;p46" descr=""/>
           <p:cNvPicPr/>
           <p:nvPr/>
         </p:nvPicPr>
@@ -12458,7 +12314,7 @@
       </p:pic>
       <p:pic>
         <p:nvPicPr>
-          <p:cNvPr id="249" name="Google Shape;364;p46" descr=""/>
+          <p:cNvPr id="246" name="Google Shape;364;p46" descr=""/>
           <p:cNvPicPr/>
           <p:nvPr/>
         </p:nvPicPr>
@@ -12481,7 +12337,7 @@
       </p:pic>
       <p:pic>
         <p:nvPicPr>
-          <p:cNvPr id="250" name="Google Shape;365;p46" descr=""/>
+          <p:cNvPr id="247" name="Google Shape;365;p46" descr=""/>
           <p:cNvPicPr/>
           <p:nvPr/>
         </p:nvPicPr>
@@ -12504,7 +12360,7 @@
       </p:pic>
       <p:pic>
         <p:nvPicPr>
-          <p:cNvPr id="251" name="Google Shape;366;p46" descr=""/>
+          <p:cNvPr id="248" name="Google Shape;366;p46" descr=""/>
           <p:cNvPicPr/>
           <p:nvPr/>
         </p:nvPicPr>
@@ -12527,7 +12383,7 @@
       </p:pic>
       <p:pic>
         <p:nvPicPr>
-          <p:cNvPr id="252" name="Google Shape;367;p46" descr=""/>
+          <p:cNvPr id="249" name="Google Shape;367;p46" descr=""/>
           <p:cNvPicPr/>
           <p:nvPr/>
         </p:nvPicPr>
@@ -12550,7 +12406,7 @@
       </p:pic>
       <p:pic>
         <p:nvPicPr>
-          <p:cNvPr id="253" name="Google Shape;368;p46" descr=""/>
+          <p:cNvPr id="250" name="Google Shape;368;p46" descr=""/>
           <p:cNvPicPr/>
           <p:nvPr/>
         </p:nvPicPr>
@@ -12573,7 +12429,7 @@
       </p:pic>
       <p:pic>
         <p:nvPicPr>
-          <p:cNvPr id="254" name="Google Shape;369;p46" descr=""/>
+          <p:cNvPr id="251" name="Google Shape;369;p46" descr=""/>
           <p:cNvPicPr/>
           <p:nvPr/>
         </p:nvPicPr>
@@ -12596,7 +12452,7 @@
       </p:pic>
       <p:pic>
         <p:nvPicPr>
-          <p:cNvPr id="255" name="Google Shape;370;p46" descr=""/>
+          <p:cNvPr id="252" name="Google Shape;370;p46" descr=""/>
           <p:cNvPicPr/>
           <p:nvPr/>
         </p:nvPicPr>
@@ -12619,7 +12475,7 @@
       </p:pic>
       <p:pic>
         <p:nvPicPr>
-          <p:cNvPr id="256" name="Google Shape;371;p46" descr=""/>
+          <p:cNvPr id="253" name="Google Shape;371;p46" descr=""/>
           <p:cNvPicPr/>
           <p:nvPr/>
         </p:nvPicPr>
@@ -12642,7 +12498,7 @@
       </p:pic>
       <p:pic>
         <p:nvPicPr>
-          <p:cNvPr id="257" name="Google Shape;372;p46" descr=""/>
+          <p:cNvPr id="254" name="Google Shape;372;p46" descr=""/>
           <p:cNvPicPr/>
           <p:nvPr/>
         </p:nvPicPr>
@@ -12665,7 +12521,7 @@
       </p:pic>
       <p:pic>
         <p:nvPicPr>
-          <p:cNvPr id="258" name="Google Shape;373;p46" descr=""/>
+          <p:cNvPr id="255" name="Google Shape;373;p46" descr=""/>
           <p:cNvPicPr/>
           <p:nvPr/>
         </p:nvPicPr>
@@ -12688,7 +12544,7 @@
       </p:pic>
       <p:pic>
         <p:nvPicPr>
-          <p:cNvPr id="259" name="Google Shape;374;p46" descr=""/>
+          <p:cNvPr id="256" name="Google Shape;374;p46" descr=""/>
           <p:cNvPicPr/>
           <p:nvPr/>
         </p:nvPicPr>
@@ -12711,7 +12567,7 @@
       </p:pic>
       <p:pic>
         <p:nvPicPr>
-          <p:cNvPr id="260" name="Google Shape;375;p46" descr=""/>
+          <p:cNvPr id="257" name="Google Shape;375;p46" descr=""/>
           <p:cNvPicPr/>
           <p:nvPr/>
         </p:nvPicPr>
@@ -12734,7 +12590,7 @@
       </p:pic>
       <p:pic>
         <p:nvPicPr>
-          <p:cNvPr id="261" name="Google Shape;376;p46" descr=""/>
+          <p:cNvPr id="258" name="Google Shape;376;p46" descr=""/>
           <p:cNvPicPr/>
           <p:nvPr/>
         </p:nvPicPr>
@@ -12757,7 +12613,7 @@
       </p:pic>
       <p:pic>
         <p:nvPicPr>
-          <p:cNvPr id="262" name="Google Shape;377;p46" descr=""/>
+          <p:cNvPr id="259" name="Google Shape;377;p46" descr=""/>
           <p:cNvPicPr/>
           <p:nvPr/>
         </p:nvPicPr>
@@ -12780,7 +12636,7 @@
       </p:pic>
       <p:pic>
         <p:nvPicPr>
-          <p:cNvPr id="263" name="Google Shape;378;p46" descr=""/>
+          <p:cNvPr id="260" name="Google Shape;378;p46" descr=""/>
           <p:cNvPicPr/>
           <p:nvPr/>
         </p:nvPicPr>
@@ -12803,7 +12659,7 @@
       </p:pic>
       <p:pic>
         <p:nvPicPr>
-          <p:cNvPr id="264" name="Google Shape;379;p46" descr=""/>
+          <p:cNvPr id="261" name="Google Shape;379;p46" descr=""/>
           <p:cNvPicPr/>
           <p:nvPr/>
         </p:nvPicPr>
@@ -12856,7 +12712,7 @@
       </p:grpSpPr>
       <p:sp>
         <p:nvSpPr>
-          <p:cNvPr id="265" name="PlaceHolder 1"/>
+          <p:cNvPr id="262" name="PlaceHolder 1"/>
           <p:cNvSpPr>
             <a:spLocks noGrp="1"/>
           </p:cNvSpPr>
@@ -12912,7 +12768,7 @@
       </p:sp>
       <p:pic>
         <p:nvPicPr>
-          <p:cNvPr id="266" name="Google Shape;385;p47" descr=""/>
+          <p:cNvPr id="263" name="Google Shape;385;p47" descr=""/>
           <p:cNvPicPr/>
           <p:nvPr/>
         </p:nvPicPr>
@@ -12939,7 +12795,7 @@
       </p:pic>
       <p:sp>
         <p:nvSpPr>
-          <p:cNvPr id="267" name="PlaceHolder 2"/>
+          <p:cNvPr id="264" name="PlaceHolder 2"/>
           <p:cNvSpPr>
             <a:spLocks noGrp="1"/>
           </p:cNvSpPr>
@@ -13162,7 +13018,7 @@
       </p:sp>
       <p:pic>
         <p:nvPicPr>
-          <p:cNvPr id="268" name="Google Shape;387;p47" descr=""/>
+          <p:cNvPr id="265" name="Google Shape;387;p47" descr=""/>
           <p:cNvPicPr/>
           <p:nvPr/>
         </p:nvPicPr>
@@ -13219,7 +13075,7 @@
       </p:grpSpPr>
       <p:sp>
         <p:nvSpPr>
-          <p:cNvPr id="269" name="PlaceHolder 1"/>
+          <p:cNvPr id="266" name="PlaceHolder 1"/>
           <p:cNvSpPr>
             <a:spLocks noGrp="1"/>
           </p:cNvSpPr>
@@ -13275,7 +13131,7 @@
       </p:sp>
       <p:pic>
         <p:nvPicPr>
-          <p:cNvPr id="270" name="Google Shape;393;p48" descr=""/>
+          <p:cNvPr id="267" name="Google Shape;393;p48" descr=""/>
           <p:cNvPicPr/>
           <p:nvPr/>
         </p:nvPicPr>
@@ -13301,7 +13157,7 @@
       </p:pic>
       <p:sp>
         <p:nvSpPr>
-          <p:cNvPr id="271" name="PlaceHolder 2"/>
+          <p:cNvPr id="268" name="PlaceHolder 2"/>
           <p:cNvSpPr>
             <a:spLocks noGrp="1"/>
           </p:cNvSpPr>
@@ -15680,71 +15536,6 @@
           </a:graphicData>
         </a:graphic>
       </p:graphicFrame>
-      <p:sp>
-        <p:nvSpPr>
-          <p:cNvPr id="94" name="Google Shape;177;p35"/>
-          <p:cNvSpPr/>
-          <p:nvPr/>
-        </p:nvSpPr>
-        <p:spPr>
-          <a:xfrm>
-            <a:off x="5339520" y="378000"/>
-            <a:ext cx="3421800" cy="1090800"/>
-          </a:xfrm>
-          <a:prstGeom prst="wedgeRectCallout">
-            <a:avLst>
-              <a:gd name="adj1" fmla="val -20833"/>
-              <a:gd name="adj2" fmla="val 62500"/>
-            </a:avLst>
-          </a:prstGeom>
-          <a:solidFill>
-            <a:srgbClr val="f3f3f3"/>
-          </a:solidFill>
-          <a:ln w="9525">
-            <a:solidFill>
-              <a:srgbClr val="013d85"/>
-            </a:solidFill>
-            <a:round/>
-          </a:ln>
-        </p:spPr>
-        <p:style>
-          <a:lnRef idx="0"/>
-          <a:fillRef idx="0"/>
-          <a:effectRef idx="0"/>
-          <a:fontRef idx="minor"/>
-        </p:style>
-        <p:txBody>
-          <a:bodyPr lIns="198000" rIns="198000" tIns="126000" bIns="126000" anchor="ctr">
-            <a:noAutofit/>
-          </a:bodyPr>
-          <a:p>
-            <a:pPr>
-              <a:lnSpc>
-                <a:spcPct val="100000"/>
-              </a:lnSpc>
-              <a:tabLst>
-                <a:tab algn="l" pos="0"/>
-              </a:tabLst>
-            </a:pPr>
-            <a:r>
-              <a:rPr b="0" lang="ru" sz="1500" spc="-1" strike="noStrike">
-                <a:solidFill>
-                  <a:srgbClr val="02418b"/>
-                </a:solidFill>
-                <a:latin typeface="Roboto"/>
-                <a:ea typeface="Roboto"/>
-              </a:rPr>
-              <a:t>Что было в начале, что знали до курса, сколько времени заняло выполнение проекта</a:t>
-            </a:r>
-            <a:endParaRPr b="0" lang="ru-RU" sz="1500" spc="-1" strike="noStrike">
-              <a:solidFill>
-                <a:srgbClr val="000000"/>
-              </a:solidFill>
-              <a:latin typeface="Arial"/>
-            </a:endParaRPr>
-          </a:p>
-        </p:txBody>
-      </p:sp>
     </p:spTree>
   </p:cSld>
   <mc:AlternateContent>
@@ -15777,7 +15568,7 @@
       </p:grpSpPr>
       <p:sp>
         <p:nvSpPr>
-          <p:cNvPr id="95" name="PlaceHolder 1"/>
+          <p:cNvPr id="94" name="PlaceHolder 1"/>
           <p:cNvSpPr>
             <a:spLocks noGrp="1"/>
           </p:cNvSpPr>
@@ -15833,7 +15624,7 @@
       </p:sp>
       <p:graphicFrame>
         <p:nvGraphicFramePr>
-          <p:cNvPr id="96" name="Google Shape;183;p36"/>
+          <p:cNvPr id="95" name="Google Shape;183;p36"/>
           <p:cNvGraphicFramePr/>
           <p:nvPr/>
         </p:nvGraphicFramePr>
@@ -16149,7 +15940,7 @@
                           </a:solidFill>
                           <a:latin typeface="Arial"/>
                         </a:rPr>
-                        <a:t>Шаблоны проектирования ( в частности реализация фабрики при разборе строк json )</a:t>
+                        <a:t>Шаблоны проектирования ( в частности реализация виртуальной фабрики при разборе строк json )</a:t>
                       </a:r>
                       <a:endParaRPr b="0" lang="ru-RU" sz="1800" spc="-1" strike="noStrike">
                         <a:solidFill>
@@ -16192,74 +15983,6 @@
           </a:graphicData>
         </a:graphic>
       </p:graphicFrame>
-      <p:sp>
-        <p:nvSpPr>
-          <p:cNvPr id="97" name="Google Shape;184;p36"/>
-          <p:cNvSpPr/>
-          <p:nvPr/>
-        </p:nvSpPr>
-        <p:spPr>
-          <a:xfrm>
-            <a:off x="4768560" y="4502520"/>
-            <a:ext cx="3421800" cy="1090800"/>
-          </a:xfrm>
-          <a:prstGeom prst="wedgeRectCallout">
-            <a:avLst>
-              <a:gd name="adj1" fmla="val -44483"/>
-              <a:gd name="adj2" fmla="val -89998"/>
-            </a:avLst>
-          </a:prstGeom>
-          <a:solidFill>
-            <a:srgbClr val="f3f3f3"/>
-          </a:solidFill>
-          <a:ln w="9525">
-            <a:solidFill>
-              <a:srgbClr val="013d85"/>
-            </a:solidFill>
-            <a:round/>
-          </a:ln>
-        </p:spPr>
-        <p:style>
-          <a:lnRef idx="0"/>
-          <a:fillRef idx="0"/>
-          <a:effectRef idx="0"/>
-          <a:fontRef idx="minor"/>
-        </p:style>
-        <p:txBody>
-          <a:bodyPr lIns="198000" rIns="198000" tIns="126000" bIns="126000" anchor="ctr">
-            <a:noAutofit/>
-          </a:bodyPr>
-          <a:p>
-            <a:pPr>
-              <a:lnSpc>
-                <a:spcPct val="100000"/>
-              </a:lnSpc>
-              <a:spcBef>
-                <a:spcPts val="601"/>
-              </a:spcBef>
-              <a:tabLst>
-                <a:tab algn="l" pos="0"/>
-              </a:tabLst>
-            </a:pPr>
-            <a:r>
-              <a:rPr b="0" lang="ru" sz="1500" spc="-1" strike="noStrike">
-                <a:solidFill>
-                  <a:srgbClr val="02418b"/>
-                </a:solidFill>
-                <a:latin typeface="Roboto"/>
-                <a:ea typeface="Roboto"/>
-              </a:rPr>
-              <a:t>Какие технологии использовались и какое у вас мнение о новых технологиях</a:t>
-            </a:r>
-            <a:endParaRPr b="0" lang="ru-RU" sz="1500" spc="-1" strike="noStrike">
-              <a:solidFill>
-                <a:srgbClr val="000000"/>
-              </a:solidFill>
-              <a:latin typeface="Arial"/>
-            </a:endParaRPr>
-          </a:p>
-        </p:txBody>
-      </p:sp>
     </p:spTree>
   </p:cSld>
   <mc:AlternateContent>
@@ -16292,7 +16015,7 @@
       </p:grpSpPr>
       <p:sp>
         <p:nvSpPr>
-          <p:cNvPr id="98" name="PlaceHolder 1"/>
+          <p:cNvPr id="96" name="PlaceHolder 1"/>
           <p:cNvSpPr>
             <a:spLocks noGrp="1"/>
           </p:cNvSpPr>
@@ -16348,7 +16071,7 @@
       </p:sp>
       <p:sp>
         <p:nvSpPr>
-          <p:cNvPr id="99" name="PlaceHolder 2"/>
+          <p:cNvPr id="97" name="PlaceHolder 2"/>
           <p:cNvSpPr>
             <a:spLocks noGrp="1"/>
           </p:cNvSpPr>
@@ -16589,7 +16312,7 @@
       </p:sp>
       <p:pic>
         <p:nvPicPr>
-          <p:cNvPr id="100" name="Google Shape;191;p37" descr=""/>
+          <p:cNvPr id="98" name="Google Shape;191;p37" descr=""/>
           <p:cNvPicPr/>
           <p:nvPr/>
         </p:nvPicPr>
@@ -16643,7 +16366,7 @@
       </p:grpSpPr>
       <p:sp>
         <p:nvSpPr>
-          <p:cNvPr id="101" name="PlaceHolder 1"/>
+          <p:cNvPr id="99" name="PlaceHolder 1"/>
           <p:cNvSpPr>
             <a:spLocks noGrp="1"/>
           </p:cNvSpPr>
@@ -16733,7 +16456,7 @@
       </p:sp>
       <p:sp>
         <p:nvSpPr>
-          <p:cNvPr id="102" name=""/>
+          <p:cNvPr id="100" name=""/>
           <p:cNvSpPr/>
           <p:nvPr/>
         </p:nvSpPr>
@@ -16786,7 +16509,7 @@
       </p:sp>
       <p:sp>
         <p:nvSpPr>
-          <p:cNvPr id="103" name=""/>
+          <p:cNvPr id="101" name=""/>
           <p:cNvSpPr/>
           <p:nvPr/>
         </p:nvSpPr>
@@ -16839,7 +16562,7 @@
       </p:sp>
       <p:sp>
         <p:nvSpPr>
-          <p:cNvPr id="104" name=""/>
+          <p:cNvPr id="102" name=""/>
           <p:cNvSpPr/>
           <p:nvPr/>
         </p:nvSpPr>
@@ -16910,7 +16633,7 @@
       </p:sp>
       <p:sp>
         <p:nvSpPr>
-          <p:cNvPr id="105" name=""/>
+          <p:cNvPr id="103" name=""/>
           <p:cNvSpPr/>
           <p:nvPr/>
         </p:nvSpPr>
@@ -16963,7 +16686,7 @@
       </p:sp>
       <p:sp>
         <p:nvSpPr>
-          <p:cNvPr id="106" name=""/>
+          <p:cNvPr id="104" name=""/>
           <p:cNvSpPr/>
           <p:nvPr/>
         </p:nvSpPr>
@@ -17028,7 +16751,7 @@
       </p:sp>
       <p:sp>
         <p:nvSpPr>
-          <p:cNvPr id="107" name=""/>
+          <p:cNvPr id="105" name=""/>
           <p:cNvSpPr/>
           <p:nvPr/>
         </p:nvSpPr>
@@ -17081,7 +16804,7 @@
       </p:sp>
       <p:sp>
         <p:nvSpPr>
-          <p:cNvPr id="108" name=""/>
+          <p:cNvPr id="106" name=""/>
           <p:cNvSpPr/>
           <p:nvPr/>
         </p:nvSpPr>
@@ -17152,7 +16875,7 @@
       </p:sp>
       <p:sp>
         <p:nvSpPr>
-          <p:cNvPr id="109" name=""/>
+          <p:cNvPr id="107" name=""/>
           <p:cNvSpPr/>
           <p:nvPr/>
         </p:nvSpPr>
@@ -17194,7 +16917,7 @@
       </p:sp>
       <p:sp>
         <p:nvSpPr>
-          <p:cNvPr id="110" name=""/>
+          <p:cNvPr id="108" name=""/>
           <p:cNvSpPr/>
           <p:nvPr/>
         </p:nvSpPr>
@@ -17236,10 +16959,10 @@
       </p:sp>
       <p:cxnSp>
         <p:nvCxnSpPr>
-          <p:cNvPr id="111" name=""/>
+          <p:cNvPr id="109" name=""/>
           <p:cNvCxnSpPr>
-            <a:stCxn id="106" idx="-1"/>
-            <a:endCxn id="107" idx="1"/>
+            <a:stCxn id="104" idx="-1"/>
+            <a:endCxn id="105" idx="1"/>
           </p:cNvCxnSpPr>
           <p:nvPr/>
         </p:nvCxnSpPr>
@@ -17264,10 +16987,10 @@
       </p:cxnSp>
       <p:cxnSp>
         <p:nvCxnSpPr>
-          <p:cNvPr id="112" name=""/>
+          <p:cNvPr id="110" name=""/>
           <p:cNvCxnSpPr>
-            <a:stCxn id="105" idx="3"/>
-            <a:endCxn id="107" idx="-1"/>
+            <a:stCxn id="103" idx="3"/>
+            <a:endCxn id="105" idx="-1"/>
           </p:cNvCxnSpPr>
           <p:nvPr/>
         </p:nvCxnSpPr>
@@ -17292,10 +17015,10 @@
       </p:cxnSp>
       <p:cxnSp>
         <p:nvCxnSpPr>
-          <p:cNvPr id="113" name=""/>
+          <p:cNvPr id="111" name=""/>
           <p:cNvCxnSpPr>
-            <a:stCxn id="102" idx="-1"/>
-            <a:endCxn id="106" idx="-1"/>
+            <a:stCxn id="100" idx="-1"/>
+            <a:endCxn id="104" idx="-1"/>
           </p:cNvCxnSpPr>
           <p:nvPr/>
         </p:nvCxnSpPr>
@@ -17320,10 +17043,10 @@
       </p:cxnSp>
       <p:cxnSp>
         <p:nvCxnSpPr>
-          <p:cNvPr id="114" name=""/>
+          <p:cNvPr id="112" name=""/>
           <p:cNvCxnSpPr>
-            <a:stCxn id="103" idx="3"/>
-            <a:endCxn id="105" idx="1"/>
+            <a:stCxn id="101" idx="3"/>
+            <a:endCxn id="103" idx="1"/>
           </p:cNvCxnSpPr>
           <p:nvPr/>
         </p:nvCxnSpPr>
